--- a/Smart Neighborhood.pptx
+++ b/Smart Neighborhood.pptx
@@ -6,7 +6,7 @@
   </p:sldMasterIdLst>
   <p:sldIdLst>
     <p:sldId id="256" r:id="rId2"/>
-    <p:sldId id="266" r:id="rId3"/>
+    <p:sldId id="281" r:id="rId3"/>
     <p:sldId id="257" r:id="rId4"/>
     <p:sldId id="258" r:id="rId5"/>
     <p:sldId id="265" r:id="rId6"/>
@@ -15,8 +15,21 @@
     <p:sldId id="260" r:id="rId9"/>
     <p:sldId id="268" r:id="rId10"/>
     <p:sldId id="262" r:id="rId11"/>
-    <p:sldId id="263" r:id="rId12"/>
-    <p:sldId id="264" r:id="rId13"/>
+    <p:sldId id="278" r:id="rId12"/>
+    <p:sldId id="282" r:id="rId13"/>
+    <p:sldId id="275" r:id="rId14"/>
+    <p:sldId id="280" r:id="rId15"/>
+    <p:sldId id="276" r:id="rId16"/>
+    <p:sldId id="277" r:id="rId17"/>
+    <p:sldId id="279" r:id="rId18"/>
+    <p:sldId id="263" r:id="rId19"/>
+    <p:sldId id="272" r:id="rId20"/>
+    <p:sldId id="269" r:id="rId21"/>
+    <p:sldId id="270" r:id="rId22"/>
+    <p:sldId id="271" r:id="rId23"/>
+    <p:sldId id="273" r:id="rId24"/>
+    <p:sldId id="274" r:id="rId25"/>
+    <p:sldId id="264" r:id="rId26"/>
   </p:sldIdLst>
   <p:sldSz cx="12192000" cy="6858000"/>
   <p:notesSz cx="6858000" cy="9144000"/>
@@ -349,7 +362,7 @@
           <a:p>
             <a:fld id="{8BE6B674-AADE-49EF-9780-6CBE5B9EDB57}" type="datetimeFigureOut">
               <a:rPr lang="en-GB" smtClean="0"/>
-              <a:t>03/04/2022</a:t>
+              <a:t>05/04/2022</a:t>
             </a:fld>
             <a:endParaRPr lang="en-GB"/>
           </a:p>
@@ -557,7 +570,7 @@
           <a:p>
             <a:fld id="{8BE6B674-AADE-49EF-9780-6CBE5B9EDB57}" type="datetimeFigureOut">
               <a:rPr lang="en-GB" smtClean="0"/>
-              <a:t>03/04/2022</a:t>
+              <a:t>05/04/2022</a:t>
             </a:fld>
             <a:endParaRPr lang="en-GB"/>
           </a:p>
@@ -813,7 +826,7 @@
           <a:p>
             <a:fld id="{8BE6B674-AADE-49EF-9780-6CBE5B9EDB57}" type="datetimeFigureOut">
               <a:rPr lang="en-GB" smtClean="0"/>
-              <a:t>03/04/2022</a:t>
+              <a:t>05/04/2022</a:t>
             </a:fld>
             <a:endParaRPr lang="en-GB"/>
           </a:p>
@@ -987,7 +1000,7 @@
           <a:p>
             <a:fld id="{8BE6B674-AADE-49EF-9780-6CBE5B9EDB57}" type="datetimeFigureOut">
               <a:rPr lang="en-GB" smtClean="0"/>
-              <a:t>03/04/2022</a:t>
+              <a:t>05/04/2022</a:t>
             </a:fld>
             <a:endParaRPr lang="en-GB"/>
           </a:p>
@@ -1330,7 +1343,7 @@
           <a:p>
             <a:fld id="{8BE6B674-AADE-49EF-9780-6CBE5B9EDB57}" type="datetimeFigureOut">
               <a:rPr lang="en-GB" smtClean="0"/>
-              <a:t>03/04/2022</a:t>
+              <a:t>05/04/2022</a:t>
             </a:fld>
             <a:endParaRPr lang="en-GB"/>
           </a:p>
@@ -1605,7 +1618,7 @@
           <a:p>
             <a:fld id="{8BE6B674-AADE-49EF-9780-6CBE5B9EDB57}" type="datetimeFigureOut">
               <a:rPr lang="en-GB" smtClean="0"/>
-              <a:t>03/04/2022</a:t>
+              <a:t>05/04/2022</a:t>
             </a:fld>
             <a:endParaRPr lang="en-GB"/>
           </a:p>
@@ -1984,7 +1997,7 @@
           <a:p>
             <a:fld id="{8BE6B674-AADE-49EF-9780-6CBE5B9EDB57}" type="datetimeFigureOut">
               <a:rPr lang="en-GB" smtClean="0"/>
-              <a:t>03/04/2022</a:t>
+              <a:t>05/04/2022</a:t>
             </a:fld>
             <a:endParaRPr lang="en-GB"/>
           </a:p>
@@ -2102,7 +2115,7 @@
           <a:p>
             <a:fld id="{8BE6B674-AADE-49EF-9780-6CBE5B9EDB57}" type="datetimeFigureOut">
               <a:rPr lang="en-GB" smtClean="0"/>
-              <a:t>03/04/2022</a:t>
+              <a:t>05/04/2022</a:t>
             </a:fld>
             <a:endParaRPr lang="en-GB"/>
           </a:p>
@@ -2273,7 +2286,7 @@
           <a:p>
             <a:fld id="{8BE6B674-AADE-49EF-9780-6CBE5B9EDB57}" type="datetimeFigureOut">
               <a:rPr lang="en-GB" smtClean="0"/>
-              <a:t>03/04/2022</a:t>
+              <a:t>05/04/2022</a:t>
             </a:fld>
             <a:endParaRPr lang="en-GB"/>
           </a:p>
@@ -2627,7 +2640,7 @@
           <a:p>
             <a:fld id="{8BE6B674-AADE-49EF-9780-6CBE5B9EDB57}" type="datetimeFigureOut">
               <a:rPr lang="en-GB" smtClean="0"/>
-              <a:t>03/04/2022</a:t>
+              <a:t>05/04/2022</a:t>
             </a:fld>
             <a:endParaRPr lang="en-GB"/>
           </a:p>
@@ -3009,7 +3022,7 @@
           <a:p>
             <a:fld id="{8BE6B674-AADE-49EF-9780-6CBE5B9EDB57}" type="datetimeFigureOut">
               <a:rPr lang="en-GB" smtClean="0"/>
-              <a:t>03/04/2022</a:t>
+              <a:t>05/04/2022</a:t>
             </a:fld>
             <a:endParaRPr lang="en-GB"/>
           </a:p>
@@ -3296,7 +3309,7 @@
           <a:p>
             <a:fld id="{8BE6B674-AADE-49EF-9780-6CBE5B9EDB57}" type="datetimeFigureOut">
               <a:rPr lang="en-GB" smtClean="0"/>
-              <a:t>03/04/2022</a:t>
+              <a:t>05/04/2022</a:t>
             </a:fld>
             <a:endParaRPr lang="en-GB"/>
           </a:p>
@@ -4047,20 +4060,29 @@
         </p:spPr>
         <p:txBody>
           <a:bodyPr>
-            <a:normAutofit lnSpcReduction="10000"/>
+            <a:normAutofit/>
           </a:bodyPr>
           <a:lstStyle/>
           <a:p>
+            <a:pPr>
+              <a:buFont typeface="Arial" panose="020B0604020202020204" pitchFamily="34" charset="0"/>
+              <a:buChar char="•"/>
+            </a:pPr>
+            <a:r>
+              <a:rPr lang="it-IT" dirty="0"/>
+              <a:t> Connection </a:t>
+            </a:r>
             <a:r>
               <a:rPr lang="it-IT" dirty="0" err="1"/>
-              <a:t>Microcontrollers</a:t>
-            </a:r>
-            <a:endParaRPr lang="it-IT" dirty="0"/>
-          </a:p>
-          <a:p>
+              <a:t>schemas</a:t>
+            </a:r>
+            <a:r>
+              <a:rPr lang="it-IT" dirty="0"/>
+              <a:t>, </a:t>
+            </a:r>
             <a:r>
               <a:rPr lang="it-IT" dirty="0" err="1"/>
-              <a:t>Sensors</a:t>
+              <a:t>sensors</a:t>
             </a:r>
             <a:r>
               <a:rPr lang="it-IT" dirty="0"/>
@@ -4073,9 +4095,21 @@
             <a:endParaRPr lang="it-IT" dirty="0"/>
           </a:p>
           <a:p>
+            <a:pPr>
+              <a:buFont typeface="Arial" panose="020B0604020202020204" pitchFamily="34" charset="0"/>
+              <a:buChar char="•"/>
+            </a:pPr>
             <a:r>
               <a:rPr lang="it-IT" dirty="0"/>
-              <a:t>FSM for </a:t>
+              <a:t> FSM for </a:t>
+            </a:r>
+            <a:r>
+              <a:rPr lang="it-IT" dirty="0" err="1"/>
+              <a:t>push</a:t>
+            </a:r>
+            <a:r>
+              <a:rPr lang="it-IT" dirty="0"/>
+              <a:t> </a:t>
             </a:r>
             <a:r>
               <a:rPr lang="it-IT" dirty="0" err="1"/>
@@ -4084,9 +4118,13 @@
             <a:endParaRPr lang="it-IT" dirty="0"/>
           </a:p>
           <a:p>
+            <a:pPr>
+              <a:buFont typeface="Arial" panose="020B0604020202020204" pitchFamily="34" charset="0"/>
+              <a:buChar char="•"/>
+            </a:pPr>
             <a:r>
               <a:rPr lang="it-IT" dirty="0"/>
-              <a:t>Servo </a:t>
+              <a:t> Servo </a:t>
             </a:r>
             <a:r>
               <a:rPr lang="it-IT" dirty="0" err="1"/>
@@ -4095,6 +4133,14 @@
             <a:endParaRPr lang="it-IT" dirty="0"/>
           </a:p>
           <a:p>
+            <a:pPr>
+              <a:buFont typeface="Arial" panose="020B0604020202020204" pitchFamily="34" charset="0"/>
+              <a:buChar char="•"/>
+            </a:pPr>
+            <a:r>
+              <a:rPr lang="it-IT" dirty="0"/>
+              <a:t> </a:t>
+            </a:r>
             <a:r>
               <a:rPr lang="it-IT" dirty="0" err="1"/>
               <a:t>Communication</a:t>
@@ -4126,33 +4172,43 @@
             <a:endParaRPr lang="it-IT" dirty="0"/>
           </a:p>
           <a:p>
+            <a:pPr>
+              <a:buFont typeface="Arial" panose="020B0604020202020204" pitchFamily="34" charset="0"/>
+              <a:buChar char="•"/>
+            </a:pPr>
             <a:r>
               <a:rPr lang="it-IT" dirty="0"/>
-              <a:t>Bridges</a:t>
-            </a:r>
-          </a:p>
-          <a:p>
-            <a:r>
-              <a:rPr lang="it-IT" dirty="0"/>
-              <a:t>Engine</a:t>
-            </a:r>
-          </a:p>
-          <a:p>
+              <a:t> Bridges</a:t>
+            </a:r>
+          </a:p>
+          <a:p>
+            <a:pPr>
+              <a:buFont typeface="Arial" panose="020B0604020202020204" pitchFamily="34" charset="0"/>
+              <a:buChar char="•"/>
+            </a:pPr>
             <a:r>
               <a:rPr lang="en-GB" dirty="0"/>
-              <a:t>Web App</a:t>
-            </a:r>
-          </a:p>
-          <a:p>
+              <a:t> Web App and Django stuff</a:t>
+            </a:r>
+          </a:p>
+          <a:p>
+            <a:pPr>
+              <a:buFont typeface="Arial" panose="020B0604020202020204" pitchFamily="34" charset="0"/>
+              <a:buChar char="•"/>
+            </a:pPr>
             <a:r>
               <a:rPr lang="en-GB" dirty="0"/>
-              <a:t>Telegram Bot</a:t>
-            </a:r>
-          </a:p>
-          <a:p>
+              <a:t> Telegram Bot</a:t>
+            </a:r>
+          </a:p>
+          <a:p>
+            <a:pPr>
+              <a:buFont typeface="Arial" panose="020B0604020202020204" pitchFamily="34" charset="0"/>
+              <a:buChar char="•"/>
+            </a:pPr>
             <a:r>
               <a:rPr lang="en-GB" dirty="0"/>
-              <a:t>DB </a:t>
+              <a:t> DB </a:t>
             </a:r>
             <a:r>
               <a:rPr lang="en-GB" dirty="0" err="1"/>
@@ -4164,9 +4220,31 @@
             </a:r>
           </a:p>
           <a:p>
+            <a:pPr>
+              <a:buFont typeface="Arial" panose="020B0604020202020204" pitchFamily="34" charset="0"/>
+              <a:buChar char="•"/>
+            </a:pPr>
             <a:r>
               <a:rPr lang="en-GB" dirty="0"/>
-              <a:t>Neighbours dependency in case of uncertainty</a:t>
+              <a:t> </a:t>
+            </a:r>
+            <a:r>
+              <a:rPr lang="en-GB" dirty="0" err="1"/>
+              <a:t>OpenWeather</a:t>
+            </a:r>
+            <a:r>
+              <a:rPr lang="en-GB" dirty="0"/>
+              <a:t> API</a:t>
+            </a:r>
+          </a:p>
+          <a:p>
+            <a:pPr>
+              <a:buFont typeface="Arial" panose="020B0604020202020204" pitchFamily="34" charset="0"/>
+              <a:buChar char="•"/>
+            </a:pPr>
+            <a:r>
+              <a:rPr lang="en-GB" dirty="0"/>
+              <a:t> Neighbours dependency in case of uncertainty</a:t>
             </a:r>
           </a:p>
         </p:txBody>
@@ -4206,7 +4284,7 @@
           <p:cNvPr id="2" name="Titolo 1">
             <a:extLst>
               <a:ext uri="{FF2B5EF4-FFF2-40B4-BE49-F238E27FC236}">
-                <a16:creationId xmlns:a16="http://schemas.microsoft.com/office/drawing/2014/main" id="{CA44F50E-E660-4EE1-A36B-B75DBCBF422E}"/>
+                <a16:creationId xmlns:a16="http://schemas.microsoft.com/office/drawing/2014/main" id="{829654B7-C9D2-46BF-B04F-75962C1104EC}"/>
               </a:ext>
             </a:extLst>
           </p:cNvPr>
@@ -4224,19 +4302,11 @@
           <a:p>
             <a:r>
               <a:rPr lang="it-IT" dirty="0"/>
-              <a:t>Extra: </a:t>
+              <a:t>Connection </a:t>
             </a:r>
             <a:r>
               <a:rPr lang="it-IT" dirty="0" err="1"/>
-              <a:t>Reinforcement</a:t>
-            </a:r>
-            <a:r>
-              <a:rPr lang="it-IT" dirty="0"/>
-              <a:t> Learning </a:t>
-            </a:r>
-            <a:r>
-              <a:rPr lang="it-IT" dirty="0" err="1"/>
-              <a:t>predictions</a:t>
+              <a:t>schemas</a:t>
             </a:r>
             <a:endParaRPr lang="en-GB" dirty="0"/>
           </a:p>
@@ -4247,7 +4317,7 @@
           <p:cNvPr id="3" name="Segnaposto contenuto 2">
             <a:extLst>
               <a:ext uri="{FF2B5EF4-FFF2-40B4-BE49-F238E27FC236}">
-                <a16:creationId xmlns:a16="http://schemas.microsoft.com/office/drawing/2014/main" id="{DBF8575B-E0C7-42AF-97D6-1FC140DE9295}"/>
+                <a16:creationId xmlns:a16="http://schemas.microsoft.com/office/drawing/2014/main" id="{5D80FBAD-4AE6-4BF8-A68A-3A92C9D2EA63}"/>
               </a:ext>
             </a:extLst>
           </p:cNvPr>
@@ -4258,19 +4328,158 @@
             <p:ph idx="1"/>
           </p:nvPr>
         </p:nvSpPr>
-        <p:spPr/>
+        <p:spPr>
+          <a:xfrm>
+            <a:off x="1097280" y="1845734"/>
+            <a:ext cx="10058400" cy="1732353"/>
+          </a:xfrm>
+        </p:spPr>
         <p:txBody>
           <a:bodyPr/>
           <a:lstStyle/>
           <a:p>
-            <a:endParaRPr lang="en-GB"/>
-          </a:p>
-        </p:txBody>
-      </p:sp>
+            <a:pPr marL="0" indent="0">
+              <a:buNone/>
+            </a:pPr>
+            <a:r>
+              <a:rPr lang="it-IT" dirty="0"/>
+              <a:t>The Arduino Uno for the </a:t>
+            </a:r>
+            <a:r>
+              <a:rPr lang="it-IT" b="1" dirty="0" err="1"/>
+              <a:t>internal</a:t>
+            </a:r>
+            <a:r>
+              <a:rPr lang="it-IT" b="1" dirty="0"/>
+              <a:t> kit </a:t>
+            </a:r>
+            <a:r>
+              <a:rPr lang="it-IT" dirty="0" err="1"/>
+              <a:t>is</a:t>
+            </a:r>
+            <a:r>
+              <a:rPr lang="it-IT" dirty="0"/>
+              <a:t> </a:t>
+            </a:r>
+            <a:r>
+              <a:rPr lang="it-IT" dirty="0" err="1"/>
+              <a:t>connected</a:t>
+            </a:r>
+            <a:r>
+              <a:rPr lang="it-IT" dirty="0"/>
+              <a:t> to:</a:t>
+            </a:r>
+          </a:p>
+          <a:p>
+            <a:pPr>
+              <a:buFont typeface="Arial" panose="020B0604020202020204" pitchFamily="34" charset="0"/>
+              <a:buChar char="•"/>
+            </a:pPr>
+            <a:r>
+              <a:rPr lang="it-IT" dirty="0"/>
+              <a:t> 1 </a:t>
+            </a:r>
+            <a:r>
+              <a:rPr lang="it-IT" dirty="0" err="1"/>
+              <a:t>Hitec</a:t>
+            </a:r>
+            <a:r>
+              <a:rPr lang="it-IT" dirty="0"/>
+              <a:t> </a:t>
+            </a:r>
+            <a:r>
+              <a:rPr lang="it-IT" dirty="0" err="1"/>
+              <a:t>servomotor</a:t>
+            </a:r>
+            <a:endParaRPr lang="it-IT" dirty="0"/>
+          </a:p>
+          <a:p>
+            <a:pPr>
+              <a:buFont typeface="Arial" panose="020B0604020202020204" pitchFamily="34" charset="0"/>
+              <a:buChar char="•"/>
+            </a:pPr>
+            <a:r>
+              <a:rPr lang="it-IT" dirty="0"/>
+              <a:t> 1 </a:t>
+            </a:r>
+            <a:r>
+              <a:rPr lang="it-IT" dirty="0" err="1"/>
+              <a:t>TowerPro</a:t>
+            </a:r>
+            <a:r>
+              <a:rPr lang="it-IT" dirty="0"/>
+              <a:t> </a:t>
+            </a:r>
+            <a:r>
+              <a:rPr lang="it-IT" dirty="0" err="1"/>
+              <a:t>servomotor</a:t>
+            </a:r>
+            <a:endParaRPr lang="it-IT" dirty="0"/>
+          </a:p>
+          <a:p>
+            <a:pPr>
+              <a:buFont typeface="Arial" panose="020B0604020202020204" pitchFamily="34" charset="0"/>
+              <a:buChar char="•"/>
+            </a:pPr>
+            <a:r>
+              <a:rPr lang="it-IT" dirty="0"/>
+              <a:t> 2 </a:t>
+            </a:r>
+            <a:r>
+              <a:rPr lang="it-IT" dirty="0" err="1"/>
+              <a:t>push</a:t>
+            </a:r>
+            <a:r>
+              <a:rPr lang="it-IT" dirty="0"/>
+              <a:t> </a:t>
+            </a:r>
+            <a:r>
+              <a:rPr lang="it-IT" dirty="0" err="1"/>
+              <a:t>buttons</a:t>
+            </a:r>
+            <a:endParaRPr lang="en-GB" dirty="0"/>
+          </a:p>
+        </p:txBody>
+      </p:sp>
+      <p:pic>
+        <p:nvPicPr>
+          <p:cNvPr id="7" name="Immagine 6">
+            <a:extLst>
+              <a:ext uri="{FF2B5EF4-FFF2-40B4-BE49-F238E27FC236}">
+                <a16:creationId xmlns:a16="http://schemas.microsoft.com/office/drawing/2014/main" id="{0EB1BF50-1BC4-4902-B1D5-A22999417060}"/>
+              </a:ext>
+            </a:extLst>
+          </p:cNvPr>
+          <p:cNvPicPr>
+            <a:picLocks noChangeAspect="1"/>
+          </p:cNvPicPr>
+          <p:nvPr/>
+        </p:nvPicPr>
+        <p:blipFill rotWithShape="1">
+          <a:blip r:embed="rId2">
+            <a:extLst>
+              <a:ext uri="{28A0092B-C50C-407E-A947-70E740481C1C}">
+                <a14:useLocalDpi xmlns:a14="http://schemas.microsoft.com/office/drawing/2010/main" val="0"/>
+              </a:ext>
+            </a:extLst>
+          </a:blip>
+          <a:srcRect l="4253" t="4491"/>
+          <a:stretch/>
+        </p:blipFill>
+        <p:spPr>
+          <a:xfrm>
+            <a:off x="3768264" y="2213112"/>
+            <a:ext cx="8423736" cy="4091111"/>
+          </a:xfrm>
+          <a:prstGeom prst="rect">
+            <a:avLst/>
+          </a:prstGeom>
+        </p:spPr>
+      </p:pic>
     </p:spTree>
     <p:extLst>
       <p:ext uri="{BB962C8B-B14F-4D97-AF65-F5344CB8AC3E}">
-        <p14:creationId xmlns:p14="http://schemas.microsoft.com/office/powerpoint/2010/main" val="2089512660"/>
+        <p14:creationId xmlns:p14="http://schemas.microsoft.com/office/powerpoint/2010/main" val="1728277266"/>
       </p:ext>
     </p:extLst>
   </p:cSld>
@@ -4302,7 +4511,7 @@
           <p:cNvPr id="2" name="Titolo 1">
             <a:extLst>
               <a:ext uri="{FF2B5EF4-FFF2-40B4-BE49-F238E27FC236}">
-                <a16:creationId xmlns:a16="http://schemas.microsoft.com/office/drawing/2014/main" id="{068710D1-DF83-49F0-9FDA-46F2987E9AF2}"/>
+                <a16:creationId xmlns:a16="http://schemas.microsoft.com/office/drawing/2014/main" id="{7BEA6AFC-46C9-416B-8BF9-C2616031D5A1}"/>
               </a:ext>
             </a:extLst>
           </p:cNvPr>
@@ -4320,7 +4529,211 @@
           <a:p>
             <a:r>
               <a:rPr lang="it-IT" dirty="0"/>
-              <a:t>Video DEMO?</a:t>
+              <a:t>Connection </a:t>
+            </a:r>
+            <a:r>
+              <a:rPr lang="it-IT" dirty="0" err="1"/>
+              <a:t>schemas</a:t>
+            </a:r>
+            <a:r>
+              <a:rPr lang="it-IT" dirty="0"/>
+              <a:t> (1)</a:t>
+            </a:r>
+            <a:endParaRPr lang="en-GB" dirty="0"/>
+          </a:p>
+        </p:txBody>
+      </p:sp>
+      <p:sp>
+        <p:nvSpPr>
+          <p:cNvPr id="4" name="Segnaposto contenuto 2">
+            <a:extLst>
+              <a:ext uri="{FF2B5EF4-FFF2-40B4-BE49-F238E27FC236}">
+                <a16:creationId xmlns:a16="http://schemas.microsoft.com/office/drawing/2014/main" id="{4387EAE8-A311-4065-81F6-8DE513B1CC2D}"/>
+              </a:ext>
+            </a:extLst>
+          </p:cNvPr>
+          <p:cNvSpPr>
+            <a:spLocks noGrp="1"/>
+          </p:cNvSpPr>
+          <p:nvPr>
+            <p:ph idx="1"/>
+          </p:nvPr>
+        </p:nvSpPr>
+        <p:spPr>
+          <a:xfrm>
+            <a:off x="1096963" y="1846263"/>
+            <a:ext cx="10058400" cy="4022725"/>
+          </a:xfrm>
+        </p:spPr>
+        <p:txBody>
+          <a:bodyPr/>
+          <a:lstStyle/>
+          <a:p>
+            <a:pPr marL="0" indent="0">
+              <a:buNone/>
+            </a:pPr>
+            <a:r>
+              <a:rPr lang="it-IT" dirty="0"/>
+              <a:t>The Arduino Uno for the </a:t>
+            </a:r>
+            <a:r>
+              <a:rPr lang="it-IT" b="1" dirty="0" err="1"/>
+              <a:t>external</a:t>
+            </a:r>
+            <a:r>
+              <a:rPr lang="it-IT" b="1" dirty="0"/>
+              <a:t> kit </a:t>
+            </a:r>
+            <a:r>
+              <a:rPr lang="it-IT" dirty="0" err="1"/>
+              <a:t>is</a:t>
+            </a:r>
+            <a:r>
+              <a:rPr lang="it-IT" dirty="0"/>
+              <a:t> </a:t>
+            </a:r>
+            <a:r>
+              <a:rPr lang="it-IT" dirty="0" err="1"/>
+              <a:t>connected</a:t>
+            </a:r>
+            <a:r>
+              <a:rPr lang="it-IT" dirty="0"/>
+              <a:t> to:</a:t>
+            </a:r>
+          </a:p>
+          <a:p>
+            <a:pPr>
+              <a:buFont typeface="Arial" panose="020B0604020202020204" pitchFamily="34" charset="0"/>
+              <a:buChar char="•"/>
+            </a:pPr>
+            <a:r>
+              <a:rPr lang="it-IT" dirty="0"/>
+              <a:t> 1 </a:t>
+            </a:r>
+            <a:r>
+              <a:rPr lang="it-IT" dirty="0" err="1"/>
+              <a:t>photoresistor</a:t>
+            </a:r>
+            <a:endParaRPr lang="it-IT" dirty="0"/>
+          </a:p>
+          <a:p>
+            <a:pPr>
+              <a:buFont typeface="Arial" panose="020B0604020202020204" pitchFamily="34" charset="0"/>
+              <a:buChar char="•"/>
+            </a:pPr>
+            <a:r>
+              <a:rPr lang="it-IT" dirty="0"/>
+              <a:t> 1 </a:t>
+            </a:r>
+            <a:r>
+              <a:rPr lang="it-IT" dirty="0" err="1"/>
+              <a:t>potentiometer</a:t>
+            </a:r>
+            <a:endParaRPr lang="it-IT" dirty="0"/>
+          </a:p>
+        </p:txBody>
+      </p:sp>
+      <p:pic>
+        <p:nvPicPr>
+          <p:cNvPr id="6" name="Immagine 5">
+            <a:extLst>
+              <a:ext uri="{FF2B5EF4-FFF2-40B4-BE49-F238E27FC236}">
+                <a16:creationId xmlns:a16="http://schemas.microsoft.com/office/drawing/2014/main" id="{F234A645-3E09-42F8-8147-45EC2AF456F8}"/>
+              </a:ext>
+            </a:extLst>
+          </p:cNvPr>
+          <p:cNvPicPr>
+            <a:picLocks noChangeAspect="1"/>
+          </p:cNvPicPr>
+          <p:nvPr/>
+        </p:nvPicPr>
+        <p:blipFill rotWithShape="1">
+          <a:blip r:embed="rId2">
+            <a:extLst>
+              <a:ext uri="{28A0092B-C50C-407E-A947-70E740481C1C}">
+                <a14:useLocalDpi xmlns:a14="http://schemas.microsoft.com/office/drawing/2010/main" val="0"/>
+              </a:ext>
+            </a:extLst>
+          </a:blip>
+          <a:srcRect l="4321" t="19304" b="8238"/>
+          <a:stretch/>
+        </p:blipFill>
+        <p:spPr>
+          <a:xfrm>
+            <a:off x="3086766" y="2491409"/>
+            <a:ext cx="9105234" cy="3486482"/>
+          </a:xfrm>
+          <a:prstGeom prst="rect">
+            <a:avLst/>
+          </a:prstGeom>
+        </p:spPr>
+      </p:pic>
+    </p:spTree>
+    <p:extLst>
+      <p:ext uri="{BB962C8B-B14F-4D97-AF65-F5344CB8AC3E}">
+        <p14:creationId xmlns:p14="http://schemas.microsoft.com/office/powerpoint/2010/main" val="1396946273"/>
+      </p:ext>
+    </p:extLst>
+  </p:cSld>
+  <p:clrMapOvr>
+    <a:masterClrMapping/>
+  </p:clrMapOvr>
+</p:sld>
+</file>
+
+<file path=ppt/slides/slide13.xml><?xml version="1.0" encoding="utf-8"?>
+<p:sld xmlns:a="http://schemas.openxmlformats.org/drawingml/2006/main" xmlns:r="http://schemas.openxmlformats.org/officeDocument/2006/relationships" xmlns:p="http://schemas.openxmlformats.org/presentationml/2006/main">
+  <p:cSld>
+    <p:spTree>
+      <p:nvGrpSpPr>
+        <p:cNvPr id="1" name=""/>
+        <p:cNvGrpSpPr/>
+        <p:nvPr/>
+      </p:nvGrpSpPr>
+      <p:grpSpPr>
+        <a:xfrm>
+          <a:off x="0" y="0"/>
+          <a:ext cx="0" cy="0"/>
+          <a:chOff x="0" y="0"/>
+          <a:chExt cx="0" cy="0"/>
+        </a:xfrm>
+      </p:grpSpPr>
+      <p:sp>
+        <p:nvSpPr>
+          <p:cNvPr id="2" name="Titolo 1">
+            <a:extLst>
+              <a:ext uri="{FF2B5EF4-FFF2-40B4-BE49-F238E27FC236}">
+                <a16:creationId xmlns:a16="http://schemas.microsoft.com/office/drawing/2014/main" id="{380FC0BE-2E88-4948-93FA-959F1A81DEFB}"/>
+              </a:ext>
+            </a:extLst>
+          </p:cNvPr>
+          <p:cNvSpPr>
+            <a:spLocks noGrp="1"/>
+          </p:cNvSpPr>
+          <p:nvPr>
+            <p:ph type="title"/>
+          </p:nvPr>
+        </p:nvSpPr>
+        <p:spPr/>
+        <p:txBody>
+          <a:bodyPr/>
+          <a:lstStyle/>
+          <a:p>
+            <a:r>
+              <a:rPr lang="it-IT" dirty="0"/>
+              <a:t>FSM for </a:t>
+            </a:r>
+            <a:r>
+              <a:rPr lang="it-IT" dirty="0" err="1"/>
+              <a:t>push</a:t>
+            </a:r>
+            <a:r>
+              <a:rPr lang="it-IT" dirty="0"/>
+              <a:t> </a:t>
+            </a:r>
+            <a:r>
+              <a:rPr lang="it-IT" dirty="0" err="1"/>
+              <a:t>buttons</a:t>
             </a:r>
             <a:endParaRPr lang="en-GB" dirty="0"/>
           </a:p>
@@ -4331,7 +4744,7 @@
           <p:cNvPr id="3" name="Segnaposto contenuto 2">
             <a:extLst>
               <a:ext uri="{FF2B5EF4-FFF2-40B4-BE49-F238E27FC236}">
-                <a16:creationId xmlns:a16="http://schemas.microsoft.com/office/drawing/2014/main" id="{53D4C992-EBC0-426B-BC95-364C0886BC61}"/>
+                <a16:creationId xmlns:a16="http://schemas.microsoft.com/office/drawing/2014/main" id="{A006F636-D770-487F-975B-AE6DEAC92852}"/>
               </a:ext>
             </a:extLst>
           </p:cNvPr>
@@ -4342,19 +4755,1805 @@
             <p:ph idx="1"/>
           </p:nvPr>
         </p:nvSpPr>
-        <p:spPr/>
-        <p:txBody>
-          <a:bodyPr/>
+        <p:spPr>
+          <a:xfrm>
+            <a:off x="1097280" y="3534378"/>
+            <a:ext cx="10058400" cy="2919429"/>
+          </a:xfrm>
+        </p:spPr>
+        <p:txBody>
+          <a:bodyPr>
+            <a:normAutofit fontScale="92500" lnSpcReduction="20000"/>
+          </a:bodyPr>
           <a:lstStyle/>
           <a:p>
-            <a:endParaRPr lang="en-GB"/>
-          </a:p>
-        </p:txBody>
-      </p:sp>
+            <a:pPr>
+              <a:buFont typeface="Arial" panose="020B0604020202020204" pitchFamily="34" charset="0"/>
+              <a:buChar char="•"/>
+            </a:pPr>
+            <a:r>
+              <a:rPr lang="it-IT" dirty="0"/>
+              <a:t> States: {S0, S1, S2}</a:t>
+            </a:r>
+          </a:p>
+          <a:p>
+            <a:pPr lvl="1">
+              <a:buFont typeface="Arial" panose="020B0604020202020204" pitchFamily="34" charset="0"/>
+              <a:buChar char="•"/>
+            </a:pPr>
+            <a:r>
+              <a:rPr lang="it-IT" dirty="0"/>
+              <a:t>S0: </a:t>
+            </a:r>
+            <a:r>
+              <a:rPr lang="it-IT" dirty="0" err="1"/>
+              <a:t>initial</a:t>
+            </a:r>
+            <a:r>
+              <a:rPr lang="it-IT" dirty="0"/>
+              <a:t> state</a:t>
+            </a:r>
+          </a:p>
+          <a:p>
+            <a:pPr lvl="1">
+              <a:buFont typeface="Arial" panose="020B0604020202020204" pitchFamily="34" charset="0"/>
+              <a:buChar char="•"/>
+            </a:pPr>
+            <a:r>
+              <a:rPr lang="it-IT" dirty="0"/>
+              <a:t>S1: </a:t>
+            </a:r>
+            <a:r>
+              <a:rPr lang="it-IT" dirty="0" err="1"/>
+              <a:t>button</a:t>
+            </a:r>
+            <a:r>
+              <a:rPr lang="it-IT" dirty="0"/>
+              <a:t> </a:t>
+            </a:r>
+            <a:r>
+              <a:rPr lang="it-IT" dirty="0" err="1"/>
+              <a:t>pressed</a:t>
+            </a:r>
+            <a:endParaRPr lang="it-IT" dirty="0"/>
+          </a:p>
+          <a:p>
+            <a:pPr lvl="1">
+              <a:buFont typeface="Arial" panose="020B0604020202020204" pitchFamily="34" charset="0"/>
+              <a:buChar char="•"/>
+            </a:pPr>
+            <a:r>
+              <a:rPr lang="it-IT" dirty="0"/>
+              <a:t>S2: </a:t>
+            </a:r>
+            <a:r>
+              <a:rPr lang="it-IT" dirty="0" err="1"/>
+              <a:t>button</a:t>
+            </a:r>
+            <a:r>
+              <a:rPr lang="it-IT" dirty="0"/>
+              <a:t> </a:t>
+            </a:r>
+            <a:r>
+              <a:rPr lang="it-IT" dirty="0" err="1"/>
+              <a:t>pressed</a:t>
+            </a:r>
+            <a:r>
+              <a:rPr lang="it-IT" dirty="0"/>
+              <a:t> more </a:t>
+            </a:r>
+            <a:r>
+              <a:rPr lang="it-IT" dirty="0" err="1"/>
+              <a:t>than</a:t>
+            </a:r>
+            <a:r>
+              <a:rPr lang="it-IT" dirty="0"/>
+              <a:t> one time </a:t>
+            </a:r>
+            <a:r>
+              <a:rPr lang="it-IT" dirty="0" err="1"/>
+              <a:t>consecutively</a:t>
+            </a:r>
+            <a:endParaRPr lang="it-IT" dirty="0"/>
+          </a:p>
+          <a:p>
+            <a:pPr>
+              <a:buFont typeface="Arial" panose="020B0604020202020204" pitchFamily="34" charset="0"/>
+              <a:buChar char="•"/>
+            </a:pPr>
+            <a:r>
+              <a:rPr lang="it-IT" dirty="0"/>
+              <a:t> Inputs: {</a:t>
+            </a:r>
+            <a:r>
+              <a:rPr lang="en-GB" dirty="0"/>
+              <a:t>PRESSED</a:t>
+            </a:r>
+            <a:r>
+              <a:rPr lang="it-IT" dirty="0"/>
+              <a:t>, </a:t>
+            </a:r>
+            <a:r>
+              <a:rPr lang="en-GB" dirty="0"/>
+              <a:t>RELEASED</a:t>
+            </a:r>
+            <a:r>
+              <a:rPr lang="it-IT" dirty="0"/>
+              <a:t>}</a:t>
+            </a:r>
+          </a:p>
+          <a:p>
+            <a:pPr lvl="1">
+              <a:buFont typeface="Arial" panose="020B0604020202020204" pitchFamily="34" charset="0"/>
+              <a:buChar char="•"/>
+            </a:pPr>
+            <a:r>
+              <a:rPr lang="en-GB" dirty="0"/>
+              <a:t>PRESSED </a:t>
+            </a:r>
+            <a:r>
+              <a:rPr lang="it-IT" dirty="0"/>
+              <a:t>: high (5V) digital </a:t>
+            </a:r>
+            <a:r>
+              <a:rPr lang="it-IT" dirty="0" err="1"/>
+              <a:t>signal</a:t>
+            </a:r>
+            <a:r>
+              <a:rPr lang="it-IT" dirty="0"/>
+              <a:t> due to the </a:t>
+            </a:r>
+            <a:r>
+              <a:rPr lang="it-IT" dirty="0" err="1"/>
+              <a:t>button</a:t>
+            </a:r>
+            <a:r>
+              <a:rPr lang="it-IT" dirty="0"/>
+              <a:t> </a:t>
+            </a:r>
+            <a:r>
+              <a:rPr lang="it-IT" dirty="0" err="1"/>
+              <a:t>pression</a:t>
+            </a:r>
+            <a:endParaRPr lang="it-IT" dirty="0"/>
+          </a:p>
+          <a:p>
+            <a:pPr lvl="1">
+              <a:buFont typeface="Arial" panose="020B0604020202020204" pitchFamily="34" charset="0"/>
+              <a:buChar char="•"/>
+            </a:pPr>
+            <a:r>
+              <a:rPr lang="en-GB" dirty="0"/>
+              <a:t>RELEASED </a:t>
+            </a:r>
+            <a:r>
+              <a:rPr lang="it-IT" dirty="0"/>
+              <a:t>: low (0V) digital </a:t>
+            </a:r>
+            <a:r>
+              <a:rPr lang="it-IT" dirty="0" err="1"/>
+              <a:t>signal</a:t>
+            </a:r>
+            <a:r>
+              <a:rPr lang="it-IT" dirty="0"/>
+              <a:t> due to the </a:t>
+            </a:r>
+            <a:r>
+              <a:rPr lang="it-IT" dirty="0" err="1"/>
+              <a:t>button</a:t>
+            </a:r>
+            <a:r>
+              <a:rPr lang="it-IT" dirty="0"/>
+              <a:t> release</a:t>
+            </a:r>
+          </a:p>
+          <a:p>
+            <a:pPr>
+              <a:buFont typeface="Arial" panose="020B0604020202020204" pitchFamily="34" charset="0"/>
+              <a:buChar char="•"/>
+            </a:pPr>
+            <a:r>
+              <a:rPr lang="it-IT" dirty="0"/>
+              <a:t> Outputs: {MOVE, NOT_MOVE}</a:t>
+            </a:r>
+          </a:p>
+          <a:p>
+            <a:pPr lvl="1">
+              <a:buFont typeface="Arial" panose="020B0604020202020204" pitchFamily="34" charset="0"/>
+              <a:buChar char="•"/>
+            </a:pPr>
+            <a:r>
+              <a:rPr lang="it-IT" dirty="0"/>
+              <a:t>MOVE: </a:t>
+            </a:r>
+            <a:r>
+              <a:rPr lang="it-IT" dirty="0" err="1"/>
+              <a:t>allows</a:t>
+            </a:r>
+            <a:r>
+              <a:rPr lang="it-IT" dirty="0"/>
+              <a:t> the </a:t>
+            </a:r>
+            <a:r>
+              <a:rPr lang="it-IT" dirty="0" err="1"/>
+              <a:t>servos</a:t>
+            </a:r>
+            <a:r>
+              <a:rPr lang="it-IT" dirty="0"/>
+              <a:t> to </a:t>
+            </a:r>
+            <a:r>
+              <a:rPr lang="it-IT" dirty="0" err="1"/>
+              <a:t>change</a:t>
+            </a:r>
+            <a:r>
+              <a:rPr lang="it-IT" dirty="0"/>
+              <a:t> the state of the window (from open to </a:t>
+            </a:r>
+            <a:r>
+              <a:rPr lang="it-IT" dirty="0" err="1"/>
+              <a:t>closed</a:t>
+            </a:r>
+            <a:r>
+              <a:rPr lang="it-IT" dirty="0"/>
+              <a:t> or viceversa)</a:t>
+            </a:r>
+          </a:p>
+          <a:p>
+            <a:pPr lvl="1">
+              <a:buFont typeface="Arial" panose="020B0604020202020204" pitchFamily="34" charset="0"/>
+              <a:buChar char="•"/>
+            </a:pPr>
+            <a:r>
+              <a:rPr lang="it-IT" dirty="0"/>
+              <a:t>NOT_MOVE: </a:t>
+            </a:r>
+            <a:r>
+              <a:rPr lang="it-IT" dirty="0" err="1"/>
+              <a:t>does</a:t>
+            </a:r>
+            <a:r>
+              <a:rPr lang="it-IT" dirty="0"/>
+              <a:t> </a:t>
+            </a:r>
+            <a:r>
+              <a:rPr lang="it-IT" dirty="0" err="1"/>
+              <a:t>not</a:t>
+            </a:r>
+            <a:r>
+              <a:rPr lang="it-IT" dirty="0"/>
+              <a:t> </a:t>
+            </a:r>
+            <a:r>
+              <a:rPr lang="it-IT" dirty="0" err="1"/>
+              <a:t>allow</a:t>
+            </a:r>
+            <a:r>
+              <a:rPr lang="it-IT" dirty="0"/>
+              <a:t> the </a:t>
+            </a:r>
+            <a:r>
+              <a:rPr lang="it-IT" dirty="0" err="1"/>
+              <a:t>servos</a:t>
+            </a:r>
+            <a:r>
+              <a:rPr lang="it-IT" dirty="0"/>
+              <a:t> to </a:t>
+            </a:r>
+            <a:r>
+              <a:rPr lang="it-IT" dirty="0" err="1"/>
+              <a:t>change</a:t>
+            </a:r>
+            <a:r>
+              <a:rPr lang="it-IT" dirty="0"/>
+              <a:t> the state of the window</a:t>
+            </a:r>
+          </a:p>
+          <a:p>
+            <a:endParaRPr lang="en-GB" dirty="0"/>
+          </a:p>
+        </p:txBody>
+      </p:sp>
+      <p:pic>
+        <p:nvPicPr>
+          <p:cNvPr id="6" name="Immagine 5">
+            <a:extLst>
+              <a:ext uri="{FF2B5EF4-FFF2-40B4-BE49-F238E27FC236}">
+                <a16:creationId xmlns:a16="http://schemas.microsoft.com/office/drawing/2014/main" id="{DABED6C2-0462-4A73-AFA6-21470E56AA16}"/>
+              </a:ext>
+            </a:extLst>
+          </p:cNvPr>
+          <p:cNvPicPr>
+            <a:picLocks noChangeAspect="1"/>
+          </p:cNvPicPr>
+          <p:nvPr/>
+        </p:nvPicPr>
+        <p:blipFill rotWithShape="1">
+          <a:blip r:embed="rId2">
+            <a:extLst>
+              <a:ext uri="{28A0092B-C50C-407E-A947-70E740481C1C}">
+                <a14:useLocalDpi xmlns:a14="http://schemas.microsoft.com/office/drawing/2010/main" val="0"/>
+              </a:ext>
+            </a:extLst>
+          </a:blip>
+          <a:srcRect l="2391" t="15741" r="5870" b="15741"/>
+          <a:stretch/>
+        </p:blipFill>
+        <p:spPr>
+          <a:xfrm>
+            <a:off x="3310162" y="1814199"/>
+            <a:ext cx="8037449" cy="2431233"/>
+          </a:xfrm>
+          <a:prstGeom prst="rect">
+            <a:avLst/>
+          </a:prstGeom>
+        </p:spPr>
+      </p:pic>
     </p:spTree>
     <p:extLst>
       <p:ext uri="{BB962C8B-B14F-4D97-AF65-F5344CB8AC3E}">
-        <p14:creationId xmlns:p14="http://schemas.microsoft.com/office/powerpoint/2010/main" val="2851093026"/>
+        <p14:creationId xmlns:p14="http://schemas.microsoft.com/office/powerpoint/2010/main" val="1822333853"/>
+      </p:ext>
+    </p:extLst>
+  </p:cSld>
+  <p:clrMapOvr>
+    <a:masterClrMapping/>
+  </p:clrMapOvr>
+</p:sld>
+</file>
+
+<file path=ppt/slides/slide14.xml><?xml version="1.0" encoding="utf-8"?>
+<p:sld xmlns:a="http://schemas.openxmlformats.org/drawingml/2006/main" xmlns:r="http://schemas.openxmlformats.org/officeDocument/2006/relationships" xmlns:p="http://schemas.openxmlformats.org/presentationml/2006/main">
+  <p:cSld>
+    <p:spTree>
+      <p:nvGrpSpPr>
+        <p:cNvPr id="1" name=""/>
+        <p:cNvGrpSpPr/>
+        <p:nvPr/>
+      </p:nvGrpSpPr>
+      <p:grpSpPr>
+        <a:xfrm>
+          <a:off x="0" y="0"/>
+          <a:ext cx="0" cy="0"/>
+          <a:chOff x="0" y="0"/>
+          <a:chExt cx="0" cy="0"/>
+        </a:xfrm>
+      </p:grpSpPr>
+      <p:sp>
+        <p:nvSpPr>
+          <p:cNvPr id="2" name="Titolo 1">
+            <a:extLst>
+              <a:ext uri="{FF2B5EF4-FFF2-40B4-BE49-F238E27FC236}">
+                <a16:creationId xmlns:a16="http://schemas.microsoft.com/office/drawing/2014/main" id="{DD50D7C4-56E3-4E61-85B7-EAAA9137FAB3}"/>
+              </a:ext>
+            </a:extLst>
+          </p:cNvPr>
+          <p:cNvSpPr>
+            <a:spLocks noGrp="1"/>
+          </p:cNvSpPr>
+          <p:nvPr>
+            <p:ph type="title"/>
+          </p:nvPr>
+        </p:nvSpPr>
+        <p:spPr/>
+        <p:txBody>
+          <a:bodyPr/>
+          <a:lstStyle/>
+          <a:p>
+            <a:r>
+              <a:rPr lang="it-IT" dirty="0"/>
+              <a:t>Code </a:t>
+            </a:r>
+            <a:r>
+              <a:rPr lang="it-IT" dirty="0" err="1"/>
+              <a:t>tables</a:t>
+            </a:r>
+            <a:r>
+              <a:rPr lang="it-IT" dirty="0"/>
+              <a:t> for serial </a:t>
+            </a:r>
+            <a:r>
+              <a:rPr lang="it-IT" dirty="0" err="1"/>
+              <a:t>communication</a:t>
+            </a:r>
+            <a:endParaRPr lang="en-GB" dirty="0"/>
+          </a:p>
+        </p:txBody>
+      </p:sp>
+      <p:graphicFrame>
+        <p:nvGraphicFramePr>
+          <p:cNvPr id="4" name="Tabella 4">
+            <a:extLst>
+              <a:ext uri="{FF2B5EF4-FFF2-40B4-BE49-F238E27FC236}">
+                <a16:creationId xmlns:a16="http://schemas.microsoft.com/office/drawing/2014/main" id="{56DD78A4-CC37-49B8-8AB4-08FADF6869D0}"/>
+              </a:ext>
+            </a:extLst>
+          </p:cNvPr>
+          <p:cNvGraphicFramePr>
+            <a:graphicFrameLocks noGrp="1"/>
+          </p:cNvGraphicFramePr>
+          <p:nvPr>
+            <p:ph idx="1"/>
+            <p:extLst>
+              <p:ext uri="{D42A27DB-BD31-4B8C-83A1-F6EECF244321}">
+                <p14:modId xmlns:p14="http://schemas.microsoft.com/office/powerpoint/2010/main" val="4056724769"/>
+              </p:ext>
+            </p:extLst>
+          </p:nvPr>
+        </p:nvGraphicFramePr>
+        <p:xfrm>
+          <a:off x="1709530" y="2084801"/>
+          <a:ext cx="8772940" cy="1042710"/>
+        </p:xfrm>
+        <a:graphic>
+          <a:graphicData uri="http://schemas.openxmlformats.org/drawingml/2006/table">
+            <a:tbl>
+              <a:tblPr firstRow="1" bandRow="1">
+                <a:tableStyleId>{5C22544A-7EE6-4342-B048-85BDC9FD1C3A}</a:tableStyleId>
+              </a:tblPr>
+              <a:tblGrid>
+                <a:gridCol w="2193235">
+                  <a:extLst>
+                    <a:ext uri="{9D8B030D-6E8A-4147-A177-3AD203B41FA5}">
+                      <a16:colId xmlns:a16="http://schemas.microsoft.com/office/drawing/2014/main" val="3404768044"/>
+                    </a:ext>
+                  </a:extLst>
+                </a:gridCol>
+                <a:gridCol w="2193235">
+                  <a:extLst>
+                    <a:ext uri="{9D8B030D-6E8A-4147-A177-3AD203B41FA5}">
+                      <a16:colId xmlns:a16="http://schemas.microsoft.com/office/drawing/2014/main" val="2786162570"/>
+                    </a:ext>
+                  </a:extLst>
+                </a:gridCol>
+                <a:gridCol w="2193235">
+                  <a:extLst>
+                    <a:ext uri="{9D8B030D-6E8A-4147-A177-3AD203B41FA5}">
+                      <a16:colId xmlns:a16="http://schemas.microsoft.com/office/drawing/2014/main" val="1191612032"/>
+                    </a:ext>
+                  </a:extLst>
+                </a:gridCol>
+                <a:gridCol w="2193235">
+                  <a:extLst>
+                    <a:ext uri="{9D8B030D-6E8A-4147-A177-3AD203B41FA5}">
+                      <a16:colId xmlns:a16="http://schemas.microsoft.com/office/drawing/2014/main" val="4072988490"/>
+                    </a:ext>
+                  </a:extLst>
+                </a:gridCol>
+              </a:tblGrid>
+              <a:tr h="521355">
+                <a:tc>
+                  <a:txBody>
+                    <a:bodyPr/>
+                    <a:lstStyle/>
+                    <a:p>
+                      <a:pPr algn="ctr"/>
+                      <a:r>
+                        <a:rPr lang="it-IT" dirty="0"/>
+                        <a:t>0xFF</a:t>
+                      </a:r>
+                      <a:endParaRPr lang="en-GB" dirty="0"/>
+                    </a:p>
+                  </a:txBody>
+                  <a:tcPr/>
+                </a:tc>
+                <a:tc>
+                  <a:txBody>
+                    <a:bodyPr/>
+                    <a:lstStyle/>
+                    <a:p>
+                      <a:pPr algn="ctr"/>
+                      <a:r>
+                        <a:rPr lang="it-IT" dirty="0"/>
+                        <a:t>0x01</a:t>
+                      </a:r>
+                      <a:endParaRPr lang="en-GB" dirty="0"/>
+                    </a:p>
+                  </a:txBody>
+                  <a:tcPr/>
+                </a:tc>
+                <a:tc>
+                  <a:txBody>
+                    <a:bodyPr/>
+                    <a:lstStyle/>
+                    <a:p>
+                      <a:pPr algn="ctr"/>
+                      <a:r>
+                        <a:rPr lang="it-IT" dirty="0"/>
+                        <a:t>WINDOW_PIN</a:t>
+                      </a:r>
+                      <a:endParaRPr lang="en-GB" dirty="0"/>
+                    </a:p>
+                  </a:txBody>
+                  <a:tcPr/>
+                </a:tc>
+                <a:tc>
+                  <a:txBody>
+                    <a:bodyPr/>
+                    <a:lstStyle/>
+                    <a:p>
+                      <a:pPr algn="ctr"/>
+                      <a:r>
+                        <a:rPr lang="it-IT" dirty="0"/>
+                        <a:t>0xFE</a:t>
+                      </a:r>
+                      <a:endParaRPr lang="en-GB" dirty="0"/>
+                    </a:p>
+                  </a:txBody>
+                  <a:tcPr/>
+                </a:tc>
+                <a:extLst>
+                  <a:ext uri="{0D108BD9-81ED-4DB2-BD59-A6C34878D82A}">
+                    <a16:rowId xmlns:a16="http://schemas.microsoft.com/office/drawing/2014/main" val="592851918"/>
+                  </a:ext>
+                </a:extLst>
+              </a:tr>
+              <a:tr h="521355">
+                <a:tc>
+                  <a:txBody>
+                    <a:bodyPr/>
+                    <a:lstStyle/>
+                    <a:p>
+                      <a:pPr algn="ctr"/>
+                      <a:r>
+                        <a:rPr lang="it-IT" b="1" dirty="0" err="1"/>
+                        <a:t>Header</a:t>
+                      </a:r>
+                      <a:endParaRPr lang="en-GB" b="1" dirty="0"/>
+                    </a:p>
+                  </a:txBody>
+                  <a:tcPr/>
+                </a:tc>
+                <a:tc>
+                  <a:txBody>
+                    <a:bodyPr/>
+                    <a:lstStyle/>
+                    <a:p>
+                      <a:pPr algn="ctr"/>
+                      <a:r>
+                        <a:rPr lang="it-IT" b="1" dirty="0"/>
+                        <a:t>Payload </a:t>
+                      </a:r>
+                      <a:r>
+                        <a:rPr lang="it-IT" b="1" dirty="0" err="1"/>
+                        <a:t>length</a:t>
+                      </a:r>
+                      <a:endParaRPr lang="en-GB" b="1" dirty="0"/>
+                    </a:p>
+                  </a:txBody>
+                  <a:tcPr/>
+                </a:tc>
+                <a:tc>
+                  <a:txBody>
+                    <a:bodyPr/>
+                    <a:lstStyle/>
+                    <a:p>
+                      <a:pPr algn="ctr"/>
+                      <a:r>
+                        <a:rPr lang="it-IT" b="1" dirty="0"/>
+                        <a:t>Payload</a:t>
+                      </a:r>
+                      <a:endParaRPr lang="en-GB" b="1" dirty="0"/>
+                    </a:p>
+                  </a:txBody>
+                  <a:tcPr/>
+                </a:tc>
+                <a:tc>
+                  <a:txBody>
+                    <a:bodyPr/>
+                    <a:lstStyle/>
+                    <a:p>
+                      <a:pPr algn="ctr"/>
+                      <a:r>
+                        <a:rPr lang="it-IT" b="1" dirty="0" err="1"/>
+                        <a:t>Footer</a:t>
+                      </a:r>
+                      <a:endParaRPr lang="en-GB" b="1" dirty="0"/>
+                    </a:p>
+                  </a:txBody>
+                  <a:tcPr/>
+                </a:tc>
+                <a:extLst>
+                  <a:ext uri="{0D108BD9-81ED-4DB2-BD59-A6C34878D82A}">
+                    <a16:rowId xmlns:a16="http://schemas.microsoft.com/office/drawing/2014/main" val="3318078270"/>
+                  </a:ext>
+                </a:extLst>
+              </a:tr>
+            </a:tbl>
+          </a:graphicData>
+        </a:graphic>
+      </p:graphicFrame>
+      <p:sp>
+        <p:nvSpPr>
+          <p:cNvPr id="5" name="CasellaDiTesto 4">
+            <a:extLst>
+              <a:ext uri="{FF2B5EF4-FFF2-40B4-BE49-F238E27FC236}">
+                <a16:creationId xmlns:a16="http://schemas.microsoft.com/office/drawing/2014/main" id="{FBA5D944-BFAD-4BC3-91E9-A08A00DD3EC0}"/>
+              </a:ext>
+            </a:extLst>
+          </p:cNvPr>
+          <p:cNvSpPr txBox="1"/>
+          <p:nvPr/>
+        </p:nvSpPr>
+        <p:spPr>
+          <a:xfrm>
+            <a:off x="1097280" y="3401298"/>
+            <a:ext cx="9583972" cy="2569934"/>
+          </a:xfrm>
+          <a:prstGeom prst="rect">
+            <a:avLst/>
+          </a:prstGeom>
+          <a:noFill/>
+        </p:spPr>
+        <p:txBody>
+          <a:bodyPr wrap="square" rtlCol="0">
+            <a:spAutoFit/>
+          </a:bodyPr>
+          <a:lstStyle/>
+          <a:p>
+            <a:pPr marL="91440" indent="-91440" defTabSz="914400">
+              <a:lnSpc>
+                <a:spcPct val="90000"/>
+              </a:lnSpc>
+              <a:spcBef>
+                <a:spcPts val="1200"/>
+              </a:spcBef>
+              <a:spcAft>
+                <a:spcPts val="200"/>
+              </a:spcAft>
+              <a:buClr>
+                <a:schemeClr val="accent1"/>
+              </a:buClr>
+              <a:buSzPct val="100000"/>
+              <a:buFont typeface="Arial" panose="020B0604020202020204" pitchFamily="34" charset="0"/>
+              <a:buChar char="•"/>
+            </a:pPr>
+            <a:r>
+              <a:rPr lang="it-IT" sz="2000" dirty="0" err="1">
+                <a:solidFill>
+                  <a:schemeClr val="tx1">
+                    <a:lumMod val="75000"/>
+                    <a:lumOff val="25000"/>
+                  </a:schemeClr>
+                </a:solidFill>
+              </a:rPr>
+              <a:t>Header</a:t>
+            </a:r>
+            <a:r>
+              <a:rPr lang="it-IT" sz="2000" dirty="0">
+                <a:solidFill>
+                  <a:schemeClr val="tx1">
+                    <a:lumMod val="75000"/>
+                    <a:lumOff val="25000"/>
+                  </a:schemeClr>
+                </a:solidFill>
+              </a:rPr>
+              <a:t> (1 byte): </a:t>
+            </a:r>
+            <a:r>
+              <a:rPr lang="it-IT" sz="2000" dirty="0" err="1">
+                <a:solidFill>
+                  <a:schemeClr val="tx1">
+                    <a:lumMod val="75000"/>
+                    <a:lumOff val="25000"/>
+                  </a:schemeClr>
+                </a:solidFill>
+              </a:rPr>
+              <a:t>identifies</a:t>
+            </a:r>
+            <a:r>
+              <a:rPr lang="it-IT" sz="2000" dirty="0">
+                <a:solidFill>
+                  <a:schemeClr val="tx1">
+                    <a:lumMod val="75000"/>
+                    <a:lumOff val="25000"/>
+                  </a:schemeClr>
+                </a:solidFill>
+              </a:rPr>
+              <a:t> the </a:t>
+            </a:r>
+            <a:r>
+              <a:rPr lang="it-IT" sz="2000" dirty="0" err="1">
+                <a:solidFill>
+                  <a:schemeClr val="tx1">
+                    <a:lumMod val="75000"/>
+                    <a:lumOff val="25000"/>
+                  </a:schemeClr>
+                </a:solidFill>
+              </a:rPr>
+              <a:t>beginning</a:t>
+            </a:r>
+            <a:r>
+              <a:rPr lang="it-IT" sz="2000" dirty="0">
+                <a:solidFill>
+                  <a:schemeClr val="tx1">
+                    <a:lumMod val="75000"/>
+                    <a:lumOff val="25000"/>
+                  </a:schemeClr>
+                </a:solidFill>
+              </a:rPr>
+              <a:t> of the </a:t>
+            </a:r>
+            <a:r>
+              <a:rPr lang="it-IT" sz="2000" dirty="0" err="1">
+                <a:solidFill>
+                  <a:schemeClr val="tx1">
+                    <a:lumMod val="75000"/>
+                    <a:lumOff val="25000"/>
+                  </a:schemeClr>
+                </a:solidFill>
+              </a:rPr>
+              <a:t>packet</a:t>
+            </a:r>
+            <a:endParaRPr lang="it-IT" sz="2000" dirty="0">
+              <a:solidFill>
+                <a:schemeClr val="tx1">
+                  <a:lumMod val="75000"/>
+                  <a:lumOff val="25000"/>
+                </a:schemeClr>
+              </a:solidFill>
+            </a:endParaRPr>
+          </a:p>
+          <a:p>
+            <a:pPr marL="91440" indent="-91440" defTabSz="914400">
+              <a:lnSpc>
+                <a:spcPct val="90000"/>
+              </a:lnSpc>
+              <a:spcBef>
+                <a:spcPts val="1200"/>
+              </a:spcBef>
+              <a:spcAft>
+                <a:spcPts val="200"/>
+              </a:spcAft>
+              <a:buClr>
+                <a:schemeClr val="accent1"/>
+              </a:buClr>
+              <a:buSzPct val="100000"/>
+              <a:buFont typeface="Arial" panose="020B0604020202020204" pitchFamily="34" charset="0"/>
+              <a:buChar char="•"/>
+            </a:pPr>
+            <a:r>
+              <a:rPr lang="it-IT" sz="2000" dirty="0">
+                <a:solidFill>
+                  <a:schemeClr val="tx1">
+                    <a:lumMod val="75000"/>
+                    <a:lumOff val="25000"/>
+                  </a:schemeClr>
+                </a:solidFill>
+              </a:rPr>
+              <a:t>Payload </a:t>
+            </a:r>
+            <a:r>
+              <a:rPr lang="it-IT" sz="2000" dirty="0" err="1">
+                <a:solidFill>
+                  <a:schemeClr val="tx1">
+                    <a:lumMod val="75000"/>
+                    <a:lumOff val="25000"/>
+                  </a:schemeClr>
+                </a:solidFill>
+              </a:rPr>
+              <a:t>length</a:t>
+            </a:r>
+            <a:r>
+              <a:rPr lang="it-IT" sz="2000" dirty="0">
+                <a:solidFill>
+                  <a:schemeClr val="tx1">
+                    <a:lumMod val="75000"/>
+                    <a:lumOff val="25000"/>
+                  </a:schemeClr>
+                </a:solidFill>
+              </a:rPr>
+              <a:t> (1 byte): </a:t>
+            </a:r>
+            <a:r>
+              <a:rPr lang="it-IT" sz="2000" dirty="0" err="1">
+                <a:solidFill>
+                  <a:schemeClr val="tx1">
+                    <a:lumMod val="75000"/>
+                    <a:lumOff val="25000"/>
+                  </a:schemeClr>
+                </a:solidFill>
+              </a:rPr>
+              <a:t>specifies</a:t>
+            </a:r>
+            <a:r>
+              <a:rPr lang="it-IT" sz="2000" dirty="0">
+                <a:solidFill>
+                  <a:schemeClr val="tx1">
+                    <a:lumMod val="75000"/>
+                    <a:lumOff val="25000"/>
+                  </a:schemeClr>
+                </a:solidFill>
+              </a:rPr>
+              <a:t> the byte </a:t>
+            </a:r>
+            <a:r>
+              <a:rPr lang="it-IT" sz="2000" dirty="0" err="1">
+                <a:solidFill>
+                  <a:schemeClr val="tx1">
+                    <a:lumMod val="75000"/>
+                    <a:lumOff val="25000"/>
+                  </a:schemeClr>
+                </a:solidFill>
+              </a:rPr>
+              <a:t>length</a:t>
+            </a:r>
+            <a:r>
+              <a:rPr lang="it-IT" sz="2000" dirty="0">
+                <a:solidFill>
+                  <a:schemeClr val="tx1">
+                    <a:lumMod val="75000"/>
+                    <a:lumOff val="25000"/>
+                  </a:schemeClr>
+                </a:solidFill>
+              </a:rPr>
+              <a:t> of the payload</a:t>
+            </a:r>
+          </a:p>
+          <a:p>
+            <a:pPr marL="91440" indent="-91440" defTabSz="914400">
+              <a:lnSpc>
+                <a:spcPct val="90000"/>
+              </a:lnSpc>
+              <a:spcBef>
+                <a:spcPts val="1200"/>
+              </a:spcBef>
+              <a:spcAft>
+                <a:spcPts val="200"/>
+              </a:spcAft>
+              <a:buClr>
+                <a:schemeClr val="accent1"/>
+              </a:buClr>
+              <a:buSzPct val="100000"/>
+              <a:buFont typeface="Arial" panose="020B0604020202020204" pitchFamily="34" charset="0"/>
+              <a:buChar char="•"/>
+            </a:pPr>
+            <a:r>
+              <a:rPr lang="it-IT" sz="2000" dirty="0">
+                <a:solidFill>
+                  <a:schemeClr val="tx1">
+                    <a:lumMod val="75000"/>
+                    <a:lumOff val="25000"/>
+                  </a:schemeClr>
+                </a:solidFill>
+              </a:rPr>
+              <a:t>Payload (1 byte): the </a:t>
+            </a:r>
+            <a:r>
+              <a:rPr lang="it-IT" sz="2000" dirty="0" err="1">
+                <a:solidFill>
+                  <a:schemeClr val="tx1">
+                    <a:lumMod val="75000"/>
+                    <a:lumOff val="25000"/>
+                  </a:schemeClr>
+                </a:solidFill>
+              </a:rPr>
+              <a:t>microcontroller</a:t>
+            </a:r>
+            <a:r>
+              <a:rPr lang="it-IT" sz="2000" dirty="0">
+                <a:solidFill>
+                  <a:schemeClr val="tx1">
+                    <a:lumMod val="75000"/>
+                    <a:lumOff val="25000"/>
+                  </a:schemeClr>
+                </a:solidFill>
+              </a:rPr>
+              <a:t> </a:t>
+            </a:r>
+            <a:r>
+              <a:rPr lang="it-IT" sz="2000" dirty="0" err="1">
+                <a:solidFill>
+                  <a:schemeClr val="tx1">
+                    <a:lumMod val="75000"/>
+                    <a:lumOff val="25000"/>
+                  </a:schemeClr>
+                </a:solidFill>
+              </a:rPr>
+              <a:t>writes</a:t>
+            </a:r>
+            <a:r>
+              <a:rPr lang="it-IT" sz="2000" dirty="0">
+                <a:solidFill>
+                  <a:schemeClr val="tx1">
+                    <a:lumMod val="75000"/>
+                    <a:lumOff val="25000"/>
+                  </a:schemeClr>
+                </a:solidFill>
+              </a:rPr>
+              <a:t> on the serial bus the </a:t>
+            </a:r>
+            <a:r>
+              <a:rPr lang="it-IT" sz="2000" dirty="0" err="1">
+                <a:solidFill>
+                  <a:schemeClr val="tx1">
+                    <a:lumMod val="75000"/>
+                    <a:lumOff val="25000"/>
+                  </a:schemeClr>
+                </a:solidFill>
+              </a:rPr>
+              <a:t>number</a:t>
+            </a:r>
+            <a:r>
+              <a:rPr lang="it-IT" sz="2000" dirty="0">
+                <a:solidFill>
+                  <a:schemeClr val="tx1">
+                    <a:lumMod val="75000"/>
+                    <a:lumOff val="25000"/>
+                  </a:schemeClr>
+                </a:solidFill>
+              </a:rPr>
+              <a:t> of the pin </a:t>
+            </a:r>
+            <a:r>
+              <a:rPr lang="it-IT" sz="2000" dirty="0" err="1">
+                <a:solidFill>
+                  <a:schemeClr val="tx1">
+                    <a:lumMod val="75000"/>
+                    <a:lumOff val="25000"/>
+                  </a:schemeClr>
+                </a:solidFill>
+              </a:rPr>
+              <a:t>connected</a:t>
+            </a:r>
+            <a:r>
+              <a:rPr lang="it-IT" sz="2000" dirty="0">
+                <a:solidFill>
+                  <a:schemeClr val="tx1">
+                    <a:lumMod val="75000"/>
+                    <a:lumOff val="25000"/>
+                  </a:schemeClr>
+                </a:solidFill>
+              </a:rPr>
+              <a:t> to the </a:t>
+            </a:r>
+            <a:r>
+              <a:rPr lang="it-IT" sz="2000" dirty="0" err="1">
+                <a:solidFill>
+                  <a:schemeClr val="tx1">
+                    <a:lumMod val="75000"/>
+                    <a:lumOff val="25000"/>
+                  </a:schemeClr>
+                </a:solidFill>
+              </a:rPr>
+              <a:t>servomotor</a:t>
+            </a:r>
+            <a:r>
+              <a:rPr lang="it-IT" sz="2000" dirty="0">
+                <a:solidFill>
+                  <a:schemeClr val="tx1">
+                    <a:lumMod val="75000"/>
+                    <a:lumOff val="25000"/>
+                  </a:schemeClr>
+                </a:solidFill>
+              </a:rPr>
+              <a:t> </a:t>
+            </a:r>
+            <a:r>
+              <a:rPr lang="it-IT" sz="2000" dirty="0" err="1">
+                <a:solidFill>
+                  <a:schemeClr val="tx1">
+                    <a:lumMod val="75000"/>
+                    <a:lumOff val="25000"/>
+                  </a:schemeClr>
+                </a:solidFill>
+              </a:rPr>
+              <a:t>whose</a:t>
+            </a:r>
+            <a:r>
+              <a:rPr lang="it-IT" sz="2000" dirty="0">
+                <a:solidFill>
+                  <a:schemeClr val="tx1">
+                    <a:lumMod val="75000"/>
+                    <a:lumOff val="25000"/>
+                  </a:schemeClr>
+                </a:solidFill>
+              </a:rPr>
+              <a:t> window </a:t>
+            </a:r>
+            <a:r>
+              <a:rPr lang="it-IT" sz="2000" dirty="0" err="1">
+                <a:solidFill>
+                  <a:schemeClr val="tx1">
+                    <a:lumMod val="75000"/>
+                    <a:lumOff val="25000"/>
+                  </a:schemeClr>
+                </a:solidFill>
+              </a:rPr>
+              <a:t>has</a:t>
+            </a:r>
+            <a:r>
+              <a:rPr lang="it-IT" sz="2000" dirty="0">
+                <a:solidFill>
+                  <a:schemeClr val="tx1">
+                    <a:lumMod val="75000"/>
+                    <a:lumOff val="25000"/>
+                  </a:schemeClr>
+                </a:solidFill>
+              </a:rPr>
+              <a:t> just </a:t>
+            </a:r>
+            <a:r>
+              <a:rPr lang="it-IT" sz="2000" dirty="0" err="1">
+                <a:solidFill>
+                  <a:schemeClr val="tx1">
+                    <a:lumMod val="75000"/>
+                    <a:lumOff val="25000"/>
+                  </a:schemeClr>
+                </a:solidFill>
+              </a:rPr>
+              <a:t>changed</a:t>
+            </a:r>
+            <a:r>
+              <a:rPr lang="it-IT" sz="2000" dirty="0">
+                <a:solidFill>
+                  <a:schemeClr val="tx1">
+                    <a:lumMod val="75000"/>
+                    <a:lumOff val="25000"/>
+                  </a:schemeClr>
+                </a:solidFill>
+              </a:rPr>
+              <a:t> state. The bridge </a:t>
+            </a:r>
+            <a:r>
+              <a:rPr lang="it-IT" sz="2000" dirty="0" err="1">
+                <a:solidFill>
+                  <a:schemeClr val="tx1">
+                    <a:lumMod val="75000"/>
+                    <a:lumOff val="25000"/>
+                  </a:schemeClr>
+                </a:solidFill>
+              </a:rPr>
+              <a:t>will</a:t>
+            </a:r>
+            <a:r>
+              <a:rPr lang="it-IT" sz="2000" dirty="0">
+                <a:solidFill>
+                  <a:schemeClr val="tx1">
+                    <a:lumMod val="75000"/>
+                    <a:lumOff val="25000"/>
+                  </a:schemeClr>
+                </a:solidFill>
+              </a:rPr>
+              <a:t> </a:t>
+            </a:r>
+            <a:r>
+              <a:rPr lang="it-IT" sz="2000" dirty="0" err="1">
+                <a:solidFill>
+                  <a:schemeClr val="tx1">
+                    <a:lumMod val="75000"/>
+                    <a:lumOff val="25000"/>
+                  </a:schemeClr>
+                </a:solidFill>
+              </a:rPr>
+              <a:t>read</a:t>
+            </a:r>
+            <a:r>
+              <a:rPr lang="it-IT" sz="2000" dirty="0">
+                <a:solidFill>
+                  <a:schemeClr val="tx1">
+                    <a:lumMod val="75000"/>
+                    <a:lumOff val="25000"/>
+                  </a:schemeClr>
+                </a:solidFill>
+              </a:rPr>
+              <a:t> from the serial and </a:t>
+            </a:r>
+            <a:r>
+              <a:rPr lang="it-IT" sz="2000" dirty="0" err="1">
+                <a:solidFill>
+                  <a:schemeClr val="tx1">
+                    <a:lumMod val="75000"/>
+                    <a:lumOff val="25000"/>
+                  </a:schemeClr>
+                </a:solidFill>
+              </a:rPr>
+              <a:t>will</a:t>
+            </a:r>
+            <a:r>
+              <a:rPr lang="it-IT" sz="2000" dirty="0">
+                <a:solidFill>
+                  <a:schemeClr val="tx1">
+                    <a:lumMod val="75000"/>
+                    <a:lumOff val="25000"/>
+                  </a:schemeClr>
+                </a:solidFill>
+              </a:rPr>
+              <a:t> update </a:t>
+            </a:r>
+            <a:r>
+              <a:rPr lang="it-IT" sz="2000" dirty="0" err="1">
+                <a:solidFill>
+                  <a:schemeClr val="tx1">
+                    <a:lumMod val="75000"/>
+                    <a:lumOff val="25000"/>
+                  </a:schemeClr>
+                </a:solidFill>
+              </a:rPr>
+              <a:t>accordingly</a:t>
+            </a:r>
+            <a:r>
+              <a:rPr lang="it-IT" sz="2000" dirty="0">
+                <a:solidFill>
+                  <a:schemeClr val="tx1">
+                    <a:lumMod val="75000"/>
+                    <a:lumOff val="25000"/>
+                  </a:schemeClr>
+                </a:solidFill>
+              </a:rPr>
+              <a:t> in the database the state of the window.</a:t>
+            </a:r>
+          </a:p>
+          <a:p>
+            <a:pPr marL="91440" indent="-91440" defTabSz="914400">
+              <a:lnSpc>
+                <a:spcPct val="90000"/>
+              </a:lnSpc>
+              <a:spcBef>
+                <a:spcPts val="1200"/>
+              </a:spcBef>
+              <a:spcAft>
+                <a:spcPts val="200"/>
+              </a:spcAft>
+              <a:buClr>
+                <a:schemeClr val="accent1"/>
+              </a:buClr>
+              <a:buSzPct val="100000"/>
+              <a:buFont typeface="Arial" panose="020B0604020202020204" pitchFamily="34" charset="0"/>
+              <a:buChar char="•"/>
+            </a:pPr>
+            <a:r>
+              <a:rPr lang="it-IT" sz="2000" dirty="0" err="1">
+                <a:solidFill>
+                  <a:schemeClr val="tx1">
+                    <a:lumMod val="75000"/>
+                    <a:lumOff val="25000"/>
+                  </a:schemeClr>
+                </a:solidFill>
+              </a:rPr>
+              <a:t>Footer</a:t>
+            </a:r>
+            <a:r>
+              <a:rPr lang="it-IT" sz="2000" dirty="0">
+                <a:solidFill>
+                  <a:schemeClr val="tx1">
+                    <a:lumMod val="75000"/>
+                    <a:lumOff val="25000"/>
+                  </a:schemeClr>
+                </a:solidFill>
+              </a:rPr>
+              <a:t> (1 byte): </a:t>
+            </a:r>
+            <a:r>
+              <a:rPr lang="it-IT" sz="2000" dirty="0" err="1">
+                <a:solidFill>
+                  <a:schemeClr val="tx1">
+                    <a:lumMod val="75000"/>
+                    <a:lumOff val="25000"/>
+                  </a:schemeClr>
+                </a:solidFill>
+              </a:rPr>
+              <a:t>identifies</a:t>
+            </a:r>
+            <a:r>
+              <a:rPr lang="it-IT" sz="2000" dirty="0">
+                <a:solidFill>
+                  <a:schemeClr val="tx1">
+                    <a:lumMod val="75000"/>
+                    <a:lumOff val="25000"/>
+                  </a:schemeClr>
+                </a:solidFill>
+              </a:rPr>
+              <a:t> the end of the </a:t>
+            </a:r>
+            <a:r>
+              <a:rPr lang="it-IT" sz="2000" dirty="0" err="1">
+                <a:solidFill>
+                  <a:schemeClr val="tx1">
+                    <a:lumMod val="75000"/>
+                    <a:lumOff val="25000"/>
+                  </a:schemeClr>
+                </a:solidFill>
+              </a:rPr>
+              <a:t>packet</a:t>
+            </a:r>
+            <a:br>
+              <a:rPr lang="it-IT" sz="2000" dirty="0">
+                <a:solidFill>
+                  <a:schemeClr val="tx1">
+                    <a:lumMod val="75000"/>
+                    <a:lumOff val="25000"/>
+                  </a:schemeClr>
+                </a:solidFill>
+              </a:rPr>
+            </a:br>
+            <a:endParaRPr lang="en-GB" sz="2000" dirty="0">
+              <a:solidFill>
+                <a:schemeClr val="tx1">
+                  <a:lumMod val="75000"/>
+                  <a:lumOff val="25000"/>
+                </a:schemeClr>
+              </a:solidFill>
+            </a:endParaRPr>
+          </a:p>
+        </p:txBody>
+      </p:sp>
+    </p:spTree>
+    <p:extLst>
+      <p:ext uri="{BB962C8B-B14F-4D97-AF65-F5344CB8AC3E}">
+        <p14:creationId xmlns:p14="http://schemas.microsoft.com/office/powerpoint/2010/main" val="541076976"/>
+      </p:ext>
+    </p:extLst>
+  </p:cSld>
+  <p:clrMapOvr>
+    <a:masterClrMapping/>
+  </p:clrMapOvr>
+</p:sld>
+</file>
+
+<file path=ppt/slides/slide15.xml><?xml version="1.0" encoding="utf-8"?>
+<p:sld xmlns:a="http://schemas.openxmlformats.org/drawingml/2006/main" xmlns:r="http://schemas.openxmlformats.org/officeDocument/2006/relationships" xmlns:p="http://schemas.openxmlformats.org/presentationml/2006/main">
+  <p:cSld>
+    <p:spTree>
+      <p:nvGrpSpPr>
+        <p:cNvPr id="1" name=""/>
+        <p:cNvGrpSpPr/>
+        <p:nvPr/>
+      </p:nvGrpSpPr>
+      <p:grpSpPr>
+        <a:xfrm>
+          <a:off x="0" y="0"/>
+          <a:ext cx="0" cy="0"/>
+          <a:chOff x="0" y="0"/>
+          <a:chExt cx="0" cy="0"/>
+        </a:xfrm>
+      </p:grpSpPr>
+      <p:sp>
+        <p:nvSpPr>
+          <p:cNvPr id="2" name="Titolo 1">
+            <a:extLst>
+              <a:ext uri="{FF2B5EF4-FFF2-40B4-BE49-F238E27FC236}">
+                <a16:creationId xmlns:a16="http://schemas.microsoft.com/office/drawing/2014/main" id="{956C1897-87CB-44A0-86A4-68B3CA5D7D7F}"/>
+              </a:ext>
+            </a:extLst>
+          </p:cNvPr>
+          <p:cNvSpPr>
+            <a:spLocks noGrp="1"/>
+          </p:cNvSpPr>
+          <p:nvPr>
+            <p:ph type="title"/>
+          </p:nvPr>
+        </p:nvSpPr>
+        <p:spPr/>
+        <p:txBody>
+          <a:bodyPr/>
+          <a:lstStyle/>
+          <a:p>
+            <a:r>
+              <a:rPr lang="it-IT" dirty="0"/>
+              <a:t>Web App</a:t>
+            </a:r>
+            <a:endParaRPr lang="en-GB" dirty="0"/>
+          </a:p>
+        </p:txBody>
+      </p:sp>
+      <p:sp>
+        <p:nvSpPr>
+          <p:cNvPr id="3" name="Segnaposto contenuto 2">
+            <a:extLst>
+              <a:ext uri="{FF2B5EF4-FFF2-40B4-BE49-F238E27FC236}">
+                <a16:creationId xmlns:a16="http://schemas.microsoft.com/office/drawing/2014/main" id="{FE9B7FA4-F886-4BC4-AF7E-2986D454A674}"/>
+              </a:ext>
+            </a:extLst>
+          </p:cNvPr>
+          <p:cNvSpPr>
+            <a:spLocks noGrp="1"/>
+          </p:cNvSpPr>
+          <p:nvPr>
+            <p:ph idx="1"/>
+          </p:nvPr>
+        </p:nvSpPr>
+        <p:spPr/>
+        <p:txBody>
+          <a:bodyPr/>
+          <a:lstStyle/>
+          <a:p>
+            <a:r>
+              <a:rPr lang="it-IT" dirty="0" err="1"/>
+              <a:t>screenshot</a:t>
+            </a:r>
+            <a:endParaRPr lang="en-GB" dirty="0"/>
+          </a:p>
+        </p:txBody>
+      </p:sp>
+    </p:spTree>
+    <p:extLst>
+      <p:ext uri="{BB962C8B-B14F-4D97-AF65-F5344CB8AC3E}">
+        <p14:creationId xmlns:p14="http://schemas.microsoft.com/office/powerpoint/2010/main" val="3215945205"/>
+      </p:ext>
+    </p:extLst>
+  </p:cSld>
+  <p:clrMapOvr>
+    <a:masterClrMapping/>
+  </p:clrMapOvr>
+</p:sld>
+</file>
+
+<file path=ppt/slides/slide16.xml><?xml version="1.0" encoding="utf-8"?>
+<p:sld xmlns:a="http://schemas.openxmlformats.org/drawingml/2006/main" xmlns:r="http://schemas.openxmlformats.org/officeDocument/2006/relationships" xmlns:p="http://schemas.openxmlformats.org/presentationml/2006/main">
+  <p:cSld>
+    <p:spTree>
+      <p:nvGrpSpPr>
+        <p:cNvPr id="1" name=""/>
+        <p:cNvGrpSpPr/>
+        <p:nvPr/>
+      </p:nvGrpSpPr>
+      <p:grpSpPr>
+        <a:xfrm>
+          <a:off x="0" y="0"/>
+          <a:ext cx="0" cy="0"/>
+          <a:chOff x="0" y="0"/>
+          <a:chExt cx="0" cy="0"/>
+        </a:xfrm>
+      </p:grpSpPr>
+      <p:sp>
+        <p:nvSpPr>
+          <p:cNvPr id="2" name="Titolo 1">
+            <a:extLst>
+              <a:ext uri="{FF2B5EF4-FFF2-40B4-BE49-F238E27FC236}">
+                <a16:creationId xmlns:a16="http://schemas.microsoft.com/office/drawing/2014/main" id="{CD615654-B50B-4C0E-A230-FEABB50A2831}"/>
+              </a:ext>
+            </a:extLst>
+          </p:cNvPr>
+          <p:cNvSpPr>
+            <a:spLocks noGrp="1"/>
+          </p:cNvSpPr>
+          <p:nvPr>
+            <p:ph type="title"/>
+          </p:nvPr>
+        </p:nvSpPr>
+        <p:spPr/>
+        <p:txBody>
+          <a:bodyPr/>
+          <a:lstStyle/>
+          <a:p>
+            <a:r>
+              <a:rPr lang="it-IT" dirty="0"/>
+              <a:t>DB SqLite3</a:t>
+            </a:r>
+            <a:endParaRPr lang="en-GB" dirty="0"/>
+          </a:p>
+        </p:txBody>
+      </p:sp>
+      <p:sp>
+        <p:nvSpPr>
+          <p:cNvPr id="3" name="Segnaposto contenuto 2">
+            <a:extLst>
+              <a:ext uri="{FF2B5EF4-FFF2-40B4-BE49-F238E27FC236}">
+                <a16:creationId xmlns:a16="http://schemas.microsoft.com/office/drawing/2014/main" id="{B4DB2530-61AC-44AC-9CE9-85251E23B809}"/>
+              </a:ext>
+            </a:extLst>
+          </p:cNvPr>
+          <p:cNvSpPr>
+            <a:spLocks noGrp="1"/>
+          </p:cNvSpPr>
+          <p:nvPr>
+            <p:ph idx="1"/>
+          </p:nvPr>
+        </p:nvSpPr>
+        <p:spPr/>
+        <p:txBody>
+          <a:bodyPr/>
+          <a:lstStyle/>
+          <a:p>
+            <a:r>
+              <a:rPr lang="it-IT" dirty="0" err="1"/>
+              <a:t>Structure</a:t>
+            </a:r>
+            <a:endParaRPr lang="en-GB" dirty="0"/>
+          </a:p>
+        </p:txBody>
+      </p:sp>
+    </p:spTree>
+    <p:extLst>
+      <p:ext uri="{BB962C8B-B14F-4D97-AF65-F5344CB8AC3E}">
+        <p14:creationId xmlns:p14="http://schemas.microsoft.com/office/powerpoint/2010/main" val="1194308269"/>
+      </p:ext>
+    </p:extLst>
+  </p:cSld>
+  <p:clrMapOvr>
+    <a:masterClrMapping/>
+  </p:clrMapOvr>
+</p:sld>
+</file>
+
+<file path=ppt/slides/slide17.xml><?xml version="1.0" encoding="utf-8"?>
+<p:sld xmlns:a="http://schemas.openxmlformats.org/drawingml/2006/main" xmlns:r="http://schemas.openxmlformats.org/officeDocument/2006/relationships" xmlns:p="http://schemas.openxmlformats.org/presentationml/2006/main">
+  <p:cSld>
+    <p:spTree>
+      <p:nvGrpSpPr>
+        <p:cNvPr id="1" name=""/>
+        <p:cNvGrpSpPr/>
+        <p:nvPr/>
+      </p:nvGrpSpPr>
+      <p:grpSpPr>
+        <a:xfrm>
+          <a:off x="0" y="0"/>
+          <a:ext cx="0" cy="0"/>
+          <a:chOff x="0" y="0"/>
+          <a:chExt cx="0" cy="0"/>
+        </a:xfrm>
+      </p:grpSpPr>
+      <p:sp>
+        <p:nvSpPr>
+          <p:cNvPr id="2" name="Titolo 1">
+            <a:extLst>
+              <a:ext uri="{FF2B5EF4-FFF2-40B4-BE49-F238E27FC236}">
+                <a16:creationId xmlns:a16="http://schemas.microsoft.com/office/drawing/2014/main" id="{00C2A123-0917-441F-A181-BA0AD5570E29}"/>
+              </a:ext>
+            </a:extLst>
+          </p:cNvPr>
+          <p:cNvSpPr>
+            <a:spLocks noGrp="1"/>
+          </p:cNvSpPr>
+          <p:nvPr>
+            <p:ph type="title"/>
+          </p:nvPr>
+        </p:nvSpPr>
+        <p:spPr/>
+        <p:txBody>
+          <a:bodyPr/>
+          <a:lstStyle/>
+          <a:p>
+            <a:r>
+              <a:rPr lang="it-IT" dirty="0" err="1"/>
+              <a:t>OpenWeather</a:t>
+            </a:r>
+            <a:r>
+              <a:rPr lang="it-IT" dirty="0"/>
+              <a:t> </a:t>
+            </a:r>
+            <a:r>
+              <a:rPr lang="it-IT" dirty="0" err="1"/>
+              <a:t>codes</a:t>
+            </a:r>
+            <a:endParaRPr lang="en-GB" dirty="0"/>
+          </a:p>
+        </p:txBody>
+      </p:sp>
+      <p:sp>
+        <p:nvSpPr>
+          <p:cNvPr id="3" name="Segnaposto contenuto 2">
+            <a:extLst>
+              <a:ext uri="{FF2B5EF4-FFF2-40B4-BE49-F238E27FC236}">
+                <a16:creationId xmlns:a16="http://schemas.microsoft.com/office/drawing/2014/main" id="{DFDF4A4E-5ADE-494E-ABB5-7DC693692AD8}"/>
+              </a:ext>
+            </a:extLst>
+          </p:cNvPr>
+          <p:cNvSpPr>
+            <a:spLocks noGrp="1"/>
+          </p:cNvSpPr>
+          <p:nvPr>
+            <p:ph idx="1"/>
+          </p:nvPr>
+        </p:nvSpPr>
+        <p:spPr/>
+        <p:txBody>
+          <a:bodyPr/>
+          <a:lstStyle/>
+          <a:p>
+            <a:endParaRPr lang="en-GB"/>
+          </a:p>
+        </p:txBody>
+      </p:sp>
+    </p:spTree>
+    <p:extLst>
+      <p:ext uri="{BB962C8B-B14F-4D97-AF65-F5344CB8AC3E}">
+        <p14:creationId xmlns:p14="http://schemas.microsoft.com/office/powerpoint/2010/main" val="2871504610"/>
+      </p:ext>
+    </p:extLst>
+  </p:cSld>
+  <p:clrMapOvr>
+    <a:masterClrMapping/>
+  </p:clrMapOvr>
+</p:sld>
+</file>
+
+<file path=ppt/slides/slide18.xml><?xml version="1.0" encoding="utf-8"?>
+<p:sld xmlns:a="http://schemas.openxmlformats.org/drawingml/2006/main" xmlns:r="http://schemas.openxmlformats.org/officeDocument/2006/relationships" xmlns:p="http://schemas.openxmlformats.org/presentationml/2006/main">
+  <p:cSld>
+    <p:spTree>
+      <p:nvGrpSpPr>
+        <p:cNvPr id="1" name=""/>
+        <p:cNvGrpSpPr/>
+        <p:nvPr/>
+      </p:nvGrpSpPr>
+      <p:grpSpPr>
+        <a:xfrm>
+          <a:off x="0" y="0"/>
+          <a:ext cx="0" cy="0"/>
+          <a:chOff x="0" y="0"/>
+          <a:chExt cx="0" cy="0"/>
+        </a:xfrm>
+      </p:grpSpPr>
+      <p:sp>
+        <p:nvSpPr>
+          <p:cNvPr id="2" name="Titolo 1">
+            <a:extLst>
+              <a:ext uri="{FF2B5EF4-FFF2-40B4-BE49-F238E27FC236}">
+                <a16:creationId xmlns:a16="http://schemas.microsoft.com/office/drawing/2014/main" id="{CA44F50E-E660-4EE1-A36B-B75DBCBF422E}"/>
+              </a:ext>
+            </a:extLst>
+          </p:cNvPr>
+          <p:cNvSpPr>
+            <a:spLocks noGrp="1"/>
+          </p:cNvSpPr>
+          <p:nvPr>
+            <p:ph type="title"/>
+          </p:nvPr>
+        </p:nvSpPr>
+        <p:spPr/>
+        <p:txBody>
+          <a:bodyPr/>
+          <a:lstStyle/>
+          <a:p>
+            <a:r>
+              <a:rPr lang="it-IT" dirty="0"/>
+              <a:t>Extra: </a:t>
+            </a:r>
+            <a:r>
+              <a:rPr lang="it-IT" dirty="0" err="1"/>
+              <a:t>Reinforcement</a:t>
+            </a:r>
+            <a:r>
+              <a:rPr lang="it-IT" dirty="0"/>
+              <a:t> Learning </a:t>
+            </a:r>
+            <a:r>
+              <a:rPr lang="it-IT" dirty="0" err="1"/>
+              <a:t>predictions</a:t>
+            </a:r>
+            <a:r>
+              <a:rPr lang="it-IT" dirty="0"/>
+              <a:t> with DQN</a:t>
+            </a:r>
+            <a:endParaRPr lang="en-GB" dirty="0"/>
+          </a:p>
+        </p:txBody>
+      </p:sp>
+      <p:sp>
+        <p:nvSpPr>
+          <p:cNvPr id="3" name="Segnaposto contenuto 2">
+            <a:extLst>
+              <a:ext uri="{FF2B5EF4-FFF2-40B4-BE49-F238E27FC236}">
+                <a16:creationId xmlns:a16="http://schemas.microsoft.com/office/drawing/2014/main" id="{DBF8575B-E0C7-42AF-97D6-1FC140DE9295}"/>
+              </a:ext>
+            </a:extLst>
+          </p:cNvPr>
+          <p:cNvSpPr>
+            <a:spLocks noGrp="1"/>
+          </p:cNvSpPr>
+          <p:nvPr>
+            <p:ph idx="1"/>
+          </p:nvPr>
+        </p:nvSpPr>
+        <p:spPr/>
+        <p:txBody>
+          <a:bodyPr>
+            <a:normAutofit/>
+          </a:bodyPr>
+          <a:lstStyle/>
+          <a:p>
+            <a:pPr>
+              <a:buFont typeface="Arial" panose="020B0604020202020204" pitchFamily="34" charset="0"/>
+              <a:buChar char="•"/>
+            </a:pPr>
+            <a:r>
+              <a:rPr lang="it-IT" dirty="0"/>
+              <a:t> DQN (Deep Q-Learning Networks) </a:t>
+            </a:r>
+            <a:r>
+              <a:rPr lang="it-IT" dirty="0" err="1"/>
+              <a:t>is</a:t>
+            </a:r>
+            <a:r>
+              <a:rPr lang="it-IT" dirty="0"/>
+              <a:t> a model-free </a:t>
+            </a:r>
+            <a:r>
+              <a:rPr lang="it-IT" dirty="0" err="1"/>
+              <a:t>reinforcement</a:t>
+            </a:r>
+            <a:r>
+              <a:rPr lang="it-IT" dirty="0"/>
+              <a:t> learning </a:t>
+            </a:r>
+            <a:r>
+              <a:rPr lang="it-IT" dirty="0" err="1"/>
+              <a:t>algorithm</a:t>
+            </a:r>
+            <a:r>
+              <a:rPr lang="it-IT" dirty="0"/>
+              <a:t>. </a:t>
+            </a:r>
+            <a:r>
+              <a:rPr lang="en-GB" dirty="0"/>
+              <a:t>Model free RL algorithms don’t learn a model of their environment’s transition function to make predictions of future states and rewards.</a:t>
+            </a:r>
+          </a:p>
+        </p:txBody>
+      </p:sp>
+    </p:spTree>
+    <p:extLst>
+      <p:ext uri="{BB962C8B-B14F-4D97-AF65-F5344CB8AC3E}">
+        <p14:creationId xmlns:p14="http://schemas.microsoft.com/office/powerpoint/2010/main" val="2089512660"/>
+      </p:ext>
+    </p:extLst>
+  </p:cSld>
+  <p:clrMapOvr>
+    <a:masterClrMapping/>
+  </p:clrMapOvr>
+</p:sld>
+</file>
+
+<file path=ppt/slides/slide19.xml><?xml version="1.0" encoding="utf-8"?>
+<p:sld xmlns:a="http://schemas.openxmlformats.org/drawingml/2006/main" xmlns:r="http://schemas.openxmlformats.org/officeDocument/2006/relationships" xmlns:p="http://schemas.openxmlformats.org/presentationml/2006/main">
+  <p:cSld>
+    <p:spTree>
+      <p:nvGrpSpPr>
+        <p:cNvPr id="1" name=""/>
+        <p:cNvGrpSpPr/>
+        <p:nvPr/>
+      </p:nvGrpSpPr>
+      <p:grpSpPr>
+        <a:xfrm>
+          <a:off x="0" y="0"/>
+          <a:ext cx="0" cy="0"/>
+          <a:chOff x="0" y="0"/>
+          <a:chExt cx="0" cy="0"/>
+        </a:xfrm>
+      </p:grpSpPr>
+      <p:sp>
+        <p:nvSpPr>
+          <p:cNvPr id="2" name="Titolo 1">
+            <a:extLst>
+              <a:ext uri="{FF2B5EF4-FFF2-40B4-BE49-F238E27FC236}">
+                <a16:creationId xmlns:a16="http://schemas.microsoft.com/office/drawing/2014/main" id="{D5C96224-4790-4F75-8C9F-E7D3546A668A}"/>
+              </a:ext>
+            </a:extLst>
+          </p:cNvPr>
+          <p:cNvSpPr>
+            <a:spLocks noGrp="1"/>
+          </p:cNvSpPr>
+          <p:nvPr>
+            <p:ph type="title"/>
+          </p:nvPr>
+        </p:nvSpPr>
+        <p:spPr/>
+        <p:txBody>
+          <a:bodyPr/>
+          <a:lstStyle/>
+          <a:p>
+            <a:r>
+              <a:rPr lang="it-IT" dirty="0" err="1"/>
+              <a:t>Vanilla</a:t>
+            </a:r>
+            <a:r>
+              <a:rPr lang="it-IT" dirty="0"/>
+              <a:t> Q-Learning</a:t>
+            </a:r>
+            <a:endParaRPr lang="en-GB" dirty="0"/>
+          </a:p>
+        </p:txBody>
+      </p:sp>
+      <p:sp>
+        <p:nvSpPr>
+          <p:cNvPr id="3" name="Segnaposto contenuto 2">
+            <a:extLst>
+              <a:ext uri="{FF2B5EF4-FFF2-40B4-BE49-F238E27FC236}">
+                <a16:creationId xmlns:a16="http://schemas.microsoft.com/office/drawing/2014/main" id="{E3DB408E-AD0C-4641-9231-2EAD55A4A921}"/>
+              </a:ext>
+            </a:extLst>
+          </p:cNvPr>
+          <p:cNvSpPr>
+            <a:spLocks noGrp="1"/>
+          </p:cNvSpPr>
+          <p:nvPr>
+            <p:ph idx="1"/>
+          </p:nvPr>
+        </p:nvSpPr>
+        <p:spPr/>
+        <p:txBody>
+          <a:bodyPr/>
+          <a:lstStyle/>
+          <a:p>
+            <a:pPr>
+              <a:buFont typeface="Arial" panose="020B0604020202020204" pitchFamily="34" charset="0"/>
+              <a:buChar char="•"/>
+            </a:pPr>
+            <a:r>
+              <a:rPr lang="en-GB" dirty="0"/>
+              <a:t>The vanilla Q-Learning uses a </a:t>
+            </a:r>
+            <a:r>
+              <a:rPr lang="en-GB" b="1" dirty="0"/>
+              <a:t>Q-table, </a:t>
+            </a:r>
+            <a:r>
+              <a:rPr lang="en-GB" dirty="0"/>
+              <a:t>a simple data structure that we use to keep track of the states, actions, and their expected rewards. More specifically, the Q-table maps a state-action pair to a </a:t>
+            </a:r>
+            <a:r>
+              <a:rPr lang="en-GB" b="1" dirty="0"/>
+              <a:t>Q-value</a:t>
+            </a:r>
+            <a:r>
+              <a:rPr lang="en-GB" dirty="0"/>
+              <a:t> (the estimated optimal future value) which the agent will learn. At the start of the Q-Learning algorithm, the Q-table is initialized to all zeros indicating that the agent doesn’t know anything about the world. As the agent tries out different actions at different states through trial and error, the agent learns each state-action pair’s expected reward and updates the Q-table with the new Q-value. Using trial and error to learn about the world is called </a:t>
+            </a:r>
+            <a:r>
+              <a:rPr lang="en-GB" b="1" dirty="0"/>
+              <a:t>Exploration</a:t>
+            </a:r>
+            <a:r>
+              <a:rPr lang="en-GB" dirty="0"/>
+              <a:t>.</a:t>
+            </a:r>
+          </a:p>
+          <a:p>
+            <a:pPr>
+              <a:buFont typeface="Arial" panose="020B0604020202020204" pitchFamily="34" charset="0"/>
+              <a:buChar char="•"/>
+            </a:pPr>
+            <a:r>
+              <a:rPr lang="en-GB" dirty="0"/>
+              <a:t> The </a:t>
+            </a:r>
+            <a:r>
+              <a:rPr lang="en-GB" b="1" dirty="0"/>
+              <a:t>Q-Value</a:t>
+            </a:r>
+            <a:r>
+              <a:rPr lang="en-GB" dirty="0"/>
+              <a:t> is the maximum expected reward an agent can reach by taking a given action A from the state S. After an agent has learned the Q-value of each state-action pair, the agent at state </a:t>
+            </a:r>
+            <a:r>
+              <a:rPr lang="en-GB" b="1" dirty="0"/>
+              <a:t>S</a:t>
+            </a:r>
+            <a:r>
+              <a:rPr lang="en-GB" dirty="0"/>
+              <a:t> maximizes its expected reward by choosing the action </a:t>
+            </a:r>
+            <a:r>
+              <a:rPr lang="en-GB" b="1" dirty="0"/>
+              <a:t>A</a:t>
+            </a:r>
+            <a:r>
+              <a:rPr lang="en-GB" dirty="0"/>
+              <a:t> with the highest expected reward. Explicitly choosing the best known action at a state is called </a:t>
+            </a:r>
+            <a:r>
+              <a:rPr lang="en-GB" b="1" dirty="0"/>
+              <a:t>Exploitation</a:t>
+            </a:r>
+            <a:r>
+              <a:rPr lang="en-GB" dirty="0"/>
+              <a:t>.</a:t>
+            </a:r>
+          </a:p>
+          <a:p>
+            <a:pPr marL="0" indent="0">
+              <a:buNone/>
+            </a:pPr>
+            <a:endParaRPr lang="en-GB" dirty="0"/>
+          </a:p>
+        </p:txBody>
+      </p:sp>
+    </p:spTree>
+    <p:extLst>
+      <p:ext uri="{BB962C8B-B14F-4D97-AF65-F5344CB8AC3E}">
+        <p14:creationId xmlns:p14="http://schemas.microsoft.com/office/powerpoint/2010/main" val="496101187"/>
       </p:ext>
     </p:extLst>
   </p:cSld>
@@ -4386,7 +6585,7 @@
           <p:cNvPr id="2" name="Titolo 1">
             <a:extLst>
               <a:ext uri="{FF2B5EF4-FFF2-40B4-BE49-F238E27FC236}">
-                <a16:creationId xmlns:a16="http://schemas.microsoft.com/office/drawing/2014/main" id="{08F1776F-C3F7-4D03-AB4B-FB3887D1197A}"/>
+                <a16:creationId xmlns:a16="http://schemas.microsoft.com/office/drawing/2014/main" id="{60BBA296-047F-4C98-A2E4-0E185AF12109}"/>
               </a:ext>
             </a:extLst>
           </p:cNvPr>
@@ -4403,20 +6602,8 @@
           <a:lstStyle/>
           <a:p>
             <a:r>
-              <a:rPr lang="it-IT" dirty="0"/>
-              <a:t>Picture of </a:t>
-            </a:r>
-            <a:r>
               <a:rPr lang="it-IT" dirty="0" err="1"/>
-              <a:t>our</a:t>
-            </a:r>
-            <a:r>
-              <a:rPr lang="it-IT" dirty="0"/>
-              <a:t> </a:t>
-            </a:r>
-            <a:r>
-              <a:rPr lang="it-IT" dirty="0" err="1"/>
-              <a:t>prototype</a:t>
+              <a:t>Outline</a:t>
             </a:r>
             <a:endParaRPr lang="en-GB" dirty="0"/>
           </a:p>
@@ -4427,7 +6614,7 @@
           <p:cNvPr id="3" name="Segnaposto contenuto 2">
             <a:extLst>
               <a:ext uri="{FF2B5EF4-FFF2-40B4-BE49-F238E27FC236}">
-                <a16:creationId xmlns:a16="http://schemas.microsoft.com/office/drawing/2014/main" id="{02C4A48C-4C8D-4434-8101-CD24831EAC0C}"/>
+                <a16:creationId xmlns:a16="http://schemas.microsoft.com/office/drawing/2014/main" id="{08CEF35C-301C-4B3D-8976-5258339397BB}"/>
               </a:ext>
             </a:extLst>
           </p:cNvPr>
@@ -4443,14 +6630,1218 @@
           <a:bodyPr/>
           <a:lstStyle/>
           <a:p>
-            <a:endParaRPr lang="en-GB"/>
+            <a:pPr marL="457200" indent="-457200">
+              <a:buFont typeface="+mj-lt"/>
+              <a:buAutoNum type="arabicPeriod"/>
+            </a:pPr>
+            <a:r>
+              <a:rPr lang="it-IT" sz="2400" dirty="0" err="1"/>
+              <a:t>Introduction</a:t>
+            </a:r>
+            <a:endParaRPr lang="it-IT" sz="2400" dirty="0"/>
+          </a:p>
+          <a:p>
+            <a:pPr marL="457200" indent="-457200">
+              <a:buFont typeface="+mj-lt"/>
+              <a:buAutoNum type="arabicPeriod"/>
+            </a:pPr>
+            <a:r>
+              <a:rPr lang="it-IT" sz="2400" dirty="0"/>
+              <a:t>Architecture</a:t>
+            </a:r>
+          </a:p>
+          <a:p>
+            <a:pPr marL="457200" indent="-457200">
+              <a:buFont typeface="+mj-lt"/>
+              <a:buAutoNum type="arabicPeriod"/>
+            </a:pPr>
+            <a:r>
+              <a:rPr lang="it-IT" sz="2400" dirty="0" err="1"/>
+              <a:t>Prototype</a:t>
+            </a:r>
+            <a:r>
+              <a:rPr lang="it-IT" sz="2400" dirty="0"/>
+              <a:t> </a:t>
+            </a:r>
+            <a:r>
+              <a:rPr lang="it-IT" sz="2400" dirty="0" err="1"/>
+              <a:t>specifications</a:t>
+            </a:r>
+            <a:endParaRPr lang="it-IT" sz="2400" dirty="0"/>
+          </a:p>
+          <a:p>
+            <a:pPr marL="457200" indent="-457200">
+              <a:buFont typeface="+mj-lt"/>
+              <a:buAutoNum type="arabicPeriod"/>
+            </a:pPr>
+            <a:r>
+              <a:rPr lang="it-IT" sz="2400" dirty="0" err="1"/>
+              <a:t>Reinforcement</a:t>
+            </a:r>
+            <a:r>
+              <a:rPr lang="it-IT" sz="2400" dirty="0"/>
+              <a:t> learning </a:t>
+            </a:r>
+            <a:r>
+              <a:rPr lang="it-IT" sz="2400" dirty="0" err="1"/>
+              <a:t>ideas</a:t>
+            </a:r>
+            <a:endParaRPr lang="it-IT" sz="2400" dirty="0"/>
+          </a:p>
+          <a:p>
+            <a:pPr marL="457200" indent="-457200">
+              <a:buFont typeface="+mj-lt"/>
+              <a:buAutoNum type="arabicPeriod"/>
+            </a:pPr>
+            <a:r>
+              <a:rPr lang="it-IT" sz="2400" dirty="0"/>
+              <a:t>Video Demo</a:t>
+            </a:r>
+          </a:p>
+          <a:p>
+            <a:pPr marL="457200" indent="-457200">
+              <a:buFont typeface="+mj-lt"/>
+              <a:buAutoNum type="arabicPeriod"/>
+            </a:pPr>
+            <a:endParaRPr lang="en-GB" dirty="0"/>
           </a:p>
         </p:txBody>
       </p:sp>
     </p:spTree>
     <p:extLst>
       <p:ext uri="{BB962C8B-B14F-4D97-AF65-F5344CB8AC3E}">
-        <p14:creationId xmlns:p14="http://schemas.microsoft.com/office/powerpoint/2010/main" val="1119315525"/>
+        <p14:creationId xmlns:p14="http://schemas.microsoft.com/office/powerpoint/2010/main" val="14403736"/>
+      </p:ext>
+    </p:extLst>
+  </p:cSld>
+  <p:clrMapOvr>
+    <a:masterClrMapping/>
+  </p:clrMapOvr>
+</p:sld>
+</file>
+
+<file path=ppt/slides/slide20.xml><?xml version="1.0" encoding="utf-8"?>
+<p:sld xmlns:a="http://schemas.openxmlformats.org/drawingml/2006/main" xmlns:r="http://schemas.openxmlformats.org/officeDocument/2006/relationships" xmlns:p="http://schemas.openxmlformats.org/presentationml/2006/main">
+  <p:cSld>
+    <p:spTree>
+      <p:nvGrpSpPr>
+        <p:cNvPr id="1" name=""/>
+        <p:cNvGrpSpPr/>
+        <p:nvPr/>
+      </p:nvGrpSpPr>
+      <p:grpSpPr>
+        <a:xfrm>
+          <a:off x="0" y="0"/>
+          <a:ext cx="0" cy="0"/>
+          <a:chOff x="0" y="0"/>
+          <a:chExt cx="0" cy="0"/>
+        </a:xfrm>
+      </p:grpSpPr>
+      <p:sp>
+        <p:nvSpPr>
+          <p:cNvPr id="2" name="Titolo 1">
+            <a:extLst>
+              <a:ext uri="{FF2B5EF4-FFF2-40B4-BE49-F238E27FC236}">
+                <a16:creationId xmlns:a16="http://schemas.microsoft.com/office/drawing/2014/main" id="{D5F2B4DE-3E0B-42A6-9ED3-A37C3E2BAE50}"/>
+              </a:ext>
+            </a:extLst>
+          </p:cNvPr>
+          <p:cNvSpPr>
+            <a:spLocks noGrp="1"/>
+          </p:cNvSpPr>
+          <p:nvPr>
+            <p:ph type="title"/>
+          </p:nvPr>
+        </p:nvSpPr>
+        <p:spPr/>
+        <p:txBody>
+          <a:bodyPr/>
+          <a:lstStyle/>
+          <a:p>
+            <a:r>
+              <a:rPr lang="it-IT" dirty="0" err="1"/>
+              <a:t>Vanilla</a:t>
+            </a:r>
+            <a:r>
+              <a:rPr lang="it-IT" dirty="0"/>
+              <a:t> Q-Learning (1)</a:t>
+            </a:r>
+            <a:endParaRPr lang="en-GB" dirty="0"/>
+          </a:p>
+        </p:txBody>
+      </p:sp>
+      <p:sp>
+        <p:nvSpPr>
+          <p:cNvPr id="3" name="Segnaposto contenuto 2">
+            <a:extLst>
+              <a:ext uri="{FF2B5EF4-FFF2-40B4-BE49-F238E27FC236}">
+                <a16:creationId xmlns:a16="http://schemas.microsoft.com/office/drawing/2014/main" id="{6270705A-FE3D-419B-80C5-8B22D398C1B3}"/>
+              </a:ext>
+            </a:extLst>
+          </p:cNvPr>
+          <p:cNvSpPr>
+            <a:spLocks noGrp="1"/>
+          </p:cNvSpPr>
+          <p:nvPr>
+            <p:ph idx="1"/>
+          </p:nvPr>
+        </p:nvSpPr>
+        <p:spPr/>
+        <p:txBody>
+          <a:bodyPr/>
+          <a:lstStyle/>
+          <a:p>
+            <a:r>
+              <a:rPr lang="en-GB" dirty="0"/>
+              <a:t>A common strategy for tackling the </a:t>
+            </a:r>
+            <a:r>
+              <a:rPr lang="en-GB" b="1" dirty="0"/>
+              <a:t>exploration-exploitation </a:t>
+            </a:r>
+            <a:r>
+              <a:rPr lang="en-GB" b="1" dirty="0" err="1"/>
+              <a:t>tradeoff</a:t>
+            </a:r>
+            <a:r>
+              <a:rPr lang="en-GB" dirty="0"/>
+              <a:t> is the </a:t>
+            </a:r>
+            <a:r>
+              <a:rPr lang="en-GB" b="1" dirty="0"/>
+              <a:t>Epsilon Greedy Exploration Strategy</a:t>
+            </a:r>
+            <a:r>
+              <a:rPr lang="en-GB" dirty="0"/>
+              <a:t>.</a:t>
+            </a:r>
+          </a:p>
+          <a:p>
+            <a:pPr>
+              <a:buFont typeface="+mj-lt"/>
+              <a:buAutoNum type="arabicPeriod"/>
+            </a:pPr>
+            <a:r>
+              <a:rPr lang="en-GB" dirty="0"/>
+              <a:t> At every time step when it’s time to choose an action, roll a dice</a:t>
+            </a:r>
+          </a:p>
+          <a:p>
+            <a:pPr>
+              <a:buFont typeface="+mj-lt"/>
+              <a:buAutoNum type="arabicPeriod"/>
+            </a:pPr>
+            <a:r>
+              <a:rPr lang="en-GB" dirty="0"/>
+              <a:t> If the dice has a probability less than epsilon, choose a random action</a:t>
+            </a:r>
+          </a:p>
+          <a:p>
+            <a:pPr>
+              <a:buFont typeface="+mj-lt"/>
+              <a:buAutoNum type="arabicPeriod"/>
+            </a:pPr>
+            <a:r>
+              <a:rPr lang="en-GB" dirty="0"/>
+              <a:t> Otherwise take the best known action at the agent’s current state</a:t>
+            </a:r>
+          </a:p>
+          <a:p>
+            <a:r>
+              <a:rPr lang="en-GB" dirty="0"/>
+              <a:t>Note that at the beginning of the algorithm, every step the agent takes will be random which is useful to help the agent learn about the environment it’s in. As the agent takes more and more steps, the value of epsilon decreases and the agent starts to try existing known good actions more and more. Note that epsilon is initialized to 1 meaning every step is random at the start. Near the end of the training process, the agent will be exploring much less and exploiting much more.</a:t>
+            </a:r>
+          </a:p>
+          <a:p>
+            <a:endParaRPr lang="en-GB" dirty="0"/>
+          </a:p>
+        </p:txBody>
+      </p:sp>
+    </p:spTree>
+    <p:extLst>
+      <p:ext uri="{BB962C8B-B14F-4D97-AF65-F5344CB8AC3E}">
+        <p14:creationId xmlns:p14="http://schemas.microsoft.com/office/powerpoint/2010/main" val="1713953929"/>
+      </p:ext>
+    </p:extLst>
+  </p:cSld>
+  <p:clrMapOvr>
+    <a:masterClrMapping/>
+  </p:clrMapOvr>
+</p:sld>
+</file>
+
+<file path=ppt/slides/slide21.xml><?xml version="1.0" encoding="utf-8"?>
+<p:sld xmlns:a="http://schemas.openxmlformats.org/drawingml/2006/main" xmlns:r="http://schemas.openxmlformats.org/officeDocument/2006/relationships" xmlns:p="http://schemas.openxmlformats.org/presentationml/2006/main">
+  <p:cSld>
+    <p:spTree>
+      <p:nvGrpSpPr>
+        <p:cNvPr id="1" name=""/>
+        <p:cNvGrpSpPr/>
+        <p:nvPr/>
+      </p:nvGrpSpPr>
+      <p:grpSpPr>
+        <a:xfrm>
+          <a:off x="0" y="0"/>
+          <a:ext cx="0" cy="0"/>
+          <a:chOff x="0" y="0"/>
+          <a:chExt cx="0" cy="0"/>
+        </a:xfrm>
+      </p:grpSpPr>
+      <p:sp>
+        <p:nvSpPr>
+          <p:cNvPr id="2" name="Titolo 1">
+            <a:extLst>
+              <a:ext uri="{FF2B5EF4-FFF2-40B4-BE49-F238E27FC236}">
+                <a16:creationId xmlns:a16="http://schemas.microsoft.com/office/drawing/2014/main" id="{76361932-4FA9-4607-9395-B43FFEB93651}"/>
+              </a:ext>
+            </a:extLst>
+          </p:cNvPr>
+          <p:cNvSpPr>
+            <a:spLocks noGrp="1"/>
+          </p:cNvSpPr>
+          <p:nvPr>
+            <p:ph type="title"/>
+          </p:nvPr>
+        </p:nvSpPr>
+        <p:spPr/>
+        <p:txBody>
+          <a:bodyPr/>
+          <a:lstStyle/>
+          <a:p>
+            <a:r>
+              <a:rPr lang="it-IT" dirty="0" err="1"/>
+              <a:t>Vanilla</a:t>
+            </a:r>
+            <a:r>
+              <a:rPr lang="it-IT" dirty="0"/>
+              <a:t> Q-Learning (2)</a:t>
+            </a:r>
+            <a:endParaRPr lang="en-GB" dirty="0"/>
+          </a:p>
+        </p:txBody>
+      </p:sp>
+      <p:sp>
+        <p:nvSpPr>
+          <p:cNvPr id="3" name="Segnaposto contenuto 2">
+            <a:extLst>
+              <a:ext uri="{FF2B5EF4-FFF2-40B4-BE49-F238E27FC236}">
+                <a16:creationId xmlns:a16="http://schemas.microsoft.com/office/drawing/2014/main" id="{6BF5008F-2095-4213-A326-F12EC31480F5}"/>
+              </a:ext>
+            </a:extLst>
+          </p:cNvPr>
+          <p:cNvSpPr>
+            <a:spLocks noGrp="1"/>
+          </p:cNvSpPr>
+          <p:nvPr>
+            <p:ph idx="1"/>
+          </p:nvPr>
+        </p:nvSpPr>
+        <p:spPr/>
+        <p:txBody>
+          <a:bodyPr>
+            <a:normAutofit fontScale="92500" lnSpcReduction="20000"/>
+          </a:bodyPr>
+          <a:lstStyle/>
+          <a:p>
+            <a:r>
+              <a:rPr lang="en-GB" dirty="0"/>
+              <a:t>The </a:t>
+            </a:r>
+            <a:r>
+              <a:rPr lang="en-GB" b="1" dirty="0"/>
+              <a:t>Bellman Equation</a:t>
+            </a:r>
+            <a:r>
+              <a:rPr lang="en-GB" dirty="0"/>
+              <a:t> tells us how to update our Q-table after each step we take. To summarize this equation, the agent updates the current perceived value with the estimated optimal future reward which assumes that the agent takes the best current known action. In an implementation, the agent will search through all the actions for a particular state and choose the state-action pair with the highest corresponding Q-value.</a:t>
+            </a:r>
+          </a:p>
+          <a:p>
+            <a:endParaRPr lang="en-GB" dirty="0"/>
+          </a:p>
+          <a:p>
+            <a:r>
+              <a:rPr lang="en-GB" b="1" dirty="0"/>
+              <a:t>S</a:t>
+            </a:r>
+            <a:r>
+              <a:rPr lang="en-GB" dirty="0"/>
+              <a:t> = the State or Observation</a:t>
+            </a:r>
+          </a:p>
+          <a:p>
+            <a:r>
+              <a:rPr lang="en-GB" b="1" dirty="0"/>
+              <a:t>A</a:t>
+            </a:r>
+            <a:r>
+              <a:rPr lang="en-GB" dirty="0"/>
+              <a:t> = the Action the agent takes</a:t>
+            </a:r>
+          </a:p>
+          <a:p>
+            <a:r>
+              <a:rPr lang="en-GB" b="1" dirty="0"/>
+              <a:t>R</a:t>
+            </a:r>
+            <a:r>
+              <a:rPr lang="en-GB" dirty="0"/>
+              <a:t> = the Reward from taking an Action</a:t>
+            </a:r>
+          </a:p>
+          <a:p>
+            <a:r>
+              <a:rPr lang="en-GB" b="1" dirty="0"/>
+              <a:t>t</a:t>
+            </a:r>
+            <a:r>
+              <a:rPr lang="en-GB" dirty="0"/>
+              <a:t> = the time step</a:t>
+            </a:r>
+          </a:p>
+          <a:p>
+            <a:r>
+              <a:rPr lang="en-GB" b="1" dirty="0"/>
+              <a:t>Ɑ</a:t>
+            </a:r>
+            <a:r>
+              <a:rPr lang="en-GB" dirty="0"/>
+              <a:t> = the Learning Rate</a:t>
+            </a:r>
+          </a:p>
+          <a:p>
+            <a:r>
+              <a:rPr lang="en-GB" b="1" dirty="0"/>
+              <a:t>ƛ</a:t>
+            </a:r>
+            <a:r>
+              <a:rPr lang="en-GB" dirty="0"/>
+              <a:t> = the discount factor which causes rewards to lose their value over time so more immediate rewards are valued more highly</a:t>
+            </a:r>
+          </a:p>
+          <a:p>
+            <a:endParaRPr lang="en-GB" dirty="0"/>
+          </a:p>
+        </p:txBody>
+      </p:sp>
+      <p:pic>
+        <p:nvPicPr>
+          <p:cNvPr id="5" name="Immagine 4">
+            <a:extLst>
+              <a:ext uri="{FF2B5EF4-FFF2-40B4-BE49-F238E27FC236}">
+                <a16:creationId xmlns:a16="http://schemas.microsoft.com/office/drawing/2014/main" id="{6EF46F9F-3342-4ADF-8F38-4D82BD9CFCD6}"/>
+              </a:ext>
+            </a:extLst>
+          </p:cNvPr>
+          <p:cNvPicPr>
+            <a:picLocks noChangeAspect="1"/>
+          </p:cNvPicPr>
+          <p:nvPr/>
+        </p:nvPicPr>
+        <p:blipFill>
+          <a:blip r:embed="rId2">
+            <a:extLst>
+              <a:ext uri="{28A0092B-C50C-407E-A947-70E740481C1C}">
+                <a14:useLocalDpi xmlns:a14="http://schemas.microsoft.com/office/drawing/2010/main" val="0"/>
+              </a:ext>
+            </a:extLst>
+          </a:blip>
+          <a:stretch>
+            <a:fillRect/>
+          </a:stretch>
+        </p:blipFill>
+        <p:spPr>
+          <a:xfrm>
+            <a:off x="1097280" y="2965174"/>
+            <a:ext cx="10058399" cy="708762"/>
+          </a:xfrm>
+          <a:prstGeom prst="rect">
+            <a:avLst/>
+          </a:prstGeom>
+        </p:spPr>
+      </p:pic>
+    </p:spTree>
+    <p:extLst>
+      <p:ext uri="{BB962C8B-B14F-4D97-AF65-F5344CB8AC3E}">
+        <p14:creationId xmlns:p14="http://schemas.microsoft.com/office/powerpoint/2010/main" val="441246753"/>
+      </p:ext>
+    </p:extLst>
+  </p:cSld>
+  <p:clrMapOvr>
+    <a:masterClrMapping/>
+  </p:clrMapOvr>
+</p:sld>
+</file>
+
+<file path=ppt/slides/slide22.xml><?xml version="1.0" encoding="utf-8"?>
+<p:sld xmlns:a="http://schemas.openxmlformats.org/drawingml/2006/main" xmlns:r="http://schemas.openxmlformats.org/officeDocument/2006/relationships" xmlns:p="http://schemas.openxmlformats.org/presentationml/2006/main">
+  <p:cSld>
+    <p:spTree>
+      <p:nvGrpSpPr>
+        <p:cNvPr id="1" name=""/>
+        <p:cNvGrpSpPr/>
+        <p:nvPr/>
+      </p:nvGrpSpPr>
+      <p:grpSpPr>
+        <a:xfrm>
+          <a:off x="0" y="0"/>
+          <a:ext cx="0" cy="0"/>
+          <a:chOff x="0" y="0"/>
+          <a:chExt cx="0" cy="0"/>
+        </a:xfrm>
+      </p:grpSpPr>
+      <p:sp>
+        <p:nvSpPr>
+          <p:cNvPr id="2" name="Titolo 1">
+            <a:extLst>
+              <a:ext uri="{FF2B5EF4-FFF2-40B4-BE49-F238E27FC236}">
+                <a16:creationId xmlns:a16="http://schemas.microsoft.com/office/drawing/2014/main" id="{D2F9B9C3-2232-4E4A-B118-536F3AF128E1}"/>
+              </a:ext>
+            </a:extLst>
+          </p:cNvPr>
+          <p:cNvSpPr>
+            <a:spLocks noGrp="1"/>
+          </p:cNvSpPr>
+          <p:nvPr>
+            <p:ph type="title"/>
+          </p:nvPr>
+        </p:nvSpPr>
+        <p:spPr/>
+        <p:txBody>
+          <a:bodyPr/>
+          <a:lstStyle/>
+          <a:p>
+            <a:r>
+              <a:rPr lang="it-IT" dirty="0"/>
+              <a:t>DQN</a:t>
+            </a:r>
+            <a:endParaRPr lang="en-GB" dirty="0"/>
+          </a:p>
+        </p:txBody>
+      </p:sp>
+      <p:sp>
+        <p:nvSpPr>
+          <p:cNvPr id="3" name="Segnaposto contenuto 2">
+            <a:extLst>
+              <a:ext uri="{FF2B5EF4-FFF2-40B4-BE49-F238E27FC236}">
+                <a16:creationId xmlns:a16="http://schemas.microsoft.com/office/drawing/2014/main" id="{59D51F3D-604B-4C5C-B8F9-E1BC25A6BFC7}"/>
+              </a:ext>
+            </a:extLst>
+          </p:cNvPr>
+          <p:cNvSpPr>
+            <a:spLocks noGrp="1"/>
+          </p:cNvSpPr>
+          <p:nvPr>
+            <p:ph idx="1"/>
+          </p:nvPr>
+        </p:nvSpPr>
+        <p:spPr/>
+        <p:txBody>
+          <a:bodyPr/>
+          <a:lstStyle/>
+          <a:p>
+            <a:r>
+              <a:rPr lang="en-GB" b="1" dirty="0"/>
+              <a:t>Deep Q-Learning</a:t>
+            </a:r>
+            <a:r>
+              <a:rPr lang="en-GB" dirty="0"/>
+              <a:t>: A Neural Network maps input states to (action, Q-value) pairs</a:t>
+            </a:r>
+          </a:p>
+        </p:txBody>
+      </p:sp>
+      <p:pic>
+        <p:nvPicPr>
+          <p:cNvPr id="5" name="Immagine 4">
+            <a:extLst>
+              <a:ext uri="{FF2B5EF4-FFF2-40B4-BE49-F238E27FC236}">
+                <a16:creationId xmlns:a16="http://schemas.microsoft.com/office/drawing/2014/main" id="{F97B9F05-77E6-4730-A37F-EC5753C6EB0A}"/>
+              </a:ext>
+            </a:extLst>
+          </p:cNvPr>
+          <p:cNvPicPr>
+            <a:picLocks noChangeAspect="1"/>
+          </p:cNvPicPr>
+          <p:nvPr/>
+        </p:nvPicPr>
+        <p:blipFill>
+          <a:blip r:embed="rId2">
+            <a:extLst>
+              <a:ext uri="{28A0092B-C50C-407E-A947-70E740481C1C}">
+                <a14:useLocalDpi xmlns:a14="http://schemas.microsoft.com/office/drawing/2010/main" val="0"/>
+              </a:ext>
+            </a:extLst>
+          </a:blip>
+          <a:stretch>
+            <a:fillRect/>
+          </a:stretch>
+        </p:blipFill>
+        <p:spPr>
+          <a:xfrm>
+            <a:off x="2544314" y="2260232"/>
+            <a:ext cx="7103372" cy="2136787"/>
+          </a:xfrm>
+          <a:prstGeom prst="rect">
+            <a:avLst/>
+          </a:prstGeom>
+        </p:spPr>
+      </p:pic>
+      <p:sp>
+        <p:nvSpPr>
+          <p:cNvPr id="7" name="Segnaposto contenuto 2">
+            <a:extLst>
+              <a:ext uri="{FF2B5EF4-FFF2-40B4-BE49-F238E27FC236}">
+                <a16:creationId xmlns:a16="http://schemas.microsoft.com/office/drawing/2014/main" id="{4AE7E99F-4101-4F27-8440-B0D6CFD8DDD7}"/>
+              </a:ext>
+            </a:extLst>
+          </p:cNvPr>
+          <p:cNvSpPr txBox="1">
+            <a:spLocks/>
+          </p:cNvSpPr>
+          <p:nvPr/>
+        </p:nvSpPr>
+        <p:spPr>
+          <a:xfrm>
+            <a:off x="1097280" y="4397019"/>
+            <a:ext cx="10058400" cy="1598607"/>
+          </a:xfrm>
+          <a:prstGeom prst="rect">
+            <a:avLst/>
+          </a:prstGeom>
+        </p:spPr>
+        <p:txBody>
+          <a:bodyPr vert="horz" lIns="0" tIns="45720" rIns="0" bIns="45720" rtlCol="0">
+            <a:normAutofit/>
+          </a:bodyPr>
+          <a:lstStyle>
+            <a:lvl1pPr marL="91440" indent="-91440" algn="l" defTabSz="914400" rtl="0" eaLnBrk="1" latinLnBrk="0" hangingPunct="1">
+              <a:lnSpc>
+                <a:spcPct val="90000"/>
+              </a:lnSpc>
+              <a:spcBef>
+                <a:spcPts val="1200"/>
+              </a:spcBef>
+              <a:spcAft>
+                <a:spcPts val="200"/>
+              </a:spcAft>
+              <a:buClr>
+                <a:schemeClr val="accent1"/>
+              </a:buClr>
+              <a:buSzPct val="100000"/>
+              <a:buFont typeface="Calibri" panose="020F0502020204030204" pitchFamily="34" charset="0"/>
+              <a:buChar char=" "/>
+              <a:defRPr sz="2000" kern="1200">
+                <a:solidFill>
+                  <a:schemeClr val="tx1">
+                    <a:lumMod val="75000"/>
+                    <a:lumOff val="25000"/>
+                  </a:schemeClr>
+                </a:solidFill>
+                <a:latin typeface="+mn-lt"/>
+                <a:ea typeface="+mn-ea"/>
+                <a:cs typeface="+mn-cs"/>
+              </a:defRPr>
+            </a:lvl1pPr>
+            <a:lvl2pPr marL="384048" indent="-182880" algn="l" defTabSz="914400" rtl="0" eaLnBrk="1" latinLnBrk="0" hangingPunct="1">
+              <a:lnSpc>
+                <a:spcPct val="90000"/>
+              </a:lnSpc>
+              <a:spcBef>
+                <a:spcPts val="200"/>
+              </a:spcBef>
+              <a:spcAft>
+                <a:spcPts val="400"/>
+              </a:spcAft>
+              <a:buClr>
+                <a:schemeClr val="accent1"/>
+              </a:buClr>
+              <a:buFont typeface="Calibri" pitchFamily="34" charset="0"/>
+              <a:buChar char="◦"/>
+              <a:defRPr sz="1800" kern="1200">
+                <a:solidFill>
+                  <a:schemeClr val="tx1">
+                    <a:lumMod val="75000"/>
+                    <a:lumOff val="25000"/>
+                  </a:schemeClr>
+                </a:solidFill>
+                <a:latin typeface="+mn-lt"/>
+                <a:ea typeface="+mn-ea"/>
+                <a:cs typeface="+mn-cs"/>
+              </a:defRPr>
+            </a:lvl2pPr>
+            <a:lvl3pPr marL="566928" indent="-182880" algn="l" defTabSz="914400" rtl="0" eaLnBrk="1" latinLnBrk="0" hangingPunct="1">
+              <a:lnSpc>
+                <a:spcPct val="90000"/>
+              </a:lnSpc>
+              <a:spcBef>
+                <a:spcPts val="200"/>
+              </a:spcBef>
+              <a:spcAft>
+                <a:spcPts val="400"/>
+              </a:spcAft>
+              <a:buClr>
+                <a:schemeClr val="accent1"/>
+              </a:buClr>
+              <a:buFont typeface="Calibri" pitchFamily="34" charset="0"/>
+              <a:buChar char="◦"/>
+              <a:defRPr sz="1400" kern="1200">
+                <a:solidFill>
+                  <a:schemeClr val="tx1">
+                    <a:lumMod val="75000"/>
+                    <a:lumOff val="25000"/>
+                  </a:schemeClr>
+                </a:solidFill>
+                <a:latin typeface="+mn-lt"/>
+                <a:ea typeface="+mn-ea"/>
+                <a:cs typeface="+mn-cs"/>
+              </a:defRPr>
+            </a:lvl3pPr>
+            <a:lvl4pPr marL="749808" indent="-182880" algn="l" defTabSz="914400" rtl="0" eaLnBrk="1" latinLnBrk="0" hangingPunct="1">
+              <a:lnSpc>
+                <a:spcPct val="90000"/>
+              </a:lnSpc>
+              <a:spcBef>
+                <a:spcPts val="200"/>
+              </a:spcBef>
+              <a:spcAft>
+                <a:spcPts val="400"/>
+              </a:spcAft>
+              <a:buClr>
+                <a:schemeClr val="accent1"/>
+              </a:buClr>
+              <a:buFont typeface="Calibri" pitchFamily="34" charset="0"/>
+              <a:buChar char="◦"/>
+              <a:defRPr sz="1400" kern="1200">
+                <a:solidFill>
+                  <a:schemeClr val="tx1">
+                    <a:lumMod val="75000"/>
+                    <a:lumOff val="25000"/>
+                  </a:schemeClr>
+                </a:solidFill>
+                <a:latin typeface="+mn-lt"/>
+                <a:ea typeface="+mn-ea"/>
+                <a:cs typeface="+mn-cs"/>
+              </a:defRPr>
+            </a:lvl4pPr>
+            <a:lvl5pPr marL="932688" indent="-182880" algn="l" defTabSz="914400" rtl="0" eaLnBrk="1" latinLnBrk="0" hangingPunct="1">
+              <a:lnSpc>
+                <a:spcPct val="90000"/>
+              </a:lnSpc>
+              <a:spcBef>
+                <a:spcPts val="200"/>
+              </a:spcBef>
+              <a:spcAft>
+                <a:spcPts val="400"/>
+              </a:spcAft>
+              <a:buClr>
+                <a:schemeClr val="accent1"/>
+              </a:buClr>
+              <a:buFont typeface="Calibri" pitchFamily="34" charset="0"/>
+              <a:buChar char="◦"/>
+              <a:defRPr sz="1400" kern="1200">
+                <a:solidFill>
+                  <a:schemeClr val="tx1">
+                    <a:lumMod val="75000"/>
+                    <a:lumOff val="25000"/>
+                  </a:schemeClr>
+                </a:solidFill>
+                <a:latin typeface="+mn-lt"/>
+                <a:ea typeface="+mn-ea"/>
+                <a:cs typeface="+mn-cs"/>
+              </a:defRPr>
+            </a:lvl5pPr>
+            <a:lvl6pPr marL="1100000" indent="-228600" algn="l" defTabSz="914400" rtl="0" eaLnBrk="1" latinLnBrk="0" hangingPunct="1">
+              <a:lnSpc>
+                <a:spcPct val="90000"/>
+              </a:lnSpc>
+              <a:spcBef>
+                <a:spcPts val="200"/>
+              </a:spcBef>
+              <a:spcAft>
+                <a:spcPts val="400"/>
+              </a:spcAft>
+              <a:buClr>
+                <a:schemeClr val="accent1"/>
+              </a:buClr>
+              <a:buFont typeface="Calibri" pitchFamily="34" charset="0"/>
+              <a:buChar char="◦"/>
+              <a:defRPr sz="1400" kern="1200">
+                <a:solidFill>
+                  <a:schemeClr val="tx1">
+                    <a:lumMod val="75000"/>
+                    <a:lumOff val="25000"/>
+                  </a:schemeClr>
+                </a:solidFill>
+                <a:latin typeface="+mn-lt"/>
+                <a:ea typeface="+mn-ea"/>
+                <a:cs typeface="+mn-cs"/>
+              </a:defRPr>
+            </a:lvl6pPr>
+            <a:lvl7pPr marL="1300000" indent="-228600" algn="l" defTabSz="914400" rtl="0" eaLnBrk="1" latinLnBrk="0" hangingPunct="1">
+              <a:lnSpc>
+                <a:spcPct val="90000"/>
+              </a:lnSpc>
+              <a:spcBef>
+                <a:spcPts val="200"/>
+              </a:spcBef>
+              <a:spcAft>
+                <a:spcPts val="400"/>
+              </a:spcAft>
+              <a:buClr>
+                <a:schemeClr val="accent1"/>
+              </a:buClr>
+              <a:buFont typeface="Calibri" pitchFamily="34" charset="0"/>
+              <a:buChar char="◦"/>
+              <a:defRPr sz="1400" kern="1200">
+                <a:solidFill>
+                  <a:schemeClr val="tx1">
+                    <a:lumMod val="75000"/>
+                    <a:lumOff val="25000"/>
+                  </a:schemeClr>
+                </a:solidFill>
+                <a:latin typeface="+mn-lt"/>
+                <a:ea typeface="+mn-ea"/>
+                <a:cs typeface="+mn-cs"/>
+              </a:defRPr>
+            </a:lvl7pPr>
+            <a:lvl8pPr marL="1500000" indent="-228600" algn="l" defTabSz="914400" rtl="0" eaLnBrk="1" latinLnBrk="0" hangingPunct="1">
+              <a:lnSpc>
+                <a:spcPct val="90000"/>
+              </a:lnSpc>
+              <a:spcBef>
+                <a:spcPts val="200"/>
+              </a:spcBef>
+              <a:spcAft>
+                <a:spcPts val="400"/>
+              </a:spcAft>
+              <a:buClr>
+                <a:schemeClr val="accent1"/>
+              </a:buClr>
+              <a:buFont typeface="Calibri" pitchFamily="34" charset="0"/>
+              <a:buChar char="◦"/>
+              <a:defRPr sz="1400" kern="1200">
+                <a:solidFill>
+                  <a:schemeClr val="tx1">
+                    <a:lumMod val="75000"/>
+                    <a:lumOff val="25000"/>
+                  </a:schemeClr>
+                </a:solidFill>
+                <a:latin typeface="+mn-lt"/>
+                <a:ea typeface="+mn-ea"/>
+                <a:cs typeface="+mn-cs"/>
+              </a:defRPr>
+            </a:lvl8pPr>
+            <a:lvl9pPr marL="1700000" indent="-228600" algn="l" defTabSz="914400" rtl="0" eaLnBrk="1" latinLnBrk="0" hangingPunct="1">
+              <a:lnSpc>
+                <a:spcPct val="90000"/>
+              </a:lnSpc>
+              <a:spcBef>
+                <a:spcPts val="200"/>
+              </a:spcBef>
+              <a:spcAft>
+                <a:spcPts val="400"/>
+              </a:spcAft>
+              <a:buClr>
+                <a:schemeClr val="accent1"/>
+              </a:buClr>
+              <a:buFont typeface="Calibri" pitchFamily="34" charset="0"/>
+              <a:buChar char="◦"/>
+              <a:defRPr sz="1400" kern="1200">
+                <a:solidFill>
+                  <a:schemeClr val="tx1">
+                    <a:lumMod val="75000"/>
+                    <a:lumOff val="25000"/>
+                  </a:schemeClr>
+                </a:solidFill>
+                <a:latin typeface="+mn-lt"/>
+                <a:ea typeface="+mn-ea"/>
+                <a:cs typeface="+mn-cs"/>
+              </a:defRPr>
+            </a:lvl9pPr>
+          </a:lstStyle>
+          <a:p>
+            <a:pPr>
+              <a:buFont typeface="+mj-lt"/>
+              <a:buAutoNum type="arabicPeriod"/>
+            </a:pPr>
+            <a:r>
+              <a:rPr lang="en-GB" sz="2000" dirty="0">
+                <a:solidFill>
+                  <a:schemeClr val="tx1">
+                    <a:lumMod val="75000"/>
+                    <a:lumOff val="25000"/>
+                  </a:schemeClr>
+                </a:solidFill>
+              </a:rPr>
+              <a:t> Initialize your Main and Target neural networks</a:t>
+            </a:r>
+          </a:p>
+          <a:p>
+            <a:pPr>
+              <a:buFont typeface="+mj-lt"/>
+              <a:buAutoNum type="arabicPeriod"/>
+            </a:pPr>
+            <a:r>
+              <a:rPr lang="en-GB" sz="2000" dirty="0">
+                <a:solidFill>
+                  <a:schemeClr val="tx1">
+                    <a:lumMod val="75000"/>
+                    <a:lumOff val="25000"/>
+                  </a:schemeClr>
+                </a:solidFill>
+              </a:rPr>
+              <a:t> Choose an action using the Epsilon-Greedy Exploration Strategy</a:t>
+            </a:r>
+          </a:p>
+          <a:p>
+            <a:pPr>
+              <a:buFont typeface="+mj-lt"/>
+              <a:buAutoNum type="arabicPeriod"/>
+            </a:pPr>
+            <a:r>
+              <a:rPr lang="en-GB" sz="2000" dirty="0">
+                <a:solidFill>
+                  <a:schemeClr val="tx1">
+                    <a:lumMod val="75000"/>
+                    <a:lumOff val="25000"/>
+                  </a:schemeClr>
+                </a:solidFill>
+              </a:rPr>
+              <a:t> Update your network weights using the Bellman Equation</a:t>
+            </a:r>
+          </a:p>
+        </p:txBody>
+      </p:sp>
+    </p:spTree>
+    <p:extLst>
+      <p:ext uri="{BB962C8B-B14F-4D97-AF65-F5344CB8AC3E}">
+        <p14:creationId xmlns:p14="http://schemas.microsoft.com/office/powerpoint/2010/main" val="2957091243"/>
+      </p:ext>
+    </p:extLst>
+  </p:cSld>
+  <p:clrMapOvr>
+    <a:masterClrMapping/>
+  </p:clrMapOvr>
+</p:sld>
+</file>
+
+<file path=ppt/slides/slide23.xml><?xml version="1.0" encoding="utf-8"?>
+<p:sld xmlns:a="http://schemas.openxmlformats.org/drawingml/2006/main" xmlns:r="http://schemas.openxmlformats.org/officeDocument/2006/relationships" xmlns:p="http://schemas.openxmlformats.org/presentationml/2006/main">
+  <p:cSld>
+    <p:spTree>
+      <p:nvGrpSpPr>
+        <p:cNvPr id="1" name=""/>
+        <p:cNvGrpSpPr/>
+        <p:nvPr/>
+      </p:nvGrpSpPr>
+      <p:grpSpPr>
+        <a:xfrm>
+          <a:off x="0" y="0"/>
+          <a:ext cx="0" cy="0"/>
+          <a:chOff x="0" y="0"/>
+          <a:chExt cx="0" cy="0"/>
+        </a:xfrm>
+      </p:grpSpPr>
+      <p:sp>
+        <p:nvSpPr>
+          <p:cNvPr id="2" name="Titolo 1">
+            <a:extLst>
+              <a:ext uri="{FF2B5EF4-FFF2-40B4-BE49-F238E27FC236}">
+                <a16:creationId xmlns:a16="http://schemas.microsoft.com/office/drawing/2014/main" id="{939C6A0C-8A38-4837-B7EF-EE98D4CBDBD9}"/>
+              </a:ext>
+            </a:extLst>
+          </p:cNvPr>
+          <p:cNvSpPr>
+            <a:spLocks noGrp="1"/>
+          </p:cNvSpPr>
+          <p:nvPr>
+            <p:ph type="title"/>
+          </p:nvPr>
+        </p:nvSpPr>
+        <p:spPr/>
+        <p:txBody>
+          <a:bodyPr/>
+          <a:lstStyle/>
+          <a:p>
+            <a:r>
+              <a:rPr lang="it-IT" dirty="0"/>
+              <a:t>DQN (1)</a:t>
+            </a:r>
+            <a:endParaRPr lang="en-GB" dirty="0"/>
+          </a:p>
+        </p:txBody>
+      </p:sp>
+      <p:sp>
+        <p:nvSpPr>
+          <p:cNvPr id="3" name="Segnaposto contenuto 2">
+            <a:extLst>
+              <a:ext uri="{FF2B5EF4-FFF2-40B4-BE49-F238E27FC236}">
+                <a16:creationId xmlns:a16="http://schemas.microsoft.com/office/drawing/2014/main" id="{8C5E7EA8-4CC9-48B3-ABD4-B9022BC4DB43}"/>
+              </a:ext>
+            </a:extLst>
+          </p:cNvPr>
+          <p:cNvSpPr>
+            <a:spLocks noGrp="1"/>
+          </p:cNvSpPr>
+          <p:nvPr>
+            <p:ph idx="1"/>
+          </p:nvPr>
+        </p:nvSpPr>
+        <p:spPr/>
+        <p:txBody>
+          <a:bodyPr/>
+          <a:lstStyle/>
+          <a:p>
+            <a:r>
+              <a:rPr lang="en-GB" dirty="0"/>
+              <a:t>The learning process uses 2 neural networks. These networks have the same architecture but different weights. Every N steps, the weights from the </a:t>
+            </a:r>
+            <a:r>
+              <a:rPr lang="en-GB" b="1" dirty="0"/>
+              <a:t>main network</a:t>
+            </a:r>
+            <a:r>
+              <a:rPr lang="en-GB" dirty="0"/>
+              <a:t> are copied to the </a:t>
+            </a:r>
+            <a:r>
+              <a:rPr lang="en-GB" b="1" dirty="0"/>
+              <a:t>target network</a:t>
+            </a:r>
+            <a:r>
+              <a:rPr lang="en-GB" dirty="0"/>
+              <a:t>. Using both of these networks leads to more stability in the learning process and helps the algorithm to learn more effectively. In our implementation, the main network weights replace the target network weights every 100 steps.</a:t>
+            </a:r>
+          </a:p>
+          <a:p>
+            <a:r>
+              <a:rPr lang="en-GB" dirty="0"/>
+              <a:t>The main and target neural networks map input states to an (action, q-value) pair. In this case, each output node (representing an action) contains the action’s q-value as a floating point number. Note that the output nodes do not represent a probability distribution so they will not add up to 1. For the example above, one action has a Q-value of 8 and the other action has a Q-value of 5.</a:t>
+            </a:r>
+          </a:p>
+        </p:txBody>
+      </p:sp>
+      <p:pic>
+        <p:nvPicPr>
+          <p:cNvPr id="5" name="Immagine 4">
+            <a:extLst>
+              <a:ext uri="{FF2B5EF4-FFF2-40B4-BE49-F238E27FC236}">
+                <a16:creationId xmlns:a16="http://schemas.microsoft.com/office/drawing/2014/main" id="{59F2F783-CB21-46C6-91D4-53A551CA84E3}"/>
+              </a:ext>
+            </a:extLst>
+          </p:cNvPr>
+          <p:cNvPicPr>
+            <a:picLocks noChangeAspect="1"/>
+          </p:cNvPicPr>
+          <p:nvPr/>
+        </p:nvPicPr>
+        <p:blipFill>
+          <a:blip r:embed="rId2">
+            <a:extLst>
+              <a:ext uri="{28A0092B-C50C-407E-A947-70E740481C1C}">
+                <a14:useLocalDpi xmlns:a14="http://schemas.microsoft.com/office/drawing/2010/main" val="0"/>
+              </a:ext>
+            </a:extLst>
+          </a:blip>
+          <a:stretch>
+            <a:fillRect/>
+          </a:stretch>
+        </p:blipFill>
+        <p:spPr>
+          <a:xfrm>
+            <a:off x="4796716" y="4532122"/>
+            <a:ext cx="2598567" cy="2325878"/>
+          </a:xfrm>
+          <a:prstGeom prst="rect">
+            <a:avLst/>
+          </a:prstGeom>
+        </p:spPr>
+      </p:pic>
+    </p:spTree>
+    <p:extLst>
+      <p:ext uri="{BB962C8B-B14F-4D97-AF65-F5344CB8AC3E}">
+        <p14:creationId xmlns:p14="http://schemas.microsoft.com/office/powerpoint/2010/main" val="1859000723"/>
+      </p:ext>
+    </p:extLst>
+  </p:cSld>
+  <p:clrMapOvr>
+    <a:masterClrMapping/>
+  </p:clrMapOvr>
+</p:sld>
+</file>
+
+<file path=ppt/slides/slide24.xml><?xml version="1.0" encoding="utf-8"?>
+<p:sld xmlns:a="http://schemas.openxmlformats.org/drawingml/2006/main" xmlns:r="http://schemas.openxmlformats.org/officeDocument/2006/relationships" xmlns:p="http://schemas.openxmlformats.org/presentationml/2006/main">
+  <p:cSld>
+    <p:spTree>
+      <p:nvGrpSpPr>
+        <p:cNvPr id="1" name=""/>
+        <p:cNvGrpSpPr/>
+        <p:nvPr/>
+      </p:nvGrpSpPr>
+      <p:grpSpPr>
+        <a:xfrm>
+          <a:off x="0" y="0"/>
+          <a:ext cx="0" cy="0"/>
+          <a:chOff x="0" y="0"/>
+          <a:chExt cx="0" cy="0"/>
+        </a:xfrm>
+      </p:grpSpPr>
+      <p:sp>
+        <p:nvSpPr>
+          <p:cNvPr id="2" name="Titolo 1">
+            <a:extLst>
+              <a:ext uri="{FF2B5EF4-FFF2-40B4-BE49-F238E27FC236}">
+                <a16:creationId xmlns:a16="http://schemas.microsoft.com/office/drawing/2014/main" id="{515C0763-9A01-4954-8180-5830C3D02180}"/>
+              </a:ext>
+            </a:extLst>
+          </p:cNvPr>
+          <p:cNvSpPr>
+            <a:spLocks noGrp="1"/>
+          </p:cNvSpPr>
+          <p:nvPr>
+            <p:ph type="title"/>
+          </p:nvPr>
+        </p:nvSpPr>
+        <p:spPr/>
+        <p:txBody>
+          <a:bodyPr/>
+          <a:lstStyle/>
+          <a:p>
+            <a:r>
+              <a:rPr lang="it-IT" dirty="0"/>
+              <a:t>DQN </a:t>
+            </a:r>
+            <a:r>
+              <a:rPr lang="it-IT" dirty="0" err="1"/>
+              <a:t>implementation</a:t>
+            </a:r>
+            <a:r>
+              <a:rPr lang="it-IT" dirty="0"/>
+              <a:t> </a:t>
+            </a:r>
+            <a:r>
+              <a:rPr lang="it-IT" dirty="0" err="1"/>
+              <a:t>ideas</a:t>
+            </a:r>
+            <a:endParaRPr lang="en-GB" dirty="0"/>
+          </a:p>
+        </p:txBody>
+      </p:sp>
+      <p:sp>
+        <p:nvSpPr>
+          <p:cNvPr id="3" name="Segnaposto contenuto 2">
+            <a:extLst>
+              <a:ext uri="{FF2B5EF4-FFF2-40B4-BE49-F238E27FC236}">
+                <a16:creationId xmlns:a16="http://schemas.microsoft.com/office/drawing/2014/main" id="{24E3CFBB-34E7-49B2-8D23-45EAC831B604}"/>
+              </a:ext>
+            </a:extLst>
+          </p:cNvPr>
+          <p:cNvSpPr>
+            <a:spLocks noGrp="1"/>
+          </p:cNvSpPr>
+          <p:nvPr>
+            <p:ph idx="1"/>
+          </p:nvPr>
+        </p:nvSpPr>
+        <p:spPr/>
+        <p:txBody>
+          <a:bodyPr/>
+          <a:lstStyle/>
+          <a:p>
+            <a:endParaRPr lang="en-GB" dirty="0"/>
+          </a:p>
+        </p:txBody>
+      </p:sp>
+    </p:spTree>
+    <p:extLst>
+      <p:ext uri="{BB962C8B-B14F-4D97-AF65-F5344CB8AC3E}">
+        <p14:creationId xmlns:p14="http://schemas.microsoft.com/office/powerpoint/2010/main" val="785582574"/>
+      </p:ext>
+    </p:extLst>
+  </p:cSld>
+  <p:clrMapOvr>
+    <a:masterClrMapping/>
+  </p:clrMapOvr>
+</p:sld>
+</file>
+
+<file path=ppt/slides/slide25.xml><?xml version="1.0" encoding="utf-8"?>
+<p:sld xmlns:a="http://schemas.openxmlformats.org/drawingml/2006/main" xmlns:r="http://schemas.openxmlformats.org/officeDocument/2006/relationships" xmlns:p="http://schemas.openxmlformats.org/presentationml/2006/main">
+  <p:cSld>
+    <p:spTree>
+      <p:nvGrpSpPr>
+        <p:cNvPr id="1" name=""/>
+        <p:cNvGrpSpPr/>
+        <p:nvPr/>
+      </p:nvGrpSpPr>
+      <p:grpSpPr>
+        <a:xfrm>
+          <a:off x="0" y="0"/>
+          <a:ext cx="0" cy="0"/>
+          <a:chOff x="0" y="0"/>
+          <a:chExt cx="0" cy="0"/>
+        </a:xfrm>
+      </p:grpSpPr>
+      <p:sp>
+        <p:nvSpPr>
+          <p:cNvPr id="2" name="Titolo 1">
+            <a:extLst>
+              <a:ext uri="{FF2B5EF4-FFF2-40B4-BE49-F238E27FC236}">
+                <a16:creationId xmlns:a16="http://schemas.microsoft.com/office/drawing/2014/main" id="{068710D1-DF83-49F0-9FDA-46F2987E9AF2}"/>
+              </a:ext>
+            </a:extLst>
+          </p:cNvPr>
+          <p:cNvSpPr>
+            <a:spLocks noGrp="1"/>
+          </p:cNvSpPr>
+          <p:nvPr>
+            <p:ph type="title"/>
+          </p:nvPr>
+        </p:nvSpPr>
+        <p:spPr/>
+        <p:txBody>
+          <a:bodyPr/>
+          <a:lstStyle/>
+          <a:p>
+            <a:r>
+              <a:rPr lang="it-IT" dirty="0"/>
+              <a:t>Video DEMO?</a:t>
+            </a:r>
+            <a:endParaRPr lang="en-GB" dirty="0"/>
+          </a:p>
+        </p:txBody>
+      </p:sp>
+      <p:sp>
+        <p:nvSpPr>
+          <p:cNvPr id="3" name="Segnaposto contenuto 2">
+            <a:extLst>
+              <a:ext uri="{FF2B5EF4-FFF2-40B4-BE49-F238E27FC236}">
+                <a16:creationId xmlns:a16="http://schemas.microsoft.com/office/drawing/2014/main" id="{53D4C992-EBC0-426B-BC95-364C0886BC61}"/>
+              </a:ext>
+            </a:extLst>
+          </p:cNvPr>
+          <p:cNvSpPr>
+            <a:spLocks noGrp="1"/>
+          </p:cNvSpPr>
+          <p:nvPr>
+            <p:ph idx="1"/>
+          </p:nvPr>
+        </p:nvSpPr>
+        <p:spPr/>
+        <p:txBody>
+          <a:bodyPr/>
+          <a:lstStyle/>
+          <a:p>
+            <a:endParaRPr lang="en-GB"/>
+          </a:p>
+        </p:txBody>
+      </p:sp>
+    </p:spTree>
+    <p:extLst>
+      <p:ext uri="{BB962C8B-B14F-4D97-AF65-F5344CB8AC3E}">
+        <p14:creationId xmlns:p14="http://schemas.microsoft.com/office/powerpoint/2010/main" val="2851093026"/>
       </p:ext>
     </p:extLst>
   </p:cSld>
@@ -4590,7 +7981,27 @@
             </a:r>
             <a:r>
               <a:rPr lang="en-GB" sz="2400" dirty="0"/>
-              <a:t>This system is the answer for you! Our product automatically open or close the shutters of your house depending on weather conditions. Its scalability allows it to be used not only by you, but also by your neighbours, aiming to control the shutters of several houses simultaneously.</a:t>
+              <a:t>This system is the answer for you! Our product </a:t>
+            </a:r>
+            <a:r>
+              <a:rPr lang="en-GB" sz="2400" b="1" dirty="0"/>
+              <a:t>automatically open or close the shutters of houses depending on weather conditions</a:t>
+            </a:r>
+            <a:r>
+              <a:rPr lang="en-GB" sz="2400" dirty="0"/>
+              <a:t>. Its scalability allows it to be used not only by you, but also by your neighbours, aiming to control the shutters of </a:t>
+            </a:r>
+            <a:r>
+              <a:rPr lang="en-GB" sz="2400" b="1" dirty="0"/>
+              <a:t>several houses in your </a:t>
+            </a:r>
+            <a:r>
+              <a:rPr lang="en-GB" sz="2400" b="1" dirty="0" err="1"/>
+              <a:t>neighborhood</a:t>
+            </a:r>
+            <a:r>
+              <a:rPr lang="en-GB" sz="2400" b="1" dirty="0"/>
+              <a:t> simultaneously.</a:t>
             </a:r>
           </a:p>
         </p:txBody>
@@ -4647,12 +8058,8 @@
           <a:lstStyle/>
           <a:p>
             <a:r>
-              <a:rPr lang="it-IT" dirty="0" err="1"/>
-              <a:t>Introduction</a:t>
-            </a:r>
-            <a:r>
               <a:rPr lang="it-IT" dirty="0"/>
-              <a:t> (1)</a:t>
+              <a:t>How to use</a:t>
             </a:r>
             <a:endParaRPr lang="en-GB" dirty="0"/>
           </a:p>
@@ -4674,10 +8081,15 @@
             <p:ph idx="1"/>
           </p:nvPr>
         </p:nvSpPr>
-        <p:spPr/>
+        <p:spPr>
+          <a:xfrm>
+            <a:off x="1097280" y="1819229"/>
+            <a:ext cx="10058400" cy="4488805"/>
+          </a:xfrm>
+        </p:spPr>
         <p:txBody>
           <a:bodyPr>
-            <a:normAutofit fontScale="92500"/>
+            <a:normAutofit lnSpcReduction="10000"/>
           </a:bodyPr>
           <a:lstStyle/>
           <a:p>
@@ -4686,7 +8098,7 @@
             </a:pPr>
             <a:r>
               <a:rPr lang="en-GB" sz="2400" dirty="0"/>
-              <a:t>You don’t have to worry about anything, the system takes care of your house for you: </a:t>
+              <a:t>You don’t have to worry about anything, the system takes care of your house for you:</a:t>
             </a:r>
           </a:p>
           <a:p>
@@ -4696,7 +8108,15 @@
             </a:pPr>
             <a:r>
               <a:rPr lang="en-GB" sz="2400" dirty="0"/>
-              <a:t>You will be notified directly on your smartphone when a decision is taken by the system, and you can feed back if you liked that decision or not, giving us the possibility to improve based on your habits! So that the system learn how to perfectly fit your needs</a:t>
+              <a:t>When specific </a:t>
+            </a:r>
+            <a:r>
+              <a:rPr lang="en-GB" sz="2400" b="1" dirty="0"/>
+              <a:t>weather conditions </a:t>
+            </a:r>
+            <a:r>
+              <a:rPr lang="en-GB" sz="2400" dirty="0"/>
+              <a:t>trigger our system, it will take a decision about closing or opening the shutters in total autonomy. You will be notified directly on your smartphone when a decision is taken, and you can feed back if you liked that decision or not, giving us the possibility to improve based on your habits! The system learns how to perfectly fit your needs</a:t>
             </a:r>
           </a:p>
           <a:p>
@@ -4706,7 +8126,11 @@
             </a:pPr>
             <a:r>
               <a:rPr lang="en-GB" sz="2400" dirty="0"/>
-              <a:t>When you are away, you can always control the shutters remotely via web </a:t>
+              <a:t>When you are away, you can always control the shutters remotely via</a:t>
+            </a:r>
+            <a:r>
+              <a:rPr lang="en-GB" sz="2400" b="1" dirty="0"/>
+              <a:t> web </a:t>
             </a:r>
           </a:p>
           <a:p>
@@ -4716,7 +8140,15 @@
             </a:pPr>
             <a:r>
               <a:rPr lang="en-GB" sz="2400" dirty="0"/>
-              <a:t>Obviously, you can control the shutters manually thanks to specific buttons installed in your house</a:t>
+              <a:t>Obviously, you can control the shutters manually thanks to specific </a:t>
+            </a:r>
+            <a:r>
+              <a:rPr lang="en-GB" sz="2400" b="1" dirty="0"/>
+              <a:t>buttons</a:t>
+            </a:r>
+            <a:r>
+              <a:rPr lang="en-GB" sz="2400" dirty="0"/>
+              <a:t> installed in your house</a:t>
             </a:r>
           </a:p>
           <a:p>
@@ -4726,7 +8158,15 @@
             </a:pPr>
             <a:r>
               <a:rPr lang="en-GB" sz="2400" dirty="0"/>
-              <a:t>The system takes into account your neighbours action to make better decisions on your own windows</a:t>
+              <a:t>The system takes into account your </a:t>
+            </a:r>
+            <a:r>
+              <a:rPr lang="en-GB" sz="2400" b="1" dirty="0"/>
+              <a:t>neighbours action </a:t>
+            </a:r>
+            <a:r>
+              <a:rPr lang="en-GB" sz="2400" dirty="0"/>
+              <a:t>to make better decisions on your own windows</a:t>
             </a:r>
           </a:p>
         </p:txBody>
@@ -4784,11 +8224,11 @@
           <a:p>
             <a:r>
               <a:rPr lang="it-IT" dirty="0" err="1"/>
-              <a:t>Introduction</a:t>
+              <a:t>Composition</a:t>
             </a:r>
             <a:r>
               <a:rPr lang="it-IT" dirty="0"/>
-              <a:t> (2)</a:t>
+              <a:t> of the kit</a:t>
             </a:r>
             <a:endParaRPr lang="en-GB" dirty="0"/>
           </a:p>
@@ -4828,22 +8268,6 @@
             </a:r>
             <a:r>
               <a:rPr lang="it-IT" sz="2400" dirty="0"/>
-              <a:t> easy to </a:t>
-            </a:r>
-            <a:r>
-              <a:rPr lang="it-IT" sz="2400" dirty="0" err="1"/>
-              <a:t>install</a:t>
-            </a:r>
-            <a:r>
-              <a:rPr lang="it-IT" sz="2400" dirty="0"/>
-              <a:t>. </a:t>
-            </a:r>
-            <a:r>
-              <a:rPr lang="it-IT" sz="2400" dirty="0" err="1"/>
-              <a:t>It’s</a:t>
-            </a:r>
-            <a:r>
-              <a:rPr lang="it-IT" sz="2400" dirty="0"/>
               <a:t> </a:t>
             </a:r>
             <a:r>
@@ -4861,8 +8285,12 @@
               <a:buChar char="•"/>
             </a:pPr>
             <a:r>
+              <a:rPr lang="en-GB" sz="2400" b="1" dirty="0"/>
+              <a:t> 1 Internal Kit per house</a:t>
+            </a:r>
+            <a:r>
               <a:rPr lang="en-GB" sz="2400" dirty="0"/>
-              <a:t> A microcontroller, an actuator and a button for each of the windows you want to control</a:t>
+              <a:t>: a microcontroller, an actuator and a button for each of the windows you want to control</a:t>
             </a:r>
           </a:p>
           <a:p>
@@ -4872,7 +8300,19 @@
             </a:pPr>
             <a:r>
               <a:rPr lang="en-GB" sz="2400" dirty="0"/>
-              <a:t> Some sensors (photoresistor, wind speed sensor) and a control unit for the whole </a:t>
+              <a:t> </a:t>
+            </a:r>
+            <a:r>
+              <a:rPr lang="en-GB" sz="2400" b="1" dirty="0"/>
+              <a:t>1 External Kit per </a:t>
+            </a:r>
+            <a:r>
+              <a:rPr lang="en-GB" sz="2400" b="1" dirty="0" err="1"/>
+              <a:t>neighborhood</a:t>
+            </a:r>
+            <a:r>
+              <a:rPr lang="en-GB" sz="2400" dirty="0"/>
+              <a:t>: some sensors (a photoresistor and a wind speed sensor) and a control unit for the whole </a:t>
             </a:r>
             <a:r>
               <a:rPr lang="en-GB" sz="2400" dirty="0" err="1"/>
@@ -4884,13 +8324,34 @@
             </a:r>
           </a:p>
           <a:p>
-            <a:pPr>
-              <a:buFont typeface="Arial" panose="020B0604020202020204" pitchFamily="34" charset="0"/>
-              <a:buChar char="•"/>
+            <a:pPr marL="0" indent="0">
+              <a:buNone/>
             </a:pPr>
+            <a:endParaRPr lang="en-GB" sz="2400" dirty="0"/>
+          </a:p>
+          <a:p>
+            <a:pPr marL="0" indent="0">
+              <a:buNone/>
+            </a:pPr>
             <a:r>
               <a:rPr lang="en-GB" sz="2400" dirty="0"/>
-              <a:t> And finally you shall install the Telegram application on your smartphone</a:t>
+              <a:t>Finally you shall install the </a:t>
+            </a:r>
+            <a:r>
+              <a:rPr lang="en-GB" sz="2400" b="1" dirty="0"/>
+              <a:t>Telegram application </a:t>
+            </a:r>
+            <a:r>
+              <a:rPr lang="en-GB" sz="2400" dirty="0"/>
+              <a:t>on your smartphone and keep on hand the </a:t>
+            </a:r>
+            <a:r>
+              <a:rPr lang="en-GB" sz="2400" b="1" dirty="0"/>
+              <a:t>web site </a:t>
+            </a:r>
+            <a:r>
+              <a:rPr lang="en-GB" sz="2400" dirty="0"/>
+              <a:t>for optimal control.</a:t>
             </a:r>
           </a:p>
           <a:p>
@@ -4953,8 +8414,12 @@
           <a:lstStyle/>
           <a:p>
             <a:r>
+              <a:rPr lang="it-IT" dirty="0"/>
+              <a:t>Key points: </a:t>
+            </a:r>
+            <a:r>
               <a:rPr lang="it-IT" dirty="0" err="1"/>
-              <a:t>Why</a:t>
+              <a:t>why</a:t>
             </a:r>
             <a:r>
               <a:rPr lang="it-IT" dirty="0"/>
@@ -5003,13 +8468,34 @@
           </a:bodyPr>
           <a:lstStyle/>
           <a:p>
+            <a:pPr marL="0" indent="0">
+              <a:buNone/>
+            </a:pPr>
+            <a:r>
+              <a:rPr lang="it-IT" sz="2400" dirty="0" err="1"/>
+              <a:t>Because</a:t>
+            </a:r>
+            <a:r>
+              <a:rPr lang="it-IT" sz="2400" dirty="0"/>
+              <a:t> the system </a:t>
+            </a:r>
+            <a:r>
+              <a:rPr lang="it-IT" sz="2400" dirty="0" err="1"/>
+              <a:t>is</a:t>
+            </a:r>
+            <a:r>
+              <a:rPr lang="it-IT" sz="2400" dirty="0"/>
+              <a:t>:</a:t>
+            </a:r>
+          </a:p>
+          <a:p>
             <a:pPr>
               <a:buFont typeface="Arial" panose="020B0604020202020204" pitchFamily="34" charset="0"/>
               <a:buChar char="•"/>
             </a:pPr>
             <a:r>
               <a:rPr lang="it-IT" sz="2400" dirty="0"/>
-              <a:t> Easy setup</a:t>
+              <a:t> Easy to setup</a:t>
             </a:r>
           </a:p>
           <a:p>
@@ -5033,15 +8519,7 @@
             </a:r>
             <a:r>
               <a:rPr lang="it-IT" sz="2400" dirty="0" err="1"/>
-              <a:t>Fully</a:t>
-            </a:r>
-            <a:r>
-              <a:rPr lang="it-IT" sz="2400" dirty="0"/>
-              <a:t> </a:t>
-            </a:r>
-            <a:r>
-              <a:rPr lang="it-IT" sz="2400" dirty="0" err="1"/>
-              <a:t>autonomous</a:t>
+              <a:t>Automatic</a:t>
             </a:r>
             <a:endParaRPr lang="it-IT" sz="2400" dirty="0"/>
           </a:p>
@@ -5052,7 +8530,44 @@
             </a:pPr>
             <a:r>
               <a:rPr lang="it-IT" sz="2400" dirty="0"/>
+              <a:t> </a:t>
+            </a:r>
+            <a:r>
+              <a:rPr lang="it-IT" sz="2400" dirty="0" err="1"/>
+              <a:t>Flexible</a:t>
+            </a:r>
+            <a:endParaRPr lang="it-IT" sz="2400" dirty="0"/>
+          </a:p>
+          <a:p>
+            <a:pPr>
+              <a:buFont typeface="Arial" panose="020B0604020202020204" pitchFamily="34" charset="0"/>
+              <a:buChar char="•"/>
+            </a:pPr>
+            <a:r>
+              <a:rPr lang="it-IT" sz="2400" dirty="0"/>
               <a:t> Scalable</a:t>
+            </a:r>
+          </a:p>
+          <a:p>
+            <a:pPr>
+              <a:buFont typeface="Arial" panose="020B0604020202020204" pitchFamily="34" charset="0"/>
+              <a:buChar char="•"/>
+            </a:pPr>
+            <a:r>
+              <a:rPr lang="it-IT" sz="2400" dirty="0"/>
+              <a:t> </a:t>
+            </a:r>
+            <a:r>
+              <a:rPr lang="it-IT" sz="2400" dirty="0" err="1"/>
+              <a:t>Adaptive</a:t>
+            </a:r>
+            <a:r>
+              <a:rPr lang="it-IT" sz="2400" dirty="0"/>
+              <a:t> to users’ </a:t>
+            </a:r>
+            <a:r>
+              <a:rPr lang="it-IT" sz="2400" dirty="0" err="1"/>
+              <a:t>habits</a:t>
             </a:r>
             <a:endParaRPr lang="en-GB" sz="2400" dirty="0"/>
           </a:p>
@@ -5347,14 +8862,14 @@
             <p:ph idx="1"/>
             <p:extLst>
               <p:ext uri="{D42A27DB-BD31-4B8C-83A1-F6EECF244321}">
-                <p14:modId xmlns:p14="http://schemas.microsoft.com/office/powerpoint/2010/main" val="2564337073"/>
+                <p14:modId xmlns:p14="http://schemas.microsoft.com/office/powerpoint/2010/main" val="4035400402"/>
               </p:ext>
             </p:extLst>
           </p:nvPr>
         </p:nvGraphicFramePr>
         <p:xfrm>
           <a:off x="1096962" y="1846263"/>
-          <a:ext cx="10264458" cy="4754880"/>
+          <a:ext cx="10264458" cy="3657600"/>
         </p:xfrm>
         <a:graphic>
           <a:graphicData uri="http://schemas.openxmlformats.org/drawingml/2006/table">
@@ -5851,88 +9366,7 @@
                     <a:bodyPr/>
                     <a:lstStyle/>
                     <a:p>
-                      <a:endParaRPr lang="en-GB"/>
-                    </a:p>
-                  </a:txBody>
-                  <a:tcPr/>
-                </a:tc>
-                <a:tc>
-                  <a:txBody>
-                    <a:bodyPr/>
-                    <a:lstStyle/>
-                    <a:p>
-                      <a:endParaRPr lang="en-GB"/>
-                    </a:p>
-                  </a:txBody>
-                  <a:tcPr/>
-                </a:tc>
-                <a:extLst>
-                  <a:ext uri="{0D108BD9-81ED-4DB2-BD59-A6C34878D82A}">
-                    <a16:rowId xmlns:a16="http://schemas.microsoft.com/office/drawing/2014/main" val="1795330393"/>
-                  </a:ext>
-                </a:extLst>
-              </a:tr>
-              <a:tr h="348591">
-                <a:tc>
-                  <a:txBody>
-                    <a:bodyPr/>
-                    <a:lstStyle/>
-                    <a:p>
-                      <a:endParaRPr lang="en-GB"/>
-                    </a:p>
-                  </a:txBody>
-                  <a:tcPr/>
-                </a:tc>
-                <a:tc>
-                  <a:txBody>
-                    <a:bodyPr/>
-                    <a:lstStyle/>
-                    <a:p>
-                      <a:endParaRPr lang="en-GB"/>
-                    </a:p>
-                  </a:txBody>
-                  <a:tcPr/>
-                </a:tc>
-                <a:extLst>
-                  <a:ext uri="{0D108BD9-81ED-4DB2-BD59-A6C34878D82A}">
-                    <a16:rowId xmlns:a16="http://schemas.microsoft.com/office/drawing/2014/main" val="2664202631"/>
-                  </a:ext>
-                </a:extLst>
-              </a:tr>
-              <a:tr h="348591">
-                <a:tc>
-                  <a:txBody>
-                    <a:bodyPr/>
-                    <a:lstStyle/>
-                    <a:p>
-                      <a:endParaRPr lang="en-GB"/>
-                    </a:p>
-                  </a:txBody>
-                  <a:tcPr/>
-                </a:tc>
-                <a:tc>
-                  <a:txBody>
-                    <a:bodyPr/>
-                    <a:lstStyle/>
-                    <a:p>
-                      <a:endParaRPr lang="en-GB"/>
-                    </a:p>
-                  </a:txBody>
-                  <a:tcPr/>
-                </a:tc>
-                <a:extLst>
-                  <a:ext uri="{0D108BD9-81ED-4DB2-BD59-A6C34878D82A}">
-                    <a16:rowId xmlns:a16="http://schemas.microsoft.com/office/drawing/2014/main" val="1260594161"/>
-                  </a:ext>
-                </a:extLst>
-              </a:tr>
-              <a:tr h="348591">
-                <a:tc>
-                  <a:txBody>
-                    <a:bodyPr/>
-                    <a:lstStyle/>
-                    <a:p>
-                      <a:endParaRPr lang="en-GB"/>
+                      <a:endParaRPr lang="en-GB" dirty="0"/>
                     </a:p>
                   </a:txBody>
                   <a:tcPr/>
@@ -5949,7 +9383,7 @@
                 </a:tc>
                 <a:extLst>
                   <a:ext uri="{0D108BD9-81ED-4DB2-BD59-A6C34878D82A}">
-                    <a16:rowId xmlns:a16="http://schemas.microsoft.com/office/drawing/2014/main" val="2855681076"/>
+                    <a16:rowId xmlns:a16="http://schemas.microsoft.com/office/drawing/2014/main" val="1795330393"/>
                   </a:ext>
                 </a:extLst>
               </a:tr>

--- a/Smart Neighborhood.pptx
+++ b/Smart Neighborhood.pptx
@@ -19,17 +19,18 @@
     <p:sldId id="282" r:id="rId13"/>
     <p:sldId id="275" r:id="rId14"/>
     <p:sldId id="280" r:id="rId15"/>
-    <p:sldId id="276" r:id="rId16"/>
-    <p:sldId id="277" r:id="rId17"/>
-    <p:sldId id="279" r:id="rId18"/>
-    <p:sldId id="263" r:id="rId19"/>
-    <p:sldId id="272" r:id="rId20"/>
-    <p:sldId id="269" r:id="rId21"/>
-    <p:sldId id="270" r:id="rId22"/>
-    <p:sldId id="271" r:id="rId23"/>
-    <p:sldId id="273" r:id="rId24"/>
-    <p:sldId id="274" r:id="rId25"/>
-    <p:sldId id="264" r:id="rId26"/>
+    <p:sldId id="283" r:id="rId16"/>
+    <p:sldId id="276" r:id="rId17"/>
+    <p:sldId id="277" r:id="rId18"/>
+    <p:sldId id="279" r:id="rId19"/>
+    <p:sldId id="263" r:id="rId20"/>
+    <p:sldId id="272" r:id="rId21"/>
+    <p:sldId id="269" r:id="rId22"/>
+    <p:sldId id="270" r:id="rId23"/>
+    <p:sldId id="271" r:id="rId24"/>
+    <p:sldId id="273" r:id="rId25"/>
+    <p:sldId id="274" r:id="rId26"/>
+    <p:sldId id="264" r:id="rId27"/>
   </p:sldIdLst>
   <p:sldSz cx="12192000" cy="6858000"/>
   <p:notesSz cx="6858000" cy="9144000"/>
@@ -362,7 +363,7 @@
           <a:p>
             <a:fld id="{8BE6B674-AADE-49EF-9780-6CBE5B9EDB57}" type="datetimeFigureOut">
               <a:rPr lang="en-GB" smtClean="0"/>
-              <a:t>05/04/2022</a:t>
+              <a:t>08/04/2022</a:t>
             </a:fld>
             <a:endParaRPr lang="en-GB"/>
           </a:p>
@@ -404,7 +405,7 @@
           <a:p>
             <a:fld id="{053125B1-4250-40AD-8036-A38D44547BC7}" type="slidenum">
               <a:rPr lang="en-GB" smtClean="0"/>
-              <a:t>‹N›</a:t>
+              <a:t>‹#›</a:t>
             </a:fld>
             <a:endParaRPr lang="en-GB"/>
           </a:p>
@@ -570,7 +571,7 @@
           <a:p>
             <a:fld id="{8BE6B674-AADE-49EF-9780-6CBE5B9EDB57}" type="datetimeFigureOut">
               <a:rPr lang="en-GB" smtClean="0"/>
-              <a:t>05/04/2022</a:t>
+              <a:t>08/04/2022</a:t>
             </a:fld>
             <a:endParaRPr lang="en-GB"/>
           </a:p>
@@ -612,7 +613,7 @@
           <a:p>
             <a:fld id="{053125B1-4250-40AD-8036-A38D44547BC7}" type="slidenum">
               <a:rPr lang="en-GB" smtClean="0"/>
-              <a:t>‹N›</a:t>
+              <a:t>‹#›</a:t>
             </a:fld>
             <a:endParaRPr lang="en-GB"/>
           </a:p>
@@ -826,7 +827,7 @@
           <a:p>
             <a:fld id="{8BE6B674-AADE-49EF-9780-6CBE5B9EDB57}" type="datetimeFigureOut">
               <a:rPr lang="en-GB" smtClean="0"/>
-              <a:t>05/04/2022</a:t>
+              <a:t>08/04/2022</a:t>
             </a:fld>
             <a:endParaRPr lang="en-GB"/>
           </a:p>
@@ -868,7 +869,7 @@
           <a:p>
             <a:fld id="{053125B1-4250-40AD-8036-A38D44547BC7}" type="slidenum">
               <a:rPr lang="en-GB" smtClean="0"/>
-              <a:t>‹N›</a:t>
+              <a:t>‹#›</a:t>
             </a:fld>
             <a:endParaRPr lang="en-GB"/>
           </a:p>
@@ -1000,7 +1001,7 @@
           <a:p>
             <a:fld id="{8BE6B674-AADE-49EF-9780-6CBE5B9EDB57}" type="datetimeFigureOut">
               <a:rPr lang="en-GB" smtClean="0"/>
-              <a:t>05/04/2022</a:t>
+              <a:t>08/04/2022</a:t>
             </a:fld>
             <a:endParaRPr lang="en-GB"/>
           </a:p>
@@ -1042,7 +1043,7 @@
           <a:p>
             <a:fld id="{053125B1-4250-40AD-8036-A38D44547BC7}" type="slidenum">
               <a:rPr lang="en-GB" smtClean="0"/>
-              <a:t>‹N›</a:t>
+              <a:t>‹#›</a:t>
             </a:fld>
             <a:endParaRPr lang="en-GB"/>
           </a:p>
@@ -1343,7 +1344,7 @@
           <a:p>
             <a:fld id="{8BE6B674-AADE-49EF-9780-6CBE5B9EDB57}" type="datetimeFigureOut">
               <a:rPr lang="en-GB" smtClean="0"/>
-              <a:t>05/04/2022</a:t>
+              <a:t>08/04/2022</a:t>
             </a:fld>
             <a:endParaRPr lang="en-GB"/>
           </a:p>
@@ -1385,7 +1386,7 @@
           <a:p>
             <a:fld id="{053125B1-4250-40AD-8036-A38D44547BC7}" type="slidenum">
               <a:rPr lang="en-GB" smtClean="0"/>
-              <a:t>‹N›</a:t>
+              <a:t>‹#›</a:t>
             </a:fld>
             <a:endParaRPr lang="en-GB"/>
           </a:p>
@@ -1618,7 +1619,7 @@
           <a:p>
             <a:fld id="{8BE6B674-AADE-49EF-9780-6CBE5B9EDB57}" type="datetimeFigureOut">
               <a:rPr lang="en-GB" smtClean="0"/>
-              <a:t>05/04/2022</a:t>
+              <a:t>08/04/2022</a:t>
             </a:fld>
             <a:endParaRPr lang="en-GB"/>
           </a:p>
@@ -1660,7 +1661,7 @@
           <a:p>
             <a:fld id="{053125B1-4250-40AD-8036-A38D44547BC7}" type="slidenum">
               <a:rPr lang="en-GB" smtClean="0"/>
-              <a:t>‹N›</a:t>
+              <a:t>‹#›</a:t>
             </a:fld>
             <a:endParaRPr lang="en-GB"/>
           </a:p>
@@ -1997,7 +1998,7 @@
           <a:p>
             <a:fld id="{8BE6B674-AADE-49EF-9780-6CBE5B9EDB57}" type="datetimeFigureOut">
               <a:rPr lang="en-GB" smtClean="0"/>
-              <a:t>05/04/2022</a:t>
+              <a:t>08/04/2022</a:t>
             </a:fld>
             <a:endParaRPr lang="en-GB"/>
           </a:p>
@@ -2039,7 +2040,7 @@
           <a:p>
             <a:fld id="{053125B1-4250-40AD-8036-A38D44547BC7}" type="slidenum">
               <a:rPr lang="en-GB" smtClean="0"/>
-              <a:t>‹N›</a:t>
+              <a:t>‹#›</a:t>
             </a:fld>
             <a:endParaRPr lang="en-GB"/>
           </a:p>
@@ -2115,7 +2116,7 @@
           <a:p>
             <a:fld id="{8BE6B674-AADE-49EF-9780-6CBE5B9EDB57}" type="datetimeFigureOut">
               <a:rPr lang="en-GB" smtClean="0"/>
-              <a:t>05/04/2022</a:t>
+              <a:t>08/04/2022</a:t>
             </a:fld>
             <a:endParaRPr lang="en-GB"/>
           </a:p>
@@ -2157,7 +2158,7 @@
           <a:p>
             <a:fld id="{053125B1-4250-40AD-8036-A38D44547BC7}" type="slidenum">
               <a:rPr lang="en-GB" smtClean="0"/>
-              <a:t>‹N›</a:t>
+              <a:t>‹#›</a:t>
             </a:fld>
             <a:endParaRPr lang="en-GB"/>
           </a:p>
@@ -2286,7 +2287,7 @@
           <a:p>
             <a:fld id="{8BE6B674-AADE-49EF-9780-6CBE5B9EDB57}" type="datetimeFigureOut">
               <a:rPr lang="en-GB" smtClean="0"/>
-              <a:t>05/04/2022</a:t>
+              <a:t>08/04/2022</a:t>
             </a:fld>
             <a:endParaRPr lang="en-GB"/>
           </a:p>
@@ -2336,7 +2337,7 @@
           <a:p>
             <a:fld id="{053125B1-4250-40AD-8036-A38D44547BC7}" type="slidenum">
               <a:rPr lang="en-GB" smtClean="0"/>
-              <a:t>‹N›</a:t>
+              <a:t>‹#›</a:t>
             </a:fld>
             <a:endParaRPr lang="en-GB"/>
           </a:p>
@@ -2640,7 +2641,7 @@
           <a:p>
             <a:fld id="{8BE6B674-AADE-49EF-9780-6CBE5B9EDB57}" type="datetimeFigureOut">
               <a:rPr lang="en-GB" smtClean="0"/>
-              <a:t>05/04/2022</a:t>
+              <a:t>08/04/2022</a:t>
             </a:fld>
             <a:endParaRPr lang="en-GB"/>
           </a:p>
@@ -2703,7 +2704,7 @@
           <a:p>
             <a:fld id="{053125B1-4250-40AD-8036-A38D44547BC7}" type="slidenum">
               <a:rPr lang="en-GB" smtClean="0"/>
-              <a:t>‹N›</a:t>
+              <a:t>‹#›</a:t>
             </a:fld>
             <a:endParaRPr lang="en-GB"/>
           </a:p>
@@ -3022,7 +3023,7 @@
           <a:p>
             <a:fld id="{8BE6B674-AADE-49EF-9780-6CBE5B9EDB57}" type="datetimeFigureOut">
               <a:rPr lang="en-GB" smtClean="0"/>
-              <a:t>05/04/2022</a:t>
+              <a:t>08/04/2022</a:t>
             </a:fld>
             <a:endParaRPr lang="en-GB"/>
           </a:p>
@@ -3064,7 +3065,7 @@
           <a:p>
             <a:fld id="{053125B1-4250-40AD-8036-A38D44547BC7}" type="slidenum">
               <a:rPr lang="en-GB" smtClean="0"/>
-              <a:t>‹N›</a:t>
+              <a:t>‹#›</a:t>
             </a:fld>
             <a:endParaRPr lang="en-GB"/>
           </a:p>
@@ -3309,7 +3310,7 @@
           <a:p>
             <a:fld id="{8BE6B674-AADE-49EF-9780-6CBE5B9EDB57}" type="datetimeFigureOut">
               <a:rPr lang="en-GB" smtClean="0"/>
-              <a:t>05/04/2022</a:t>
+              <a:t>08/04/2022</a:t>
             </a:fld>
             <a:endParaRPr lang="en-GB"/>
           </a:p>
@@ -3383,7 +3384,7 @@
           <a:p>
             <a:fld id="{053125B1-4250-40AD-8036-A38D44547BC7}" type="slidenum">
               <a:rPr lang="en-GB" smtClean="0"/>
-              <a:t>‹N›</a:t>
+              <a:t>‹#›</a:t>
             </a:fld>
             <a:endParaRPr lang="en-GB"/>
           </a:p>
@@ -6013,7 +6014,7 @@
           <p:cNvPr id="2" name="Titolo 1">
             <a:extLst>
               <a:ext uri="{FF2B5EF4-FFF2-40B4-BE49-F238E27FC236}">
-                <a16:creationId xmlns:a16="http://schemas.microsoft.com/office/drawing/2014/main" id="{956C1897-87CB-44A0-86A4-68B3CA5D7D7F}"/>
+                <a16:creationId xmlns:a16="http://schemas.microsoft.com/office/drawing/2014/main" id="{DD50D7C4-56E3-4E61-85B7-EAAA9137FAB3}"/>
               </a:ext>
             </a:extLst>
           </p:cNvPr>
@@ -6031,45 +6032,1065 @@
           <a:p>
             <a:r>
               <a:rPr lang="it-IT" dirty="0"/>
-              <a:t>Web App</a:t>
+              <a:t>Code </a:t>
+            </a:r>
+            <a:r>
+              <a:rPr lang="it-IT" dirty="0" err="1"/>
+              <a:t>tables</a:t>
+            </a:r>
+            <a:r>
+              <a:rPr lang="it-IT" dirty="0"/>
+              <a:t> for serial </a:t>
+            </a:r>
+            <a:r>
+              <a:rPr lang="it-IT" dirty="0" err="1"/>
+              <a:t>communication</a:t>
+            </a:r>
+            <a:r>
+              <a:rPr lang="it-IT" dirty="0"/>
+              <a:t> (1)</a:t>
             </a:r>
             <a:endParaRPr lang="en-GB" dirty="0"/>
           </a:p>
         </p:txBody>
       </p:sp>
-      <p:sp>
-        <p:nvSpPr>
-          <p:cNvPr id="3" name="Segnaposto contenuto 2">
+      <p:graphicFrame>
+        <p:nvGraphicFramePr>
+          <p:cNvPr id="4" name="Tabella 4">
             <a:extLst>
               <a:ext uri="{FF2B5EF4-FFF2-40B4-BE49-F238E27FC236}">
-                <a16:creationId xmlns:a16="http://schemas.microsoft.com/office/drawing/2014/main" id="{FE9B7FA4-F886-4BC4-AF7E-2986D454A674}"/>
+                <a16:creationId xmlns:a16="http://schemas.microsoft.com/office/drawing/2014/main" id="{56DD78A4-CC37-49B8-8AB4-08FADF6869D0}"/>
               </a:ext>
             </a:extLst>
           </p:cNvPr>
-          <p:cNvSpPr>
-            <a:spLocks noGrp="1"/>
-          </p:cNvSpPr>
+          <p:cNvGraphicFramePr>
+            <a:graphicFrameLocks noGrp="1"/>
+          </p:cNvGraphicFramePr>
           <p:nvPr>
             <p:ph idx="1"/>
-          </p:nvPr>
-        </p:nvSpPr>
-        <p:spPr/>
-        <p:txBody>
-          <a:bodyPr/>
+            <p:extLst>
+              <p:ext uri="{D42A27DB-BD31-4B8C-83A1-F6EECF244321}">
+                <p14:modId xmlns:p14="http://schemas.microsoft.com/office/powerpoint/2010/main" val="4074737900"/>
+              </p:ext>
+            </p:extLst>
+          </p:nvPr>
+        </p:nvGraphicFramePr>
+        <p:xfrm>
+          <a:off x="1179576" y="2084801"/>
+          <a:ext cx="9302895" cy="1161435"/>
+        </p:xfrm>
+        <a:graphic>
+          <a:graphicData uri="http://schemas.openxmlformats.org/drawingml/2006/table">
+            <a:tbl>
+              <a:tblPr firstRow="1" bandRow="1">
+                <a:tableStyleId>{5C22544A-7EE6-4342-B048-85BDC9FD1C3A}</a:tableStyleId>
+              </a:tblPr>
+              <a:tblGrid>
+                <a:gridCol w="1860579">
+                  <a:extLst>
+                    <a:ext uri="{9D8B030D-6E8A-4147-A177-3AD203B41FA5}">
+                      <a16:colId xmlns:a16="http://schemas.microsoft.com/office/drawing/2014/main" val="3404768044"/>
+                    </a:ext>
+                  </a:extLst>
+                </a:gridCol>
+                <a:gridCol w="1860579">
+                  <a:extLst>
+                    <a:ext uri="{9D8B030D-6E8A-4147-A177-3AD203B41FA5}">
+                      <a16:colId xmlns:a16="http://schemas.microsoft.com/office/drawing/2014/main" val="2786162570"/>
+                    </a:ext>
+                  </a:extLst>
+                </a:gridCol>
+                <a:gridCol w="1860579">
+                  <a:extLst>
+                    <a:ext uri="{9D8B030D-6E8A-4147-A177-3AD203B41FA5}">
+                      <a16:colId xmlns:a16="http://schemas.microsoft.com/office/drawing/2014/main" val="1075256195"/>
+                    </a:ext>
+                  </a:extLst>
+                </a:gridCol>
+                <a:gridCol w="1860579">
+                  <a:extLst>
+                    <a:ext uri="{9D8B030D-6E8A-4147-A177-3AD203B41FA5}">
+                      <a16:colId xmlns:a16="http://schemas.microsoft.com/office/drawing/2014/main" val="1191612032"/>
+                    </a:ext>
+                  </a:extLst>
+                </a:gridCol>
+                <a:gridCol w="1860579">
+                  <a:extLst>
+                    <a:ext uri="{9D8B030D-6E8A-4147-A177-3AD203B41FA5}">
+                      <a16:colId xmlns:a16="http://schemas.microsoft.com/office/drawing/2014/main" val="4072988490"/>
+                    </a:ext>
+                  </a:extLst>
+                </a:gridCol>
+              </a:tblGrid>
+              <a:tr h="521355">
+                <a:tc>
+                  <a:txBody>
+                    <a:bodyPr/>
+                    <a:lstStyle/>
+                    <a:p>
+                      <a:pPr algn="ctr"/>
+                      <a:r>
+                        <a:rPr lang="it-IT" dirty="0"/>
+                        <a:t>0xFF</a:t>
+                      </a:r>
+                      <a:endParaRPr lang="en-GB" dirty="0"/>
+                    </a:p>
+                  </a:txBody>
+                  <a:tcPr/>
+                </a:tc>
+                <a:tc>
+                  <a:txBody>
+                    <a:bodyPr/>
+                    <a:lstStyle/>
+                    <a:p>
+                      <a:pPr algn="ctr"/>
+                      <a:r>
+                        <a:rPr lang="it-IT" dirty="0"/>
+                        <a:t>0x02</a:t>
+                      </a:r>
+                      <a:endParaRPr lang="en-GB" dirty="0"/>
+                    </a:p>
+                  </a:txBody>
+                  <a:tcPr/>
+                </a:tc>
+                <a:tc>
+                  <a:txBody>
+                    <a:bodyPr/>
+                    <a:lstStyle/>
+                    <a:p>
+                      <a:pPr algn="ctr"/>
+                      <a:r>
+                        <a:rPr lang="en-GB" sz="1800" dirty="0"/>
+                        <a:t>Potentiometer</a:t>
+                      </a:r>
+                    </a:p>
+                    <a:p>
+                      <a:pPr algn="ctr"/>
+                      <a:r>
+                        <a:rPr lang="en-GB" sz="1800" dirty="0"/>
+                        <a:t>value</a:t>
+                      </a:r>
+                    </a:p>
+                  </a:txBody>
+                  <a:tcPr/>
+                </a:tc>
+                <a:tc>
+                  <a:txBody>
+                    <a:bodyPr/>
+                    <a:lstStyle/>
+                    <a:p>
+                      <a:pPr algn="ctr"/>
+                      <a:r>
+                        <a:rPr lang="it-IT" dirty="0" err="1"/>
+                        <a:t>Photoresistor</a:t>
+                      </a:r>
+                      <a:endParaRPr lang="it-IT" dirty="0"/>
+                    </a:p>
+                    <a:p>
+                      <a:pPr algn="ctr"/>
+                      <a:r>
+                        <a:rPr lang="it-IT" dirty="0" err="1"/>
+                        <a:t>value</a:t>
+                      </a:r>
+                      <a:endParaRPr lang="en-GB" dirty="0"/>
+                    </a:p>
+                  </a:txBody>
+                  <a:tcPr/>
+                </a:tc>
+                <a:tc>
+                  <a:txBody>
+                    <a:bodyPr/>
+                    <a:lstStyle/>
+                    <a:p>
+                      <a:pPr algn="ctr"/>
+                      <a:r>
+                        <a:rPr lang="it-IT" dirty="0"/>
+                        <a:t>0xFE</a:t>
+                      </a:r>
+                      <a:endParaRPr lang="en-GB" dirty="0"/>
+                    </a:p>
+                  </a:txBody>
+                  <a:tcPr/>
+                </a:tc>
+                <a:extLst>
+                  <a:ext uri="{0D108BD9-81ED-4DB2-BD59-A6C34878D82A}">
+                    <a16:rowId xmlns:a16="http://schemas.microsoft.com/office/drawing/2014/main" val="592851918"/>
+                  </a:ext>
+                </a:extLst>
+              </a:tr>
+              <a:tr h="521355">
+                <a:tc>
+                  <a:txBody>
+                    <a:bodyPr/>
+                    <a:lstStyle/>
+                    <a:p>
+                      <a:pPr algn="ctr"/>
+                      <a:r>
+                        <a:rPr lang="it-IT" b="1" dirty="0" err="1"/>
+                        <a:t>Header</a:t>
+                      </a:r>
+                      <a:endParaRPr lang="en-GB" b="1" dirty="0"/>
+                    </a:p>
+                  </a:txBody>
+                  <a:tcPr/>
+                </a:tc>
+                <a:tc>
+                  <a:txBody>
+                    <a:bodyPr/>
+                    <a:lstStyle/>
+                    <a:p>
+                      <a:pPr algn="ctr"/>
+                      <a:r>
+                        <a:rPr lang="it-IT" b="1" dirty="0"/>
+                        <a:t>Payload </a:t>
+                      </a:r>
+                      <a:r>
+                        <a:rPr lang="it-IT" b="1" dirty="0" err="1"/>
+                        <a:t>length</a:t>
+                      </a:r>
+                      <a:endParaRPr lang="en-GB" b="1" dirty="0"/>
+                    </a:p>
+                  </a:txBody>
+                  <a:tcPr/>
+                </a:tc>
+                <a:tc>
+                  <a:txBody>
+                    <a:bodyPr/>
+                    <a:lstStyle/>
+                    <a:p>
+                      <a:pPr algn="ctr"/>
+                      <a:r>
+                        <a:rPr lang="en-GB" b="1" dirty="0"/>
+                        <a:t>Payload</a:t>
+                      </a:r>
+                    </a:p>
+                  </a:txBody>
+                  <a:tcPr/>
+                </a:tc>
+                <a:tc>
+                  <a:txBody>
+                    <a:bodyPr/>
+                    <a:lstStyle/>
+                    <a:p>
+                      <a:pPr algn="ctr"/>
+                      <a:r>
+                        <a:rPr lang="it-IT" b="1" dirty="0"/>
+                        <a:t>Payload</a:t>
+                      </a:r>
+                      <a:endParaRPr lang="en-GB" b="1" dirty="0"/>
+                    </a:p>
+                  </a:txBody>
+                  <a:tcPr/>
+                </a:tc>
+                <a:tc>
+                  <a:txBody>
+                    <a:bodyPr/>
+                    <a:lstStyle/>
+                    <a:p>
+                      <a:pPr algn="ctr"/>
+                      <a:r>
+                        <a:rPr lang="it-IT" b="1" dirty="0" err="1"/>
+                        <a:t>Footer</a:t>
+                      </a:r>
+                      <a:endParaRPr lang="en-GB" b="1" dirty="0"/>
+                    </a:p>
+                  </a:txBody>
+                  <a:tcPr/>
+                </a:tc>
+                <a:extLst>
+                  <a:ext uri="{0D108BD9-81ED-4DB2-BD59-A6C34878D82A}">
+                    <a16:rowId xmlns:a16="http://schemas.microsoft.com/office/drawing/2014/main" val="3318078270"/>
+                  </a:ext>
+                </a:extLst>
+              </a:tr>
+            </a:tbl>
+          </a:graphicData>
+        </a:graphic>
+      </p:graphicFrame>
+      <p:sp>
+        <p:nvSpPr>
+          <p:cNvPr id="5" name="CasellaDiTesto 4">
+            <a:extLst>
+              <a:ext uri="{FF2B5EF4-FFF2-40B4-BE49-F238E27FC236}">
+                <a16:creationId xmlns:a16="http://schemas.microsoft.com/office/drawing/2014/main" id="{FBA5D944-BFAD-4BC3-91E9-A08A00DD3EC0}"/>
+              </a:ext>
+            </a:extLst>
+          </p:cNvPr>
+          <p:cNvSpPr txBox="1"/>
+          <p:nvPr/>
+        </p:nvSpPr>
+        <p:spPr>
+          <a:xfrm>
+            <a:off x="1097280" y="3401298"/>
+            <a:ext cx="9583972" cy="2569934"/>
+          </a:xfrm>
+          <a:prstGeom prst="rect">
+            <a:avLst/>
+          </a:prstGeom>
+          <a:noFill/>
+        </p:spPr>
+        <p:txBody>
+          <a:bodyPr wrap="square" rtlCol="0">
+            <a:spAutoFit/>
+          </a:bodyPr>
           <a:lstStyle/>
           <a:p>
-            <a:r>
-              <a:rPr lang="it-IT" dirty="0" err="1"/>
-              <a:t>screenshot</a:t>
-            </a:r>
-            <a:endParaRPr lang="en-GB" dirty="0"/>
+            <a:pPr marL="91440" indent="-91440" defTabSz="914400">
+              <a:lnSpc>
+                <a:spcPct val="90000"/>
+              </a:lnSpc>
+              <a:spcBef>
+                <a:spcPts val="1200"/>
+              </a:spcBef>
+              <a:spcAft>
+                <a:spcPts val="200"/>
+              </a:spcAft>
+              <a:buClr>
+                <a:schemeClr val="accent1"/>
+              </a:buClr>
+              <a:buSzPct val="100000"/>
+              <a:buFont typeface="Arial" panose="020B0604020202020204" pitchFamily="34" charset="0"/>
+              <a:buChar char="•"/>
+            </a:pPr>
+            <a:r>
+              <a:rPr lang="it-IT" sz="2000" dirty="0" err="1">
+                <a:solidFill>
+                  <a:schemeClr val="tx1">
+                    <a:lumMod val="75000"/>
+                    <a:lumOff val="25000"/>
+                  </a:schemeClr>
+                </a:solidFill>
+              </a:rPr>
+              <a:t>Header</a:t>
+            </a:r>
+            <a:r>
+              <a:rPr lang="it-IT" sz="2000" dirty="0">
+                <a:solidFill>
+                  <a:schemeClr val="tx1">
+                    <a:lumMod val="75000"/>
+                    <a:lumOff val="25000"/>
+                  </a:schemeClr>
+                </a:solidFill>
+              </a:rPr>
+              <a:t> (1 byte): </a:t>
+            </a:r>
+            <a:r>
+              <a:rPr lang="it-IT" sz="2000" dirty="0" err="1">
+                <a:solidFill>
+                  <a:schemeClr val="tx1">
+                    <a:lumMod val="75000"/>
+                    <a:lumOff val="25000"/>
+                  </a:schemeClr>
+                </a:solidFill>
+              </a:rPr>
+              <a:t>identifies</a:t>
+            </a:r>
+            <a:r>
+              <a:rPr lang="it-IT" sz="2000" dirty="0">
+                <a:solidFill>
+                  <a:schemeClr val="tx1">
+                    <a:lumMod val="75000"/>
+                    <a:lumOff val="25000"/>
+                  </a:schemeClr>
+                </a:solidFill>
+              </a:rPr>
+              <a:t> the </a:t>
+            </a:r>
+            <a:r>
+              <a:rPr lang="it-IT" sz="2000" dirty="0" err="1">
+                <a:solidFill>
+                  <a:schemeClr val="tx1">
+                    <a:lumMod val="75000"/>
+                    <a:lumOff val="25000"/>
+                  </a:schemeClr>
+                </a:solidFill>
+              </a:rPr>
+              <a:t>beginning</a:t>
+            </a:r>
+            <a:r>
+              <a:rPr lang="it-IT" sz="2000" dirty="0">
+                <a:solidFill>
+                  <a:schemeClr val="tx1">
+                    <a:lumMod val="75000"/>
+                    <a:lumOff val="25000"/>
+                  </a:schemeClr>
+                </a:solidFill>
+              </a:rPr>
+              <a:t> of the </a:t>
+            </a:r>
+            <a:r>
+              <a:rPr lang="it-IT" sz="2000" dirty="0" err="1">
+                <a:solidFill>
+                  <a:schemeClr val="tx1">
+                    <a:lumMod val="75000"/>
+                    <a:lumOff val="25000"/>
+                  </a:schemeClr>
+                </a:solidFill>
+              </a:rPr>
+              <a:t>packet</a:t>
+            </a:r>
+            <a:endParaRPr lang="it-IT" sz="2000" dirty="0">
+              <a:solidFill>
+                <a:schemeClr val="tx1">
+                  <a:lumMod val="75000"/>
+                  <a:lumOff val="25000"/>
+                </a:schemeClr>
+              </a:solidFill>
+            </a:endParaRPr>
+          </a:p>
+          <a:p>
+            <a:pPr marL="91440" indent="-91440" defTabSz="914400">
+              <a:lnSpc>
+                <a:spcPct val="90000"/>
+              </a:lnSpc>
+              <a:spcBef>
+                <a:spcPts val="1200"/>
+              </a:spcBef>
+              <a:spcAft>
+                <a:spcPts val="200"/>
+              </a:spcAft>
+              <a:buClr>
+                <a:schemeClr val="accent1"/>
+              </a:buClr>
+              <a:buSzPct val="100000"/>
+              <a:buFont typeface="Arial" panose="020B0604020202020204" pitchFamily="34" charset="0"/>
+              <a:buChar char="•"/>
+            </a:pPr>
+            <a:r>
+              <a:rPr lang="it-IT" sz="2000" dirty="0">
+                <a:solidFill>
+                  <a:schemeClr val="tx1">
+                    <a:lumMod val="75000"/>
+                    <a:lumOff val="25000"/>
+                  </a:schemeClr>
+                </a:solidFill>
+              </a:rPr>
+              <a:t>Payload </a:t>
+            </a:r>
+            <a:r>
+              <a:rPr lang="it-IT" sz="2000" dirty="0" err="1">
+                <a:solidFill>
+                  <a:schemeClr val="tx1">
+                    <a:lumMod val="75000"/>
+                    <a:lumOff val="25000"/>
+                  </a:schemeClr>
+                </a:solidFill>
+              </a:rPr>
+              <a:t>length</a:t>
+            </a:r>
+            <a:r>
+              <a:rPr lang="it-IT" sz="2000" dirty="0">
+                <a:solidFill>
+                  <a:schemeClr val="tx1">
+                    <a:lumMod val="75000"/>
+                    <a:lumOff val="25000"/>
+                  </a:schemeClr>
+                </a:solidFill>
+              </a:rPr>
+              <a:t> (1 </a:t>
+            </a:r>
+            <a:r>
+              <a:rPr lang="it-IT" sz="2000" dirty="0" err="1">
+                <a:solidFill>
+                  <a:schemeClr val="tx1">
+                    <a:lumMod val="75000"/>
+                    <a:lumOff val="25000"/>
+                  </a:schemeClr>
+                </a:solidFill>
+              </a:rPr>
+              <a:t>bytes</a:t>
+            </a:r>
+            <a:r>
+              <a:rPr lang="it-IT" sz="2000" dirty="0">
+                <a:solidFill>
+                  <a:schemeClr val="tx1">
+                    <a:lumMod val="75000"/>
+                    <a:lumOff val="25000"/>
+                  </a:schemeClr>
+                </a:solidFill>
+              </a:rPr>
+              <a:t>): </a:t>
+            </a:r>
+            <a:r>
+              <a:rPr lang="it-IT" sz="2000" dirty="0" err="1">
+                <a:solidFill>
+                  <a:schemeClr val="tx1">
+                    <a:lumMod val="75000"/>
+                    <a:lumOff val="25000"/>
+                  </a:schemeClr>
+                </a:solidFill>
+              </a:rPr>
+              <a:t>specifies</a:t>
+            </a:r>
+            <a:r>
+              <a:rPr lang="it-IT" sz="2000" dirty="0">
+                <a:solidFill>
+                  <a:schemeClr val="tx1">
+                    <a:lumMod val="75000"/>
+                    <a:lumOff val="25000"/>
+                  </a:schemeClr>
+                </a:solidFill>
+              </a:rPr>
+              <a:t> the byte </a:t>
+            </a:r>
+            <a:r>
+              <a:rPr lang="it-IT" sz="2000" dirty="0" err="1">
+                <a:solidFill>
+                  <a:schemeClr val="tx1">
+                    <a:lumMod val="75000"/>
+                    <a:lumOff val="25000"/>
+                  </a:schemeClr>
+                </a:solidFill>
+              </a:rPr>
+              <a:t>length</a:t>
+            </a:r>
+            <a:r>
+              <a:rPr lang="it-IT" sz="2000" dirty="0">
+                <a:solidFill>
+                  <a:schemeClr val="tx1">
+                    <a:lumMod val="75000"/>
+                    <a:lumOff val="25000"/>
+                  </a:schemeClr>
+                </a:solidFill>
+              </a:rPr>
+              <a:t> of the payload</a:t>
+            </a:r>
+          </a:p>
+          <a:p>
+            <a:pPr marL="91440" indent="-91440" defTabSz="914400">
+              <a:lnSpc>
+                <a:spcPct val="90000"/>
+              </a:lnSpc>
+              <a:spcBef>
+                <a:spcPts val="1200"/>
+              </a:spcBef>
+              <a:spcAft>
+                <a:spcPts val="200"/>
+              </a:spcAft>
+              <a:buClr>
+                <a:schemeClr val="accent1"/>
+              </a:buClr>
+              <a:buSzPct val="100000"/>
+              <a:buFont typeface="Arial" panose="020B0604020202020204" pitchFamily="34" charset="0"/>
+              <a:buChar char="•"/>
+            </a:pPr>
+            <a:r>
+              <a:rPr lang="it-IT" sz="2000" dirty="0" err="1">
+                <a:solidFill>
+                  <a:schemeClr val="tx1">
+                    <a:lumMod val="75000"/>
+                    <a:lumOff val="25000"/>
+                  </a:schemeClr>
+                </a:solidFill>
+              </a:rPr>
+              <a:t>Payload</a:t>
+            </a:r>
+            <a:r>
+              <a:rPr lang="it-IT" sz="2000" dirty="0">
+                <a:solidFill>
+                  <a:schemeClr val="tx1">
+                    <a:lumMod val="75000"/>
+                    <a:lumOff val="25000"/>
+                  </a:schemeClr>
+                </a:solidFill>
+              </a:rPr>
+              <a:t> (2 byte): the first and the </a:t>
+            </a:r>
+            <a:r>
+              <a:rPr lang="it-IT" sz="2000" dirty="0" err="1">
+                <a:solidFill>
+                  <a:schemeClr val="tx1">
+                    <a:lumMod val="75000"/>
+                    <a:lumOff val="25000"/>
+                  </a:schemeClr>
+                </a:solidFill>
+              </a:rPr>
+              <a:t>second</a:t>
+            </a:r>
+            <a:r>
+              <a:rPr lang="it-IT" sz="2000" dirty="0">
+                <a:solidFill>
+                  <a:schemeClr val="tx1">
+                    <a:lumMod val="75000"/>
+                    <a:lumOff val="25000"/>
+                  </a:schemeClr>
+                </a:solidFill>
+              </a:rPr>
+              <a:t> byte are </a:t>
+            </a:r>
+            <a:r>
+              <a:rPr lang="it-IT" sz="2000" dirty="0" err="1">
+                <a:solidFill>
+                  <a:schemeClr val="tx1">
+                    <a:lumMod val="75000"/>
+                    <a:lumOff val="25000"/>
+                  </a:schemeClr>
+                </a:solidFill>
+              </a:rPr>
+              <a:t>respectively</a:t>
+            </a:r>
+            <a:r>
+              <a:rPr lang="it-IT" sz="2000" dirty="0">
+                <a:solidFill>
+                  <a:schemeClr val="tx1">
+                    <a:lumMod val="75000"/>
+                    <a:lumOff val="25000"/>
+                  </a:schemeClr>
+                </a:solidFill>
+              </a:rPr>
+              <a:t> the </a:t>
+            </a:r>
+            <a:r>
+              <a:rPr lang="it-IT" sz="2000" dirty="0" err="1">
+                <a:solidFill>
+                  <a:schemeClr val="tx1">
+                    <a:lumMod val="75000"/>
+                    <a:lumOff val="25000"/>
+                  </a:schemeClr>
+                </a:solidFill>
+              </a:rPr>
+              <a:t>value</a:t>
+            </a:r>
+            <a:r>
+              <a:rPr lang="it-IT" sz="2000" dirty="0">
+                <a:solidFill>
+                  <a:schemeClr val="tx1">
+                    <a:lumMod val="75000"/>
+                    <a:lumOff val="25000"/>
+                  </a:schemeClr>
+                </a:solidFill>
+              </a:rPr>
+              <a:t> </a:t>
+            </a:r>
+            <a:r>
+              <a:rPr lang="it-IT" sz="2000" dirty="0" err="1">
+                <a:solidFill>
+                  <a:schemeClr val="tx1">
+                    <a:lumMod val="75000"/>
+                    <a:lumOff val="25000"/>
+                  </a:schemeClr>
+                </a:solidFill>
+              </a:rPr>
+              <a:t>read</a:t>
+            </a:r>
+            <a:r>
+              <a:rPr lang="it-IT" sz="2000" dirty="0">
+                <a:solidFill>
+                  <a:schemeClr val="tx1">
+                    <a:lumMod val="75000"/>
+                    <a:lumOff val="25000"/>
+                  </a:schemeClr>
+                </a:solidFill>
+              </a:rPr>
+              <a:t> by the </a:t>
+            </a:r>
+            <a:r>
+              <a:rPr lang="it-IT" sz="2000" dirty="0" err="1">
+                <a:solidFill>
+                  <a:schemeClr val="tx1">
+                    <a:lumMod val="75000"/>
+                    <a:lumOff val="25000"/>
+                  </a:schemeClr>
+                </a:solidFill>
+              </a:rPr>
+              <a:t>potentiometer</a:t>
+            </a:r>
+            <a:r>
+              <a:rPr lang="it-IT" sz="2000" dirty="0">
+                <a:solidFill>
+                  <a:schemeClr val="tx1">
+                    <a:lumMod val="75000"/>
+                    <a:lumOff val="25000"/>
+                  </a:schemeClr>
+                </a:solidFill>
+              </a:rPr>
+              <a:t> and the </a:t>
+            </a:r>
+            <a:r>
+              <a:rPr lang="it-IT" sz="2000" dirty="0" err="1">
+                <a:solidFill>
+                  <a:schemeClr val="tx1">
+                    <a:lumMod val="75000"/>
+                    <a:lumOff val="25000"/>
+                  </a:schemeClr>
+                </a:solidFill>
+              </a:rPr>
+              <a:t>value</a:t>
+            </a:r>
+            <a:r>
+              <a:rPr lang="it-IT" sz="2000" dirty="0">
+                <a:solidFill>
+                  <a:schemeClr val="tx1">
+                    <a:lumMod val="75000"/>
+                    <a:lumOff val="25000"/>
+                  </a:schemeClr>
+                </a:solidFill>
+              </a:rPr>
+              <a:t> </a:t>
+            </a:r>
+            <a:r>
+              <a:rPr lang="it-IT" sz="2000" dirty="0" err="1">
+                <a:solidFill>
+                  <a:schemeClr val="tx1">
+                    <a:lumMod val="75000"/>
+                    <a:lumOff val="25000"/>
+                  </a:schemeClr>
+                </a:solidFill>
+              </a:rPr>
+              <a:t>read</a:t>
+            </a:r>
+            <a:r>
+              <a:rPr lang="it-IT" sz="2000" dirty="0">
+                <a:solidFill>
+                  <a:schemeClr val="tx1">
+                    <a:lumMod val="75000"/>
+                    <a:lumOff val="25000"/>
+                  </a:schemeClr>
+                </a:solidFill>
+              </a:rPr>
+              <a:t> by the </a:t>
+            </a:r>
+            <a:r>
+              <a:rPr lang="it-IT" sz="2000" dirty="0" err="1">
+                <a:solidFill>
+                  <a:schemeClr val="tx1">
+                    <a:lumMod val="75000"/>
+                    <a:lumOff val="25000"/>
+                  </a:schemeClr>
+                </a:solidFill>
+              </a:rPr>
+              <a:t>photoresistor</a:t>
+            </a:r>
+            <a:r>
+              <a:rPr lang="it-IT" sz="2000" dirty="0">
+                <a:solidFill>
+                  <a:schemeClr val="tx1">
+                    <a:lumMod val="75000"/>
+                    <a:lumOff val="25000"/>
+                  </a:schemeClr>
+                </a:solidFill>
+              </a:rPr>
+              <a:t>, </a:t>
+            </a:r>
+            <a:r>
+              <a:rPr lang="it-IT" sz="2000" dirty="0" err="1">
+                <a:solidFill>
+                  <a:schemeClr val="tx1">
+                    <a:lumMod val="75000"/>
+                    <a:lumOff val="25000"/>
+                  </a:schemeClr>
+                </a:solidFill>
+              </a:rPr>
+              <a:t>both</a:t>
+            </a:r>
+            <a:r>
+              <a:rPr lang="it-IT" sz="2000" dirty="0">
+                <a:solidFill>
+                  <a:schemeClr val="tx1">
+                    <a:lumMod val="75000"/>
+                    <a:lumOff val="25000"/>
+                  </a:schemeClr>
+                </a:solidFill>
+              </a:rPr>
+              <a:t> </a:t>
+            </a:r>
+            <a:r>
+              <a:rPr lang="it-IT" sz="2000" dirty="0" err="1">
+                <a:solidFill>
+                  <a:schemeClr val="tx1">
+                    <a:lumMod val="75000"/>
+                    <a:lumOff val="25000"/>
+                  </a:schemeClr>
+                </a:solidFill>
+              </a:rPr>
+              <a:t>mapped</a:t>
+            </a:r>
+            <a:r>
+              <a:rPr lang="it-IT" sz="2000" dirty="0">
+                <a:solidFill>
+                  <a:schemeClr val="tx1">
+                    <a:lumMod val="75000"/>
+                    <a:lumOff val="25000"/>
+                  </a:schemeClr>
+                </a:solidFill>
+              </a:rPr>
+              <a:t> from the </a:t>
+            </a:r>
+            <a:r>
+              <a:rPr lang="it-IT" sz="2000" dirty="0" err="1">
+                <a:solidFill>
+                  <a:schemeClr val="tx1">
+                    <a:lumMod val="75000"/>
+                    <a:lumOff val="25000"/>
+                  </a:schemeClr>
+                </a:solidFill>
+              </a:rPr>
+              <a:t>original</a:t>
+            </a:r>
+            <a:r>
+              <a:rPr lang="it-IT" sz="2000" dirty="0">
+                <a:solidFill>
+                  <a:schemeClr val="tx1">
+                    <a:lumMod val="75000"/>
+                    <a:lumOff val="25000"/>
+                  </a:schemeClr>
+                </a:solidFill>
+              </a:rPr>
+              <a:t> </a:t>
+            </a:r>
+            <a:r>
+              <a:rPr lang="it-IT" sz="2000" dirty="0" err="1">
+                <a:solidFill>
+                  <a:schemeClr val="tx1">
+                    <a:lumMod val="75000"/>
+                    <a:lumOff val="25000"/>
+                  </a:schemeClr>
+                </a:solidFill>
+              </a:rPr>
+              <a:t>range</a:t>
+            </a:r>
+            <a:r>
+              <a:rPr lang="it-IT" sz="2000" dirty="0">
+                <a:solidFill>
+                  <a:schemeClr val="tx1">
+                    <a:lumMod val="75000"/>
+                    <a:lumOff val="25000"/>
+                  </a:schemeClr>
+                </a:solidFill>
+              </a:rPr>
+              <a:t> 0 – 1024, to the </a:t>
+            </a:r>
+            <a:r>
+              <a:rPr lang="it-IT" sz="2000" dirty="0" err="1">
+                <a:solidFill>
+                  <a:schemeClr val="tx1">
+                    <a:lumMod val="75000"/>
+                    <a:lumOff val="25000"/>
+                  </a:schemeClr>
+                </a:solidFill>
+              </a:rPr>
+              <a:t>range</a:t>
+            </a:r>
+            <a:r>
+              <a:rPr lang="it-IT" sz="2000" dirty="0">
+                <a:solidFill>
+                  <a:schemeClr val="tx1">
+                    <a:lumMod val="75000"/>
+                    <a:lumOff val="25000"/>
+                  </a:schemeClr>
+                </a:solidFill>
+              </a:rPr>
+              <a:t> 0 – 253 in </a:t>
+            </a:r>
+            <a:r>
+              <a:rPr lang="it-IT" sz="2000" dirty="0" err="1">
+                <a:solidFill>
+                  <a:schemeClr val="tx1">
+                    <a:lumMod val="75000"/>
+                    <a:lumOff val="25000"/>
+                  </a:schemeClr>
+                </a:solidFill>
+              </a:rPr>
+              <a:t>order</a:t>
+            </a:r>
+            <a:r>
+              <a:rPr lang="it-IT" sz="2000" dirty="0">
+                <a:solidFill>
+                  <a:schemeClr val="tx1">
+                    <a:lumMod val="75000"/>
+                    <a:lumOff val="25000"/>
+                  </a:schemeClr>
+                </a:solidFill>
+              </a:rPr>
+              <a:t> to </a:t>
+            </a:r>
+            <a:r>
+              <a:rPr lang="it-IT" sz="2000" dirty="0" err="1">
+                <a:solidFill>
+                  <a:schemeClr val="tx1">
+                    <a:lumMod val="75000"/>
+                    <a:lumOff val="25000"/>
+                  </a:schemeClr>
+                </a:solidFill>
+              </a:rPr>
+              <a:t>store</a:t>
+            </a:r>
+            <a:r>
+              <a:rPr lang="it-IT" sz="2000" dirty="0">
+                <a:solidFill>
+                  <a:schemeClr val="tx1">
+                    <a:lumMod val="75000"/>
+                    <a:lumOff val="25000"/>
+                  </a:schemeClr>
+                </a:solidFill>
+              </a:rPr>
+              <a:t> </a:t>
+            </a:r>
+            <a:r>
+              <a:rPr lang="it-IT" sz="2000" dirty="0" err="1">
+                <a:solidFill>
+                  <a:schemeClr val="tx1">
+                    <a:lumMod val="75000"/>
+                    <a:lumOff val="25000"/>
+                  </a:schemeClr>
+                </a:solidFill>
+              </a:rPr>
+              <a:t>them</a:t>
+            </a:r>
+            <a:r>
+              <a:rPr lang="it-IT" sz="2000" dirty="0">
+                <a:solidFill>
+                  <a:schemeClr val="tx1">
+                    <a:lumMod val="75000"/>
+                    <a:lumOff val="25000"/>
+                  </a:schemeClr>
+                </a:solidFill>
+              </a:rPr>
+              <a:t> in </a:t>
+            </a:r>
+            <a:r>
+              <a:rPr lang="it-IT" sz="2000" dirty="0" err="1">
+                <a:solidFill>
+                  <a:schemeClr val="tx1">
+                    <a:lumMod val="75000"/>
+                    <a:lumOff val="25000"/>
+                  </a:schemeClr>
+                </a:solidFill>
+              </a:rPr>
+              <a:t>exactly</a:t>
+            </a:r>
+            <a:r>
+              <a:rPr lang="it-IT" sz="2000" dirty="0">
+                <a:solidFill>
+                  <a:schemeClr val="tx1">
+                    <a:lumMod val="75000"/>
+                    <a:lumOff val="25000"/>
+                  </a:schemeClr>
+                </a:solidFill>
+              </a:rPr>
+              <a:t> </a:t>
+            </a:r>
+            <a:r>
+              <a:rPr lang="it-IT" sz="2000" dirty="0" err="1">
+                <a:solidFill>
+                  <a:schemeClr val="tx1">
+                    <a:lumMod val="75000"/>
+                    <a:lumOff val="25000"/>
+                  </a:schemeClr>
+                </a:solidFill>
+              </a:rPr>
+              <a:t>one</a:t>
+            </a:r>
+            <a:r>
+              <a:rPr lang="it-IT" sz="2000" dirty="0">
+                <a:solidFill>
+                  <a:schemeClr val="tx1">
+                    <a:lumMod val="75000"/>
+                    <a:lumOff val="25000"/>
+                  </a:schemeClr>
+                </a:solidFill>
+              </a:rPr>
+              <a:t> byte</a:t>
+            </a:r>
+          </a:p>
+          <a:p>
+            <a:pPr marL="91440" indent="-91440" defTabSz="914400">
+              <a:lnSpc>
+                <a:spcPct val="90000"/>
+              </a:lnSpc>
+              <a:spcBef>
+                <a:spcPts val="1200"/>
+              </a:spcBef>
+              <a:spcAft>
+                <a:spcPts val="200"/>
+              </a:spcAft>
+              <a:buClr>
+                <a:schemeClr val="accent1"/>
+              </a:buClr>
+              <a:buSzPct val="100000"/>
+              <a:buFont typeface="Arial" panose="020B0604020202020204" pitchFamily="34" charset="0"/>
+              <a:buChar char="•"/>
+            </a:pPr>
+            <a:r>
+              <a:rPr lang="it-IT" sz="2000" dirty="0" err="1">
+                <a:solidFill>
+                  <a:schemeClr val="tx1">
+                    <a:lumMod val="75000"/>
+                    <a:lumOff val="25000"/>
+                  </a:schemeClr>
+                </a:solidFill>
+              </a:rPr>
+              <a:t>Footer</a:t>
+            </a:r>
+            <a:r>
+              <a:rPr lang="it-IT" sz="2000" dirty="0">
+                <a:solidFill>
+                  <a:schemeClr val="tx1">
+                    <a:lumMod val="75000"/>
+                    <a:lumOff val="25000"/>
+                  </a:schemeClr>
+                </a:solidFill>
+              </a:rPr>
+              <a:t> (1 byte): </a:t>
+            </a:r>
+            <a:r>
+              <a:rPr lang="it-IT" sz="2000" dirty="0" err="1">
+                <a:solidFill>
+                  <a:schemeClr val="tx1">
+                    <a:lumMod val="75000"/>
+                    <a:lumOff val="25000"/>
+                  </a:schemeClr>
+                </a:solidFill>
+              </a:rPr>
+              <a:t>identifies</a:t>
+            </a:r>
+            <a:r>
+              <a:rPr lang="it-IT" sz="2000" dirty="0">
+                <a:solidFill>
+                  <a:schemeClr val="tx1">
+                    <a:lumMod val="75000"/>
+                    <a:lumOff val="25000"/>
+                  </a:schemeClr>
+                </a:solidFill>
+              </a:rPr>
+              <a:t> the end of the </a:t>
+            </a:r>
+            <a:r>
+              <a:rPr lang="it-IT" sz="2000" dirty="0" err="1">
+                <a:solidFill>
+                  <a:schemeClr val="tx1">
+                    <a:lumMod val="75000"/>
+                    <a:lumOff val="25000"/>
+                  </a:schemeClr>
+                </a:solidFill>
+              </a:rPr>
+              <a:t>packet</a:t>
+            </a:r>
+            <a:br>
+              <a:rPr lang="it-IT" sz="2000" dirty="0">
+                <a:solidFill>
+                  <a:schemeClr val="tx1">
+                    <a:lumMod val="75000"/>
+                    <a:lumOff val="25000"/>
+                  </a:schemeClr>
+                </a:solidFill>
+              </a:rPr>
+            </a:br>
+            <a:endParaRPr lang="en-GB" sz="2000" dirty="0">
+              <a:solidFill>
+                <a:schemeClr val="tx1">
+                  <a:lumMod val="75000"/>
+                  <a:lumOff val="25000"/>
+                </a:schemeClr>
+              </a:solidFill>
+            </a:endParaRPr>
           </a:p>
         </p:txBody>
       </p:sp>
     </p:spTree>
     <p:extLst>
       <p:ext uri="{BB962C8B-B14F-4D97-AF65-F5344CB8AC3E}">
-        <p14:creationId xmlns:p14="http://schemas.microsoft.com/office/powerpoint/2010/main" val="3215945205"/>
+        <p14:creationId xmlns:p14="http://schemas.microsoft.com/office/powerpoint/2010/main" val="1304586556"/>
       </p:ext>
     </p:extLst>
   </p:cSld>
@@ -6101,7 +7122,7 @@
           <p:cNvPr id="2" name="Titolo 1">
             <a:extLst>
               <a:ext uri="{FF2B5EF4-FFF2-40B4-BE49-F238E27FC236}">
-                <a16:creationId xmlns:a16="http://schemas.microsoft.com/office/drawing/2014/main" id="{CD615654-B50B-4C0E-A230-FEABB50A2831}"/>
+                <a16:creationId xmlns:a16="http://schemas.microsoft.com/office/drawing/2014/main" id="{956C1897-87CB-44A0-86A4-68B3CA5D7D7F}"/>
               </a:ext>
             </a:extLst>
           </p:cNvPr>
@@ -6119,7 +7140,7 @@
           <a:p>
             <a:r>
               <a:rPr lang="it-IT" dirty="0"/>
-              <a:t>DB SqLite3</a:t>
+              <a:t>Web App</a:t>
             </a:r>
             <a:endParaRPr lang="en-GB" dirty="0"/>
           </a:p>
@@ -6130,7 +7151,7 @@
           <p:cNvPr id="3" name="Segnaposto contenuto 2">
             <a:extLst>
               <a:ext uri="{FF2B5EF4-FFF2-40B4-BE49-F238E27FC236}">
-                <a16:creationId xmlns:a16="http://schemas.microsoft.com/office/drawing/2014/main" id="{B4DB2530-61AC-44AC-9CE9-85251E23B809}"/>
+                <a16:creationId xmlns:a16="http://schemas.microsoft.com/office/drawing/2014/main" id="{FE9B7FA4-F886-4BC4-AF7E-2986D454A674}"/>
               </a:ext>
             </a:extLst>
           </p:cNvPr>
@@ -6148,7 +7169,7 @@
           <a:p>
             <a:r>
               <a:rPr lang="it-IT" dirty="0" err="1"/>
-              <a:t>Structure</a:t>
+              <a:t>screenshot</a:t>
             </a:r>
             <a:endParaRPr lang="en-GB" dirty="0"/>
           </a:p>
@@ -6157,7 +7178,7 @@
     </p:spTree>
     <p:extLst>
       <p:ext uri="{BB962C8B-B14F-4D97-AF65-F5344CB8AC3E}">
-        <p14:creationId xmlns:p14="http://schemas.microsoft.com/office/powerpoint/2010/main" val="1194308269"/>
+        <p14:creationId xmlns:p14="http://schemas.microsoft.com/office/powerpoint/2010/main" val="3215945205"/>
       </p:ext>
     </p:extLst>
   </p:cSld>
@@ -6189,7 +7210,7 @@
           <p:cNvPr id="2" name="Titolo 1">
             <a:extLst>
               <a:ext uri="{FF2B5EF4-FFF2-40B4-BE49-F238E27FC236}">
-                <a16:creationId xmlns:a16="http://schemas.microsoft.com/office/drawing/2014/main" id="{00C2A123-0917-441F-A181-BA0AD5570E29}"/>
+                <a16:creationId xmlns:a16="http://schemas.microsoft.com/office/drawing/2014/main" id="{CD615654-B50B-4C0E-A230-FEABB50A2831}"/>
               </a:ext>
             </a:extLst>
           </p:cNvPr>
@@ -6206,16 +7227,8 @@
           <a:lstStyle/>
           <a:p>
             <a:r>
-              <a:rPr lang="it-IT" dirty="0" err="1"/>
-              <a:t>OpenWeather</a:t>
-            </a:r>
-            <a:r>
               <a:rPr lang="it-IT" dirty="0"/>
-              <a:t> </a:t>
-            </a:r>
-            <a:r>
-              <a:rPr lang="it-IT" dirty="0" err="1"/>
-              <a:t>codes</a:t>
+              <a:t>DB SqLite3</a:t>
             </a:r>
             <a:endParaRPr lang="en-GB" dirty="0"/>
           </a:p>
@@ -6226,7 +7239,7 @@
           <p:cNvPr id="3" name="Segnaposto contenuto 2">
             <a:extLst>
               <a:ext uri="{FF2B5EF4-FFF2-40B4-BE49-F238E27FC236}">
-                <a16:creationId xmlns:a16="http://schemas.microsoft.com/office/drawing/2014/main" id="{DFDF4A4E-5ADE-494E-ABB5-7DC693692AD8}"/>
+                <a16:creationId xmlns:a16="http://schemas.microsoft.com/office/drawing/2014/main" id="{B4DB2530-61AC-44AC-9CE9-85251E23B809}"/>
               </a:ext>
             </a:extLst>
           </p:cNvPr>
@@ -6242,14 +7255,18 @@
           <a:bodyPr/>
           <a:lstStyle/>
           <a:p>
-            <a:endParaRPr lang="en-GB"/>
+            <a:r>
+              <a:rPr lang="it-IT" dirty="0" err="1"/>
+              <a:t>Structure</a:t>
+            </a:r>
+            <a:endParaRPr lang="en-GB" dirty="0"/>
           </a:p>
         </p:txBody>
       </p:sp>
     </p:spTree>
     <p:extLst>
       <p:ext uri="{BB962C8B-B14F-4D97-AF65-F5344CB8AC3E}">
-        <p14:creationId xmlns:p14="http://schemas.microsoft.com/office/powerpoint/2010/main" val="2871504610"/>
+        <p14:creationId xmlns:p14="http://schemas.microsoft.com/office/powerpoint/2010/main" val="1194308269"/>
       </p:ext>
     </p:extLst>
   </p:cSld>
@@ -6281,7 +7298,7 @@
           <p:cNvPr id="2" name="Titolo 1">
             <a:extLst>
               <a:ext uri="{FF2B5EF4-FFF2-40B4-BE49-F238E27FC236}">
-                <a16:creationId xmlns:a16="http://schemas.microsoft.com/office/drawing/2014/main" id="{CA44F50E-E660-4EE1-A36B-B75DBCBF422E}"/>
+                <a16:creationId xmlns:a16="http://schemas.microsoft.com/office/drawing/2014/main" id="{00C2A123-0917-441F-A181-BA0AD5570E29}"/>
               </a:ext>
             </a:extLst>
           </p:cNvPr>
@@ -6298,24 +7315,16 @@
           <a:lstStyle/>
           <a:p>
             <a:r>
+              <a:rPr lang="it-IT" dirty="0" err="1"/>
+              <a:t>OpenWeather</a:t>
+            </a:r>
+            <a:r>
               <a:rPr lang="it-IT" dirty="0"/>
-              <a:t>Extra: </a:t>
+              <a:t> </a:t>
             </a:r>
             <a:r>
               <a:rPr lang="it-IT" dirty="0" err="1"/>
-              <a:t>Reinforcement</a:t>
-            </a:r>
-            <a:r>
-              <a:rPr lang="it-IT" dirty="0"/>
-              <a:t> Learning </a:t>
-            </a:r>
-            <a:r>
-              <a:rPr lang="it-IT" dirty="0" err="1"/>
-              <a:t>predictions</a:t>
-            </a:r>
-            <a:r>
-              <a:rPr lang="it-IT" dirty="0"/>
-              <a:t> with DQN</a:t>
+              <a:t>codes</a:t>
             </a:r>
             <a:endParaRPr lang="en-GB" dirty="0"/>
           </a:p>
@@ -6326,7 +7335,7 @@
           <p:cNvPr id="3" name="Segnaposto contenuto 2">
             <a:extLst>
               <a:ext uri="{FF2B5EF4-FFF2-40B4-BE49-F238E27FC236}">
-                <a16:creationId xmlns:a16="http://schemas.microsoft.com/office/drawing/2014/main" id="{DBF8575B-E0C7-42AF-97D6-1FC140DE9295}"/>
+                <a16:creationId xmlns:a16="http://schemas.microsoft.com/office/drawing/2014/main" id="{DFDF4A4E-5ADE-494E-ABB5-7DC693692AD8}"/>
               </a:ext>
             </a:extLst>
           </p:cNvPr>
@@ -6339,54 +7348,17 @@
         </p:nvSpPr>
         <p:spPr/>
         <p:txBody>
-          <a:bodyPr>
-            <a:normAutofit/>
-          </a:bodyPr>
+          <a:bodyPr/>
           <a:lstStyle/>
           <a:p>
-            <a:pPr>
-              <a:buFont typeface="Arial" panose="020B0604020202020204" pitchFamily="34" charset="0"/>
-              <a:buChar char="•"/>
-            </a:pPr>
-            <a:r>
-              <a:rPr lang="it-IT" dirty="0"/>
-              <a:t> DQN (Deep Q-Learning Networks) </a:t>
-            </a:r>
-            <a:r>
-              <a:rPr lang="it-IT" dirty="0" err="1"/>
-              <a:t>is</a:t>
-            </a:r>
-            <a:r>
-              <a:rPr lang="it-IT" dirty="0"/>
-              <a:t> a model-free </a:t>
-            </a:r>
-            <a:r>
-              <a:rPr lang="it-IT" dirty="0" err="1"/>
-              <a:t>reinforcement</a:t>
-            </a:r>
-            <a:r>
-              <a:rPr lang="it-IT" dirty="0"/>
-              <a:t> learning </a:t>
-            </a:r>
-            <a:r>
-              <a:rPr lang="it-IT" dirty="0" err="1"/>
-              <a:t>algorithm</a:t>
-            </a:r>
-            <a:r>
-              <a:rPr lang="it-IT" dirty="0"/>
-              <a:t>. </a:t>
-            </a:r>
-            <a:r>
-              <a:rPr lang="en-GB" dirty="0"/>
-              <a:t>Model free RL algorithms don’t learn a model of their environment’s transition function to make predictions of future states and rewards.</a:t>
-            </a:r>
+            <a:endParaRPr lang="en-GB"/>
           </a:p>
         </p:txBody>
       </p:sp>
     </p:spTree>
     <p:extLst>
       <p:ext uri="{BB962C8B-B14F-4D97-AF65-F5344CB8AC3E}">
-        <p14:creationId xmlns:p14="http://schemas.microsoft.com/office/powerpoint/2010/main" val="2089512660"/>
+        <p14:creationId xmlns:p14="http://schemas.microsoft.com/office/powerpoint/2010/main" val="2871504610"/>
       </p:ext>
     </p:extLst>
   </p:cSld>
@@ -6418,7 +7390,7 @@
           <p:cNvPr id="2" name="Titolo 1">
             <a:extLst>
               <a:ext uri="{FF2B5EF4-FFF2-40B4-BE49-F238E27FC236}">
-                <a16:creationId xmlns:a16="http://schemas.microsoft.com/office/drawing/2014/main" id="{D5C96224-4790-4F75-8C9F-E7D3546A668A}"/>
+                <a16:creationId xmlns:a16="http://schemas.microsoft.com/office/drawing/2014/main" id="{CA44F50E-E660-4EE1-A36B-B75DBCBF422E}"/>
               </a:ext>
             </a:extLst>
           </p:cNvPr>
@@ -6435,12 +7407,24 @@
           <a:lstStyle/>
           <a:p>
             <a:r>
+              <a:rPr lang="it-IT" dirty="0"/>
+              <a:t>Extra: </a:t>
+            </a:r>
+            <a:r>
               <a:rPr lang="it-IT" dirty="0" err="1"/>
-              <a:t>Vanilla</a:t>
+              <a:t>Reinforcement</a:t>
             </a:r>
             <a:r>
               <a:rPr lang="it-IT" dirty="0"/>
-              <a:t> Q-Learning</a:t>
+              <a:t> Learning </a:t>
+            </a:r>
+            <a:r>
+              <a:rPr lang="it-IT" dirty="0" err="1"/>
+              <a:t>predictions</a:t>
+            </a:r>
+            <a:r>
+              <a:rPr lang="it-IT" dirty="0"/>
+              <a:t> with DQN</a:t>
             </a:r>
             <a:endParaRPr lang="en-GB" dirty="0"/>
           </a:p>
@@ -6451,7 +7435,7 @@
           <p:cNvPr id="3" name="Segnaposto contenuto 2">
             <a:extLst>
               <a:ext uri="{FF2B5EF4-FFF2-40B4-BE49-F238E27FC236}">
-                <a16:creationId xmlns:a16="http://schemas.microsoft.com/office/drawing/2014/main" id="{E3DB408E-AD0C-4641-9231-2EAD55A4A921}"/>
+                <a16:creationId xmlns:a16="http://schemas.microsoft.com/office/drawing/2014/main" id="{DBF8575B-E0C7-42AF-97D6-1FC140DE9295}"/>
               </a:ext>
             </a:extLst>
           </p:cNvPr>
@@ -6464,7 +7448,9 @@
         </p:nvSpPr>
         <p:spPr/>
         <p:txBody>
-          <a:bodyPr/>
+          <a:bodyPr>
+            <a:normAutofit/>
+          </a:bodyPr>
           <a:lstStyle/>
           <a:p>
             <a:pPr>
@@ -6472,88 +7458,44 @@
               <a:buChar char="•"/>
             </a:pPr>
             <a:r>
+              <a:rPr lang="it-IT" dirty="0"/>
+              <a:t> DQN (Deep Q-Learning Networks) </a:t>
+            </a:r>
+            <a:r>
+              <a:rPr lang="it-IT" dirty="0" err="1"/>
+              <a:t>is</a:t>
+            </a:r>
+            <a:r>
+              <a:rPr lang="it-IT" dirty="0"/>
+              <a:t> a model-free </a:t>
+            </a:r>
+            <a:r>
+              <a:rPr lang="it-IT" dirty="0" err="1"/>
+              <a:t>reinforcement</a:t>
+            </a:r>
+            <a:r>
+              <a:rPr lang="it-IT" dirty="0"/>
+              <a:t> learning </a:t>
+            </a:r>
+            <a:r>
+              <a:rPr lang="it-IT" dirty="0" err="1"/>
+              <a:t>algorithm</a:t>
+            </a:r>
+            <a:r>
+              <a:rPr lang="it-IT" dirty="0"/>
+              <a:t>. </a:t>
+            </a:r>
+            <a:r>
               <a:rPr lang="en-GB" dirty="0"/>
-              <a:t>The vanilla Q-Learning uses a </a:t>
-            </a:r>
-            <a:r>
-              <a:rPr lang="en-GB" b="1" dirty="0"/>
-              <a:t>Q-table, </a:t>
-            </a:r>
-            <a:r>
-              <a:rPr lang="en-GB" dirty="0"/>
-              <a:t>a simple data structure that we use to keep track of the states, actions, and their expected rewards. More specifically, the Q-table maps a state-action pair to a </a:t>
-            </a:r>
-            <a:r>
-              <a:rPr lang="en-GB" b="1" dirty="0"/>
-              <a:t>Q-value</a:t>
-            </a:r>
-            <a:r>
-              <a:rPr lang="en-GB" dirty="0"/>
-              <a:t> (the estimated optimal future value) which the agent will learn. At the start of the Q-Learning algorithm, the Q-table is initialized to all zeros indicating that the agent doesn’t know anything about the world. As the agent tries out different actions at different states through trial and error, the agent learns each state-action pair’s expected reward and updates the Q-table with the new Q-value. Using trial and error to learn about the world is called </a:t>
-            </a:r>
-            <a:r>
-              <a:rPr lang="en-GB" b="1" dirty="0"/>
-              <a:t>Exploration</a:t>
-            </a:r>
-            <a:r>
-              <a:rPr lang="en-GB" dirty="0"/>
-              <a:t>.</a:t>
-            </a:r>
-          </a:p>
-          <a:p>
-            <a:pPr>
-              <a:buFont typeface="Arial" panose="020B0604020202020204" pitchFamily="34" charset="0"/>
-              <a:buChar char="•"/>
-            </a:pPr>
-            <a:r>
-              <a:rPr lang="en-GB" dirty="0"/>
-              <a:t> The </a:t>
-            </a:r>
-            <a:r>
-              <a:rPr lang="en-GB" b="1" dirty="0"/>
-              <a:t>Q-Value</a:t>
-            </a:r>
-            <a:r>
-              <a:rPr lang="en-GB" dirty="0"/>
-              <a:t> is the maximum expected reward an agent can reach by taking a given action A from the state S. After an agent has learned the Q-value of each state-action pair, the agent at state </a:t>
-            </a:r>
-            <a:r>
-              <a:rPr lang="en-GB" b="1" dirty="0"/>
-              <a:t>S</a:t>
-            </a:r>
-            <a:r>
-              <a:rPr lang="en-GB" dirty="0"/>
-              <a:t> maximizes its expected reward by choosing the action </a:t>
-            </a:r>
-            <a:r>
-              <a:rPr lang="en-GB" b="1" dirty="0"/>
-              <a:t>A</a:t>
-            </a:r>
-            <a:r>
-              <a:rPr lang="en-GB" dirty="0"/>
-              <a:t> with the highest expected reward. Explicitly choosing the best known action at a state is called </a:t>
-            </a:r>
-            <a:r>
-              <a:rPr lang="en-GB" b="1" dirty="0"/>
-              <a:t>Exploitation</a:t>
-            </a:r>
-            <a:r>
-              <a:rPr lang="en-GB" dirty="0"/>
-              <a:t>.</a:t>
-            </a:r>
-          </a:p>
-          <a:p>
-            <a:pPr marL="0" indent="0">
-              <a:buNone/>
-            </a:pPr>
-            <a:endParaRPr lang="en-GB" dirty="0"/>
+              <a:t>Model free RL algorithms don’t learn a model of their environment’s transition function to make predictions of future states and rewards.</a:t>
+            </a:r>
           </a:p>
         </p:txBody>
       </p:sp>
     </p:spTree>
     <p:extLst>
       <p:ext uri="{BB962C8B-B14F-4D97-AF65-F5344CB8AC3E}">
-        <p14:creationId xmlns:p14="http://schemas.microsoft.com/office/powerpoint/2010/main" val="496101187"/>
+        <p14:creationId xmlns:p14="http://schemas.microsoft.com/office/powerpoint/2010/main" val="2089512660"/>
       </p:ext>
     </p:extLst>
   </p:cSld>
@@ -6742,6 +7684,173 @@
           <p:cNvPr id="2" name="Titolo 1">
             <a:extLst>
               <a:ext uri="{FF2B5EF4-FFF2-40B4-BE49-F238E27FC236}">
+                <a16:creationId xmlns:a16="http://schemas.microsoft.com/office/drawing/2014/main" id="{D5C96224-4790-4F75-8C9F-E7D3546A668A}"/>
+              </a:ext>
+            </a:extLst>
+          </p:cNvPr>
+          <p:cNvSpPr>
+            <a:spLocks noGrp="1"/>
+          </p:cNvSpPr>
+          <p:nvPr>
+            <p:ph type="title"/>
+          </p:nvPr>
+        </p:nvSpPr>
+        <p:spPr/>
+        <p:txBody>
+          <a:bodyPr/>
+          <a:lstStyle/>
+          <a:p>
+            <a:r>
+              <a:rPr lang="it-IT" dirty="0" err="1"/>
+              <a:t>Vanilla</a:t>
+            </a:r>
+            <a:r>
+              <a:rPr lang="it-IT" dirty="0"/>
+              <a:t> Q-Learning</a:t>
+            </a:r>
+            <a:endParaRPr lang="en-GB" dirty="0"/>
+          </a:p>
+        </p:txBody>
+      </p:sp>
+      <p:sp>
+        <p:nvSpPr>
+          <p:cNvPr id="3" name="Segnaposto contenuto 2">
+            <a:extLst>
+              <a:ext uri="{FF2B5EF4-FFF2-40B4-BE49-F238E27FC236}">
+                <a16:creationId xmlns:a16="http://schemas.microsoft.com/office/drawing/2014/main" id="{E3DB408E-AD0C-4641-9231-2EAD55A4A921}"/>
+              </a:ext>
+            </a:extLst>
+          </p:cNvPr>
+          <p:cNvSpPr>
+            <a:spLocks noGrp="1"/>
+          </p:cNvSpPr>
+          <p:nvPr>
+            <p:ph idx="1"/>
+          </p:nvPr>
+        </p:nvSpPr>
+        <p:spPr/>
+        <p:txBody>
+          <a:bodyPr/>
+          <a:lstStyle/>
+          <a:p>
+            <a:pPr>
+              <a:buFont typeface="Arial" panose="020B0604020202020204" pitchFamily="34" charset="0"/>
+              <a:buChar char="•"/>
+            </a:pPr>
+            <a:r>
+              <a:rPr lang="en-GB" dirty="0"/>
+              <a:t>The vanilla Q-Learning uses a </a:t>
+            </a:r>
+            <a:r>
+              <a:rPr lang="en-GB" b="1" dirty="0"/>
+              <a:t>Q-table, </a:t>
+            </a:r>
+            <a:r>
+              <a:rPr lang="en-GB" dirty="0"/>
+              <a:t>a simple data structure that we use to keep track of the states, actions, and their expected rewards. More specifically, the Q-table maps a state-action pair to a </a:t>
+            </a:r>
+            <a:r>
+              <a:rPr lang="en-GB" b="1" dirty="0"/>
+              <a:t>Q-value</a:t>
+            </a:r>
+            <a:r>
+              <a:rPr lang="en-GB" dirty="0"/>
+              <a:t> (the estimated optimal future value) which the agent will learn. At the start of the Q-Learning algorithm, the Q-table is initialized to all zeros indicating that the agent doesn’t know anything about the world. As the agent tries out different actions at different states through trial and error, the agent learns each state-action pair’s expected reward and updates the Q-table with the new Q-value. Using trial and error to learn about the world is called </a:t>
+            </a:r>
+            <a:r>
+              <a:rPr lang="en-GB" b="1" dirty="0"/>
+              <a:t>Exploration</a:t>
+            </a:r>
+            <a:r>
+              <a:rPr lang="en-GB" dirty="0"/>
+              <a:t>.</a:t>
+            </a:r>
+          </a:p>
+          <a:p>
+            <a:pPr>
+              <a:buFont typeface="Arial" panose="020B0604020202020204" pitchFamily="34" charset="0"/>
+              <a:buChar char="•"/>
+            </a:pPr>
+            <a:r>
+              <a:rPr lang="en-GB" dirty="0"/>
+              <a:t> The </a:t>
+            </a:r>
+            <a:r>
+              <a:rPr lang="en-GB" b="1" dirty="0"/>
+              <a:t>Q-Value</a:t>
+            </a:r>
+            <a:r>
+              <a:rPr lang="en-GB" dirty="0"/>
+              <a:t> is the maximum expected reward an agent can reach by taking a given action A from the state S. After an agent has learned the Q-value of each state-action pair, the agent at state </a:t>
+            </a:r>
+            <a:r>
+              <a:rPr lang="en-GB" b="1" dirty="0"/>
+              <a:t>S</a:t>
+            </a:r>
+            <a:r>
+              <a:rPr lang="en-GB" dirty="0"/>
+              <a:t> maximizes its expected reward by choosing the action </a:t>
+            </a:r>
+            <a:r>
+              <a:rPr lang="en-GB" b="1" dirty="0"/>
+              <a:t>A</a:t>
+            </a:r>
+            <a:r>
+              <a:rPr lang="en-GB" dirty="0"/>
+              <a:t> with the highest expected reward. Explicitly choosing the best known action at a state is called </a:t>
+            </a:r>
+            <a:r>
+              <a:rPr lang="en-GB" b="1" dirty="0"/>
+              <a:t>Exploitation</a:t>
+            </a:r>
+            <a:r>
+              <a:rPr lang="en-GB" dirty="0"/>
+              <a:t>.</a:t>
+            </a:r>
+          </a:p>
+          <a:p>
+            <a:pPr marL="0" indent="0">
+              <a:buNone/>
+            </a:pPr>
+            <a:endParaRPr lang="en-GB" dirty="0"/>
+          </a:p>
+        </p:txBody>
+      </p:sp>
+    </p:spTree>
+    <p:extLst>
+      <p:ext uri="{BB962C8B-B14F-4D97-AF65-F5344CB8AC3E}">
+        <p14:creationId xmlns:p14="http://schemas.microsoft.com/office/powerpoint/2010/main" val="496101187"/>
+      </p:ext>
+    </p:extLst>
+  </p:cSld>
+  <p:clrMapOvr>
+    <a:masterClrMapping/>
+  </p:clrMapOvr>
+</p:sld>
+</file>
+
+<file path=ppt/slides/slide21.xml><?xml version="1.0" encoding="utf-8"?>
+<p:sld xmlns:a="http://schemas.openxmlformats.org/drawingml/2006/main" xmlns:r="http://schemas.openxmlformats.org/officeDocument/2006/relationships" xmlns:p="http://schemas.openxmlformats.org/presentationml/2006/main">
+  <p:cSld>
+    <p:spTree>
+      <p:nvGrpSpPr>
+        <p:cNvPr id="1" name=""/>
+        <p:cNvGrpSpPr/>
+        <p:nvPr/>
+      </p:nvGrpSpPr>
+      <p:grpSpPr>
+        <a:xfrm>
+          <a:off x="0" y="0"/>
+          <a:ext cx="0" cy="0"/>
+          <a:chOff x="0" y="0"/>
+          <a:chExt cx="0" cy="0"/>
+        </a:xfrm>
+      </p:grpSpPr>
+      <p:sp>
+        <p:nvSpPr>
+          <p:cNvPr id="2" name="Titolo 1">
+            <a:extLst>
+              <a:ext uri="{FF2B5EF4-FFF2-40B4-BE49-F238E27FC236}">
                 <a16:creationId xmlns:a16="http://schemas.microsoft.com/office/drawing/2014/main" id="{D5F2B4DE-3E0B-42A6-9ED3-A37C3E2BAE50}"/>
               </a:ext>
             </a:extLst>
@@ -6870,7 +7979,7 @@
 </p:sld>
 </file>
 
-<file path=ppt/slides/slide21.xml><?xml version="1.0" encoding="utf-8"?>
+<file path=ppt/slides/slide22.xml><?xml version="1.0" encoding="utf-8"?>
 <p:sld xmlns:a="http://schemas.openxmlformats.org/drawingml/2006/main" xmlns:r="http://schemas.openxmlformats.org/officeDocument/2006/relationships" xmlns:p="http://schemas.openxmlformats.org/presentationml/2006/main">
   <p:cSld>
     <p:spTree>
@@ -7073,7 +8182,7 @@
 </p:sld>
 </file>
 
-<file path=ppt/slides/slide22.xml><?xml version="1.0" encoding="utf-8"?>
+<file path=ppt/slides/slide23.xml><?xml version="1.0" encoding="utf-8"?>
 <p:sld xmlns:a="http://schemas.openxmlformats.org/drawingml/2006/main" xmlns:r="http://schemas.openxmlformats.org/officeDocument/2006/relationships" xmlns:p="http://schemas.openxmlformats.org/presentationml/2006/main">
   <p:cSld>
     <p:spTree>
@@ -7526,7 +8635,7 @@
 </p:sld>
 </file>
 
-<file path=ppt/slides/slide23.xml><?xml version="1.0" encoding="utf-8"?>
+<file path=ppt/slides/slide24.xml><?xml version="1.0" encoding="utf-8"?>
 <p:sld xmlns:a="http://schemas.openxmlformats.org/drawingml/2006/main" xmlns:r="http://schemas.openxmlformats.org/officeDocument/2006/relationships" xmlns:p="http://schemas.openxmlformats.org/presentationml/2006/main">
   <p:cSld>
     <p:spTree>
@@ -7671,7 +8780,7 @@
 </p:sld>
 </file>
 
-<file path=ppt/slides/slide24.xml><?xml version="1.0" encoding="utf-8"?>
+<file path=ppt/slides/slide25.xml><?xml version="1.0" encoding="utf-8"?>
 <p:sld xmlns:a="http://schemas.openxmlformats.org/drawingml/2006/main" xmlns:r="http://schemas.openxmlformats.org/officeDocument/2006/relationships" xmlns:p="http://schemas.openxmlformats.org/presentationml/2006/main">
   <p:cSld>
     <p:spTree>
@@ -7767,7 +8876,7 @@
 </p:sld>
 </file>
 
-<file path=ppt/slides/slide25.xml><?xml version="1.0" encoding="utf-8"?>
+<file path=ppt/slides/slide26.xml><?xml version="1.0" encoding="utf-8"?>
 <p:sld xmlns:a="http://schemas.openxmlformats.org/drawingml/2006/main" xmlns:r="http://schemas.openxmlformats.org/officeDocument/2006/relationships" xmlns:p="http://schemas.openxmlformats.org/presentationml/2006/main">
   <p:cSld>
     <p:spTree>
@@ -8862,14 +9971,14 @@
             <p:ph idx="1"/>
             <p:extLst>
               <p:ext uri="{D42A27DB-BD31-4B8C-83A1-F6EECF244321}">
-                <p14:modId xmlns:p14="http://schemas.microsoft.com/office/powerpoint/2010/main" val="4035400402"/>
+                <p14:modId xmlns:p14="http://schemas.microsoft.com/office/powerpoint/2010/main" val="1881748136"/>
               </p:ext>
             </p:extLst>
           </p:nvPr>
         </p:nvGraphicFramePr>
         <p:xfrm>
-          <a:off x="1096962" y="1846263"/>
-          <a:ext cx="10264458" cy="3657600"/>
+          <a:off x="1097280" y="1846263"/>
+          <a:ext cx="10264140" cy="4216209"/>
         </p:xfrm>
         <a:graphic>
           <a:graphicData uri="http://schemas.openxmlformats.org/drawingml/2006/table">
@@ -8878,14 +9987,14 @@
                 <a:tableStyleId>{5C22544A-7EE6-4342-B048-85BDC9FD1C3A}</a:tableStyleId>
               </a:tblPr>
               <a:tblGrid>
-                <a:gridCol w="5132229">
+                <a:gridCol w="5132070">
                   <a:extLst>
                     <a:ext uri="{9D8B030D-6E8A-4147-A177-3AD203B41FA5}">
                       <a16:colId xmlns:a16="http://schemas.microsoft.com/office/drawing/2014/main" val="2756493104"/>
                     </a:ext>
                   </a:extLst>
                 </a:gridCol>
-                <a:gridCol w="5132229">
+                <a:gridCol w="5132070">
                   <a:extLst>
                     <a:ext uri="{9D8B030D-6E8A-4147-A177-3AD203B41FA5}">
                       <a16:colId xmlns:a16="http://schemas.microsoft.com/office/drawing/2014/main" val="255278682"/>
@@ -8893,7 +10002,7 @@
                   </a:extLst>
                 </a:gridCol>
               </a:tblGrid>
-              <a:tr h="348591">
+              <a:tr h="297788">
                 <a:tc>
                   <a:txBody>
                     <a:bodyPr/>
@@ -8928,7 +10037,7 @@
                   </a:ext>
                 </a:extLst>
               </a:tr>
-              <a:tr h="348591">
+              <a:tr h="297788">
                 <a:tc>
                   <a:txBody>
                     <a:bodyPr/>
@@ -8936,15 +10045,7 @@
                     <a:p>
                       <a:r>
                         <a:rPr lang="it-IT" dirty="0"/>
-                        <a:t>1 </a:t>
-                      </a:r>
-                      <a:r>
-                        <a:rPr lang="it-IT" dirty="0" err="1"/>
-                        <a:t>Raspberry</a:t>
-                      </a:r>
-                      <a:r>
-                        <a:rPr lang="it-IT" dirty="0"/>
-                        <a:t> Pi for </a:t>
+                        <a:t>1 Arduino Nano for </a:t>
                       </a:r>
                       <a:r>
                         <a:rPr lang="it-IT" dirty="0" err="1"/>
@@ -8952,7 +10053,11 @@
                       </a:r>
                       <a:r>
                         <a:rPr lang="it-IT" dirty="0"/>
-                        <a:t> window ?</a:t>
+                        <a:t> </a:t>
+                      </a:r>
+                      <a:r>
+                        <a:rPr lang="it-IT" dirty="0" err="1"/>
+                        <a:t>window</a:t>
                       </a:r>
                       <a:endParaRPr lang="en-GB" dirty="0"/>
                     </a:p>
@@ -8987,7 +10092,7 @@
                   </a:ext>
                 </a:extLst>
               </a:tr>
-              <a:tr h="348591">
+              <a:tr h="631761">
                 <a:tc>
                   <a:txBody>
                     <a:bodyPr/>
@@ -8995,7 +10100,95 @@
                     <a:p>
                       <a:r>
                         <a:rPr lang="it-IT" dirty="0"/>
-                        <a:t>Bridge ?</a:t>
+                        <a:t>1 </a:t>
+                      </a:r>
+                      <a:r>
+                        <a:rPr lang="it-IT" dirty="0" err="1"/>
+                        <a:t>Raspberry</a:t>
+                      </a:r>
+                      <a:r>
+                        <a:rPr lang="it-IT" dirty="0"/>
+                        <a:t> </a:t>
+                      </a:r>
+                      <a:r>
+                        <a:rPr lang="it-IT" dirty="0" err="1"/>
+                        <a:t>Pi</a:t>
+                      </a:r>
+                      <a:r>
+                        <a:rPr lang="it-IT" dirty="0"/>
+                        <a:t> for </a:t>
+                      </a:r>
+                      <a:r>
+                        <a:rPr lang="it-IT" dirty="0" err="1"/>
+                        <a:t>each</a:t>
+                      </a:r>
+                      <a:r>
+                        <a:rPr lang="it-IT" dirty="0"/>
+                        <a:t> </a:t>
+                      </a:r>
+                      <a:r>
+                        <a:rPr lang="it-IT" dirty="0" err="1"/>
+                        <a:t>house</a:t>
+                      </a:r>
+                      <a:r>
+                        <a:rPr lang="it-IT" dirty="0"/>
+                        <a:t> </a:t>
+                      </a:r>
+                      <a:r>
+                        <a:rPr lang="it-IT" dirty="0" err="1"/>
+                        <a:t>which</a:t>
+                      </a:r>
+                      <a:r>
+                        <a:rPr lang="it-IT" dirty="0"/>
+                        <a:t> </a:t>
+                      </a:r>
+                      <a:r>
+                        <a:rPr lang="it-IT" dirty="0" err="1"/>
+                        <a:t>manages</a:t>
+                      </a:r>
+                      <a:r>
+                        <a:rPr lang="it-IT" dirty="0"/>
+                        <a:t> </a:t>
+                      </a:r>
+                      <a:r>
+                        <a:rPr lang="it-IT" dirty="0" err="1"/>
+                        <a:t>all</a:t>
+                      </a:r>
+                      <a:r>
+                        <a:rPr lang="it-IT" dirty="0"/>
+                        <a:t> the </a:t>
+                      </a:r>
+                      <a:r>
+                        <a:rPr lang="it-IT" dirty="0" err="1"/>
+                        <a:t>house’s</a:t>
+                      </a:r>
+                      <a:r>
+                        <a:rPr lang="it-IT" dirty="0"/>
+                        <a:t> </a:t>
+                      </a:r>
+                      <a:r>
+                        <a:rPr lang="it-IT" dirty="0" err="1"/>
+                        <a:t>windows</a:t>
+                      </a:r>
+                      <a:r>
+                        <a:rPr lang="it-IT" dirty="0"/>
+                        <a:t> and </a:t>
+                      </a:r>
+                      <a:r>
+                        <a:rPr lang="it-IT" dirty="0" err="1"/>
+                        <a:t>runs</a:t>
+                      </a:r>
+                      <a:r>
+                        <a:rPr lang="it-IT" dirty="0"/>
+                        <a:t> the </a:t>
+                      </a:r>
+                      <a:r>
+                        <a:rPr lang="it-IT" dirty="0" err="1"/>
+                        <a:t>internal</a:t>
+                      </a:r>
+                      <a:r>
+                        <a:rPr lang="it-IT" dirty="0"/>
+                        <a:t> bridge</a:t>
                       </a:r>
                       <a:endParaRPr lang="en-GB" dirty="0"/>
                     </a:p>
@@ -9014,6 +10207,14 @@
                       <a:r>
                         <a:rPr lang="it-IT" dirty="0" err="1"/>
                         <a:t>as</a:t>
+                      </a:r>
+                      <a:r>
+                        <a:rPr lang="it-IT" dirty="0"/>
+                        <a:t> </a:t>
+                      </a:r>
+                      <a:r>
+                        <a:rPr lang="it-IT" dirty="0" err="1"/>
+                        <a:t>internal</a:t>
                       </a:r>
                       <a:r>
                         <a:rPr lang="it-IT" dirty="0"/>
@@ -9030,7 +10231,86 @@
                   </a:ext>
                 </a:extLst>
               </a:tr>
-              <a:tr h="348591">
+              <a:tr h="631761">
+                <a:tc>
+                  <a:txBody>
+                    <a:bodyPr/>
+                    <a:lstStyle/>
+                    <a:p>
+                      <a:r>
+                        <a:rPr lang="en-GB" dirty="0"/>
+                        <a:t>1 Raspberry Pi for each </a:t>
+                      </a:r>
+                      <a:r>
+                        <a:rPr lang="en-GB" dirty="0" err="1"/>
+                        <a:t>neighborhood</a:t>
+                      </a:r>
+                      <a:r>
+                        <a:rPr lang="en-GB" dirty="0"/>
+                        <a:t> that runs the external bridge</a:t>
+                      </a:r>
+                    </a:p>
+                  </a:txBody>
+                  <a:tcPr/>
+                </a:tc>
+                <a:tc>
+                  <a:txBody>
+                    <a:bodyPr/>
+                    <a:lstStyle/>
+                    <a:p>
+                      <a:r>
+                        <a:rPr lang="en-GB" dirty="0"/>
+                        <a:t>Laptop as external </a:t>
+                      </a:r>
+                      <a:r>
+                        <a:rPr lang="en-GB" dirty="0" err="1"/>
+                        <a:t>birdge</a:t>
+                      </a:r>
+                      <a:endParaRPr lang="en-GB" dirty="0"/>
+                    </a:p>
+                  </a:txBody>
+                  <a:tcPr/>
+                </a:tc>
+                <a:extLst>
+                  <a:ext uri="{0D108BD9-81ED-4DB2-BD59-A6C34878D82A}">
+                    <a16:rowId xmlns:a16="http://schemas.microsoft.com/office/drawing/2014/main" val="1415289721"/>
+                  </a:ext>
+                </a:extLst>
+              </a:tr>
+              <a:tr h="375729">
+                <a:tc>
+                  <a:txBody>
+                    <a:bodyPr/>
+                    <a:lstStyle/>
+                    <a:p>
+                      <a:r>
+                        <a:rPr lang="en-GB" dirty="0"/>
+                        <a:t>Server Django and engine hosted with a public IP</a:t>
+                      </a:r>
+                    </a:p>
+                  </a:txBody>
+                  <a:tcPr/>
+                </a:tc>
+                <a:tc>
+                  <a:txBody>
+                    <a:bodyPr/>
+                    <a:lstStyle/>
+                    <a:p>
+                      <a:r>
+                        <a:rPr lang="en-GB" dirty="0"/>
+                        <a:t>Server Django and engine running in localhost</a:t>
+                      </a:r>
+                    </a:p>
+                  </a:txBody>
+                  <a:tcPr/>
+                </a:tc>
+                <a:extLst>
+                  <a:ext uri="{0D108BD9-81ED-4DB2-BD59-A6C34878D82A}">
+                    <a16:rowId xmlns:a16="http://schemas.microsoft.com/office/drawing/2014/main" val="690430229"/>
+                  </a:ext>
+                </a:extLst>
+              </a:tr>
+              <a:tr h="297788">
                 <a:tc>
                   <a:txBody>
                     <a:bodyPr/>
@@ -9077,7 +10357,7 @@
                   </a:ext>
                 </a:extLst>
               </a:tr>
-              <a:tr h="348591">
+              <a:tr h="297788">
                 <a:tc>
                   <a:txBody>
                     <a:bodyPr/>
@@ -9160,7 +10440,7 @@
                   </a:ext>
                 </a:extLst>
               </a:tr>
-              <a:tr h="348591">
+              <a:tr h="297788">
                 <a:tc>
                   <a:txBody>
                     <a:bodyPr/>
@@ -9219,7 +10499,7 @@
                   </a:ext>
                 </a:extLst>
               </a:tr>
-              <a:tr h="348591">
+              <a:tr h="297788">
                 <a:tc>
                   <a:txBody>
                     <a:bodyPr/>
@@ -9261,7 +10541,35 @@
                     <a:p>
                       <a:r>
                         <a:rPr lang="it-IT" dirty="0"/>
-                        <a:t>Simple web app</a:t>
+                        <a:t>Simple web </a:t>
+                      </a:r>
+                      <a:r>
+                        <a:rPr lang="it-IT" dirty="0" err="1"/>
+                        <a:t>app</a:t>
+                      </a:r>
+                      <a:r>
+                        <a:rPr lang="it-IT" dirty="0"/>
+                        <a:t> </a:t>
+                      </a:r>
+                      <a:r>
+                        <a:rPr lang="it-IT" dirty="0" err="1"/>
+                        <a:t>using</a:t>
+                      </a:r>
+                      <a:r>
+                        <a:rPr lang="it-IT" dirty="0"/>
+                        <a:t> </a:t>
+                      </a:r>
+                      <a:r>
+                        <a:rPr lang="it-IT" dirty="0" err="1"/>
+                        <a:t>Django</a:t>
+                      </a:r>
+                      <a:r>
+                        <a:rPr lang="it-IT" dirty="0"/>
+                        <a:t> </a:t>
+                      </a:r>
+                      <a:r>
+                        <a:rPr lang="it-IT" dirty="0" err="1"/>
+                        <a:t>template</a:t>
                       </a:r>
                       <a:endParaRPr lang="en-GB" dirty="0"/>
                     </a:p>
@@ -9274,7 +10582,7 @@
                   </a:ext>
                 </a:extLst>
               </a:tr>
-              <a:tr h="348591">
+              <a:tr h="297788">
                 <a:tc>
                   <a:txBody>
                     <a:bodyPr/>
@@ -9330,60 +10638,6 @@
                 <a:extLst>
                   <a:ext uri="{0D108BD9-81ED-4DB2-BD59-A6C34878D82A}">
                     <a16:rowId xmlns:a16="http://schemas.microsoft.com/office/drawing/2014/main" val="585352931"/>
-                  </a:ext>
-                </a:extLst>
-              </a:tr>
-              <a:tr h="348591">
-                <a:tc>
-                  <a:txBody>
-                    <a:bodyPr/>
-                    <a:lstStyle/>
-                    <a:p>
-                      <a:endParaRPr lang="en-GB"/>
-                    </a:p>
-                  </a:txBody>
-                  <a:tcPr/>
-                </a:tc>
-                <a:tc>
-                  <a:txBody>
-                    <a:bodyPr/>
-                    <a:lstStyle/>
-                    <a:p>
-                      <a:endParaRPr lang="en-GB"/>
-                    </a:p>
-                  </a:txBody>
-                  <a:tcPr/>
-                </a:tc>
-                <a:extLst>
-                  <a:ext uri="{0D108BD9-81ED-4DB2-BD59-A6C34878D82A}">
-                    <a16:rowId xmlns:a16="http://schemas.microsoft.com/office/drawing/2014/main" val="2260442217"/>
-                  </a:ext>
-                </a:extLst>
-              </a:tr>
-              <a:tr h="348591">
-                <a:tc>
-                  <a:txBody>
-                    <a:bodyPr/>
-                    <a:lstStyle/>
-                    <a:p>
-                      <a:endParaRPr lang="en-GB" dirty="0"/>
-                    </a:p>
-                  </a:txBody>
-                  <a:tcPr/>
-                </a:tc>
-                <a:tc>
-                  <a:txBody>
-                    <a:bodyPr/>
-                    <a:lstStyle/>
-                    <a:p>
-                      <a:endParaRPr lang="en-GB" dirty="0"/>
-                    </a:p>
-                  </a:txBody>
-                  <a:tcPr/>
-                </a:tc>
-                <a:extLst>
-                  <a:ext uri="{0D108BD9-81ED-4DB2-BD59-A6C34878D82A}">
-                    <a16:rowId xmlns:a16="http://schemas.microsoft.com/office/drawing/2014/main" val="1795330393"/>
                   </a:ext>
                 </a:extLst>
               </a:tr>

--- a/Smart Neighborhood.pptx
+++ b/Smart Neighborhood.pptx
@@ -22,15 +22,16 @@
     <p:sldId id="283" r:id="rId16"/>
     <p:sldId id="276" r:id="rId17"/>
     <p:sldId id="277" r:id="rId18"/>
-    <p:sldId id="279" r:id="rId19"/>
-    <p:sldId id="263" r:id="rId20"/>
-    <p:sldId id="272" r:id="rId21"/>
-    <p:sldId id="269" r:id="rId22"/>
-    <p:sldId id="270" r:id="rId23"/>
-    <p:sldId id="271" r:id="rId24"/>
-    <p:sldId id="273" r:id="rId25"/>
-    <p:sldId id="274" r:id="rId26"/>
-    <p:sldId id="264" r:id="rId27"/>
+    <p:sldId id="284" r:id="rId19"/>
+    <p:sldId id="279" r:id="rId20"/>
+    <p:sldId id="263" r:id="rId21"/>
+    <p:sldId id="272" r:id="rId22"/>
+    <p:sldId id="269" r:id="rId23"/>
+    <p:sldId id="270" r:id="rId24"/>
+    <p:sldId id="271" r:id="rId25"/>
+    <p:sldId id="273" r:id="rId26"/>
+    <p:sldId id="274" r:id="rId27"/>
+    <p:sldId id="264" r:id="rId28"/>
   </p:sldIdLst>
   <p:sldSz cx="12192000" cy="6858000"/>
   <p:notesSz cx="6858000" cy="9144000"/>
@@ -363,7 +364,7 @@
           <a:p>
             <a:fld id="{8BE6B674-AADE-49EF-9780-6CBE5B9EDB57}" type="datetimeFigureOut">
               <a:rPr lang="en-GB" smtClean="0"/>
-              <a:t>08/04/2022</a:t>
+              <a:t>14/04/2022</a:t>
             </a:fld>
             <a:endParaRPr lang="en-GB"/>
           </a:p>
@@ -571,7 +572,7 @@
           <a:p>
             <a:fld id="{8BE6B674-AADE-49EF-9780-6CBE5B9EDB57}" type="datetimeFigureOut">
               <a:rPr lang="en-GB" smtClean="0"/>
-              <a:t>08/04/2022</a:t>
+              <a:t>14/04/2022</a:t>
             </a:fld>
             <a:endParaRPr lang="en-GB"/>
           </a:p>
@@ -827,7 +828,7 @@
           <a:p>
             <a:fld id="{8BE6B674-AADE-49EF-9780-6CBE5B9EDB57}" type="datetimeFigureOut">
               <a:rPr lang="en-GB" smtClean="0"/>
-              <a:t>08/04/2022</a:t>
+              <a:t>14/04/2022</a:t>
             </a:fld>
             <a:endParaRPr lang="en-GB"/>
           </a:p>
@@ -1001,7 +1002,7 @@
           <a:p>
             <a:fld id="{8BE6B674-AADE-49EF-9780-6CBE5B9EDB57}" type="datetimeFigureOut">
               <a:rPr lang="en-GB" smtClean="0"/>
-              <a:t>08/04/2022</a:t>
+              <a:t>14/04/2022</a:t>
             </a:fld>
             <a:endParaRPr lang="en-GB"/>
           </a:p>
@@ -1344,7 +1345,7 @@
           <a:p>
             <a:fld id="{8BE6B674-AADE-49EF-9780-6CBE5B9EDB57}" type="datetimeFigureOut">
               <a:rPr lang="en-GB" smtClean="0"/>
-              <a:t>08/04/2022</a:t>
+              <a:t>14/04/2022</a:t>
             </a:fld>
             <a:endParaRPr lang="en-GB"/>
           </a:p>
@@ -1619,7 +1620,7 @@
           <a:p>
             <a:fld id="{8BE6B674-AADE-49EF-9780-6CBE5B9EDB57}" type="datetimeFigureOut">
               <a:rPr lang="en-GB" smtClean="0"/>
-              <a:t>08/04/2022</a:t>
+              <a:t>14/04/2022</a:t>
             </a:fld>
             <a:endParaRPr lang="en-GB"/>
           </a:p>
@@ -1998,7 +1999,7 @@
           <a:p>
             <a:fld id="{8BE6B674-AADE-49EF-9780-6CBE5B9EDB57}" type="datetimeFigureOut">
               <a:rPr lang="en-GB" smtClean="0"/>
-              <a:t>08/04/2022</a:t>
+              <a:t>14/04/2022</a:t>
             </a:fld>
             <a:endParaRPr lang="en-GB"/>
           </a:p>
@@ -2116,7 +2117,7 @@
           <a:p>
             <a:fld id="{8BE6B674-AADE-49EF-9780-6CBE5B9EDB57}" type="datetimeFigureOut">
               <a:rPr lang="en-GB" smtClean="0"/>
-              <a:t>08/04/2022</a:t>
+              <a:t>14/04/2022</a:t>
             </a:fld>
             <a:endParaRPr lang="en-GB"/>
           </a:p>
@@ -2287,7 +2288,7 @@
           <a:p>
             <a:fld id="{8BE6B674-AADE-49EF-9780-6CBE5B9EDB57}" type="datetimeFigureOut">
               <a:rPr lang="en-GB" smtClean="0"/>
-              <a:t>08/04/2022</a:t>
+              <a:t>14/04/2022</a:t>
             </a:fld>
             <a:endParaRPr lang="en-GB"/>
           </a:p>
@@ -2641,7 +2642,7 @@
           <a:p>
             <a:fld id="{8BE6B674-AADE-49EF-9780-6CBE5B9EDB57}" type="datetimeFigureOut">
               <a:rPr lang="en-GB" smtClean="0"/>
-              <a:t>08/04/2022</a:t>
+              <a:t>14/04/2022</a:t>
             </a:fld>
             <a:endParaRPr lang="en-GB"/>
           </a:p>
@@ -3023,7 +3024,7 @@
           <a:p>
             <a:fld id="{8BE6B674-AADE-49EF-9780-6CBE5B9EDB57}" type="datetimeFigureOut">
               <a:rPr lang="en-GB" smtClean="0"/>
-              <a:t>08/04/2022</a:t>
+              <a:t>14/04/2022</a:t>
             </a:fld>
             <a:endParaRPr lang="en-GB"/>
           </a:p>
@@ -3310,7 +3311,7 @@
           <a:p>
             <a:fld id="{8BE6B674-AADE-49EF-9780-6CBE5B9EDB57}" type="datetimeFigureOut">
               <a:rPr lang="en-GB" smtClean="0"/>
-              <a:t>08/04/2022</a:t>
+              <a:t>14/04/2022</a:t>
             </a:fld>
             <a:endParaRPr lang="en-GB"/>
           </a:p>
@@ -7234,35 +7235,42 @@
           </a:p>
         </p:txBody>
       </p:sp>
-      <p:sp>
-        <p:nvSpPr>
-          <p:cNvPr id="3" name="Segnaposto contenuto 2">
+      <p:pic>
+        <p:nvPicPr>
+          <p:cNvPr id="5" name="Picture 4">
             <a:extLst>
               <a:ext uri="{FF2B5EF4-FFF2-40B4-BE49-F238E27FC236}">
-                <a16:creationId xmlns:a16="http://schemas.microsoft.com/office/drawing/2014/main" id="{B4DB2530-61AC-44AC-9CE9-85251E23B809}"/>
+                <a16:creationId xmlns:a16="http://schemas.microsoft.com/office/drawing/2014/main" id="{3969D7CF-9C48-0FAE-BE13-77B663A33820}"/>
               </a:ext>
             </a:extLst>
           </p:cNvPr>
-          <p:cNvSpPr>
-            <a:spLocks noGrp="1"/>
-          </p:cNvSpPr>
-          <p:nvPr>
-            <p:ph idx="1"/>
-          </p:nvPr>
-        </p:nvSpPr>
-        <p:spPr/>
-        <p:txBody>
-          <a:bodyPr/>
-          <a:lstStyle/>
-          <a:p>
-            <a:r>
-              <a:rPr lang="it-IT" dirty="0" err="1"/>
-              <a:t>Structure</a:t>
-            </a:r>
-            <a:endParaRPr lang="en-GB" dirty="0"/>
-          </a:p>
-        </p:txBody>
-      </p:sp>
+          <p:cNvPicPr>
+            <a:picLocks noChangeAspect="1"/>
+          </p:cNvPicPr>
+          <p:nvPr/>
+        </p:nvPicPr>
+        <p:blipFill>
+          <a:blip r:embed="rId2">
+            <a:extLst>
+              <a:ext uri="{28A0092B-C50C-407E-A947-70E740481C1C}">
+                <a14:useLocalDpi xmlns:a14="http://schemas.microsoft.com/office/drawing/2010/main" val="0"/>
+              </a:ext>
+            </a:extLst>
+          </a:blip>
+          <a:stretch>
+            <a:fillRect/>
+          </a:stretch>
+        </p:blipFill>
+        <p:spPr>
+          <a:xfrm>
+            <a:off x="1819656" y="1947671"/>
+            <a:ext cx="7891076" cy="3577499"/>
+          </a:xfrm>
+          <a:prstGeom prst="rect">
+            <a:avLst/>
+          </a:prstGeom>
+        </p:spPr>
+      </p:pic>
     </p:spTree>
     <p:extLst>
       <p:ext uri="{BB962C8B-B14F-4D97-AF65-F5344CB8AC3E}">
@@ -7298,7 +7306,7 @@
           <p:cNvPr id="2" name="Titolo 1">
             <a:extLst>
               <a:ext uri="{FF2B5EF4-FFF2-40B4-BE49-F238E27FC236}">
-                <a16:creationId xmlns:a16="http://schemas.microsoft.com/office/drawing/2014/main" id="{00C2A123-0917-441F-A181-BA0AD5570E29}"/>
+                <a16:creationId xmlns:a16="http://schemas.microsoft.com/office/drawing/2014/main" id="{CD615654-B50B-4C0E-A230-FEABB50A2831}"/>
               </a:ext>
             </a:extLst>
           </p:cNvPr>
@@ -7315,16 +7323,8 @@
           <a:lstStyle/>
           <a:p>
             <a:r>
-              <a:rPr lang="it-IT" dirty="0" err="1"/>
-              <a:t>OpenWeather</a:t>
-            </a:r>
-            <a:r>
               <a:rPr lang="it-IT" dirty="0"/>
-              <a:t> </a:t>
-            </a:r>
-            <a:r>
-              <a:rPr lang="it-IT" dirty="0" err="1"/>
-              <a:t>codes</a:t>
+              <a:t>DB SqLite3 (1)</a:t>
             </a:r>
             <a:endParaRPr lang="en-GB" dirty="0"/>
           </a:p>
@@ -7332,33 +7332,188 @@
       </p:sp>
       <p:sp>
         <p:nvSpPr>
-          <p:cNvPr id="3" name="Segnaposto contenuto 2">
+          <p:cNvPr id="6" name="TextBox 5">
             <a:extLst>
               <a:ext uri="{FF2B5EF4-FFF2-40B4-BE49-F238E27FC236}">
-                <a16:creationId xmlns:a16="http://schemas.microsoft.com/office/drawing/2014/main" id="{DFDF4A4E-5ADE-494E-ABB5-7DC693692AD8}"/>
+                <a16:creationId xmlns:a16="http://schemas.microsoft.com/office/drawing/2014/main" id="{91D065EC-2922-7928-2099-298CEF6CC736}"/>
               </a:ext>
             </a:extLst>
           </p:cNvPr>
-          <p:cNvSpPr>
-            <a:spLocks noGrp="1"/>
-          </p:cNvSpPr>
-          <p:nvPr>
-            <p:ph idx="1"/>
-          </p:nvPr>
-        </p:nvSpPr>
-        <p:spPr/>
+          <p:cNvSpPr txBox="1"/>
+          <p:nvPr/>
+        </p:nvSpPr>
+        <p:spPr>
+          <a:xfrm>
+            <a:off x="1243584" y="2029968"/>
+            <a:ext cx="9912096" cy="3970318"/>
+          </a:xfrm>
+          <a:prstGeom prst="rect">
+            <a:avLst/>
+          </a:prstGeom>
+          <a:noFill/>
+        </p:spPr>
         <p:txBody>
-          <a:bodyPr/>
+          <a:bodyPr wrap="square" rtlCol="0">
+            <a:spAutoFit/>
+          </a:bodyPr>
           <a:lstStyle/>
           <a:p>
-            <a:endParaRPr lang="en-GB"/>
+            <a:r>
+              <a:rPr lang="en-IT" dirty="0"/>
+              <a:t>The database is managed automatically by Django using the model part of the MVC approach: we define a python class for each table of the db and Django creates the respective relational db. The 4 classes are described below:</a:t>
+            </a:r>
+          </a:p>
+          <a:p>
+            <a:pPr marL="285750" indent="-285750">
+              <a:buFont typeface="Arial" panose="020B0604020202020204" pitchFamily="34" charset="0"/>
+              <a:buChar char="•"/>
+            </a:pPr>
+            <a:r>
+              <a:rPr lang="en-IT" b="1" dirty="0"/>
+              <a:t>ChatTelegram: </a:t>
+            </a:r>
+            <a:r>
+              <a:rPr lang="en-IT" dirty="0"/>
+              <a:t>represents a chat telegram of users identified by the </a:t>
+            </a:r>
+            <a:r>
+              <a:rPr lang="en-IT" i="1" dirty="0"/>
+              <a:t>chat_id</a:t>
+            </a:r>
+            <a:r>
+              <a:rPr lang="en-IT" dirty="0"/>
+              <a:t>;</a:t>
+            </a:r>
+          </a:p>
+          <a:p>
+            <a:pPr marL="285750" indent="-285750">
+              <a:buFont typeface="Arial" panose="020B0604020202020204" pitchFamily="34" charset="0"/>
+              <a:buChar char="•"/>
+            </a:pPr>
+            <a:r>
+              <a:rPr lang="en-IT" b="1" dirty="0"/>
+              <a:t>User: </a:t>
+            </a:r>
+            <a:r>
+              <a:rPr lang="en-IT" dirty="0"/>
+              <a:t>represent a user of the system and it’s the class managed automatically by the Django authentication system, it has a unique </a:t>
+            </a:r>
+            <a:r>
+              <a:rPr lang="en-IT" i="1" dirty="0"/>
+              <a:t>email </a:t>
+            </a:r>
+            <a:r>
+              <a:rPr lang="en-IT" dirty="0"/>
+              <a:t>and a</a:t>
+            </a:r>
+            <a:r>
+              <a:rPr lang="en-IT" i="1" dirty="0"/>
+              <a:t> password</a:t>
+            </a:r>
+            <a:r>
+              <a:rPr lang="en-IT" dirty="0"/>
+              <a:t>;</a:t>
+            </a:r>
+          </a:p>
+          <a:p>
+            <a:pPr marL="285750" indent="-285750">
+              <a:buFont typeface="Arial" panose="020B0604020202020204" pitchFamily="34" charset="0"/>
+              <a:buChar char="•"/>
+            </a:pPr>
+            <a:r>
+              <a:rPr lang="en-IT" b="1" dirty="0"/>
+              <a:t>House: </a:t>
+            </a:r>
+            <a:r>
+              <a:rPr lang="en-IT" dirty="0"/>
+              <a:t>it models an house where is installed the smart-neighborhood system, it’s described by the </a:t>
+            </a:r>
+            <a:r>
+              <a:rPr lang="en-IT" i="1" dirty="0"/>
+              <a:t>address </a:t>
+            </a:r>
+            <a:r>
+              <a:rPr lang="en-IT" dirty="0"/>
+              <a:t>and the </a:t>
+            </a:r>
+            <a:r>
+              <a:rPr lang="en-IT" i="1" dirty="0"/>
+              <a:t>street number </a:t>
+            </a:r>
+            <a:r>
+              <a:rPr lang="en-IT" dirty="0"/>
+              <a:t>and has a User object associated which represent the owner of the house;</a:t>
+            </a:r>
+          </a:p>
+          <a:p>
+            <a:pPr marL="285750" indent="-285750">
+              <a:buFont typeface="Arial" panose="020B0604020202020204" pitchFamily="34" charset="0"/>
+              <a:buChar char="•"/>
+            </a:pPr>
+            <a:r>
+              <a:rPr lang="en-IT" b="1" dirty="0"/>
+              <a:t>Window: </a:t>
+            </a:r>
+            <a:r>
+              <a:rPr lang="en-IT" dirty="0"/>
+              <a:t>it is a generic window object, each one assiocated to a house and has a current </a:t>
+            </a:r>
+            <a:r>
+              <a:rPr lang="en-IT" i="1" dirty="0"/>
+              <a:t>state </a:t>
+            </a:r>
+            <a:r>
+              <a:rPr lang="en-IT" dirty="0"/>
+              <a:t>(closed or open), a text </a:t>
+            </a:r>
+            <a:r>
+              <a:rPr lang="en-IT" i="1" dirty="0"/>
+              <a:t>description, </a:t>
+            </a:r>
+            <a:r>
+              <a:rPr lang="en-IT" dirty="0"/>
+              <a:t>a </a:t>
+            </a:r>
+            <a:r>
+              <a:rPr lang="en-IT" i="1" dirty="0"/>
+              <a:t>device name </a:t>
+            </a:r>
+            <a:r>
+              <a:rPr lang="en-IT" dirty="0"/>
+              <a:t>(identifier of arduino that manages this specific window) and a </a:t>
+            </a:r>
+            <a:r>
+              <a:rPr lang="en-IT" i="1" dirty="0"/>
+              <a:t>pin</a:t>
+            </a:r>
+            <a:r>
+              <a:rPr lang="en-IT" dirty="0"/>
+              <a:t> (pin connected to the actuator in the arduino board), a </a:t>
+            </a:r>
+            <a:r>
+              <a:rPr lang="en-IT" i="1" dirty="0"/>
+              <a:t>timeout, </a:t>
+            </a:r>
+            <a:r>
+              <a:rPr lang="en-IT" dirty="0"/>
+              <a:t>a boolean field which says if the window can be moved autonomously by the system or not, and finally a date which represents the </a:t>
+            </a:r>
+            <a:r>
+              <a:rPr lang="en-IT" i="1" dirty="0"/>
+              <a:t>last_change </a:t>
+            </a:r>
+            <a:r>
+              <a:rPr lang="en-IT" dirty="0"/>
+              <a:t>timestamp.</a:t>
+            </a:r>
+            <a:endParaRPr lang="en-IT" b="1" dirty="0"/>
           </a:p>
         </p:txBody>
       </p:sp>
     </p:spTree>
     <p:extLst>
       <p:ext uri="{BB962C8B-B14F-4D97-AF65-F5344CB8AC3E}">
-        <p14:creationId xmlns:p14="http://schemas.microsoft.com/office/powerpoint/2010/main" val="2871504610"/>
+        <p14:creationId xmlns:p14="http://schemas.microsoft.com/office/powerpoint/2010/main" val="4176419909"/>
       </p:ext>
     </p:extLst>
   </p:cSld>
@@ -7390,7 +7545,7 @@
           <p:cNvPr id="2" name="Titolo 1">
             <a:extLst>
               <a:ext uri="{FF2B5EF4-FFF2-40B4-BE49-F238E27FC236}">
-                <a16:creationId xmlns:a16="http://schemas.microsoft.com/office/drawing/2014/main" id="{CA44F50E-E660-4EE1-A36B-B75DBCBF422E}"/>
+                <a16:creationId xmlns:a16="http://schemas.microsoft.com/office/drawing/2014/main" id="{00C2A123-0917-441F-A181-BA0AD5570E29}"/>
               </a:ext>
             </a:extLst>
           </p:cNvPr>
@@ -7407,24 +7562,16 @@
           <a:lstStyle/>
           <a:p>
             <a:r>
+              <a:rPr lang="it-IT" dirty="0" err="1"/>
+              <a:t>OpenWeather</a:t>
+            </a:r>
+            <a:r>
               <a:rPr lang="it-IT" dirty="0"/>
-              <a:t>Extra: </a:t>
+              <a:t> </a:t>
             </a:r>
             <a:r>
               <a:rPr lang="it-IT" dirty="0" err="1"/>
-              <a:t>Reinforcement</a:t>
-            </a:r>
-            <a:r>
-              <a:rPr lang="it-IT" dirty="0"/>
-              <a:t> Learning </a:t>
-            </a:r>
-            <a:r>
-              <a:rPr lang="it-IT" dirty="0" err="1"/>
-              <a:t>predictions</a:t>
-            </a:r>
-            <a:r>
-              <a:rPr lang="it-IT" dirty="0"/>
-              <a:t> with DQN</a:t>
+              <a:t>codes</a:t>
             </a:r>
             <a:endParaRPr lang="en-GB" dirty="0"/>
           </a:p>
@@ -7435,7 +7582,7 @@
           <p:cNvPr id="3" name="Segnaposto contenuto 2">
             <a:extLst>
               <a:ext uri="{FF2B5EF4-FFF2-40B4-BE49-F238E27FC236}">
-                <a16:creationId xmlns:a16="http://schemas.microsoft.com/office/drawing/2014/main" id="{DBF8575B-E0C7-42AF-97D6-1FC140DE9295}"/>
+                <a16:creationId xmlns:a16="http://schemas.microsoft.com/office/drawing/2014/main" id="{DFDF4A4E-5ADE-494E-ABB5-7DC693692AD8}"/>
               </a:ext>
             </a:extLst>
           </p:cNvPr>
@@ -7446,56 +7593,199 @@
             <p:ph idx="1"/>
           </p:nvPr>
         </p:nvSpPr>
-        <p:spPr/>
+        <p:spPr>
+          <a:xfrm>
+            <a:off x="1097280" y="1845734"/>
+            <a:ext cx="10058400" cy="4023360"/>
+          </a:xfrm>
+        </p:spPr>
         <p:txBody>
           <a:bodyPr>
-            <a:normAutofit/>
+            <a:normAutofit lnSpcReduction="10000"/>
           </a:bodyPr>
           <a:lstStyle/>
+          <a:p>
+            <a:pPr marL="0" indent="0">
+              <a:buNone/>
+            </a:pPr>
+            <a:r>
+              <a:rPr lang="en-GB" dirty="0"/>
+              <a:t>The data retrieved from the </a:t>
+            </a:r>
+            <a:r>
+              <a:rPr lang="en-GB" dirty="0" err="1"/>
+              <a:t>OpenWeather</a:t>
+            </a:r>
+            <a:r>
+              <a:rPr lang="en-GB" dirty="0"/>
+              <a:t> APIs are the temperature and the weather condition, the latter is categorized in different codes, we assigned each of them to a close/open/ambiguous condition in order to process the information and take the correct decision:</a:t>
+            </a:r>
+          </a:p>
           <a:p>
             <a:pPr>
               <a:buFont typeface="Arial" panose="020B0604020202020204" pitchFamily="34" charset="0"/>
               <a:buChar char="•"/>
             </a:pPr>
             <a:r>
-              <a:rPr lang="it-IT" dirty="0"/>
-              <a:t> DQN (Deep Q-Learning Networks) </a:t>
-            </a:r>
-            <a:r>
-              <a:rPr lang="it-IT" dirty="0" err="1"/>
-              <a:t>is</a:t>
-            </a:r>
-            <a:r>
-              <a:rPr lang="it-IT" dirty="0"/>
-              <a:t> a model-free </a:t>
-            </a:r>
-            <a:r>
-              <a:rPr lang="it-IT" dirty="0" err="1"/>
-              <a:t>reinforcement</a:t>
-            </a:r>
-            <a:r>
-              <a:rPr lang="it-IT" dirty="0"/>
-              <a:t> learning </a:t>
-            </a:r>
-            <a:r>
-              <a:rPr lang="it-IT" dirty="0" err="1"/>
-              <a:t>algorithm</a:t>
-            </a:r>
-            <a:r>
-              <a:rPr lang="it-IT" dirty="0"/>
-              <a:t>. </a:t>
-            </a:r>
-            <a:r>
               <a:rPr lang="en-GB" dirty="0"/>
-              <a:t>Model free RL algorithms don’t learn a model of their environment’s transition function to make predictions of future states and rewards.</a:t>
-            </a:r>
+              <a:t>Group 2xx: </a:t>
+            </a:r>
+            <a:r>
+              <a:rPr lang="en-GB" b="1" dirty="0"/>
+              <a:t>thunderstorm, </a:t>
+            </a:r>
+            <a:r>
+              <a:rPr lang="en-GB" dirty="0"/>
+              <a:t>we consider it as a </a:t>
+            </a:r>
+            <a:r>
+              <a:rPr lang="en-GB" i="1" dirty="0"/>
+              <a:t>close condition;</a:t>
+            </a:r>
+          </a:p>
+          <a:p>
+            <a:pPr>
+              <a:buFont typeface="Arial" panose="020B0604020202020204" pitchFamily="34" charset="0"/>
+              <a:buChar char="•"/>
+            </a:pPr>
+            <a:r>
+              <a:rPr lang="en-GB" dirty="0"/>
+              <a:t>Group 3xx: </a:t>
+            </a:r>
+            <a:r>
+              <a:rPr lang="en-GB" b="1" dirty="0"/>
+              <a:t>drizzle,</a:t>
+            </a:r>
+            <a:r>
+              <a:rPr lang="en-GB" dirty="0"/>
+              <a:t> we consider it as an </a:t>
+            </a:r>
+            <a:r>
+              <a:rPr lang="en-GB" i="1" dirty="0"/>
+              <a:t>ambiguous condition;</a:t>
+            </a:r>
+          </a:p>
+          <a:p>
+            <a:pPr>
+              <a:buFont typeface="Arial" panose="020B0604020202020204" pitchFamily="34" charset="0"/>
+              <a:buChar char="•"/>
+            </a:pPr>
+            <a:r>
+              <a:rPr lang="en-GB" dirty="0"/>
+              <a:t>Group 5xx: </a:t>
+            </a:r>
+            <a:r>
+              <a:rPr lang="en-GB" b="1" dirty="0"/>
+              <a:t>rain,</a:t>
+            </a:r>
+            <a:r>
+              <a:rPr lang="en-GB" dirty="0"/>
+              <a:t> we consider it as a </a:t>
+            </a:r>
+            <a:r>
+              <a:rPr lang="en-GB" i="1" dirty="0"/>
+              <a:t>close condition</a:t>
+            </a:r>
+            <a:r>
+              <a:rPr lang="en-GB" dirty="0"/>
+              <a:t>;</a:t>
+            </a:r>
+          </a:p>
+          <a:p>
+            <a:pPr>
+              <a:buFont typeface="Arial" panose="020B0604020202020204" pitchFamily="34" charset="0"/>
+              <a:buChar char="•"/>
+            </a:pPr>
+            <a:r>
+              <a:rPr lang="en-GB" dirty="0"/>
+              <a:t>Group 6xx: </a:t>
+            </a:r>
+            <a:r>
+              <a:rPr lang="en-GB" b="1" dirty="0"/>
+              <a:t>snow,</a:t>
+            </a:r>
+            <a:r>
+              <a:rPr lang="en-GB" dirty="0"/>
+              <a:t> we consider it as a </a:t>
+            </a:r>
+            <a:r>
+              <a:rPr lang="en-GB" i="1" dirty="0"/>
+              <a:t>close condition;</a:t>
+            </a:r>
+          </a:p>
+          <a:p>
+            <a:pPr>
+              <a:buFont typeface="Arial" panose="020B0604020202020204" pitchFamily="34" charset="0"/>
+              <a:buChar char="•"/>
+            </a:pPr>
+            <a:r>
+              <a:rPr lang="en-GB" dirty="0"/>
+              <a:t>Group 7xx: </a:t>
+            </a:r>
+            <a:r>
+              <a:rPr lang="en-GB" b="1" dirty="0"/>
+              <a:t>atmosphere,</a:t>
+            </a:r>
+            <a:r>
+              <a:rPr lang="en-GB" dirty="0"/>
+              <a:t> we consider it as an </a:t>
+            </a:r>
+            <a:r>
+              <a:rPr lang="en-GB" i="1" dirty="0"/>
+              <a:t>open condition;</a:t>
+            </a:r>
+          </a:p>
+          <a:p>
+            <a:pPr>
+              <a:buFont typeface="Arial" panose="020B0604020202020204" pitchFamily="34" charset="0"/>
+              <a:buChar char="•"/>
+            </a:pPr>
+            <a:r>
+              <a:rPr lang="en-GB" dirty="0"/>
+              <a:t>Value 800: </a:t>
+            </a:r>
+            <a:r>
+              <a:rPr lang="en-GB" b="1" dirty="0"/>
+              <a:t>clear,</a:t>
+            </a:r>
+            <a:r>
+              <a:rPr lang="en-GB" dirty="0"/>
+              <a:t> we consider it as an </a:t>
+            </a:r>
+            <a:r>
+              <a:rPr lang="en-GB" i="1" dirty="0"/>
+              <a:t>open condition;</a:t>
+            </a:r>
+          </a:p>
+          <a:p>
+            <a:pPr>
+              <a:buFont typeface="Arial" panose="020B0604020202020204" pitchFamily="34" charset="0"/>
+              <a:buChar char="•"/>
+            </a:pPr>
+            <a:r>
+              <a:rPr lang="en-GB" dirty="0"/>
+              <a:t>Group 80x: </a:t>
+            </a:r>
+            <a:r>
+              <a:rPr lang="en-GB" b="1" dirty="0"/>
+              <a:t>clouds,</a:t>
+            </a:r>
+            <a:r>
+              <a:rPr lang="en-GB" dirty="0"/>
+              <a:t> we consider it as an </a:t>
+            </a:r>
+            <a:r>
+              <a:rPr lang="en-GB" i="1" dirty="0"/>
+              <a:t>ambiguous condition.</a:t>
+            </a:r>
+            <a:endParaRPr lang="en-GB" dirty="0"/>
           </a:p>
         </p:txBody>
       </p:sp>
     </p:spTree>
     <p:extLst>
       <p:ext uri="{BB962C8B-B14F-4D97-AF65-F5344CB8AC3E}">
-        <p14:creationId xmlns:p14="http://schemas.microsoft.com/office/powerpoint/2010/main" val="2089512660"/>
+        <p14:creationId xmlns:p14="http://schemas.microsoft.com/office/powerpoint/2010/main" val="2871504610"/>
       </p:ext>
     </p:extLst>
   </p:cSld>
@@ -7684,7 +7974,7 @@
           <p:cNvPr id="2" name="Titolo 1">
             <a:extLst>
               <a:ext uri="{FF2B5EF4-FFF2-40B4-BE49-F238E27FC236}">
-                <a16:creationId xmlns:a16="http://schemas.microsoft.com/office/drawing/2014/main" id="{D5C96224-4790-4F75-8C9F-E7D3546A668A}"/>
+                <a16:creationId xmlns:a16="http://schemas.microsoft.com/office/drawing/2014/main" id="{CA44F50E-E660-4EE1-A36B-B75DBCBF422E}"/>
               </a:ext>
             </a:extLst>
           </p:cNvPr>
@@ -7701,12 +7991,24 @@
           <a:lstStyle/>
           <a:p>
             <a:r>
+              <a:rPr lang="it-IT" dirty="0"/>
+              <a:t>Extra: </a:t>
+            </a:r>
+            <a:r>
               <a:rPr lang="it-IT" dirty="0" err="1"/>
-              <a:t>Vanilla</a:t>
+              <a:t>Reinforcement</a:t>
             </a:r>
             <a:r>
               <a:rPr lang="it-IT" dirty="0"/>
-              <a:t> Q-Learning</a:t>
+              <a:t> Learning </a:t>
+            </a:r>
+            <a:r>
+              <a:rPr lang="it-IT" dirty="0" err="1"/>
+              <a:t>predictions</a:t>
+            </a:r>
+            <a:r>
+              <a:rPr lang="it-IT" dirty="0"/>
+              <a:t> with DQN</a:t>
             </a:r>
             <a:endParaRPr lang="en-GB" dirty="0"/>
           </a:p>
@@ -7717,7 +8019,7 @@
           <p:cNvPr id="3" name="Segnaposto contenuto 2">
             <a:extLst>
               <a:ext uri="{FF2B5EF4-FFF2-40B4-BE49-F238E27FC236}">
-                <a16:creationId xmlns:a16="http://schemas.microsoft.com/office/drawing/2014/main" id="{E3DB408E-AD0C-4641-9231-2EAD55A4A921}"/>
+                <a16:creationId xmlns:a16="http://schemas.microsoft.com/office/drawing/2014/main" id="{DBF8575B-E0C7-42AF-97D6-1FC140DE9295}"/>
               </a:ext>
             </a:extLst>
           </p:cNvPr>
@@ -7730,7 +8032,9 @@
         </p:nvSpPr>
         <p:spPr/>
         <p:txBody>
-          <a:bodyPr/>
+          <a:bodyPr>
+            <a:normAutofit/>
+          </a:bodyPr>
           <a:lstStyle/>
           <a:p>
             <a:pPr>
@@ -7738,88 +8042,44 @@
               <a:buChar char="•"/>
             </a:pPr>
             <a:r>
+              <a:rPr lang="it-IT" dirty="0"/>
+              <a:t> DQN (Deep Q-Learning Networks) </a:t>
+            </a:r>
+            <a:r>
+              <a:rPr lang="it-IT" dirty="0" err="1"/>
+              <a:t>is</a:t>
+            </a:r>
+            <a:r>
+              <a:rPr lang="it-IT" dirty="0"/>
+              <a:t> a model-free </a:t>
+            </a:r>
+            <a:r>
+              <a:rPr lang="it-IT" dirty="0" err="1"/>
+              <a:t>reinforcement</a:t>
+            </a:r>
+            <a:r>
+              <a:rPr lang="it-IT" dirty="0"/>
+              <a:t> learning </a:t>
+            </a:r>
+            <a:r>
+              <a:rPr lang="it-IT" dirty="0" err="1"/>
+              <a:t>algorithm</a:t>
+            </a:r>
+            <a:r>
+              <a:rPr lang="it-IT" dirty="0"/>
+              <a:t>. </a:t>
+            </a:r>
+            <a:r>
               <a:rPr lang="en-GB" dirty="0"/>
-              <a:t>The vanilla Q-Learning uses a </a:t>
-            </a:r>
-            <a:r>
-              <a:rPr lang="en-GB" b="1" dirty="0"/>
-              <a:t>Q-table, </a:t>
-            </a:r>
-            <a:r>
-              <a:rPr lang="en-GB" dirty="0"/>
-              <a:t>a simple data structure that we use to keep track of the states, actions, and their expected rewards. More specifically, the Q-table maps a state-action pair to a </a:t>
-            </a:r>
-            <a:r>
-              <a:rPr lang="en-GB" b="1" dirty="0"/>
-              <a:t>Q-value</a:t>
-            </a:r>
-            <a:r>
-              <a:rPr lang="en-GB" dirty="0"/>
-              <a:t> (the estimated optimal future value) which the agent will learn. At the start of the Q-Learning algorithm, the Q-table is initialized to all zeros indicating that the agent doesn’t know anything about the world. As the agent tries out different actions at different states through trial and error, the agent learns each state-action pair’s expected reward and updates the Q-table with the new Q-value. Using trial and error to learn about the world is called </a:t>
-            </a:r>
-            <a:r>
-              <a:rPr lang="en-GB" b="1" dirty="0"/>
-              <a:t>Exploration</a:t>
-            </a:r>
-            <a:r>
-              <a:rPr lang="en-GB" dirty="0"/>
-              <a:t>.</a:t>
-            </a:r>
-          </a:p>
-          <a:p>
-            <a:pPr>
-              <a:buFont typeface="Arial" panose="020B0604020202020204" pitchFamily="34" charset="0"/>
-              <a:buChar char="•"/>
-            </a:pPr>
-            <a:r>
-              <a:rPr lang="en-GB" dirty="0"/>
-              <a:t> The </a:t>
-            </a:r>
-            <a:r>
-              <a:rPr lang="en-GB" b="1" dirty="0"/>
-              <a:t>Q-Value</a:t>
-            </a:r>
-            <a:r>
-              <a:rPr lang="en-GB" dirty="0"/>
-              <a:t> is the maximum expected reward an agent can reach by taking a given action A from the state S. After an agent has learned the Q-value of each state-action pair, the agent at state </a:t>
-            </a:r>
-            <a:r>
-              <a:rPr lang="en-GB" b="1" dirty="0"/>
-              <a:t>S</a:t>
-            </a:r>
-            <a:r>
-              <a:rPr lang="en-GB" dirty="0"/>
-              <a:t> maximizes its expected reward by choosing the action </a:t>
-            </a:r>
-            <a:r>
-              <a:rPr lang="en-GB" b="1" dirty="0"/>
-              <a:t>A</a:t>
-            </a:r>
-            <a:r>
-              <a:rPr lang="en-GB" dirty="0"/>
-              <a:t> with the highest expected reward. Explicitly choosing the best known action at a state is called </a:t>
-            </a:r>
-            <a:r>
-              <a:rPr lang="en-GB" b="1" dirty="0"/>
-              <a:t>Exploitation</a:t>
-            </a:r>
-            <a:r>
-              <a:rPr lang="en-GB" dirty="0"/>
-              <a:t>.</a:t>
-            </a:r>
-          </a:p>
-          <a:p>
-            <a:pPr marL="0" indent="0">
-              <a:buNone/>
-            </a:pPr>
-            <a:endParaRPr lang="en-GB" dirty="0"/>
+              <a:t>Model free RL algorithms don’t learn a model of their environment’s transition function to make predictions of future states and rewards.</a:t>
+            </a:r>
           </a:p>
         </p:txBody>
       </p:sp>
     </p:spTree>
     <p:extLst>
       <p:ext uri="{BB962C8B-B14F-4D97-AF65-F5344CB8AC3E}">
-        <p14:creationId xmlns:p14="http://schemas.microsoft.com/office/powerpoint/2010/main" val="496101187"/>
+        <p14:creationId xmlns:p14="http://schemas.microsoft.com/office/powerpoint/2010/main" val="2089512660"/>
       </p:ext>
     </p:extLst>
   </p:cSld>
@@ -7851,6 +8111,173 @@
           <p:cNvPr id="2" name="Titolo 1">
             <a:extLst>
               <a:ext uri="{FF2B5EF4-FFF2-40B4-BE49-F238E27FC236}">
+                <a16:creationId xmlns:a16="http://schemas.microsoft.com/office/drawing/2014/main" id="{D5C96224-4790-4F75-8C9F-E7D3546A668A}"/>
+              </a:ext>
+            </a:extLst>
+          </p:cNvPr>
+          <p:cNvSpPr>
+            <a:spLocks noGrp="1"/>
+          </p:cNvSpPr>
+          <p:nvPr>
+            <p:ph type="title"/>
+          </p:nvPr>
+        </p:nvSpPr>
+        <p:spPr/>
+        <p:txBody>
+          <a:bodyPr/>
+          <a:lstStyle/>
+          <a:p>
+            <a:r>
+              <a:rPr lang="it-IT" dirty="0" err="1"/>
+              <a:t>Vanilla</a:t>
+            </a:r>
+            <a:r>
+              <a:rPr lang="it-IT" dirty="0"/>
+              <a:t> Q-Learning</a:t>
+            </a:r>
+            <a:endParaRPr lang="en-GB" dirty="0"/>
+          </a:p>
+        </p:txBody>
+      </p:sp>
+      <p:sp>
+        <p:nvSpPr>
+          <p:cNvPr id="3" name="Segnaposto contenuto 2">
+            <a:extLst>
+              <a:ext uri="{FF2B5EF4-FFF2-40B4-BE49-F238E27FC236}">
+                <a16:creationId xmlns:a16="http://schemas.microsoft.com/office/drawing/2014/main" id="{E3DB408E-AD0C-4641-9231-2EAD55A4A921}"/>
+              </a:ext>
+            </a:extLst>
+          </p:cNvPr>
+          <p:cNvSpPr>
+            <a:spLocks noGrp="1"/>
+          </p:cNvSpPr>
+          <p:nvPr>
+            <p:ph idx="1"/>
+          </p:nvPr>
+        </p:nvSpPr>
+        <p:spPr/>
+        <p:txBody>
+          <a:bodyPr/>
+          <a:lstStyle/>
+          <a:p>
+            <a:pPr>
+              <a:buFont typeface="Arial" panose="020B0604020202020204" pitchFamily="34" charset="0"/>
+              <a:buChar char="•"/>
+            </a:pPr>
+            <a:r>
+              <a:rPr lang="en-GB" dirty="0"/>
+              <a:t>The vanilla Q-Learning uses a </a:t>
+            </a:r>
+            <a:r>
+              <a:rPr lang="en-GB" b="1" dirty="0"/>
+              <a:t>Q-table, </a:t>
+            </a:r>
+            <a:r>
+              <a:rPr lang="en-GB" dirty="0"/>
+              <a:t>a simple data structure that we use to keep track of the states, actions, and their expected rewards. More specifically, the Q-table maps a state-action pair to a </a:t>
+            </a:r>
+            <a:r>
+              <a:rPr lang="en-GB" b="1" dirty="0"/>
+              <a:t>Q-value</a:t>
+            </a:r>
+            <a:r>
+              <a:rPr lang="en-GB" dirty="0"/>
+              <a:t> (the estimated optimal future value) which the agent will learn. At the start of the Q-Learning algorithm, the Q-table is initialized to all zeros indicating that the agent doesn’t know anything about the world. As the agent tries out different actions at different states through trial and error, the agent learns each state-action pair’s expected reward and updates the Q-table with the new Q-value. Using trial and error to learn about the world is called </a:t>
+            </a:r>
+            <a:r>
+              <a:rPr lang="en-GB" b="1" dirty="0"/>
+              <a:t>Exploration</a:t>
+            </a:r>
+            <a:r>
+              <a:rPr lang="en-GB" dirty="0"/>
+              <a:t>.</a:t>
+            </a:r>
+          </a:p>
+          <a:p>
+            <a:pPr>
+              <a:buFont typeface="Arial" panose="020B0604020202020204" pitchFamily="34" charset="0"/>
+              <a:buChar char="•"/>
+            </a:pPr>
+            <a:r>
+              <a:rPr lang="en-GB" dirty="0"/>
+              <a:t> The </a:t>
+            </a:r>
+            <a:r>
+              <a:rPr lang="en-GB" b="1" dirty="0"/>
+              <a:t>Q-Value</a:t>
+            </a:r>
+            <a:r>
+              <a:rPr lang="en-GB" dirty="0"/>
+              <a:t> is the maximum expected reward an agent can reach by taking a given action A from the state S. After an agent has learned the Q-value of each state-action pair, the agent at state </a:t>
+            </a:r>
+            <a:r>
+              <a:rPr lang="en-GB" b="1" dirty="0"/>
+              <a:t>S</a:t>
+            </a:r>
+            <a:r>
+              <a:rPr lang="en-GB" dirty="0"/>
+              <a:t> maximizes its expected reward by choosing the action </a:t>
+            </a:r>
+            <a:r>
+              <a:rPr lang="en-GB" b="1" dirty="0"/>
+              <a:t>A</a:t>
+            </a:r>
+            <a:r>
+              <a:rPr lang="en-GB" dirty="0"/>
+              <a:t> with the highest expected reward. Explicitly choosing the best known action at a state is called </a:t>
+            </a:r>
+            <a:r>
+              <a:rPr lang="en-GB" b="1" dirty="0"/>
+              <a:t>Exploitation</a:t>
+            </a:r>
+            <a:r>
+              <a:rPr lang="en-GB" dirty="0"/>
+              <a:t>.</a:t>
+            </a:r>
+          </a:p>
+          <a:p>
+            <a:pPr marL="0" indent="0">
+              <a:buNone/>
+            </a:pPr>
+            <a:endParaRPr lang="en-GB" dirty="0"/>
+          </a:p>
+        </p:txBody>
+      </p:sp>
+    </p:spTree>
+    <p:extLst>
+      <p:ext uri="{BB962C8B-B14F-4D97-AF65-F5344CB8AC3E}">
+        <p14:creationId xmlns:p14="http://schemas.microsoft.com/office/powerpoint/2010/main" val="496101187"/>
+      </p:ext>
+    </p:extLst>
+  </p:cSld>
+  <p:clrMapOvr>
+    <a:masterClrMapping/>
+  </p:clrMapOvr>
+</p:sld>
+</file>
+
+<file path=ppt/slides/slide22.xml><?xml version="1.0" encoding="utf-8"?>
+<p:sld xmlns:a="http://schemas.openxmlformats.org/drawingml/2006/main" xmlns:r="http://schemas.openxmlformats.org/officeDocument/2006/relationships" xmlns:p="http://schemas.openxmlformats.org/presentationml/2006/main">
+  <p:cSld>
+    <p:spTree>
+      <p:nvGrpSpPr>
+        <p:cNvPr id="1" name=""/>
+        <p:cNvGrpSpPr/>
+        <p:nvPr/>
+      </p:nvGrpSpPr>
+      <p:grpSpPr>
+        <a:xfrm>
+          <a:off x="0" y="0"/>
+          <a:ext cx="0" cy="0"/>
+          <a:chOff x="0" y="0"/>
+          <a:chExt cx="0" cy="0"/>
+        </a:xfrm>
+      </p:grpSpPr>
+      <p:sp>
+        <p:nvSpPr>
+          <p:cNvPr id="2" name="Titolo 1">
+            <a:extLst>
+              <a:ext uri="{FF2B5EF4-FFF2-40B4-BE49-F238E27FC236}">
                 <a16:creationId xmlns:a16="http://schemas.microsoft.com/office/drawing/2014/main" id="{D5F2B4DE-3E0B-42A6-9ED3-A37C3E2BAE50}"/>
               </a:ext>
             </a:extLst>
@@ -7979,7 +8406,7 @@
 </p:sld>
 </file>
 
-<file path=ppt/slides/slide22.xml><?xml version="1.0" encoding="utf-8"?>
+<file path=ppt/slides/slide23.xml><?xml version="1.0" encoding="utf-8"?>
 <p:sld xmlns:a="http://schemas.openxmlformats.org/drawingml/2006/main" xmlns:r="http://schemas.openxmlformats.org/officeDocument/2006/relationships" xmlns:p="http://schemas.openxmlformats.org/presentationml/2006/main">
   <p:cSld>
     <p:spTree>
@@ -8182,7 +8609,7 @@
 </p:sld>
 </file>
 
-<file path=ppt/slides/slide23.xml><?xml version="1.0" encoding="utf-8"?>
+<file path=ppt/slides/slide24.xml><?xml version="1.0" encoding="utf-8"?>
 <p:sld xmlns:a="http://schemas.openxmlformats.org/drawingml/2006/main" xmlns:r="http://schemas.openxmlformats.org/officeDocument/2006/relationships" xmlns:p="http://schemas.openxmlformats.org/presentationml/2006/main">
   <p:cSld>
     <p:spTree>
@@ -8635,7 +9062,7 @@
 </p:sld>
 </file>
 
-<file path=ppt/slides/slide24.xml><?xml version="1.0" encoding="utf-8"?>
+<file path=ppt/slides/slide25.xml><?xml version="1.0" encoding="utf-8"?>
 <p:sld xmlns:a="http://schemas.openxmlformats.org/drawingml/2006/main" xmlns:r="http://schemas.openxmlformats.org/officeDocument/2006/relationships" xmlns:p="http://schemas.openxmlformats.org/presentationml/2006/main">
   <p:cSld>
     <p:spTree>
@@ -8780,7 +9207,7 @@
 </p:sld>
 </file>
 
-<file path=ppt/slides/slide25.xml><?xml version="1.0" encoding="utf-8"?>
+<file path=ppt/slides/slide26.xml><?xml version="1.0" encoding="utf-8"?>
 <p:sld xmlns:a="http://schemas.openxmlformats.org/drawingml/2006/main" xmlns:r="http://schemas.openxmlformats.org/officeDocument/2006/relationships" xmlns:p="http://schemas.openxmlformats.org/presentationml/2006/main">
   <p:cSld>
     <p:spTree>
@@ -8876,7 +9303,7 @@
 </p:sld>
 </file>
 
-<file path=ppt/slides/slide26.xml><?xml version="1.0" encoding="utf-8"?>
+<file path=ppt/slides/slide27.xml><?xml version="1.0" encoding="utf-8"?>
 <p:sld xmlns:a="http://schemas.openxmlformats.org/drawingml/2006/main" xmlns:r="http://schemas.openxmlformats.org/officeDocument/2006/relationships" xmlns:p="http://schemas.openxmlformats.org/presentationml/2006/main">
   <p:cSld>
     <p:spTree>

--- a/Smart Neighborhood.pptx
+++ b/Smart Neighborhood.pptx
@@ -21,17 +21,18 @@
     <p:sldId id="280" r:id="rId15"/>
     <p:sldId id="283" r:id="rId16"/>
     <p:sldId id="276" r:id="rId17"/>
-    <p:sldId id="277" r:id="rId18"/>
-    <p:sldId id="284" r:id="rId19"/>
-    <p:sldId id="279" r:id="rId20"/>
-    <p:sldId id="263" r:id="rId21"/>
-    <p:sldId id="272" r:id="rId22"/>
-    <p:sldId id="269" r:id="rId23"/>
-    <p:sldId id="270" r:id="rId24"/>
-    <p:sldId id="271" r:id="rId25"/>
-    <p:sldId id="273" r:id="rId26"/>
-    <p:sldId id="274" r:id="rId27"/>
-    <p:sldId id="264" r:id="rId28"/>
+    <p:sldId id="285" r:id="rId18"/>
+    <p:sldId id="277" r:id="rId19"/>
+    <p:sldId id="284" r:id="rId20"/>
+    <p:sldId id="279" r:id="rId21"/>
+    <p:sldId id="263" r:id="rId22"/>
+    <p:sldId id="272" r:id="rId23"/>
+    <p:sldId id="269" r:id="rId24"/>
+    <p:sldId id="270" r:id="rId25"/>
+    <p:sldId id="271" r:id="rId26"/>
+    <p:sldId id="273" r:id="rId27"/>
+    <p:sldId id="274" r:id="rId28"/>
+    <p:sldId id="264" r:id="rId29"/>
   </p:sldIdLst>
   <p:sldSz cx="12192000" cy="6858000"/>
   <p:notesSz cx="6858000" cy="9144000"/>
@@ -364,7 +365,7 @@
           <a:p>
             <a:fld id="{8BE6B674-AADE-49EF-9780-6CBE5B9EDB57}" type="datetimeFigureOut">
               <a:rPr lang="en-GB" smtClean="0"/>
-              <a:t>14/04/2022</a:t>
+              <a:t>27/04/2022</a:t>
             </a:fld>
             <a:endParaRPr lang="en-GB"/>
           </a:p>
@@ -572,7 +573,7 @@
           <a:p>
             <a:fld id="{8BE6B674-AADE-49EF-9780-6CBE5B9EDB57}" type="datetimeFigureOut">
               <a:rPr lang="en-GB" smtClean="0"/>
-              <a:t>14/04/2022</a:t>
+              <a:t>27/04/2022</a:t>
             </a:fld>
             <a:endParaRPr lang="en-GB"/>
           </a:p>
@@ -828,7 +829,7 @@
           <a:p>
             <a:fld id="{8BE6B674-AADE-49EF-9780-6CBE5B9EDB57}" type="datetimeFigureOut">
               <a:rPr lang="en-GB" smtClean="0"/>
-              <a:t>14/04/2022</a:t>
+              <a:t>27/04/2022</a:t>
             </a:fld>
             <a:endParaRPr lang="en-GB"/>
           </a:p>
@@ -1002,7 +1003,7 @@
           <a:p>
             <a:fld id="{8BE6B674-AADE-49EF-9780-6CBE5B9EDB57}" type="datetimeFigureOut">
               <a:rPr lang="en-GB" smtClean="0"/>
-              <a:t>14/04/2022</a:t>
+              <a:t>27/04/2022</a:t>
             </a:fld>
             <a:endParaRPr lang="en-GB"/>
           </a:p>
@@ -1345,7 +1346,7 @@
           <a:p>
             <a:fld id="{8BE6B674-AADE-49EF-9780-6CBE5B9EDB57}" type="datetimeFigureOut">
               <a:rPr lang="en-GB" smtClean="0"/>
-              <a:t>14/04/2022</a:t>
+              <a:t>27/04/2022</a:t>
             </a:fld>
             <a:endParaRPr lang="en-GB"/>
           </a:p>
@@ -1620,7 +1621,7 @@
           <a:p>
             <a:fld id="{8BE6B674-AADE-49EF-9780-6CBE5B9EDB57}" type="datetimeFigureOut">
               <a:rPr lang="en-GB" smtClean="0"/>
-              <a:t>14/04/2022</a:t>
+              <a:t>27/04/2022</a:t>
             </a:fld>
             <a:endParaRPr lang="en-GB"/>
           </a:p>
@@ -1999,7 +2000,7 @@
           <a:p>
             <a:fld id="{8BE6B674-AADE-49EF-9780-6CBE5B9EDB57}" type="datetimeFigureOut">
               <a:rPr lang="en-GB" smtClean="0"/>
-              <a:t>14/04/2022</a:t>
+              <a:t>27/04/2022</a:t>
             </a:fld>
             <a:endParaRPr lang="en-GB"/>
           </a:p>
@@ -2117,7 +2118,7 @@
           <a:p>
             <a:fld id="{8BE6B674-AADE-49EF-9780-6CBE5B9EDB57}" type="datetimeFigureOut">
               <a:rPr lang="en-GB" smtClean="0"/>
-              <a:t>14/04/2022</a:t>
+              <a:t>27/04/2022</a:t>
             </a:fld>
             <a:endParaRPr lang="en-GB"/>
           </a:p>
@@ -2288,7 +2289,7 @@
           <a:p>
             <a:fld id="{8BE6B674-AADE-49EF-9780-6CBE5B9EDB57}" type="datetimeFigureOut">
               <a:rPr lang="en-GB" smtClean="0"/>
-              <a:t>14/04/2022</a:t>
+              <a:t>27/04/2022</a:t>
             </a:fld>
             <a:endParaRPr lang="en-GB"/>
           </a:p>
@@ -2642,7 +2643,7 @@
           <a:p>
             <a:fld id="{8BE6B674-AADE-49EF-9780-6CBE5B9EDB57}" type="datetimeFigureOut">
               <a:rPr lang="en-GB" smtClean="0"/>
-              <a:t>14/04/2022</a:t>
+              <a:t>27/04/2022</a:t>
             </a:fld>
             <a:endParaRPr lang="en-GB"/>
           </a:p>
@@ -3024,7 +3025,7 @@
           <a:p>
             <a:fld id="{8BE6B674-AADE-49EF-9780-6CBE5B9EDB57}" type="datetimeFigureOut">
               <a:rPr lang="en-GB" smtClean="0"/>
-              <a:t>14/04/2022</a:t>
+              <a:t>27/04/2022</a:t>
             </a:fld>
             <a:endParaRPr lang="en-GB"/>
           </a:p>
@@ -3311,7 +3312,7 @@
           <a:p>
             <a:fld id="{8BE6B674-AADE-49EF-9780-6CBE5B9EDB57}" type="datetimeFigureOut">
               <a:rPr lang="en-GB" smtClean="0"/>
-              <a:t>14/04/2022</a:t>
+              <a:t>27/04/2022</a:t>
             </a:fld>
             <a:endParaRPr lang="en-GB"/>
           </a:p>
@@ -7141,41 +7142,48 @@
           <a:p>
             <a:r>
               <a:rPr lang="it-IT" dirty="0"/>
-              <a:t>Web App</a:t>
+              <a:t>Web App – Login Page</a:t>
             </a:r>
             <a:endParaRPr lang="en-GB" dirty="0"/>
           </a:p>
         </p:txBody>
       </p:sp>
-      <p:sp>
-        <p:nvSpPr>
-          <p:cNvPr id="3" name="Segnaposto contenuto 2">
+      <p:pic>
+        <p:nvPicPr>
+          <p:cNvPr id="11" name="Picture 10">
             <a:extLst>
               <a:ext uri="{FF2B5EF4-FFF2-40B4-BE49-F238E27FC236}">
-                <a16:creationId xmlns:a16="http://schemas.microsoft.com/office/drawing/2014/main" id="{FE9B7FA4-F886-4BC4-AF7E-2986D454A674}"/>
+                <a16:creationId xmlns:a16="http://schemas.microsoft.com/office/drawing/2014/main" id="{1DF5B0A3-F08B-5BB9-4225-C81EF0101118}"/>
               </a:ext>
             </a:extLst>
           </p:cNvPr>
-          <p:cNvSpPr>
-            <a:spLocks noGrp="1"/>
-          </p:cNvSpPr>
-          <p:nvPr>
-            <p:ph idx="1"/>
-          </p:nvPr>
-        </p:nvSpPr>
-        <p:spPr/>
-        <p:txBody>
-          <a:bodyPr/>
-          <a:lstStyle/>
-          <a:p>
-            <a:r>
-              <a:rPr lang="it-IT" dirty="0" err="1"/>
-              <a:t>screenshot</a:t>
-            </a:r>
-            <a:endParaRPr lang="en-GB" dirty="0"/>
-          </a:p>
-        </p:txBody>
-      </p:sp>
+          <p:cNvPicPr>
+            <a:picLocks noChangeAspect="1"/>
+          </p:cNvPicPr>
+          <p:nvPr/>
+        </p:nvPicPr>
+        <p:blipFill>
+          <a:blip r:embed="rId2">
+            <a:extLst>
+              <a:ext uri="{28A0092B-C50C-407E-A947-70E740481C1C}">
+                <a14:useLocalDpi xmlns:a14="http://schemas.microsoft.com/office/drawing/2010/main" val="0"/>
+              </a:ext>
+            </a:extLst>
+          </a:blip>
+          <a:stretch>
+            <a:fillRect/>
+          </a:stretch>
+        </p:blipFill>
+        <p:spPr>
+          <a:xfrm>
+            <a:off x="1097281" y="2041929"/>
+            <a:ext cx="10062602" cy="2767815"/>
+          </a:xfrm>
+          <a:prstGeom prst="rect">
+            <a:avLst/>
+          </a:prstGeom>
+        </p:spPr>
+      </p:pic>
     </p:spTree>
     <p:extLst>
       <p:ext uri="{BB962C8B-B14F-4D97-AF65-F5344CB8AC3E}">
@@ -7190,6 +7198,101 @@
 </file>
 
 <file path=ppt/slides/slide17.xml><?xml version="1.0" encoding="utf-8"?>
+<p:sld xmlns:a="http://schemas.openxmlformats.org/drawingml/2006/main" xmlns:r="http://schemas.openxmlformats.org/officeDocument/2006/relationships" xmlns:p="http://schemas.openxmlformats.org/presentationml/2006/main">
+  <p:cSld>
+    <p:spTree>
+      <p:nvGrpSpPr>
+        <p:cNvPr id="1" name=""/>
+        <p:cNvGrpSpPr/>
+        <p:nvPr/>
+      </p:nvGrpSpPr>
+      <p:grpSpPr>
+        <a:xfrm>
+          <a:off x="0" y="0"/>
+          <a:ext cx="0" cy="0"/>
+          <a:chOff x="0" y="0"/>
+          <a:chExt cx="0" cy="0"/>
+        </a:xfrm>
+      </p:grpSpPr>
+      <p:sp>
+        <p:nvSpPr>
+          <p:cNvPr id="2" name="Titolo 1">
+            <a:extLst>
+              <a:ext uri="{FF2B5EF4-FFF2-40B4-BE49-F238E27FC236}">
+                <a16:creationId xmlns:a16="http://schemas.microsoft.com/office/drawing/2014/main" id="{956C1897-87CB-44A0-86A4-68B3CA5D7D7F}"/>
+              </a:ext>
+            </a:extLst>
+          </p:cNvPr>
+          <p:cNvSpPr>
+            <a:spLocks noGrp="1"/>
+          </p:cNvSpPr>
+          <p:nvPr>
+            <p:ph type="title"/>
+          </p:nvPr>
+        </p:nvSpPr>
+        <p:spPr/>
+        <p:txBody>
+          <a:bodyPr/>
+          <a:lstStyle/>
+          <a:p>
+            <a:r>
+              <a:rPr lang="it-IT" dirty="0"/>
+              <a:t>Web App – Home Page</a:t>
+            </a:r>
+            <a:endParaRPr lang="en-GB" dirty="0"/>
+          </a:p>
+        </p:txBody>
+      </p:sp>
+      <p:pic>
+        <p:nvPicPr>
+          <p:cNvPr id="4" name="Picture 3">
+            <a:extLst>
+              <a:ext uri="{FF2B5EF4-FFF2-40B4-BE49-F238E27FC236}">
+                <a16:creationId xmlns:a16="http://schemas.microsoft.com/office/drawing/2014/main" id="{AE3536F6-BD6D-9E31-8B90-859EF720D7FB}"/>
+              </a:ext>
+            </a:extLst>
+          </p:cNvPr>
+          <p:cNvPicPr>
+            <a:picLocks noChangeAspect="1"/>
+          </p:cNvPicPr>
+          <p:nvPr/>
+        </p:nvPicPr>
+        <p:blipFill>
+          <a:blip r:embed="rId2">
+            <a:extLst>
+              <a:ext uri="{28A0092B-C50C-407E-A947-70E740481C1C}">
+                <a14:useLocalDpi xmlns:a14="http://schemas.microsoft.com/office/drawing/2010/main" val="0"/>
+              </a:ext>
+            </a:extLst>
+          </a:blip>
+          <a:stretch>
+            <a:fillRect/>
+          </a:stretch>
+        </p:blipFill>
+        <p:spPr>
+          <a:xfrm>
+            <a:off x="1097280" y="2070486"/>
+            <a:ext cx="10058400" cy="2717028"/>
+          </a:xfrm>
+          <a:prstGeom prst="rect">
+            <a:avLst/>
+          </a:prstGeom>
+        </p:spPr>
+      </p:pic>
+    </p:spTree>
+    <p:extLst>
+      <p:ext uri="{BB962C8B-B14F-4D97-AF65-F5344CB8AC3E}">
+        <p14:creationId xmlns:p14="http://schemas.microsoft.com/office/powerpoint/2010/main" val="2055416511"/>
+      </p:ext>
+    </p:extLst>
+  </p:cSld>
+  <p:clrMapOvr>
+    <a:masterClrMapping/>
+  </p:clrMapOvr>
+</p:sld>
+</file>
+
+<file path=ppt/slides/slide18.xml><?xml version="1.0" encoding="utf-8"?>
 <p:sld xmlns:a="http://schemas.openxmlformats.org/drawingml/2006/main" xmlns:r="http://schemas.openxmlformats.org/officeDocument/2006/relationships" xmlns:p="http://schemas.openxmlformats.org/presentationml/2006/main">
   <p:cSld>
     <p:spTree>
@@ -7284,245 +7387,6 @@
 </p:sld>
 </file>
 
-<file path=ppt/slides/slide18.xml><?xml version="1.0" encoding="utf-8"?>
-<p:sld xmlns:a="http://schemas.openxmlformats.org/drawingml/2006/main" xmlns:r="http://schemas.openxmlformats.org/officeDocument/2006/relationships" xmlns:p="http://schemas.openxmlformats.org/presentationml/2006/main">
-  <p:cSld>
-    <p:spTree>
-      <p:nvGrpSpPr>
-        <p:cNvPr id="1" name=""/>
-        <p:cNvGrpSpPr/>
-        <p:nvPr/>
-      </p:nvGrpSpPr>
-      <p:grpSpPr>
-        <a:xfrm>
-          <a:off x="0" y="0"/>
-          <a:ext cx="0" cy="0"/>
-          <a:chOff x="0" y="0"/>
-          <a:chExt cx="0" cy="0"/>
-        </a:xfrm>
-      </p:grpSpPr>
-      <p:sp>
-        <p:nvSpPr>
-          <p:cNvPr id="2" name="Titolo 1">
-            <a:extLst>
-              <a:ext uri="{FF2B5EF4-FFF2-40B4-BE49-F238E27FC236}">
-                <a16:creationId xmlns:a16="http://schemas.microsoft.com/office/drawing/2014/main" id="{CD615654-B50B-4C0E-A230-FEABB50A2831}"/>
-              </a:ext>
-            </a:extLst>
-          </p:cNvPr>
-          <p:cNvSpPr>
-            <a:spLocks noGrp="1"/>
-          </p:cNvSpPr>
-          <p:nvPr>
-            <p:ph type="title"/>
-          </p:nvPr>
-        </p:nvSpPr>
-        <p:spPr/>
-        <p:txBody>
-          <a:bodyPr/>
-          <a:lstStyle/>
-          <a:p>
-            <a:r>
-              <a:rPr lang="it-IT" dirty="0"/>
-              <a:t>DB SqLite3 (1)</a:t>
-            </a:r>
-            <a:endParaRPr lang="en-GB" dirty="0"/>
-          </a:p>
-        </p:txBody>
-      </p:sp>
-      <p:sp>
-        <p:nvSpPr>
-          <p:cNvPr id="6" name="TextBox 5">
-            <a:extLst>
-              <a:ext uri="{FF2B5EF4-FFF2-40B4-BE49-F238E27FC236}">
-                <a16:creationId xmlns:a16="http://schemas.microsoft.com/office/drawing/2014/main" id="{91D065EC-2922-7928-2099-298CEF6CC736}"/>
-              </a:ext>
-            </a:extLst>
-          </p:cNvPr>
-          <p:cNvSpPr txBox="1"/>
-          <p:nvPr/>
-        </p:nvSpPr>
-        <p:spPr>
-          <a:xfrm>
-            <a:off x="1243584" y="2029968"/>
-            <a:ext cx="9912096" cy="3970318"/>
-          </a:xfrm>
-          <a:prstGeom prst="rect">
-            <a:avLst/>
-          </a:prstGeom>
-          <a:noFill/>
-        </p:spPr>
-        <p:txBody>
-          <a:bodyPr wrap="square" rtlCol="0">
-            <a:spAutoFit/>
-          </a:bodyPr>
-          <a:lstStyle/>
-          <a:p>
-            <a:r>
-              <a:rPr lang="en-IT" dirty="0"/>
-              <a:t>The database is managed automatically by Django using the model part of the MVC approach: we define a python class for each table of the db and Django creates the respective relational db. The 4 classes are described below:</a:t>
-            </a:r>
-          </a:p>
-          <a:p>
-            <a:pPr marL="285750" indent="-285750">
-              <a:buFont typeface="Arial" panose="020B0604020202020204" pitchFamily="34" charset="0"/>
-              <a:buChar char="•"/>
-            </a:pPr>
-            <a:r>
-              <a:rPr lang="en-IT" b="1" dirty="0"/>
-              <a:t>ChatTelegram: </a:t>
-            </a:r>
-            <a:r>
-              <a:rPr lang="en-IT" dirty="0"/>
-              <a:t>represents a chat telegram of users identified by the </a:t>
-            </a:r>
-            <a:r>
-              <a:rPr lang="en-IT" i="1" dirty="0"/>
-              <a:t>chat_id</a:t>
-            </a:r>
-            <a:r>
-              <a:rPr lang="en-IT" dirty="0"/>
-              <a:t>;</a:t>
-            </a:r>
-          </a:p>
-          <a:p>
-            <a:pPr marL="285750" indent="-285750">
-              <a:buFont typeface="Arial" panose="020B0604020202020204" pitchFamily="34" charset="0"/>
-              <a:buChar char="•"/>
-            </a:pPr>
-            <a:r>
-              <a:rPr lang="en-IT" b="1" dirty="0"/>
-              <a:t>User: </a:t>
-            </a:r>
-            <a:r>
-              <a:rPr lang="en-IT" dirty="0"/>
-              <a:t>represent a user of the system and it’s the class managed automatically by the Django authentication system, it has a unique </a:t>
-            </a:r>
-            <a:r>
-              <a:rPr lang="en-IT" i="1" dirty="0"/>
-              <a:t>email </a:t>
-            </a:r>
-            <a:r>
-              <a:rPr lang="en-IT" dirty="0"/>
-              <a:t>and a</a:t>
-            </a:r>
-            <a:r>
-              <a:rPr lang="en-IT" i="1" dirty="0"/>
-              <a:t> password</a:t>
-            </a:r>
-            <a:r>
-              <a:rPr lang="en-IT" dirty="0"/>
-              <a:t>;</a:t>
-            </a:r>
-          </a:p>
-          <a:p>
-            <a:pPr marL="285750" indent="-285750">
-              <a:buFont typeface="Arial" panose="020B0604020202020204" pitchFamily="34" charset="0"/>
-              <a:buChar char="•"/>
-            </a:pPr>
-            <a:r>
-              <a:rPr lang="en-IT" b="1" dirty="0"/>
-              <a:t>House: </a:t>
-            </a:r>
-            <a:r>
-              <a:rPr lang="en-IT" dirty="0"/>
-              <a:t>it models an house where is installed the smart-neighborhood system, it’s described by the </a:t>
-            </a:r>
-            <a:r>
-              <a:rPr lang="en-IT" i="1" dirty="0"/>
-              <a:t>address </a:t>
-            </a:r>
-            <a:r>
-              <a:rPr lang="en-IT" dirty="0"/>
-              <a:t>and the </a:t>
-            </a:r>
-            <a:r>
-              <a:rPr lang="en-IT" i="1" dirty="0"/>
-              <a:t>street number </a:t>
-            </a:r>
-            <a:r>
-              <a:rPr lang="en-IT" dirty="0"/>
-              <a:t>and has a User object associated which represent the owner of the house;</a:t>
-            </a:r>
-          </a:p>
-          <a:p>
-            <a:pPr marL="285750" indent="-285750">
-              <a:buFont typeface="Arial" panose="020B0604020202020204" pitchFamily="34" charset="0"/>
-              <a:buChar char="•"/>
-            </a:pPr>
-            <a:r>
-              <a:rPr lang="en-IT" b="1" dirty="0"/>
-              <a:t>Window: </a:t>
-            </a:r>
-            <a:r>
-              <a:rPr lang="en-IT" dirty="0"/>
-              <a:t>it is a generic window object, each one assiocated to a house and has a current </a:t>
-            </a:r>
-            <a:r>
-              <a:rPr lang="en-IT" i="1" dirty="0"/>
-              <a:t>state </a:t>
-            </a:r>
-            <a:r>
-              <a:rPr lang="en-IT" dirty="0"/>
-              <a:t>(closed or open), a text </a:t>
-            </a:r>
-            <a:r>
-              <a:rPr lang="en-IT" i="1" dirty="0"/>
-              <a:t>description, </a:t>
-            </a:r>
-            <a:r>
-              <a:rPr lang="en-IT" dirty="0"/>
-              <a:t>a </a:t>
-            </a:r>
-            <a:r>
-              <a:rPr lang="en-IT" i="1" dirty="0"/>
-              <a:t>device name </a:t>
-            </a:r>
-            <a:r>
-              <a:rPr lang="en-IT" dirty="0"/>
-              <a:t>(identifier of arduino that manages this specific window) and a </a:t>
-            </a:r>
-            <a:r>
-              <a:rPr lang="en-IT" i="1" dirty="0"/>
-              <a:t>pin</a:t>
-            </a:r>
-            <a:r>
-              <a:rPr lang="en-IT" dirty="0"/>
-              <a:t> (pin connected to the actuator in the arduino board), a </a:t>
-            </a:r>
-            <a:r>
-              <a:rPr lang="en-IT" i="1" dirty="0"/>
-              <a:t>timeout, </a:t>
-            </a:r>
-            <a:r>
-              <a:rPr lang="en-IT" dirty="0"/>
-              <a:t>a boolean field which says if the window can be moved autonomously by the system or not, and finally a date which represents the </a:t>
-            </a:r>
-            <a:r>
-              <a:rPr lang="en-IT" i="1" dirty="0"/>
-              <a:t>last_change </a:t>
-            </a:r>
-            <a:r>
-              <a:rPr lang="en-IT" dirty="0"/>
-              <a:t>timestamp.</a:t>
-            </a:r>
-            <a:endParaRPr lang="en-IT" b="1" dirty="0"/>
-          </a:p>
-        </p:txBody>
-      </p:sp>
-    </p:spTree>
-    <p:extLst>
-      <p:ext uri="{BB962C8B-B14F-4D97-AF65-F5344CB8AC3E}">
-        <p14:creationId xmlns:p14="http://schemas.microsoft.com/office/powerpoint/2010/main" val="4176419909"/>
-      </p:ext>
-    </p:extLst>
-  </p:cSld>
-  <p:clrMapOvr>
-    <a:masterClrMapping/>
-  </p:clrMapOvr>
-</p:sld>
-</file>
-
 <file path=ppt/slides/slide19.xml><?xml version="1.0" encoding="utf-8"?>
 <p:sld xmlns:a="http://schemas.openxmlformats.org/drawingml/2006/main" xmlns:r="http://schemas.openxmlformats.org/officeDocument/2006/relationships" xmlns:p="http://schemas.openxmlformats.org/presentationml/2006/main">
   <p:cSld>
@@ -7545,7 +7409,7 @@
           <p:cNvPr id="2" name="Titolo 1">
             <a:extLst>
               <a:ext uri="{FF2B5EF4-FFF2-40B4-BE49-F238E27FC236}">
-                <a16:creationId xmlns:a16="http://schemas.microsoft.com/office/drawing/2014/main" id="{00C2A123-0917-441F-A181-BA0AD5570E29}"/>
+                <a16:creationId xmlns:a16="http://schemas.microsoft.com/office/drawing/2014/main" id="{CD615654-B50B-4C0E-A230-FEABB50A2831}"/>
               </a:ext>
             </a:extLst>
           </p:cNvPr>
@@ -7562,16 +7426,8 @@
           <a:lstStyle/>
           <a:p>
             <a:r>
-              <a:rPr lang="it-IT" dirty="0" err="1"/>
-              <a:t>OpenWeather</a:t>
-            </a:r>
-            <a:r>
               <a:rPr lang="it-IT" dirty="0"/>
-              <a:t> </a:t>
-            </a:r>
-            <a:r>
-              <a:rPr lang="it-IT" dirty="0" err="1"/>
-              <a:t>codes</a:t>
+              <a:t>DB SqLite3 (1)</a:t>
             </a:r>
             <a:endParaRPr lang="en-GB" dirty="0"/>
           </a:p>
@@ -7579,213 +7435,188 @@
       </p:sp>
       <p:sp>
         <p:nvSpPr>
-          <p:cNvPr id="3" name="Segnaposto contenuto 2">
+          <p:cNvPr id="6" name="TextBox 5">
             <a:extLst>
               <a:ext uri="{FF2B5EF4-FFF2-40B4-BE49-F238E27FC236}">
-                <a16:creationId xmlns:a16="http://schemas.microsoft.com/office/drawing/2014/main" id="{DFDF4A4E-5ADE-494E-ABB5-7DC693692AD8}"/>
+                <a16:creationId xmlns:a16="http://schemas.microsoft.com/office/drawing/2014/main" id="{91D065EC-2922-7928-2099-298CEF6CC736}"/>
               </a:ext>
             </a:extLst>
           </p:cNvPr>
-          <p:cNvSpPr>
-            <a:spLocks noGrp="1"/>
-          </p:cNvSpPr>
-          <p:nvPr>
-            <p:ph idx="1"/>
-          </p:nvPr>
+          <p:cNvSpPr txBox="1"/>
+          <p:nvPr/>
         </p:nvSpPr>
         <p:spPr>
           <a:xfrm>
-            <a:off x="1097280" y="1845734"/>
-            <a:ext cx="10058400" cy="4023360"/>
+            <a:off x="1243584" y="2029968"/>
+            <a:ext cx="9912096" cy="3970318"/>
           </a:xfrm>
+          <a:prstGeom prst="rect">
+            <a:avLst/>
+          </a:prstGeom>
+          <a:noFill/>
         </p:spPr>
         <p:txBody>
-          <a:bodyPr>
-            <a:normAutofit lnSpcReduction="10000"/>
+          <a:bodyPr wrap="square" rtlCol="0">
+            <a:spAutoFit/>
           </a:bodyPr>
           <a:lstStyle/>
           <a:p>
-            <a:pPr marL="0" indent="0">
-              <a:buNone/>
-            </a:pPr>
-            <a:r>
-              <a:rPr lang="en-GB" dirty="0"/>
-              <a:t>The data retrieved from the </a:t>
-            </a:r>
-            <a:r>
-              <a:rPr lang="en-GB" dirty="0" err="1"/>
-              <a:t>OpenWeather</a:t>
-            </a:r>
-            <a:r>
-              <a:rPr lang="en-GB" dirty="0"/>
-              <a:t> APIs are the temperature and the weather condition, the latter is categorized in different codes, we assigned each of them to a close/open/ambiguous condition in order to process the information and take the correct decision:</a:t>
-            </a:r>
-          </a:p>
-          <a:p>
-            <a:pPr>
+            <a:r>
+              <a:rPr lang="en-IT" dirty="0"/>
+              <a:t>The database is managed automatically by Django using the model part of the MVC approach: we define a python class for each table of the db and Django creates the respective relational db. The 4 classes are described below:</a:t>
+            </a:r>
+          </a:p>
+          <a:p>
+            <a:pPr marL="285750" indent="-285750">
               <a:buFont typeface="Arial" panose="020B0604020202020204" pitchFamily="34" charset="0"/>
               <a:buChar char="•"/>
             </a:pPr>
             <a:r>
-              <a:rPr lang="en-GB" dirty="0"/>
-              <a:t>Group 2xx: </a:t>
-            </a:r>
-            <a:r>
-              <a:rPr lang="en-GB" b="1" dirty="0"/>
-              <a:t>thunderstorm, </a:t>
-            </a:r>
-            <a:r>
-              <a:rPr lang="en-GB" dirty="0"/>
-              <a:t>we consider it as a </a:t>
-            </a:r>
-            <a:r>
-              <a:rPr lang="en-GB" i="1" dirty="0"/>
-              <a:t>close condition;</a:t>
-            </a:r>
-          </a:p>
-          <a:p>
-            <a:pPr>
+              <a:rPr lang="en-IT" b="1" dirty="0"/>
+              <a:t>ChatTelegram: </a:t>
+            </a:r>
+            <a:r>
+              <a:rPr lang="en-IT" dirty="0"/>
+              <a:t>represents a chat telegram of users identified by the </a:t>
+            </a:r>
+            <a:r>
+              <a:rPr lang="en-IT" i="1" dirty="0"/>
+              <a:t>chat_id</a:t>
+            </a:r>
+            <a:r>
+              <a:rPr lang="en-IT" dirty="0"/>
+              <a:t>;</a:t>
+            </a:r>
+          </a:p>
+          <a:p>
+            <a:pPr marL="285750" indent="-285750">
               <a:buFont typeface="Arial" panose="020B0604020202020204" pitchFamily="34" charset="0"/>
               <a:buChar char="•"/>
             </a:pPr>
             <a:r>
-              <a:rPr lang="en-GB" dirty="0"/>
-              <a:t>Group 3xx: </a:t>
-            </a:r>
-            <a:r>
-              <a:rPr lang="en-GB" b="1" dirty="0"/>
-              <a:t>drizzle,</a:t>
-            </a:r>
-            <a:r>
-              <a:rPr lang="en-GB" dirty="0"/>
-              <a:t> we consider it as an </a:t>
-            </a:r>
-            <a:r>
-              <a:rPr lang="en-GB" i="1" dirty="0"/>
-              <a:t>ambiguous condition;</a:t>
-            </a:r>
-          </a:p>
-          <a:p>
-            <a:pPr>
+              <a:rPr lang="en-IT" b="1" dirty="0"/>
+              <a:t>User: </a:t>
+            </a:r>
+            <a:r>
+              <a:rPr lang="en-IT" dirty="0"/>
+              <a:t>represent a user of the system and it’s the class managed automatically by the Django authentication system, it has a unique </a:t>
+            </a:r>
+            <a:r>
+              <a:rPr lang="en-IT" i="1" dirty="0"/>
+              <a:t>email </a:t>
+            </a:r>
+            <a:r>
+              <a:rPr lang="en-IT" dirty="0"/>
+              <a:t>and a</a:t>
+            </a:r>
+            <a:r>
+              <a:rPr lang="en-IT" i="1" dirty="0"/>
+              <a:t> password</a:t>
+            </a:r>
+            <a:r>
+              <a:rPr lang="en-IT" dirty="0"/>
+              <a:t>;</a:t>
+            </a:r>
+          </a:p>
+          <a:p>
+            <a:pPr marL="285750" indent="-285750">
               <a:buFont typeface="Arial" panose="020B0604020202020204" pitchFamily="34" charset="0"/>
               <a:buChar char="•"/>
             </a:pPr>
             <a:r>
-              <a:rPr lang="en-GB" dirty="0"/>
-              <a:t>Group 5xx: </a:t>
-            </a:r>
-            <a:r>
-              <a:rPr lang="en-GB" b="1" dirty="0"/>
-              <a:t>rain,</a:t>
-            </a:r>
-            <a:r>
-              <a:rPr lang="en-GB" dirty="0"/>
-              <a:t> we consider it as a </a:t>
-            </a:r>
-            <a:r>
-              <a:rPr lang="en-GB" i="1" dirty="0"/>
-              <a:t>close condition</a:t>
-            </a:r>
-            <a:r>
-              <a:rPr lang="en-GB" dirty="0"/>
-              <a:t>;</a:t>
-            </a:r>
-          </a:p>
-          <a:p>
-            <a:pPr>
+              <a:rPr lang="en-IT" b="1" dirty="0"/>
+              <a:t>House: </a:t>
+            </a:r>
+            <a:r>
+              <a:rPr lang="en-IT" dirty="0"/>
+              <a:t>it models an house where is installed the smart-neighborhood system, it’s described by the </a:t>
+            </a:r>
+            <a:r>
+              <a:rPr lang="en-IT" i="1" dirty="0"/>
+              <a:t>address </a:t>
+            </a:r>
+            <a:r>
+              <a:rPr lang="en-IT" dirty="0"/>
+              <a:t>and the </a:t>
+            </a:r>
+            <a:r>
+              <a:rPr lang="en-IT" i="1" dirty="0"/>
+              <a:t>street number </a:t>
+            </a:r>
+            <a:r>
+              <a:rPr lang="en-IT" dirty="0"/>
+              <a:t>and has a User object associated which represent the owner of the house;</a:t>
+            </a:r>
+          </a:p>
+          <a:p>
+            <a:pPr marL="285750" indent="-285750">
               <a:buFont typeface="Arial" panose="020B0604020202020204" pitchFamily="34" charset="0"/>
               <a:buChar char="•"/>
             </a:pPr>
             <a:r>
-              <a:rPr lang="en-GB" dirty="0"/>
-              <a:t>Group 6xx: </a:t>
-            </a:r>
-            <a:r>
-              <a:rPr lang="en-GB" b="1" dirty="0"/>
-              <a:t>snow,</a:t>
-            </a:r>
-            <a:r>
-              <a:rPr lang="en-GB" dirty="0"/>
-              <a:t> we consider it as a </a:t>
-            </a:r>
-            <a:r>
-              <a:rPr lang="en-GB" i="1" dirty="0"/>
-              <a:t>close condition;</a:t>
-            </a:r>
-          </a:p>
-          <a:p>
-            <a:pPr>
-              <a:buFont typeface="Arial" panose="020B0604020202020204" pitchFamily="34" charset="0"/>
-              <a:buChar char="•"/>
-            </a:pPr>
-            <a:r>
-              <a:rPr lang="en-GB" dirty="0"/>
-              <a:t>Group 7xx: </a:t>
-            </a:r>
-            <a:r>
-              <a:rPr lang="en-GB" b="1" dirty="0"/>
-              <a:t>atmosphere,</a:t>
-            </a:r>
-            <a:r>
-              <a:rPr lang="en-GB" dirty="0"/>
-              <a:t> we consider it as an </a:t>
-            </a:r>
-            <a:r>
-              <a:rPr lang="en-GB" i="1" dirty="0"/>
-              <a:t>open condition;</a:t>
-            </a:r>
-          </a:p>
-          <a:p>
-            <a:pPr>
-              <a:buFont typeface="Arial" panose="020B0604020202020204" pitchFamily="34" charset="0"/>
-              <a:buChar char="•"/>
-            </a:pPr>
-            <a:r>
-              <a:rPr lang="en-GB" dirty="0"/>
-              <a:t>Value 800: </a:t>
-            </a:r>
-            <a:r>
-              <a:rPr lang="en-GB" b="1" dirty="0"/>
-              <a:t>clear,</a:t>
-            </a:r>
-            <a:r>
-              <a:rPr lang="en-GB" dirty="0"/>
-              <a:t> we consider it as an </a:t>
-            </a:r>
-            <a:r>
-              <a:rPr lang="en-GB" i="1" dirty="0"/>
-              <a:t>open condition;</a:t>
-            </a:r>
-          </a:p>
-          <a:p>
-            <a:pPr>
-              <a:buFont typeface="Arial" panose="020B0604020202020204" pitchFamily="34" charset="0"/>
-              <a:buChar char="•"/>
-            </a:pPr>
-            <a:r>
-              <a:rPr lang="en-GB" dirty="0"/>
-              <a:t>Group 80x: </a:t>
-            </a:r>
-            <a:r>
-              <a:rPr lang="en-GB" b="1" dirty="0"/>
-              <a:t>clouds,</a:t>
-            </a:r>
-            <a:r>
-              <a:rPr lang="en-GB" dirty="0"/>
-              <a:t> we consider it as an </a:t>
-            </a:r>
-            <a:r>
-              <a:rPr lang="en-GB" i="1" dirty="0"/>
-              <a:t>ambiguous condition.</a:t>
-            </a:r>
-            <a:endParaRPr lang="en-GB" dirty="0"/>
+              <a:rPr lang="en-IT" b="1" dirty="0"/>
+              <a:t>Window: </a:t>
+            </a:r>
+            <a:r>
+              <a:rPr lang="en-IT" dirty="0"/>
+              <a:t>it is a generic window object, each one assiocated to a house and has a current </a:t>
+            </a:r>
+            <a:r>
+              <a:rPr lang="en-IT" i="1" dirty="0"/>
+              <a:t>state </a:t>
+            </a:r>
+            <a:r>
+              <a:rPr lang="en-IT" dirty="0"/>
+              <a:t>(closed or open), a text </a:t>
+            </a:r>
+            <a:r>
+              <a:rPr lang="en-IT" i="1" dirty="0"/>
+              <a:t>description, </a:t>
+            </a:r>
+            <a:r>
+              <a:rPr lang="en-IT" dirty="0"/>
+              <a:t>a </a:t>
+            </a:r>
+            <a:r>
+              <a:rPr lang="en-IT" i="1" dirty="0"/>
+              <a:t>device name </a:t>
+            </a:r>
+            <a:r>
+              <a:rPr lang="en-IT" dirty="0"/>
+              <a:t>(identifier of arduino that manages this specific window) and a </a:t>
+            </a:r>
+            <a:r>
+              <a:rPr lang="en-IT" i="1" dirty="0"/>
+              <a:t>pin</a:t>
+            </a:r>
+            <a:r>
+              <a:rPr lang="en-IT" dirty="0"/>
+              <a:t> (pin connected to the actuator in the arduino board), a </a:t>
+            </a:r>
+            <a:r>
+              <a:rPr lang="en-IT" i="1" dirty="0"/>
+              <a:t>timeout, </a:t>
+            </a:r>
+            <a:r>
+              <a:rPr lang="en-IT" dirty="0"/>
+              <a:t>a boolean field which says if the window can be moved autonomously by the system or not, and finally a date which represents the </a:t>
+            </a:r>
+            <a:r>
+              <a:rPr lang="en-IT" i="1" dirty="0"/>
+              <a:t>last_change </a:t>
+            </a:r>
+            <a:r>
+              <a:rPr lang="en-IT" dirty="0"/>
+              <a:t>timestamp.</a:t>
+            </a:r>
+            <a:endParaRPr lang="en-IT" b="1" dirty="0"/>
           </a:p>
         </p:txBody>
       </p:sp>
     </p:spTree>
     <p:extLst>
       <p:ext uri="{BB962C8B-B14F-4D97-AF65-F5344CB8AC3E}">
-        <p14:creationId xmlns:p14="http://schemas.microsoft.com/office/powerpoint/2010/main" val="2871504610"/>
+        <p14:creationId xmlns:p14="http://schemas.microsoft.com/office/powerpoint/2010/main" val="4176419909"/>
       </p:ext>
     </p:extLst>
   </p:cSld>
@@ -7974,7 +7805,7 @@
           <p:cNvPr id="2" name="Titolo 1">
             <a:extLst>
               <a:ext uri="{FF2B5EF4-FFF2-40B4-BE49-F238E27FC236}">
-                <a16:creationId xmlns:a16="http://schemas.microsoft.com/office/drawing/2014/main" id="{CA44F50E-E660-4EE1-A36B-B75DBCBF422E}"/>
+                <a16:creationId xmlns:a16="http://schemas.microsoft.com/office/drawing/2014/main" id="{00C2A123-0917-441F-A181-BA0AD5570E29}"/>
               </a:ext>
             </a:extLst>
           </p:cNvPr>
@@ -7991,24 +7822,16 @@
           <a:lstStyle/>
           <a:p>
             <a:r>
+              <a:rPr lang="it-IT" dirty="0" err="1"/>
+              <a:t>OpenWeather</a:t>
+            </a:r>
+            <a:r>
               <a:rPr lang="it-IT" dirty="0"/>
-              <a:t>Extra: </a:t>
+              <a:t> </a:t>
             </a:r>
             <a:r>
               <a:rPr lang="it-IT" dirty="0" err="1"/>
-              <a:t>Reinforcement</a:t>
-            </a:r>
-            <a:r>
-              <a:rPr lang="it-IT" dirty="0"/>
-              <a:t> Learning </a:t>
-            </a:r>
-            <a:r>
-              <a:rPr lang="it-IT" dirty="0" err="1"/>
-              <a:t>predictions</a:t>
-            </a:r>
-            <a:r>
-              <a:rPr lang="it-IT" dirty="0"/>
-              <a:t> with DQN</a:t>
+              <a:t>codes</a:t>
             </a:r>
             <a:endParaRPr lang="en-GB" dirty="0"/>
           </a:p>
@@ -8019,7 +7842,7 @@
           <p:cNvPr id="3" name="Segnaposto contenuto 2">
             <a:extLst>
               <a:ext uri="{FF2B5EF4-FFF2-40B4-BE49-F238E27FC236}">
-                <a16:creationId xmlns:a16="http://schemas.microsoft.com/office/drawing/2014/main" id="{DBF8575B-E0C7-42AF-97D6-1FC140DE9295}"/>
+                <a16:creationId xmlns:a16="http://schemas.microsoft.com/office/drawing/2014/main" id="{DFDF4A4E-5ADE-494E-ABB5-7DC693692AD8}"/>
               </a:ext>
             </a:extLst>
           </p:cNvPr>
@@ -8030,56 +7853,199 @@
             <p:ph idx="1"/>
           </p:nvPr>
         </p:nvSpPr>
-        <p:spPr/>
+        <p:spPr>
+          <a:xfrm>
+            <a:off x="1097280" y="1845734"/>
+            <a:ext cx="10058400" cy="4023360"/>
+          </a:xfrm>
+        </p:spPr>
         <p:txBody>
           <a:bodyPr>
-            <a:normAutofit/>
+            <a:normAutofit lnSpcReduction="10000"/>
           </a:bodyPr>
           <a:lstStyle/>
+          <a:p>
+            <a:pPr marL="0" indent="0">
+              <a:buNone/>
+            </a:pPr>
+            <a:r>
+              <a:rPr lang="en-GB" dirty="0"/>
+              <a:t>The data retrieved from the </a:t>
+            </a:r>
+            <a:r>
+              <a:rPr lang="en-GB" dirty="0" err="1"/>
+              <a:t>OpenWeather</a:t>
+            </a:r>
+            <a:r>
+              <a:rPr lang="en-GB" dirty="0"/>
+              <a:t> APIs are the temperature and the weather condition, the latter is categorized in different codes, we assigned each of them to a close/open/ambiguous condition in order to process the information and take the correct decision:</a:t>
+            </a:r>
+          </a:p>
           <a:p>
             <a:pPr>
               <a:buFont typeface="Arial" panose="020B0604020202020204" pitchFamily="34" charset="0"/>
               <a:buChar char="•"/>
             </a:pPr>
             <a:r>
-              <a:rPr lang="it-IT" dirty="0"/>
-              <a:t> DQN (Deep Q-Learning Networks) </a:t>
-            </a:r>
-            <a:r>
-              <a:rPr lang="it-IT" dirty="0" err="1"/>
-              <a:t>is</a:t>
-            </a:r>
-            <a:r>
-              <a:rPr lang="it-IT" dirty="0"/>
-              <a:t> a model-free </a:t>
-            </a:r>
-            <a:r>
-              <a:rPr lang="it-IT" dirty="0" err="1"/>
-              <a:t>reinforcement</a:t>
-            </a:r>
-            <a:r>
-              <a:rPr lang="it-IT" dirty="0"/>
-              <a:t> learning </a:t>
-            </a:r>
-            <a:r>
-              <a:rPr lang="it-IT" dirty="0" err="1"/>
-              <a:t>algorithm</a:t>
-            </a:r>
-            <a:r>
-              <a:rPr lang="it-IT" dirty="0"/>
-              <a:t>. </a:t>
-            </a:r>
-            <a:r>
               <a:rPr lang="en-GB" dirty="0"/>
-              <a:t>Model free RL algorithms don’t learn a model of their environment’s transition function to make predictions of future states and rewards.</a:t>
-            </a:r>
+              <a:t>Group 2xx: </a:t>
+            </a:r>
+            <a:r>
+              <a:rPr lang="en-GB" b="1" dirty="0"/>
+              <a:t>thunderstorm, </a:t>
+            </a:r>
+            <a:r>
+              <a:rPr lang="en-GB" dirty="0"/>
+              <a:t>we consider it as a </a:t>
+            </a:r>
+            <a:r>
+              <a:rPr lang="en-GB" i="1" dirty="0"/>
+              <a:t>close condition;</a:t>
+            </a:r>
+          </a:p>
+          <a:p>
+            <a:pPr>
+              <a:buFont typeface="Arial" panose="020B0604020202020204" pitchFamily="34" charset="0"/>
+              <a:buChar char="•"/>
+            </a:pPr>
+            <a:r>
+              <a:rPr lang="en-GB" dirty="0"/>
+              <a:t>Group 3xx: </a:t>
+            </a:r>
+            <a:r>
+              <a:rPr lang="en-GB" b="1" dirty="0"/>
+              <a:t>drizzle,</a:t>
+            </a:r>
+            <a:r>
+              <a:rPr lang="en-GB" dirty="0"/>
+              <a:t> we consider it as an </a:t>
+            </a:r>
+            <a:r>
+              <a:rPr lang="en-GB" i="1" dirty="0"/>
+              <a:t>ambiguous condition;</a:t>
+            </a:r>
+          </a:p>
+          <a:p>
+            <a:pPr>
+              <a:buFont typeface="Arial" panose="020B0604020202020204" pitchFamily="34" charset="0"/>
+              <a:buChar char="•"/>
+            </a:pPr>
+            <a:r>
+              <a:rPr lang="en-GB" dirty="0"/>
+              <a:t>Group 5xx: </a:t>
+            </a:r>
+            <a:r>
+              <a:rPr lang="en-GB" b="1" dirty="0"/>
+              <a:t>rain,</a:t>
+            </a:r>
+            <a:r>
+              <a:rPr lang="en-GB" dirty="0"/>
+              <a:t> we consider it as a </a:t>
+            </a:r>
+            <a:r>
+              <a:rPr lang="en-GB" i="1" dirty="0"/>
+              <a:t>close condition</a:t>
+            </a:r>
+            <a:r>
+              <a:rPr lang="en-GB" dirty="0"/>
+              <a:t>;</a:t>
+            </a:r>
+          </a:p>
+          <a:p>
+            <a:pPr>
+              <a:buFont typeface="Arial" panose="020B0604020202020204" pitchFamily="34" charset="0"/>
+              <a:buChar char="•"/>
+            </a:pPr>
+            <a:r>
+              <a:rPr lang="en-GB" dirty="0"/>
+              <a:t>Group 6xx: </a:t>
+            </a:r>
+            <a:r>
+              <a:rPr lang="en-GB" b="1" dirty="0"/>
+              <a:t>snow,</a:t>
+            </a:r>
+            <a:r>
+              <a:rPr lang="en-GB" dirty="0"/>
+              <a:t> we consider it as a </a:t>
+            </a:r>
+            <a:r>
+              <a:rPr lang="en-GB" i="1" dirty="0"/>
+              <a:t>close condition;</a:t>
+            </a:r>
+          </a:p>
+          <a:p>
+            <a:pPr>
+              <a:buFont typeface="Arial" panose="020B0604020202020204" pitchFamily="34" charset="0"/>
+              <a:buChar char="•"/>
+            </a:pPr>
+            <a:r>
+              <a:rPr lang="en-GB" dirty="0"/>
+              <a:t>Group 7xx: </a:t>
+            </a:r>
+            <a:r>
+              <a:rPr lang="en-GB" b="1" dirty="0"/>
+              <a:t>atmosphere,</a:t>
+            </a:r>
+            <a:r>
+              <a:rPr lang="en-GB" dirty="0"/>
+              <a:t> we consider it as an </a:t>
+            </a:r>
+            <a:r>
+              <a:rPr lang="en-GB" i="1" dirty="0"/>
+              <a:t>open condition;</a:t>
+            </a:r>
+          </a:p>
+          <a:p>
+            <a:pPr>
+              <a:buFont typeface="Arial" panose="020B0604020202020204" pitchFamily="34" charset="0"/>
+              <a:buChar char="•"/>
+            </a:pPr>
+            <a:r>
+              <a:rPr lang="en-GB" dirty="0"/>
+              <a:t>Value 800: </a:t>
+            </a:r>
+            <a:r>
+              <a:rPr lang="en-GB" b="1" dirty="0"/>
+              <a:t>clear,</a:t>
+            </a:r>
+            <a:r>
+              <a:rPr lang="en-GB" dirty="0"/>
+              <a:t> we consider it as an </a:t>
+            </a:r>
+            <a:r>
+              <a:rPr lang="en-GB" i="1" dirty="0"/>
+              <a:t>open condition;</a:t>
+            </a:r>
+          </a:p>
+          <a:p>
+            <a:pPr>
+              <a:buFont typeface="Arial" panose="020B0604020202020204" pitchFamily="34" charset="0"/>
+              <a:buChar char="•"/>
+            </a:pPr>
+            <a:r>
+              <a:rPr lang="en-GB" dirty="0"/>
+              <a:t>Group 80x: </a:t>
+            </a:r>
+            <a:r>
+              <a:rPr lang="en-GB" b="1" dirty="0"/>
+              <a:t>clouds,</a:t>
+            </a:r>
+            <a:r>
+              <a:rPr lang="en-GB" dirty="0"/>
+              <a:t> we consider it as an </a:t>
+            </a:r>
+            <a:r>
+              <a:rPr lang="en-GB" i="1" dirty="0"/>
+              <a:t>ambiguous condition.</a:t>
+            </a:r>
+            <a:endParaRPr lang="en-GB" dirty="0"/>
           </a:p>
         </p:txBody>
       </p:sp>
     </p:spTree>
     <p:extLst>
       <p:ext uri="{BB962C8B-B14F-4D97-AF65-F5344CB8AC3E}">
-        <p14:creationId xmlns:p14="http://schemas.microsoft.com/office/powerpoint/2010/main" val="2089512660"/>
+        <p14:creationId xmlns:p14="http://schemas.microsoft.com/office/powerpoint/2010/main" val="2871504610"/>
       </p:ext>
     </p:extLst>
   </p:cSld>
@@ -8111,7 +8077,7 @@
           <p:cNvPr id="2" name="Titolo 1">
             <a:extLst>
               <a:ext uri="{FF2B5EF4-FFF2-40B4-BE49-F238E27FC236}">
-                <a16:creationId xmlns:a16="http://schemas.microsoft.com/office/drawing/2014/main" id="{D5C96224-4790-4F75-8C9F-E7D3546A668A}"/>
+                <a16:creationId xmlns:a16="http://schemas.microsoft.com/office/drawing/2014/main" id="{CA44F50E-E660-4EE1-A36B-B75DBCBF422E}"/>
               </a:ext>
             </a:extLst>
           </p:cNvPr>
@@ -8128,12 +8094,24 @@
           <a:lstStyle/>
           <a:p>
             <a:r>
+              <a:rPr lang="it-IT" dirty="0"/>
+              <a:t>Extra: </a:t>
+            </a:r>
+            <a:r>
               <a:rPr lang="it-IT" dirty="0" err="1"/>
-              <a:t>Vanilla</a:t>
+              <a:t>Reinforcement</a:t>
             </a:r>
             <a:r>
               <a:rPr lang="it-IT" dirty="0"/>
-              <a:t> Q-Learning</a:t>
+              <a:t> Learning </a:t>
+            </a:r>
+            <a:r>
+              <a:rPr lang="it-IT" dirty="0" err="1"/>
+              <a:t>predictions</a:t>
+            </a:r>
+            <a:r>
+              <a:rPr lang="it-IT" dirty="0"/>
+              <a:t> with DQN</a:t>
             </a:r>
             <a:endParaRPr lang="en-GB" dirty="0"/>
           </a:p>
@@ -8144,7 +8122,7 @@
           <p:cNvPr id="3" name="Segnaposto contenuto 2">
             <a:extLst>
               <a:ext uri="{FF2B5EF4-FFF2-40B4-BE49-F238E27FC236}">
-                <a16:creationId xmlns:a16="http://schemas.microsoft.com/office/drawing/2014/main" id="{E3DB408E-AD0C-4641-9231-2EAD55A4A921}"/>
+                <a16:creationId xmlns:a16="http://schemas.microsoft.com/office/drawing/2014/main" id="{DBF8575B-E0C7-42AF-97D6-1FC140DE9295}"/>
               </a:ext>
             </a:extLst>
           </p:cNvPr>
@@ -8157,7 +8135,9 @@
         </p:nvSpPr>
         <p:spPr/>
         <p:txBody>
-          <a:bodyPr/>
+          <a:bodyPr>
+            <a:normAutofit/>
+          </a:bodyPr>
           <a:lstStyle/>
           <a:p>
             <a:pPr>
@@ -8165,88 +8145,44 @@
               <a:buChar char="•"/>
             </a:pPr>
             <a:r>
+              <a:rPr lang="it-IT" dirty="0"/>
+              <a:t> DQN (Deep Q-Learning Networks) </a:t>
+            </a:r>
+            <a:r>
+              <a:rPr lang="it-IT" dirty="0" err="1"/>
+              <a:t>is</a:t>
+            </a:r>
+            <a:r>
+              <a:rPr lang="it-IT" dirty="0"/>
+              <a:t> a model-free </a:t>
+            </a:r>
+            <a:r>
+              <a:rPr lang="it-IT" dirty="0" err="1"/>
+              <a:t>reinforcement</a:t>
+            </a:r>
+            <a:r>
+              <a:rPr lang="it-IT" dirty="0"/>
+              <a:t> learning </a:t>
+            </a:r>
+            <a:r>
+              <a:rPr lang="it-IT" dirty="0" err="1"/>
+              <a:t>algorithm</a:t>
+            </a:r>
+            <a:r>
+              <a:rPr lang="it-IT" dirty="0"/>
+              <a:t>. </a:t>
+            </a:r>
+            <a:r>
               <a:rPr lang="en-GB" dirty="0"/>
-              <a:t>The vanilla Q-Learning uses a </a:t>
-            </a:r>
-            <a:r>
-              <a:rPr lang="en-GB" b="1" dirty="0"/>
-              <a:t>Q-table, </a:t>
-            </a:r>
-            <a:r>
-              <a:rPr lang="en-GB" dirty="0"/>
-              <a:t>a simple data structure that we use to keep track of the states, actions, and their expected rewards. More specifically, the Q-table maps a state-action pair to a </a:t>
-            </a:r>
-            <a:r>
-              <a:rPr lang="en-GB" b="1" dirty="0"/>
-              <a:t>Q-value</a:t>
-            </a:r>
-            <a:r>
-              <a:rPr lang="en-GB" dirty="0"/>
-              <a:t> (the estimated optimal future value) which the agent will learn. At the start of the Q-Learning algorithm, the Q-table is initialized to all zeros indicating that the agent doesn’t know anything about the world. As the agent tries out different actions at different states through trial and error, the agent learns each state-action pair’s expected reward and updates the Q-table with the new Q-value. Using trial and error to learn about the world is called </a:t>
-            </a:r>
-            <a:r>
-              <a:rPr lang="en-GB" b="1" dirty="0"/>
-              <a:t>Exploration</a:t>
-            </a:r>
-            <a:r>
-              <a:rPr lang="en-GB" dirty="0"/>
-              <a:t>.</a:t>
-            </a:r>
-          </a:p>
-          <a:p>
-            <a:pPr>
-              <a:buFont typeface="Arial" panose="020B0604020202020204" pitchFamily="34" charset="0"/>
-              <a:buChar char="•"/>
-            </a:pPr>
-            <a:r>
-              <a:rPr lang="en-GB" dirty="0"/>
-              <a:t> The </a:t>
-            </a:r>
-            <a:r>
-              <a:rPr lang="en-GB" b="1" dirty="0"/>
-              <a:t>Q-Value</a:t>
-            </a:r>
-            <a:r>
-              <a:rPr lang="en-GB" dirty="0"/>
-              <a:t> is the maximum expected reward an agent can reach by taking a given action A from the state S. After an agent has learned the Q-value of each state-action pair, the agent at state </a:t>
-            </a:r>
-            <a:r>
-              <a:rPr lang="en-GB" b="1" dirty="0"/>
-              <a:t>S</a:t>
-            </a:r>
-            <a:r>
-              <a:rPr lang="en-GB" dirty="0"/>
-              <a:t> maximizes its expected reward by choosing the action </a:t>
-            </a:r>
-            <a:r>
-              <a:rPr lang="en-GB" b="1" dirty="0"/>
-              <a:t>A</a:t>
-            </a:r>
-            <a:r>
-              <a:rPr lang="en-GB" dirty="0"/>
-              <a:t> with the highest expected reward. Explicitly choosing the best known action at a state is called </a:t>
-            </a:r>
-            <a:r>
-              <a:rPr lang="en-GB" b="1" dirty="0"/>
-              <a:t>Exploitation</a:t>
-            </a:r>
-            <a:r>
-              <a:rPr lang="en-GB" dirty="0"/>
-              <a:t>.</a:t>
-            </a:r>
-          </a:p>
-          <a:p>
-            <a:pPr marL="0" indent="0">
-              <a:buNone/>
-            </a:pPr>
-            <a:endParaRPr lang="en-GB" dirty="0"/>
+              <a:t>Model free RL algorithms don’t learn a model of their environment’s transition function to make predictions of future states and rewards.</a:t>
+            </a:r>
           </a:p>
         </p:txBody>
       </p:sp>
     </p:spTree>
     <p:extLst>
       <p:ext uri="{BB962C8B-B14F-4D97-AF65-F5344CB8AC3E}">
-        <p14:creationId xmlns:p14="http://schemas.microsoft.com/office/powerpoint/2010/main" val="496101187"/>
+        <p14:creationId xmlns:p14="http://schemas.microsoft.com/office/powerpoint/2010/main" val="2089512660"/>
       </p:ext>
     </p:extLst>
   </p:cSld>
@@ -8278,6 +8214,173 @@
           <p:cNvPr id="2" name="Titolo 1">
             <a:extLst>
               <a:ext uri="{FF2B5EF4-FFF2-40B4-BE49-F238E27FC236}">
+                <a16:creationId xmlns:a16="http://schemas.microsoft.com/office/drawing/2014/main" id="{D5C96224-4790-4F75-8C9F-E7D3546A668A}"/>
+              </a:ext>
+            </a:extLst>
+          </p:cNvPr>
+          <p:cNvSpPr>
+            <a:spLocks noGrp="1"/>
+          </p:cNvSpPr>
+          <p:nvPr>
+            <p:ph type="title"/>
+          </p:nvPr>
+        </p:nvSpPr>
+        <p:spPr/>
+        <p:txBody>
+          <a:bodyPr/>
+          <a:lstStyle/>
+          <a:p>
+            <a:r>
+              <a:rPr lang="it-IT" dirty="0" err="1"/>
+              <a:t>Vanilla</a:t>
+            </a:r>
+            <a:r>
+              <a:rPr lang="it-IT" dirty="0"/>
+              <a:t> Q-Learning</a:t>
+            </a:r>
+            <a:endParaRPr lang="en-GB" dirty="0"/>
+          </a:p>
+        </p:txBody>
+      </p:sp>
+      <p:sp>
+        <p:nvSpPr>
+          <p:cNvPr id="3" name="Segnaposto contenuto 2">
+            <a:extLst>
+              <a:ext uri="{FF2B5EF4-FFF2-40B4-BE49-F238E27FC236}">
+                <a16:creationId xmlns:a16="http://schemas.microsoft.com/office/drawing/2014/main" id="{E3DB408E-AD0C-4641-9231-2EAD55A4A921}"/>
+              </a:ext>
+            </a:extLst>
+          </p:cNvPr>
+          <p:cNvSpPr>
+            <a:spLocks noGrp="1"/>
+          </p:cNvSpPr>
+          <p:nvPr>
+            <p:ph idx="1"/>
+          </p:nvPr>
+        </p:nvSpPr>
+        <p:spPr/>
+        <p:txBody>
+          <a:bodyPr/>
+          <a:lstStyle/>
+          <a:p>
+            <a:pPr>
+              <a:buFont typeface="Arial" panose="020B0604020202020204" pitchFamily="34" charset="0"/>
+              <a:buChar char="•"/>
+            </a:pPr>
+            <a:r>
+              <a:rPr lang="en-GB" dirty="0"/>
+              <a:t>The vanilla Q-Learning uses a </a:t>
+            </a:r>
+            <a:r>
+              <a:rPr lang="en-GB" b="1" dirty="0"/>
+              <a:t>Q-table, </a:t>
+            </a:r>
+            <a:r>
+              <a:rPr lang="en-GB" dirty="0"/>
+              <a:t>a simple data structure that we use to keep track of the states, actions, and their expected rewards. More specifically, the Q-table maps a state-action pair to a </a:t>
+            </a:r>
+            <a:r>
+              <a:rPr lang="en-GB" b="1" dirty="0"/>
+              <a:t>Q-value</a:t>
+            </a:r>
+            <a:r>
+              <a:rPr lang="en-GB" dirty="0"/>
+              <a:t> (the estimated optimal future value) which the agent will learn. At the start of the Q-Learning algorithm, the Q-table is initialized to all zeros indicating that the agent doesn’t know anything about the world. As the agent tries out different actions at different states through trial and error, the agent learns each state-action pair’s expected reward and updates the Q-table with the new Q-value. Using trial and error to learn about the world is called </a:t>
+            </a:r>
+            <a:r>
+              <a:rPr lang="en-GB" b="1" dirty="0"/>
+              <a:t>Exploration</a:t>
+            </a:r>
+            <a:r>
+              <a:rPr lang="en-GB" dirty="0"/>
+              <a:t>.</a:t>
+            </a:r>
+          </a:p>
+          <a:p>
+            <a:pPr>
+              <a:buFont typeface="Arial" panose="020B0604020202020204" pitchFamily="34" charset="0"/>
+              <a:buChar char="•"/>
+            </a:pPr>
+            <a:r>
+              <a:rPr lang="en-GB" dirty="0"/>
+              <a:t> The </a:t>
+            </a:r>
+            <a:r>
+              <a:rPr lang="en-GB" b="1" dirty="0"/>
+              <a:t>Q-Value</a:t>
+            </a:r>
+            <a:r>
+              <a:rPr lang="en-GB" dirty="0"/>
+              <a:t> is the maximum expected reward an agent can reach by taking a given action A from the state S. After an agent has learned the Q-value of each state-action pair, the agent at state </a:t>
+            </a:r>
+            <a:r>
+              <a:rPr lang="en-GB" b="1" dirty="0"/>
+              <a:t>S</a:t>
+            </a:r>
+            <a:r>
+              <a:rPr lang="en-GB" dirty="0"/>
+              <a:t> maximizes its expected reward by choosing the action </a:t>
+            </a:r>
+            <a:r>
+              <a:rPr lang="en-GB" b="1" dirty="0"/>
+              <a:t>A</a:t>
+            </a:r>
+            <a:r>
+              <a:rPr lang="en-GB" dirty="0"/>
+              <a:t> with the highest expected reward. Explicitly choosing the best known action at a state is called </a:t>
+            </a:r>
+            <a:r>
+              <a:rPr lang="en-GB" b="1" dirty="0"/>
+              <a:t>Exploitation</a:t>
+            </a:r>
+            <a:r>
+              <a:rPr lang="en-GB" dirty="0"/>
+              <a:t>.</a:t>
+            </a:r>
+          </a:p>
+          <a:p>
+            <a:pPr marL="0" indent="0">
+              <a:buNone/>
+            </a:pPr>
+            <a:endParaRPr lang="en-GB" dirty="0"/>
+          </a:p>
+        </p:txBody>
+      </p:sp>
+    </p:spTree>
+    <p:extLst>
+      <p:ext uri="{BB962C8B-B14F-4D97-AF65-F5344CB8AC3E}">
+        <p14:creationId xmlns:p14="http://schemas.microsoft.com/office/powerpoint/2010/main" val="496101187"/>
+      </p:ext>
+    </p:extLst>
+  </p:cSld>
+  <p:clrMapOvr>
+    <a:masterClrMapping/>
+  </p:clrMapOvr>
+</p:sld>
+</file>
+
+<file path=ppt/slides/slide23.xml><?xml version="1.0" encoding="utf-8"?>
+<p:sld xmlns:a="http://schemas.openxmlformats.org/drawingml/2006/main" xmlns:r="http://schemas.openxmlformats.org/officeDocument/2006/relationships" xmlns:p="http://schemas.openxmlformats.org/presentationml/2006/main">
+  <p:cSld>
+    <p:spTree>
+      <p:nvGrpSpPr>
+        <p:cNvPr id="1" name=""/>
+        <p:cNvGrpSpPr/>
+        <p:nvPr/>
+      </p:nvGrpSpPr>
+      <p:grpSpPr>
+        <a:xfrm>
+          <a:off x="0" y="0"/>
+          <a:ext cx="0" cy="0"/>
+          <a:chOff x="0" y="0"/>
+          <a:chExt cx="0" cy="0"/>
+        </a:xfrm>
+      </p:grpSpPr>
+      <p:sp>
+        <p:nvSpPr>
+          <p:cNvPr id="2" name="Titolo 1">
+            <a:extLst>
+              <a:ext uri="{FF2B5EF4-FFF2-40B4-BE49-F238E27FC236}">
                 <a16:creationId xmlns:a16="http://schemas.microsoft.com/office/drawing/2014/main" id="{D5F2B4DE-3E0B-42A6-9ED3-A37C3E2BAE50}"/>
               </a:ext>
             </a:extLst>
@@ -8406,7 +8509,7 @@
 </p:sld>
 </file>
 
-<file path=ppt/slides/slide23.xml><?xml version="1.0" encoding="utf-8"?>
+<file path=ppt/slides/slide24.xml><?xml version="1.0" encoding="utf-8"?>
 <p:sld xmlns:a="http://schemas.openxmlformats.org/drawingml/2006/main" xmlns:r="http://schemas.openxmlformats.org/officeDocument/2006/relationships" xmlns:p="http://schemas.openxmlformats.org/presentationml/2006/main">
   <p:cSld>
     <p:spTree>
@@ -8609,7 +8712,7 @@
 </p:sld>
 </file>
 
-<file path=ppt/slides/slide24.xml><?xml version="1.0" encoding="utf-8"?>
+<file path=ppt/slides/slide25.xml><?xml version="1.0" encoding="utf-8"?>
 <p:sld xmlns:a="http://schemas.openxmlformats.org/drawingml/2006/main" xmlns:r="http://schemas.openxmlformats.org/officeDocument/2006/relationships" xmlns:p="http://schemas.openxmlformats.org/presentationml/2006/main">
   <p:cSld>
     <p:spTree>
@@ -9062,7 +9165,7 @@
 </p:sld>
 </file>
 
-<file path=ppt/slides/slide25.xml><?xml version="1.0" encoding="utf-8"?>
+<file path=ppt/slides/slide26.xml><?xml version="1.0" encoding="utf-8"?>
 <p:sld xmlns:a="http://schemas.openxmlformats.org/drawingml/2006/main" xmlns:r="http://schemas.openxmlformats.org/officeDocument/2006/relationships" xmlns:p="http://schemas.openxmlformats.org/presentationml/2006/main">
   <p:cSld>
     <p:spTree>
@@ -9207,7 +9310,7 @@
 </p:sld>
 </file>
 
-<file path=ppt/slides/slide26.xml><?xml version="1.0" encoding="utf-8"?>
+<file path=ppt/slides/slide27.xml><?xml version="1.0" encoding="utf-8"?>
 <p:sld xmlns:a="http://schemas.openxmlformats.org/drawingml/2006/main" xmlns:r="http://schemas.openxmlformats.org/officeDocument/2006/relationships" xmlns:p="http://schemas.openxmlformats.org/presentationml/2006/main">
   <p:cSld>
     <p:spTree>
@@ -9303,7 +9406,7 @@
 </p:sld>
 </file>
 
-<file path=ppt/slides/slide27.xml><?xml version="1.0" encoding="utf-8"?>
+<file path=ppt/slides/slide28.xml><?xml version="1.0" encoding="utf-8"?>
 <p:sld xmlns:a="http://schemas.openxmlformats.org/drawingml/2006/main" xmlns:r="http://schemas.openxmlformats.org/officeDocument/2006/relationships" xmlns:p="http://schemas.openxmlformats.org/presentationml/2006/main">
   <p:cSld>
     <p:spTree>

--- a/Smart Neighborhood.pptx
+++ b/Smart Neighborhood.pptx
@@ -29,8 +29,8 @@
     <p:sldId id="277" r:id="rId23"/>
     <p:sldId id="284" r:id="rId24"/>
     <p:sldId id="279" r:id="rId25"/>
-    <p:sldId id="291" r:id="rId26"/>
-    <p:sldId id="290" r:id="rId27"/>
+    <p:sldId id="290" r:id="rId26"/>
+    <p:sldId id="291" r:id="rId27"/>
     <p:sldId id="292" r:id="rId28"/>
     <p:sldId id="263" r:id="rId29"/>
     <p:sldId id="269" r:id="rId30"/>
@@ -413,7 +413,7 @@
           <a:p>
             <a:fld id="{053125B1-4250-40AD-8036-A38D44547BC7}" type="slidenum">
               <a:rPr lang="en-GB" smtClean="0"/>
-              <a:t>‹N›</a:t>
+              <a:t>‹#›</a:t>
             </a:fld>
             <a:endParaRPr lang="en-GB"/>
           </a:p>
@@ -621,7 +621,7 @@
           <a:p>
             <a:fld id="{053125B1-4250-40AD-8036-A38D44547BC7}" type="slidenum">
               <a:rPr lang="en-GB" smtClean="0"/>
-              <a:t>‹N›</a:t>
+              <a:t>‹#›</a:t>
             </a:fld>
             <a:endParaRPr lang="en-GB"/>
           </a:p>
@@ -877,7 +877,7 @@
           <a:p>
             <a:fld id="{053125B1-4250-40AD-8036-A38D44547BC7}" type="slidenum">
               <a:rPr lang="en-GB" smtClean="0"/>
-              <a:t>‹N›</a:t>
+              <a:t>‹#›</a:t>
             </a:fld>
             <a:endParaRPr lang="en-GB"/>
           </a:p>
@@ -1051,7 +1051,7 @@
           <a:p>
             <a:fld id="{053125B1-4250-40AD-8036-A38D44547BC7}" type="slidenum">
               <a:rPr lang="en-GB" smtClean="0"/>
-              <a:t>‹N›</a:t>
+              <a:t>‹#›</a:t>
             </a:fld>
             <a:endParaRPr lang="en-GB"/>
           </a:p>
@@ -1394,7 +1394,7 @@
           <a:p>
             <a:fld id="{053125B1-4250-40AD-8036-A38D44547BC7}" type="slidenum">
               <a:rPr lang="en-GB" smtClean="0"/>
-              <a:t>‹N›</a:t>
+              <a:t>‹#›</a:t>
             </a:fld>
             <a:endParaRPr lang="en-GB"/>
           </a:p>
@@ -1669,7 +1669,7 @@
           <a:p>
             <a:fld id="{053125B1-4250-40AD-8036-A38D44547BC7}" type="slidenum">
               <a:rPr lang="en-GB" smtClean="0"/>
-              <a:t>‹N›</a:t>
+              <a:t>‹#›</a:t>
             </a:fld>
             <a:endParaRPr lang="en-GB"/>
           </a:p>
@@ -2048,7 +2048,7 @@
           <a:p>
             <a:fld id="{053125B1-4250-40AD-8036-A38D44547BC7}" type="slidenum">
               <a:rPr lang="en-GB" smtClean="0"/>
-              <a:t>‹N›</a:t>
+              <a:t>‹#›</a:t>
             </a:fld>
             <a:endParaRPr lang="en-GB"/>
           </a:p>
@@ -2166,7 +2166,7 @@
           <a:p>
             <a:fld id="{053125B1-4250-40AD-8036-A38D44547BC7}" type="slidenum">
               <a:rPr lang="en-GB" smtClean="0"/>
-              <a:t>‹N›</a:t>
+              <a:t>‹#›</a:t>
             </a:fld>
             <a:endParaRPr lang="en-GB"/>
           </a:p>
@@ -2345,7 +2345,7 @@
           <a:p>
             <a:fld id="{053125B1-4250-40AD-8036-A38D44547BC7}" type="slidenum">
               <a:rPr lang="en-GB" smtClean="0"/>
-              <a:t>‹N›</a:t>
+              <a:t>‹#›</a:t>
             </a:fld>
             <a:endParaRPr lang="en-GB"/>
           </a:p>
@@ -2712,7 +2712,7 @@
           <a:p>
             <a:fld id="{053125B1-4250-40AD-8036-A38D44547BC7}" type="slidenum">
               <a:rPr lang="en-GB" smtClean="0"/>
-              <a:t>‹N›</a:t>
+              <a:t>‹#›</a:t>
             </a:fld>
             <a:endParaRPr lang="en-GB"/>
           </a:p>
@@ -3073,7 +3073,7 @@
           <a:p>
             <a:fld id="{053125B1-4250-40AD-8036-A38D44547BC7}" type="slidenum">
               <a:rPr lang="en-GB" smtClean="0"/>
-              <a:t>‹N›</a:t>
+              <a:t>‹#›</a:t>
             </a:fld>
             <a:endParaRPr lang="en-GB"/>
           </a:p>
@@ -3392,7 +3392,7 @@
           <a:p>
             <a:fld id="{053125B1-4250-40AD-8036-A38D44547BC7}" type="slidenum">
               <a:rPr lang="en-GB" smtClean="0"/>
-              <a:t>‹N›</a:t>
+              <a:t>‹#›</a:t>
             </a:fld>
             <a:endParaRPr lang="en-GB"/>
           </a:p>
@@ -8520,7 +8520,40 @@
           <a:bodyPr/>
           <a:lstStyle/>
           <a:p>
-            <a:endParaRPr lang="en-GB"/>
+            <a:r>
+              <a:rPr lang="en-GB" dirty="0"/>
+              <a:t>A Telegram bot named </a:t>
+            </a:r>
+            <a:r>
+              <a:rPr lang="en-GB" i="1" dirty="0" err="1"/>
+              <a:t>smart_neighborhood</a:t>
+            </a:r>
+            <a:r>
+              <a:rPr lang="en-GB" dirty="0"/>
+              <a:t> is used to notify the house’s owners whenever the system decides to move the windows autonomously. The bot has two simple commands: </a:t>
+            </a:r>
+            <a:r>
+              <a:rPr lang="en-GB" i="1" dirty="0"/>
+              <a:t>/start </a:t>
+            </a:r>
+            <a:r>
+              <a:rPr lang="en-GB" dirty="0"/>
+              <a:t>that is automatically called when the bot is started, which gives a welcome message and store, if new, the user in the database; </a:t>
+            </a:r>
+            <a:r>
+              <a:rPr lang="en-GB" i="1" dirty="0"/>
+              <a:t>/help </a:t>
+            </a:r>
+            <a:r>
+              <a:rPr lang="en-GB" dirty="0"/>
+              <a:t>which gives a short description of the bot’s functionality.</a:t>
+            </a:r>
+          </a:p>
+          <a:p>
+            <a:r>
+              <a:rPr lang="en-GB" dirty="0"/>
+              <a:t>When the engine decides to move the windows, it calls a specific function of the bot which sends a message to all the chat ids stored in the database in order to make the owners aware of the new state of their windows. In the message is also suggested to use the web app to change the state of the windows if the new one does not match the user’s will.</a:t>
+            </a:r>
           </a:p>
         </p:txBody>
       </p:sp>
@@ -9445,7 +9478,7 @@
           <p:cNvPr id="2" name="Titolo 1">
             <a:extLst>
               <a:ext uri="{FF2B5EF4-FFF2-40B4-BE49-F238E27FC236}">
-                <a16:creationId xmlns:a16="http://schemas.microsoft.com/office/drawing/2014/main" id="{EB57F39D-0AC2-4FBB-B239-2CF771C60ACB}"/>
+                <a16:creationId xmlns:a16="http://schemas.microsoft.com/office/drawing/2014/main" id="{5E48D054-8A2A-44E6-808B-688E3E2FD35E}"/>
               </a:ext>
             </a:extLst>
           </p:cNvPr>
@@ -9463,11 +9496,15 @@
           <a:p>
             <a:r>
               <a:rPr lang="it-IT" dirty="0" err="1"/>
-              <a:t>Neighbourhood</a:t>
+              <a:t>Decision</a:t>
             </a:r>
             <a:r>
               <a:rPr lang="it-IT" dirty="0"/>
-              <a:t> control</a:t>
+              <a:t> </a:t>
+            </a:r>
+            <a:r>
+              <a:rPr lang="it-IT" dirty="0" err="1"/>
+              <a:t>logic</a:t>
             </a:r>
             <a:endParaRPr lang="en-GB" dirty="0"/>
           </a:p>
@@ -9478,7 +9515,7 @@
           <p:cNvPr id="3" name="Segnaposto contenuto 2">
             <a:extLst>
               <a:ext uri="{FF2B5EF4-FFF2-40B4-BE49-F238E27FC236}">
-                <a16:creationId xmlns:a16="http://schemas.microsoft.com/office/drawing/2014/main" id="{2618F39C-68E7-417D-BF58-5147B114DB7E}"/>
+                <a16:creationId xmlns:a16="http://schemas.microsoft.com/office/drawing/2014/main" id="{F5282C39-B429-491B-9819-8656A23D4200}"/>
               </a:ext>
             </a:extLst>
           </p:cNvPr>
@@ -9496,20 +9533,93 @@
           <a:p>
             <a:r>
               <a:rPr lang="en-GB" dirty="0"/>
-              <a:t>I</a:t>
-            </a:r>
-            <a:r>
-              <a:rPr lang="en-GB" sz="2000" dirty="0"/>
-              <a:t>n case of uncertain situations, for example …, we look at neighbours decisions.</a:t>
-            </a:r>
-            <a:endParaRPr lang="en-GB" dirty="0"/>
+              <a:t>The system decides to open or close the windows depending on the condition of each parameter’s value: temperature, wind, lightness and weather condition. For each of them there are three range of possible values, on for a </a:t>
+            </a:r>
+            <a:r>
+              <a:rPr lang="en-GB" i="1" dirty="0"/>
+              <a:t>close condition</a:t>
+            </a:r>
+            <a:r>
+              <a:rPr lang="en-GB" dirty="0"/>
+              <a:t>, one for an </a:t>
+            </a:r>
+            <a:r>
+              <a:rPr lang="en-GB" i="1" dirty="0"/>
+              <a:t>open condition</a:t>
+            </a:r>
+            <a:r>
+              <a:rPr lang="en-GB" dirty="0"/>
+              <a:t>, and one for an </a:t>
+            </a:r>
+            <a:r>
+              <a:rPr lang="en-GB" i="1" dirty="0"/>
+              <a:t>ambiguous condition</a:t>
+            </a:r>
+            <a:r>
+              <a:rPr lang="en-GB" dirty="0"/>
+              <a:t>. The decision is taken as follows:</a:t>
+            </a:r>
+          </a:p>
+          <a:p>
+            <a:pPr>
+              <a:buFont typeface="Arial" panose="020B0604020202020204" pitchFamily="34" charset="0"/>
+              <a:buChar char="•"/>
+            </a:pPr>
+            <a:r>
+              <a:rPr lang="en-GB" dirty="0"/>
+              <a:t>If at least 2 values are in the </a:t>
+            </a:r>
+            <a:r>
+              <a:rPr lang="en-GB" i="1" dirty="0"/>
+              <a:t>open condition </a:t>
+            </a:r>
+            <a:r>
+              <a:rPr lang="en-GB" dirty="0"/>
+              <a:t>then open the windows.</a:t>
+            </a:r>
+          </a:p>
+          <a:p>
+            <a:pPr>
+              <a:buFont typeface="Arial" panose="020B0604020202020204" pitchFamily="34" charset="0"/>
+              <a:buChar char="•"/>
+            </a:pPr>
+            <a:r>
+              <a:rPr lang="en-GB" dirty="0"/>
+              <a:t>If at least 3 values are in the </a:t>
+            </a:r>
+            <a:r>
+              <a:rPr lang="en-GB" i="1" dirty="0"/>
+              <a:t>close condition </a:t>
+            </a:r>
+            <a:r>
+              <a:rPr lang="en-GB" dirty="0"/>
+              <a:t>then close the windows.</a:t>
+            </a:r>
+          </a:p>
+          <a:p>
+            <a:pPr>
+              <a:buFont typeface="Arial" panose="020B0604020202020204" pitchFamily="34" charset="0"/>
+              <a:buChar char="•"/>
+            </a:pPr>
+            <a:r>
+              <a:rPr lang="en-GB" dirty="0"/>
+              <a:t>If none of the previous, then there is an ambiguous condition, in this case a </a:t>
+            </a:r>
+            <a:r>
+              <a:rPr lang="en-GB" dirty="0" err="1"/>
+              <a:t>neighborhood</a:t>
+            </a:r>
+            <a:r>
+              <a:rPr lang="en-GB" dirty="0"/>
+              <a:t> control system is used in order to take the best decision.</a:t>
+            </a:r>
           </a:p>
         </p:txBody>
       </p:sp>
     </p:spTree>
     <p:extLst>
       <p:ext uri="{BB962C8B-B14F-4D97-AF65-F5344CB8AC3E}">
-        <p14:creationId xmlns:p14="http://schemas.microsoft.com/office/powerpoint/2010/main" val="2736922909"/>
+        <p14:creationId xmlns:p14="http://schemas.microsoft.com/office/powerpoint/2010/main" val="3122180206"/>
       </p:ext>
     </p:extLst>
   </p:cSld>
@@ -9541,7 +9651,7 @@
           <p:cNvPr id="2" name="Titolo 1">
             <a:extLst>
               <a:ext uri="{FF2B5EF4-FFF2-40B4-BE49-F238E27FC236}">
-                <a16:creationId xmlns:a16="http://schemas.microsoft.com/office/drawing/2014/main" id="{5E48D054-8A2A-44E6-808B-688E3E2FD35E}"/>
+                <a16:creationId xmlns:a16="http://schemas.microsoft.com/office/drawing/2014/main" id="{EB57F39D-0AC2-4FBB-B239-2CF771C60ACB}"/>
               </a:ext>
             </a:extLst>
           </p:cNvPr>
@@ -9559,15 +9669,11 @@
           <a:p>
             <a:r>
               <a:rPr lang="it-IT" dirty="0" err="1"/>
-              <a:t>Decision</a:t>
+              <a:t>Neighbourhood</a:t>
             </a:r>
             <a:r>
               <a:rPr lang="it-IT" dirty="0"/>
-              <a:t> </a:t>
-            </a:r>
-            <a:r>
-              <a:rPr lang="it-IT" dirty="0" err="1"/>
-              <a:t>logic</a:t>
+              <a:t> control</a:t>
             </a:r>
             <a:endParaRPr lang="en-GB" dirty="0"/>
           </a:p>
@@ -9578,7 +9684,7 @@
           <p:cNvPr id="3" name="Segnaposto contenuto 2">
             <a:extLst>
               <a:ext uri="{FF2B5EF4-FFF2-40B4-BE49-F238E27FC236}">
-                <a16:creationId xmlns:a16="http://schemas.microsoft.com/office/drawing/2014/main" id="{F5282C39-B429-491B-9819-8656A23D4200}"/>
+                <a16:creationId xmlns:a16="http://schemas.microsoft.com/office/drawing/2014/main" id="{2618F39C-68E7-417D-BF58-5147B114DB7E}"/>
               </a:ext>
             </a:extLst>
           </p:cNvPr>
@@ -9594,14 +9700,22 @@
           <a:bodyPr/>
           <a:lstStyle/>
           <a:p>
-            <a:endParaRPr lang="en-GB"/>
+            <a:r>
+              <a:rPr lang="en-GB" dirty="0"/>
+              <a:t>I</a:t>
+            </a:r>
+            <a:r>
+              <a:rPr lang="en-GB" sz="2000" dirty="0"/>
+              <a:t>n case of uncertain situations, for example …, we look at neighbours decisions.</a:t>
+            </a:r>
+            <a:endParaRPr lang="en-GB" dirty="0"/>
           </a:p>
         </p:txBody>
       </p:sp>
     </p:spTree>
     <p:extLst>
       <p:ext uri="{BB962C8B-B14F-4D97-AF65-F5344CB8AC3E}">
-        <p14:creationId xmlns:p14="http://schemas.microsoft.com/office/powerpoint/2010/main" val="3122180206"/>
+        <p14:creationId xmlns:p14="http://schemas.microsoft.com/office/powerpoint/2010/main" val="2736922909"/>
       </p:ext>
     </p:extLst>
   </p:cSld>

--- a/Smart Neighborhood.pptx
+++ b/Smart Neighborhood.pptx
@@ -371,7 +371,7 @@
           <a:p>
             <a:fld id="{8BE6B674-AADE-49EF-9780-6CBE5B9EDB57}" type="datetimeFigureOut">
               <a:rPr lang="en-GB" smtClean="0"/>
-              <a:t>27/04/2022</a:t>
+              <a:t>28/04/2022</a:t>
             </a:fld>
             <a:endParaRPr lang="en-GB"/>
           </a:p>
@@ -413,7 +413,7 @@
           <a:p>
             <a:fld id="{053125B1-4250-40AD-8036-A38D44547BC7}" type="slidenum">
               <a:rPr lang="en-GB" smtClean="0"/>
-              <a:t>‹N›</a:t>
+              <a:t>‹#›</a:t>
             </a:fld>
             <a:endParaRPr lang="en-GB"/>
           </a:p>
@@ -579,7 +579,7 @@
           <a:p>
             <a:fld id="{8BE6B674-AADE-49EF-9780-6CBE5B9EDB57}" type="datetimeFigureOut">
               <a:rPr lang="en-GB" smtClean="0"/>
-              <a:t>27/04/2022</a:t>
+              <a:t>28/04/2022</a:t>
             </a:fld>
             <a:endParaRPr lang="en-GB"/>
           </a:p>
@@ -621,7 +621,7 @@
           <a:p>
             <a:fld id="{053125B1-4250-40AD-8036-A38D44547BC7}" type="slidenum">
               <a:rPr lang="en-GB" smtClean="0"/>
-              <a:t>‹N›</a:t>
+              <a:t>‹#›</a:t>
             </a:fld>
             <a:endParaRPr lang="en-GB"/>
           </a:p>
@@ -835,7 +835,7 @@
           <a:p>
             <a:fld id="{8BE6B674-AADE-49EF-9780-6CBE5B9EDB57}" type="datetimeFigureOut">
               <a:rPr lang="en-GB" smtClean="0"/>
-              <a:t>27/04/2022</a:t>
+              <a:t>28/04/2022</a:t>
             </a:fld>
             <a:endParaRPr lang="en-GB"/>
           </a:p>
@@ -877,7 +877,7 @@
           <a:p>
             <a:fld id="{053125B1-4250-40AD-8036-A38D44547BC7}" type="slidenum">
               <a:rPr lang="en-GB" smtClean="0"/>
-              <a:t>‹N›</a:t>
+              <a:t>‹#›</a:t>
             </a:fld>
             <a:endParaRPr lang="en-GB"/>
           </a:p>
@@ -1009,7 +1009,7 @@
           <a:p>
             <a:fld id="{8BE6B674-AADE-49EF-9780-6CBE5B9EDB57}" type="datetimeFigureOut">
               <a:rPr lang="en-GB" smtClean="0"/>
-              <a:t>27/04/2022</a:t>
+              <a:t>28/04/2022</a:t>
             </a:fld>
             <a:endParaRPr lang="en-GB"/>
           </a:p>
@@ -1051,7 +1051,7 @@
           <a:p>
             <a:fld id="{053125B1-4250-40AD-8036-A38D44547BC7}" type="slidenum">
               <a:rPr lang="en-GB" smtClean="0"/>
-              <a:t>‹N›</a:t>
+              <a:t>‹#›</a:t>
             </a:fld>
             <a:endParaRPr lang="en-GB"/>
           </a:p>
@@ -1352,7 +1352,7 @@
           <a:p>
             <a:fld id="{8BE6B674-AADE-49EF-9780-6CBE5B9EDB57}" type="datetimeFigureOut">
               <a:rPr lang="en-GB" smtClean="0"/>
-              <a:t>27/04/2022</a:t>
+              <a:t>28/04/2022</a:t>
             </a:fld>
             <a:endParaRPr lang="en-GB"/>
           </a:p>
@@ -1394,7 +1394,7 @@
           <a:p>
             <a:fld id="{053125B1-4250-40AD-8036-A38D44547BC7}" type="slidenum">
               <a:rPr lang="en-GB" smtClean="0"/>
-              <a:t>‹N›</a:t>
+              <a:t>‹#›</a:t>
             </a:fld>
             <a:endParaRPr lang="en-GB"/>
           </a:p>
@@ -1627,7 +1627,7 @@
           <a:p>
             <a:fld id="{8BE6B674-AADE-49EF-9780-6CBE5B9EDB57}" type="datetimeFigureOut">
               <a:rPr lang="en-GB" smtClean="0"/>
-              <a:t>27/04/2022</a:t>
+              <a:t>28/04/2022</a:t>
             </a:fld>
             <a:endParaRPr lang="en-GB"/>
           </a:p>
@@ -1669,7 +1669,7 @@
           <a:p>
             <a:fld id="{053125B1-4250-40AD-8036-A38D44547BC7}" type="slidenum">
               <a:rPr lang="en-GB" smtClean="0"/>
-              <a:t>‹N›</a:t>
+              <a:t>‹#›</a:t>
             </a:fld>
             <a:endParaRPr lang="en-GB"/>
           </a:p>
@@ -2006,7 +2006,7 @@
           <a:p>
             <a:fld id="{8BE6B674-AADE-49EF-9780-6CBE5B9EDB57}" type="datetimeFigureOut">
               <a:rPr lang="en-GB" smtClean="0"/>
-              <a:t>27/04/2022</a:t>
+              <a:t>28/04/2022</a:t>
             </a:fld>
             <a:endParaRPr lang="en-GB"/>
           </a:p>
@@ -2048,7 +2048,7 @@
           <a:p>
             <a:fld id="{053125B1-4250-40AD-8036-A38D44547BC7}" type="slidenum">
               <a:rPr lang="en-GB" smtClean="0"/>
-              <a:t>‹N›</a:t>
+              <a:t>‹#›</a:t>
             </a:fld>
             <a:endParaRPr lang="en-GB"/>
           </a:p>
@@ -2124,7 +2124,7 @@
           <a:p>
             <a:fld id="{8BE6B674-AADE-49EF-9780-6CBE5B9EDB57}" type="datetimeFigureOut">
               <a:rPr lang="en-GB" smtClean="0"/>
-              <a:t>27/04/2022</a:t>
+              <a:t>28/04/2022</a:t>
             </a:fld>
             <a:endParaRPr lang="en-GB"/>
           </a:p>
@@ -2166,7 +2166,7 @@
           <a:p>
             <a:fld id="{053125B1-4250-40AD-8036-A38D44547BC7}" type="slidenum">
               <a:rPr lang="en-GB" smtClean="0"/>
-              <a:t>‹N›</a:t>
+              <a:t>‹#›</a:t>
             </a:fld>
             <a:endParaRPr lang="en-GB"/>
           </a:p>
@@ -2295,7 +2295,7 @@
           <a:p>
             <a:fld id="{8BE6B674-AADE-49EF-9780-6CBE5B9EDB57}" type="datetimeFigureOut">
               <a:rPr lang="en-GB" smtClean="0"/>
-              <a:t>27/04/2022</a:t>
+              <a:t>28/04/2022</a:t>
             </a:fld>
             <a:endParaRPr lang="en-GB"/>
           </a:p>
@@ -2345,7 +2345,7 @@
           <a:p>
             <a:fld id="{053125B1-4250-40AD-8036-A38D44547BC7}" type="slidenum">
               <a:rPr lang="en-GB" smtClean="0"/>
-              <a:t>‹N›</a:t>
+              <a:t>‹#›</a:t>
             </a:fld>
             <a:endParaRPr lang="en-GB"/>
           </a:p>
@@ -2649,7 +2649,7 @@
           <a:p>
             <a:fld id="{8BE6B674-AADE-49EF-9780-6CBE5B9EDB57}" type="datetimeFigureOut">
               <a:rPr lang="en-GB" smtClean="0"/>
-              <a:t>27/04/2022</a:t>
+              <a:t>28/04/2022</a:t>
             </a:fld>
             <a:endParaRPr lang="en-GB"/>
           </a:p>
@@ -2712,7 +2712,7 @@
           <a:p>
             <a:fld id="{053125B1-4250-40AD-8036-A38D44547BC7}" type="slidenum">
               <a:rPr lang="en-GB" smtClean="0"/>
-              <a:t>‹N›</a:t>
+              <a:t>‹#›</a:t>
             </a:fld>
             <a:endParaRPr lang="en-GB"/>
           </a:p>
@@ -3031,7 +3031,7 @@
           <a:p>
             <a:fld id="{8BE6B674-AADE-49EF-9780-6CBE5B9EDB57}" type="datetimeFigureOut">
               <a:rPr lang="en-GB" smtClean="0"/>
-              <a:t>27/04/2022</a:t>
+              <a:t>28/04/2022</a:t>
             </a:fld>
             <a:endParaRPr lang="en-GB"/>
           </a:p>
@@ -3073,7 +3073,7 @@
           <a:p>
             <a:fld id="{053125B1-4250-40AD-8036-A38D44547BC7}" type="slidenum">
               <a:rPr lang="en-GB" smtClean="0"/>
-              <a:t>‹N›</a:t>
+              <a:t>‹#›</a:t>
             </a:fld>
             <a:endParaRPr lang="en-GB"/>
           </a:p>
@@ -3318,7 +3318,7 @@
           <a:p>
             <a:fld id="{8BE6B674-AADE-49EF-9780-6CBE5B9EDB57}" type="datetimeFigureOut">
               <a:rPr lang="en-GB" smtClean="0"/>
-              <a:t>27/04/2022</a:t>
+              <a:t>28/04/2022</a:t>
             </a:fld>
             <a:endParaRPr lang="en-GB"/>
           </a:p>
@@ -3392,7 +3392,7 @@
           <a:p>
             <a:fld id="{053125B1-4250-40AD-8036-A38D44547BC7}" type="slidenum">
               <a:rPr lang="en-GB" smtClean="0"/>
-              <a:t>‹N›</a:t>
+              <a:t>‹#›</a:t>
             </a:fld>
             <a:endParaRPr lang="en-GB"/>
           </a:p>
@@ -9496,7 +9496,9 @@
         </p:nvSpPr>
         <p:spPr/>
         <p:txBody>
-          <a:bodyPr/>
+          <a:bodyPr>
+            <a:normAutofit lnSpcReduction="10000"/>
+          </a:bodyPr>
           <a:lstStyle/>
           <a:p>
             <a:r>
@@ -9505,8 +9507,65 @@
             </a:r>
             <a:r>
               <a:rPr lang="en-GB" sz="2000" dirty="0"/>
-              <a:t>n case of uncertain situations, for example …, we look at neighbours decisions.</a:t>
-            </a:r>
+              <a:t>n case of </a:t>
+            </a:r>
+            <a:r>
+              <a:rPr lang="en-GB" sz="2000" i="1" dirty="0"/>
+              <a:t>ambiguous condition</a:t>
+            </a:r>
+            <a:r>
+              <a:rPr lang="en-GB" sz="2000" dirty="0"/>
+              <a:t> the engine looks at neighbours last actions and takes the decision based on these rules:</a:t>
+            </a:r>
+          </a:p>
+          <a:p>
+            <a:pPr>
+              <a:buFont typeface="Arial" panose="020B0604020202020204" pitchFamily="34" charset="0"/>
+              <a:buChar char="•"/>
+            </a:pPr>
+            <a:r>
+              <a:rPr lang="en-GB" dirty="0"/>
+              <a:t>If at least 2 of the neighbours have opened the windows manually in the last hour and less than 2 have closed them, then the engine opens all the windows;</a:t>
+            </a:r>
+          </a:p>
+          <a:p>
+            <a:pPr>
+              <a:buFont typeface="Arial" panose="020B0604020202020204" pitchFamily="34" charset="0"/>
+              <a:buChar char="•"/>
+            </a:pPr>
+            <a:r>
+              <a:rPr lang="en-GB" dirty="0"/>
+              <a:t>If at least 2 of the neighbours have closed the windows manually in the last hour and less than 2 have opened them, then the engine closes all the windows;</a:t>
+            </a:r>
+          </a:p>
+          <a:p>
+            <a:pPr>
+              <a:buFont typeface="Arial" panose="020B0604020202020204" pitchFamily="34" charset="0"/>
+              <a:buChar char="•"/>
+            </a:pPr>
+            <a:r>
+              <a:rPr lang="en-GB" dirty="0"/>
+              <a:t>If none of the above, then the engine decides to do nothing because the condition is very uncertain.</a:t>
+            </a:r>
+          </a:p>
+          <a:p>
+            <a:r>
+              <a:rPr lang="en-GB" dirty="0"/>
+              <a:t>It is important to notice that the engine consider only the manual actions of the neighbours and not the automatic actions taken by the system, making the assumption that if a user closes (resp. opens) his windows manually means that there are conditions to close (resp. open), so the system takes the same action for each house of the </a:t>
+            </a:r>
+            <a:r>
+              <a:rPr lang="en-GB" dirty="0" err="1"/>
+              <a:t>neighborhood</a:t>
+            </a:r>
+            <a:r>
+              <a:rPr lang="en-GB" dirty="0"/>
+              <a:t>.</a:t>
+            </a:r>
+          </a:p>
+          <a:p>
+            <a:pPr marL="0" indent="0">
+              <a:buNone/>
+            </a:pPr>
             <a:endParaRPr lang="en-GB" dirty="0"/>
           </a:p>
         </p:txBody>

--- a/Smart Neighborhood.pptx
+++ b/Smart Neighborhood.pptx
@@ -411,7 +411,7 @@
           <a:p>
             <a:fld id="{053125B1-4250-40AD-8036-A38D44547BC7}" type="slidenum">
               <a:rPr lang="en-GB" smtClean="0"/>
-              <a:t>‹N›</a:t>
+              <a:t>‹#›</a:t>
             </a:fld>
             <a:endParaRPr lang="en-GB"/>
           </a:p>
@@ -619,7 +619,7 @@
           <a:p>
             <a:fld id="{053125B1-4250-40AD-8036-A38D44547BC7}" type="slidenum">
               <a:rPr lang="en-GB" smtClean="0"/>
-              <a:t>‹N›</a:t>
+              <a:t>‹#›</a:t>
             </a:fld>
             <a:endParaRPr lang="en-GB"/>
           </a:p>
@@ -875,7 +875,7 @@
           <a:p>
             <a:fld id="{053125B1-4250-40AD-8036-A38D44547BC7}" type="slidenum">
               <a:rPr lang="en-GB" smtClean="0"/>
-              <a:t>‹N›</a:t>
+              <a:t>‹#›</a:t>
             </a:fld>
             <a:endParaRPr lang="en-GB"/>
           </a:p>
@@ -1049,7 +1049,7 @@
           <a:p>
             <a:fld id="{053125B1-4250-40AD-8036-A38D44547BC7}" type="slidenum">
               <a:rPr lang="en-GB" smtClean="0"/>
-              <a:t>‹N›</a:t>
+              <a:t>‹#›</a:t>
             </a:fld>
             <a:endParaRPr lang="en-GB"/>
           </a:p>
@@ -1392,7 +1392,7 @@
           <a:p>
             <a:fld id="{053125B1-4250-40AD-8036-A38D44547BC7}" type="slidenum">
               <a:rPr lang="en-GB" smtClean="0"/>
-              <a:t>‹N›</a:t>
+              <a:t>‹#›</a:t>
             </a:fld>
             <a:endParaRPr lang="en-GB"/>
           </a:p>
@@ -1667,7 +1667,7 @@
           <a:p>
             <a:fld id="{053125B1-4250-40AD-8036-A38D44547BC7}" type="slidenum">
               <a:rPr lang="en-GB" smtClean="0"/>
-              <a:t>‹N›</a:t>
+              <a:t>‹#›</a:t>
             </a:fld>
             <a:endParaRPr lang="en-GB"/>
           </a:p>
@@ -2046,7 +2046,7 @@
           <a:p>
             <a:fld id="{053125B1-4250-40AD-8036-A38D44547BC7}" type="slidenum">
               <a:rPr lang="en-GB" smtClean="0"/>
-              <a:t>‹N›</a:t>
+              <a:t>‹#›</a:t>
             </a:fld>
             <a:endParaRPr lang="en-GB"/>
           </a:p>
@@ -2164,7 +2164,7 @@
           <a:p>
             <a:fld id="{053125B1-4250-40AD-8036-A38D44547BC7}" type="slidenum">
               <a:rPr lang="en-GB" smtClean="0"/>
-              <a:t>‹N›</a:t>
+              <a:t>‹#›</a:t>
             </a:fld>
             <a:endParaRPr lang="en-GB"/>
           </a:p>
@@ -2343,7 +2343,7 @@
           <a:p>
             <a:fld id="{053125B1-4250-40AD-8036-A38D44547BC7}" type="slidenum">
               <a:rPr lang="en-GB" smtClean="0"/>
-              <a:t>‹N›</a:t>
+              <a:t>‹#›</a:t>
             </a:fld>
             <a:endParaRPr lang="en-GB"/>
           </a:p>
@@ -2710,7 +2710,7 @@
           <a:p>
             <a:fld id="{053125B1-4250-40AD-8036-A38D44547BC7}" type="slidenum">
               <a:rPr lang="en-GB" smtClean="0"/>
-              <a:t>‹N›</a:t>
+              <a:t>‹#›</a:t>
             </a:fld>
             <a:endParaRPr lang="en-GB"/>
           </a:p>
@@ -3071,7 +3071,7 @@
           <a:p>
             <a:fld id="{053125B1-4250-40AD-8036-A38D44547BC7}" type="slidenum">
               <a:rPr lang="en-GB" smtClean="0"/>
-              <a:t>‹N›</a:t>
+              <a:t>‹#›</a:t>
             </a:fld>
             <a:endParaRPr lang="en-GB"/>
           </a:p>
@@ -3390,7 +3390,7 @@
           <a:p>
             <a:fld id="{053125B1-4250-40AD-8036-A38D44547BC7}" type="slidenum">
               <a:rPr lang="en-GB" smtClean="0"/>
-              <a:t>‹N›</a:t>
+              <a:t>‹#›</a:t>
             </a:fld>
             <a:endParaRPr lang="en-GB"/>
           </a:p>
@@ -8211,27 +8211,29 @@
         </p:nvSpPr>
         <p:spPr/>
         <p:txBody>
-          <a:bodyPr/>
+          <a:bodyPr>
+            <a:normAutofit/>
+          </a:bodyPr>
           <a:lstStyle/>
           <a:p>
             <a:r>
-              <a:rPr lang="en-GB" dirty="0"/>
+              <a:rPr lang="en-GB" sz="1500" dirty="0"/>
               <a:t>A Telegram bot called </a:t>
             </a:r>
             <a:r>
-              <a:rPr lang="en-GB" i="1" dirty="0" err="1"/>
+              <a:rPr lang="en-GB" sz="1500" i="1" dirty="0" err="1"/>
               <a:t>smart_neighborhood</a:t>
             </a:r>
             <a:r>
-              <a:rPr lang="en-GB" dirty="0"/>
+              <a:rPr lang="en-GB" sz="1500" dirty="0"/>
               <a:t> is used to </a:t>
             </a:r>
             <a:r>
-              <a:rPr lang="en-GB" b="1" dirty="0"/>
+              <a:rPr lang="en-GB" sz="1500" b="1" dirty="0"/>
               <a:t>notify the house’s owners whenever the system decides to move the windows</a:t>
             </a:r>
             <a:r>
-              <a:rPr lang="en-GB" dirty="0"/>
+              <a:rPr lang="en-GB" sz="1500" dirty="0"/>
               <a:t>. The bot has two simple commands:</a:t>
             </a:r>
           </a:p>
@@ -8241,15 +8243,15 @@
               <a:buChar char="•"/>
             </a:pPr>
             <a:r>
-              <a:rPr lang="en-GB" dirty="0"/>
+              <a:rPr lang="en-GB" sz="1500" dirty="0"/>
               <a:t> </a:t>
             </a:r>
             <a:r>
-              <a:rPr lang="en-GB" i="1" dirty="0"/>
+              <a:rPr lang="en-GB" sz="1500" i="1" dirty="0"/>
               <a:t>/start, </a:t>
             </a:r>
             <a:r>
-              <a:rPr lang="en-GB" dirty="0"/>
+              <a:rPr lang="en-GB" sz="1500" dirty="0"/>
               <a:t>that is automatically called when the bot is started, gives a welcome message and store, if new, the user in the database;</a:t>
             </a:r>
           </a:p>
@@ -8259,26 +8261,62 @@
               <a:buChar char="•"/>
             </a:pPr>
             <a:r>
-              <a:rPr lang="en-GB" dirty="0"/>
+              <a:rPr lang="en-GB" sz="1500" dirty="0"/>
               <a:t> </a:t>
             </a:r>
             <a:r>
-              <a:rPr lang="en-GB" i="1" dirty="0"/>
+              <a:rPr lang="en-GB" sz="1500" i="1" dirty="0"/>
               <a:t>/help, </a:t>
             </a:r>
             <a:r>
-              <a:rPr lang="en-GB" dirty="0"/>
+              <a:rPr lang="en-GB" sz="1500" dirty="0"/>
               <a:t>which gives a short description of bot’s functionalities.</a:t>
             </a:r>
           </a:p>
           <a:p>
             <a:r>
-              <a:rPr lang="en-GB" dirty="0"/>
+              <a:rPr lang="en-GB" sz="1500" dirty="0"/>
               <a:t>When the engine decides to move the windows, it calls a specific function of the bot which sends a message to all the chat IDs stored in the database in order to make the owners aware of the new state of their windows. In the message, it is also suggested to use the web app to change the state of the windows if the new state does not match the user’s will.</a:t>
             </a:r>
           </a:p>
         </p:txBody>
       </p:sp>
+      <p:pic>
+        <p:nvPicPr>
+          <p:cNvPr id="5" name="Picture 4" descr="Graphical user interface, text, application&#10;&#10;Description automatically generated">
+            <a:extLst>
+              <a:ext uri="{FF2B5EF4-FFF2-40B4-BE49-F238E27FC236}">
+                <a16:creationId xmlns:a16="http://schemas.microsoft.com/office/drawing/2014/main" id="{A8A247D4-D55A-2D2E-9DFD-F16E5FA06B78}"/>
+              </a:ext>
+            </a:extLst>
+          </p:cNvPr>
+          <p:cNvPicPr>
+            <a:picLocks noChangeAspect="1"/>
+          </p:cNvPicPr>
+          <p:nvPr/>
+        </p:nvPicPr>
+        <p:blipFill>
+          <a:blip r:embed="rId2">
+            <a:extLst>
+              <a:ext uri="{28A0092B-C50C-407E-A947-70E740481C1C}">
+                <a14:useLocalDpi xmlns:a14="http://schemas.microsoft.com/office/drawing/2010/main" val="0"/>
+              </a:ext>
+            </a:extLst>
+          </a:blip>
+          <a:stretch>
+            <a:fillRect/>
+          </a:stretch>
+        </p:blipFill>
+        <p:spPr>
+          <a:xfrm>
+            <a:off x="1902435" y="3990999"/>
+            <a:ext cx="8448090" cy="2121536"/>
+          </a:xfrm>
+          <a:prstGeom prst="rect">
+            <a:avLst/>
+          </a:prstGeom>
+        </p:spPr>
+      </p:pic>
     </p:spTree>
     <p:extLst>
       <p:ext uri="{BB962C8B-B14F-4D97-AF65-F5344CB8AC3E}">

--- a/Smart Neighborhood.pptx
+++ b/Smart Neighborhood.pptx
@@ -369,7 +369,7 @@
           <a:p>
             <a:fld id="{8BE6B674-AADE-49EF-9780-6CBE5B9EDB57}" type="datetimeFigureOut">
               <a:rPr lang="en-GB" smtClean="0"/>
-              <a:t>21/05/2022</a:t>
+              <a:t>22/05/2022</a:t>
             </a:fld>
             <a:endParaRPr lang="en-GB"/>
           </a:p>
@@ -577,7 +577,7 @@
           <a:p>
             <a:fld id="{8BE6B674-AADE-49EF-9780-6CBE5B9EDB57}" type="datetimeFigureOut">
               <a:rPr lang="en-GB" smtClean="0"/>
-              <a:t>21/05/2022</a:t>
+              <a:t>22/05/2022</a:t>
             </a:fld>
             <a:endParaRPr lang="en-GB"/>
           </a:p>
@@ -833,7 +833,7 @@
           <a:p>
             <a:fld id="{8BE6B674-AADE-49EF-9780-6CBE5B9EDB57}" type="datetimeFigureOut">
               <a:rPr lang="en-GB" smtClean="0"/>
-              <a:t>21/05/2022</a:t>
+              <a:t>22/05/2022</a:t>
             </a:fld>
             <a:endParaRPr lang="en-GB"/>
           </a:p>
@@ -1007,7 +1007,7 @@
           <a:p>
             <a:fld id="{8BE6B674-AADE-49EF-9780-6CBE5B9EDB57}" type="datetimeFigureOut">
               <a:rPr lang="en-GB" smtClean="0"/>
-              <a:t>21/05/2022</a:t>
+              <a:t>22/05/2022</a:t>
             </a:fld>
             <a:endParaRPr lang="en-GB"/>
           </a:p>
@@ -1350,7 +1350,7 @@
           <a:p>
             <a:fld id="{8BE6B674-AADE-49EF-9780-6CBE5B9EDB57}" type="datetimeFigureOut">
               <a:rPr lang="en-GB" smtClean="0"/>
-              <a:t>21/05/2022</a:t>
+              <a:t>22/05/2022</a:t>
             </a:fld>
             <a:endParaRPr lang="en-GB"/>
           </a:p>
@@ -1625,7 +1625,7 @@
           <a:p>
             <a:fld id="{8BE6B674-AADE-49EF-9780-6CBE5B9EDB57}" type="datetimeFigureOut">
               <a:rPr lang="en-GB" smtClean="0"/>
-              <a:t>21/05/2022</a:t>
+              <a:t>22/05/2022</a:t>
             </a:fld>
             <a:endParaRPr lang="en-GB"/>
           </a:p>
@@ -2004,7 +2004,7 @@
           <a:p>
             <a:fld id="{8BE6B674-AADE-49EF-9780-6CBE5B9EDB57}" type="datetimeFigureOut">
               <a:rPr lang="en-GB" smtClean="0"/>
-              <a:t>21/05/2022</a:t>
+              <a:t>22/05/2022</a:t>
             </a:fld>
             <a:endParaRPr lang="en-GB"/>
           </a:p>
@@ -2122,7 +2122,7 @@
           <a:p>
             <a:fld id="{8BE6B674-AADE-49EF-9780-6CBE5B9EDB57}" type="datetimeFigureOut">
               <a:rPr lang="en-GB" smtClean="0"/>
-              <a:t>21/05/2022</a:t>
+              <a:t>22/05/2022</a:t>
             </a:fld>
             <a:endParaRPr lang="en-GB"/>
           </a:p>
@@ -2293,7 +2293,7 @@
           <a:p>
             <a:fld id="{8BE6B674-AADE-49EF-9780-6CBE5B9EDB57}" type="datetimeFigureOut">
               <a:rPr lang="en-GB" smtClean="0"/>
-              <a:t>21/05/2022</a:t>
+              <a:t>22/05/2022</a:t>
             </a:fld>
             <a:endParaRPr lang="en-GB"/>
           </a:p>
@@ -2647,7 +2647,7 @@
           <a:p>
             <a:fld id="{8BE6B674-AADE-49EF-9780-6CBE5B9EDB57}" type="datetimeFigureOut">
               <a:rPr lang="en-GB" smtClean="0"/>
-              <a:t>21/05/2022</a:t>
+              <a:t>22/05/2022</a:t>
             </a:fld>
             <a:endParaRPr lang="en-GB"/>
           </a:p>
@@ -3029,7 +3029,7 @@
           <a:p>
             <a:fld id="{8BE6B674-AADE-49EF-9780-6CBE5B9EDB57}" type="datetimeFigureOut">
               <a:rPr lang="en-GB" smtClean="0"/>
-              <a:t>21/05/2022</a:t>
+              <a:t>22/05/2022</a:t>
             </a:fld>
             <a:endParaRPr lang="en-GB"/>
           </a:p>
@@ -3316,7 +3316,7 @@
           <a:p>
             <a:fld id="{8BE6B674-AADE-49EF-9780-6CBE5B9EDB57}" type="datetimeFigureOut">
               <a:rPr lang="en-GB" smtClean="0"/>
-              <a:t>21/05/2022</a:t>
+              <a:t>22/05/2022</a:t>
             </a:fld>
             <a:endParaRPr lang="en-GB"/>
           </a:p>
@@ -8283,10 +8283,10 @@
       </p:sp>
       <p:pic>
         <p:nvPicPr>
-          <p:cNvPr id="5" name="Picture 4" descr="Graphical user interface, text, application&#10;&#10;Description automatically generated">
+          <p:cNvPr id="6" name="Picture 5" descr="A picture containing graphical user interface&#10;&#10;Description automatically generated">
             <a:extLst>
               <a:ext uri="{FF2B5EF4-FFF2-40B4-BE49-F238E27FC236}">
-                <a16:creationId xmlns:a16="http://schemas.microsoft.com/office/drawing/2014/main" id="{A8A247D4-D55A-2D2E-9DFD-F16E5FA06B78}"/>
+                <a16:creationId xmlns:a16="http://schemas.microsoft.com/office/drawing/2014/main" id="{E6DDC38A-80C2-3F22-90EE-3A0485A47323}"/>
               </a:ext>
             </a:extLst>
           </p:cNvPr>
@@ -8309,8 +8309,8 @@
         </p:blipFill>
         <p:spPr>
           <a:xfrm>
-            <a:off x="1902435" y="3990999"/>
-            <a:ext cx="8448090" cy="2121536"/>
+            <a:off x="486741" y="4095160"/>
+            <a:ext cx="11218517" cy="1594510"/>
           </a:xfrm>
           <a:prstGeom prst="rect">
             <a:avLst/>

--- a/Smart Neighborhood.pptx
+++ b/Smart Neighborhood.pptx
@@ -411,7 +411,7 @@
           <a:p>
             <a:fld id="{053125B1-4250-40AD-8036-A38D44547BC7}" type="slidenum">
               <a:rPr lang="en-GB" smtClean="0"/>
-              <a:t>‹N›</a:t>
+              <a:t>‹#›</a:t>
             </a:fld>
             <a:endParaRPr lang="en-GB"/>
           </a:p>
@@ -619,7 +619,7 @@
           <a:p>
             <a:fld id="{053125B1-4250-40AD-8036-A38D44547BC7}" type="slidenum">
               <a:rPr lang="en-GB" smtClean="0"/>
-              <a:t>‹N›</a:t>
+              <a:t>‹#›</a:t>
             </a:fld>
             <a:endParaRPr lang="en-GB"/>
           </a:p>
@@ -875,7 +875,7 @@
           <a:p>
             <a:fld id="{053125B1-4250-40AD-8036-A38D44547BC7}" type="slidenum">
               <a:rPr lang="en-GB" smtClean="0"/>
-              <a:t>‹N›</a:t>
+              <a:t>‹#›</a:t>
             </a:fld>
             <a:endParaRPr lang="en-GB"/>
           </a:p>
@@ -1049,7 +1049,7 @@
           <a:p>
             <a:fld id="{053125B1-4250-40AD-8036-A38D44547BC7}" type="slidenum">
               <a:rPr lang="en-GB" smtClean="0"/>
-              <a:t>‹N›</a:t>
+              <a:t>‹#›</a:t>
             </a:fld>
             <a:endParaRPr lang="en-GB"/>
           </a:p>
@@ -1392,7 +1392,7 @@
           <a:p>
             <a:fld id="{053125B1-4250-40AD-8036-A38D44547BC7}" type="slidenum">
               <a:rPr lang="en-GB" smtClean="0"/>
-              <a:t>‹N›</a:t>
+              <a:t>‹#›</a:t>
             </a:fld>
             <a:endParaRPr lang="en-GB"/>
           </a:p>
@@ -1667,7 +1667,7 @@
           <a:p>
             <a:fld id="{053125B1-4250-40AD-8036-A38D44547BC7}" type="slidenum">
               <a:rPr lang="en-GB" smtClean="0"/>
-              <a:t>‹N›</a:t>
+              <a:t>‹#›</a:t>
             </a:fld>
             <a:endParaRPr lang="en-GB"/>
           </a:p>
@@ -2046,7 +2046,7 @@
           <a:p>
             <a:fld id="{053125B1-4250-40AD-8036-A38D44547BC7}" type="slidenum">
               <a:rPr lang="en-GB" smtClean="0"/>
-              <a:t>‹N›</a:t>
+              <a:t>‹#›</a:t>
             </a:fld>
             <a:endParaRPr lang="en-GB"/>
           </a:p>
@@ -2164,7 +2164,7 @@
           <a:p>
             <a:fld id="{053125B1-4250-40AD-8036-A38D44547BC7}" type="slidenum">
               <a:rPr lang="en-GB" smtClean="0"/>
-              <a:t>‹N›</a:t>
+              <a:t>‹#›</a:t>
             </a:fld>
             <a:endParaRPr lang="en-GB"/>
           </a:p>
@@ -2343,7 +2343,7 @@
           <a:p>
             <a:fld id="{053125B1-4250-40AD-8036-A38D44547BC7}" type="slidenum">
               <a:rPr lang="en-GB" smtClean="0"/>
-              <a:t>‹N›</a:t>
+              <a:t>‹#›</a:t>
             </a:fld>
             <a:endParaRPr lang="en-GB"/>
           </a:p>
@@ -2710,7 +2710,7 @@
           <a:p>
             <a:fld id="{053125B1-4250-40AD-8036-A38D44547BC7}" type="slidenum">
               <a:rPr lang="en-GB" smtClean="0"/>
-              <a:t>‹N›</a:t>
+              <a:t>‹#›</a:t>
             </a:fld>
             <a:endParaRPr lang="en-GB"/>
           </a:p>
@@ -3071,7 +3071,7 @@
           <a:p>
             <a:fld id="{053125B1-4250-40AD-8036-A38D44547BC7}" type="slidenum">
               <a:rPr lang="en-GB" smtClean="0"/>
-              <a:t>‹N›</a:t>
+              <a:t>‹#›</a:t>
             </a:fld>
             <a:endParaRPr lang="en-GB"/>
           </a:p>
@@ -3390,7 +3390,7 @@
           <a:p>
             <a:fld id="{053125B1-4250-40AD-8036-A38D44547BC7}" type="slidenum">
               <a:rPr lang="en-GB" smtClean="0"/>
-              <a:t>‹N›</a:t>
+              <a:t>‹#›</a:t>
             </a:fld>
             <a:endParaRPr lang="en-GB"/>
           </a:p>
@@ -8211,27 +8211,29 @@
         </p:nvSpPr>
         <p:spPr/>
         <p:txBody>
-          <a:bodyPr/>
+          <a:bodyPr>
+            <a:normAutofit/>
+          </a:bodyPr>
           <a:lstStyle/>
           <a:p>
             <a:r>
-              <a:rPr lang="en-GB" dirty="0"/>
+              <a:rPr lang="en-GB" sz="1600" dirty="0"/>
               <a:t>A Telegram bot called </a:t>
             </a:r>
             <a:r>
-              <a:rPr lang="en-GB" i="1" dirty="0" err="1"/>
+              <a:rPr lang="en-GB" sz="1600" i="1" dirty="0" err="1"/>
               <a:t>smart_neighborhood</a:t>
             </a:r>
             <a:r>
-              <a:rPr lang="en-GB" dirty="0"/>
+              <a:rPr lang="en-GB" sz="1600" dirty="0"/>
               <a:t> is used to </a:t>
             </a:r>
             <a:r>
-              <a:rPr lang="en-GB" b="1" dirty="0"/>
+              <a:rPr lang="en-GB" sz="1600" b="1" dirty="0"/>
               <a:t>notify the house’s owners whenever the system decides to move the windows</a:t>
             </a:r>
             <a:r>
-              <a:rPr lang="en-GB" dirty="0"/>
+              <a:rPr lang="en-GB" sz="1600" dirty="0"/>
               <a:t>. The bot has two simple commands:</a:t>
             </a:r>
           </a:p>
@@ -8241,15 +8243,15 @@
               <a:buChar char="•"/>
             </a:pPr>
             <a:r>
-              <a:rPr lang="en-GB" dirty="0"/>
+              <a:rPr lang="en-GB" sz="1600" dirty="0"/>
               <a:t> </a:t>
             </a:r>
             <a:r>
-              <a:rPr lang="en-GB" i="1" dirty="0"/>
+              <a:rPr lang="en-GB" sz="1600" i="1" dirty="0"/>
               <a:t>/start, </a:t>
             </a:r>
             <a:r>
-              <a:rPr lang="en-GB" dirty="0"/>
+              <a:rPr lang="en-GB" sz="1600" dirty="0"/>
               <a:t>that is automatically called when the bot is started, gives a welcome message and store, if new, the user in the database;</a:t>
             </a:r>
           </a:p>
@@ -8259,26 +8261,62 @@
               <a:buChar char="•"/>
             </a:pPr>
             <a:r>
-              <a:rPr lang="en-GB" dirty="0"/>
+              <a:rPr lang="en-GB" sz="1600" dirty="0"/>
               <a:t> </a:t>
             </a:r>
             <a:r>
-              <a:rPr lang="en-GB" i="1" dirty="0"/>
+              <a:rPr lang="en-GB" sz="1600" i="1" dirty="0"/>
               <a:t>/help, </a:t>
             </a:r>
             <a:r>
-              <a:rPr lang="en-GB" dirty="0"/>
+              <a:rPr lang="en-GB" sz="1600" dirty="0"/>
               <a:t>which gives a short description of bot’s functionalities.</a:t>
             </a:r>
           </a:p>
           <a:p>
             <a:r>
-              <a:rPr lang="en-GB" dirty="0"/>
+              <a:rPr lang="en-GB" sz="1600" dirty="0"/>
               <a:t>When the engine decides to move the windows, it calls a specific function of the bot which sends a message to all the chat IDs stored in the database in order to make the owners aware of the new state of their windows. In the message, it is also suggested to use the web app to change the state of the windows if the new state does not match the user’s will.</a:t>
             </a:r>
           </a:p>
         </p:txBody>
       </p:sp>
+      <p:pic>
+        <p:nvPicPr>
+          <p:cNvPr id="5" name="Picture 4" descr="A picture containing graphical user interface&#10;&#10;Description automatically generated">
+            <a:extLst>
+              <a:ext uri="{FF2B5EF4-FFF2-40B4-BE49-F238E27FC236}">
+                <a16:creationId xmlns:a16="http://schemas.microsoft.com/office/drawing/2014/main" id="{555489FC-8AF8-9F3F-356B-348E2290CA5D}"/>
+              </a:ext>
+            </a:extLst>
+          </p:cNvPr>
+          <p:cNvPicPr>
+            <a:picLocks noChangeAspect="1"/>
+          </p:cNvPicPr>
+          <p:nvPr/>
+        </p:nvPicPr>
+        <p:blipFill>
+          <a:blip r:embed="rId2">
+            <a:extLst>
+              <a:ext uri="{28A0092B-C50C-407E-A947-70E740481C1C}">
+                <a14:useLocalDpi xmlns:a14="http://schemas.microsoft.com/office/drawing/2010/main" val="0"/>
+              </a:ext>
+            </a:extLst>
+          </a:blip>
+          <a:stretch>
+            <a:fillRect/>
+          </a:stretch>
+        </p:blipFill>
+        <p:spPr>
+          <a:xfrm>
+            <a:off x="309218" y="4399984"/>
+            <a:ext cx="11573564" cy="1644973"/>
+          </a:xfrm>
+          <a:prstGeom prst="rect">
+            <a:avLst/>
+          </a:prstGeom>
+        </p:spPr>
+      </p:pic>
     </p:spTree>
     <p:extLst>
       <p:ext uri="{BB962C8B-B14F-4D97-AF65-F5344CB8AC3E}">

--- a/Smart Neighborhood.pptx
+++ b/Smart Neighborhood.pptx
@@ -25,17 +25,16 @@
     <p:sldId id="276" r:id="rId19"/>
     <p:sldId id="285" r:id="rId20"/>
     <p:sldId id="289" r:id="rId21"/>
-    <p:sldId id="277" r:id="rId22"/>
-    <p:sldId id="284" r:id="rId23"/>
-    <p:sldId id="279" r:id="rId24"/>
-    <p:sldId id="290" r:id="rId25"/>
-    <p:sldId id="291" r:id="rId26"/>
-    <p:sldId id="292" r:id="rId27"/>
-    <p:sldId id="263" r:id="rId28"/>
-    <p:sldId id="271" r:id="rId29"/>
-    <p:sldId id="295" r:id="rId30"/>
-    <p:sldId id="274" r:id="rId31"/>
-    <p:sldId id="294" r:id="rId32"/>
+    <p:sldId id="296" r:id="rId22"/>
+    <p:sldId id="279" r:id="rId23"/>
+    <p:sldId id="290" r:id="rId24"/>
+    <p:sldId id="291" r:id="rId25"/>
+    <p:sldId id="292" r:id="rId26"/>
+    <p:sldId id="263" r:id="rId27"/>
+    <p:sldId id="271" r:id="rId28"/>
+    <p:sldId id="295" r:id="rId29"/>
+    <p:sldId id="274" r:id="rId30"/>
+    <p:sldId id="294" r:id="rId31"/>
   </p:sldIdLst>
   <p:sldSz cx="12192000" cy="6858000"/>
   <p:notesSz cx="6858000" cy="9144000"/>
@@ -410,7 +409,7 @@
           <a:p>
             <a:fld id="{053125B1-4250-40AD-8036-A38D44547BC7}" type="slidenum">
               <a:rPr lang="en-GB" smtClean="0"/>
-              <a:t>‹N›</a:t>
+              <a:t>‹#›</a:t>
             </a:fld>
             <a:endParaRPr lang="en-GB"/>
           </a:p>
@@ -618,7 +617,7 @@
           <a:p>
             <a:fld id="{053125B1-4250-40AD-8036-A38D44547BC7}" type="slidenum">
               <a:rPr lang="en-GB" smtClean="0"/>
-              <a:t>‹N›</a:t>
+              <a:t>‹#›</a:t>
             </a:fld>
             <a:endParaRPr lang="en-GB"/>
           </a:p>
@@ -874,7 +873,7 @@
           <a:p>
             <a:fld id="{053125B1-4250-40AD-8036-A38D44547BC7}" type="slidenum">
               <a:rPr lang="en-GB" smtClean="0"/>
-              <a:t>‹N›</a:t>
+              <a:t>‹#›</a:t>
             </a:fld>
             <a:endParaRPr lang="en-GB"/>
           </a:p>
@@ -1048,7 +1047,7 @@
           <a:p>
             <a:fld id="{053125B1-4250-40AD-8036-A38D44547BC7}" type="slidenum">
               <a:rPr lang="en-GB" smtClean="0"/>
-              <a:t>‹N›</a:t>
+              <a:t>‹#›</a:t>
             </a:fld>
             <a:endParaRPr lang="en-GB"/>
           </a:p>
@@ -1391,7 +1390,7 @@
           <a:p>
             <a:fld id="{053125B1-4250-40AD-8036-A38D44547BC7}" type="slidenum">
               <a:rPr lang="en-GB" smtClean="0"/>
-              <a:t>‹N›</a:t>
+              <a:t>‹#›</a:t>
             </a:fld>
             <a:endParaRPr lang="en-GB"/>
           </a:p>
@@ -1666,7 +1665,7 @@
           <a:p>
             <a:fld id="{053125B1-4250-40AD-8036-A38D44547BC7}" type="slidenum">
               <a:rPr lang="en-GB" smtClean="0"/>
-              <a:t>‹N›</a:t>
+              <a:t>‹#›</a:t>
             </a:fld>
             <a:endParaRPr lang="en-GB"/>
           </a:p>
@@ -2045,7 +2044,7 @@
           <a:p>
             <a:fld id="{053125B1-4250-40AD-8036-A38D44547BC7}" type="slidenum">
               <a:rPr lang="en-GB" smtClean="0"/>
-              <a:t>‹N›</a:t>
+              <a:t>‹#›</a:t>
             </a:fld>
             <a:endParaRPr lang="en-GB"/>
           </a:p>
@@ -2163,7 +2162,7 @@
           <a:p>
             <a:fld id="{053125B1-4250-40AD-8036-A38D44547BC7}" type="slidenum">
               <a:rPr lang="en-GB" smtClean="0"/>
-              <a:t>‹N›</a:t>
+              <a:t>‹#›</a:t>
             </a:fld>
             <a:endParaRPr lang="en-GB"/>
           </a:p>
@@ -2342,7 +2341,7 @@
           <a:p>
             <a:fld id="{053125B1-4250-40AD-8036-A38D44547BC7}" type="slidenum">
               <a:rPr lang="en-GB" smtClean="0"/>
-              <a:t>‹N›</a:t>
+              <a:t>‹#›</a:t>
             </a:fld>
             <a:endParaRPr lang="en-GB"/>
           </a:p>
@@ -2709,7 +2708,7 @@
           <a:p>
             <a:fld id="{053125B1-4250-40AD-8036-A38D44547BC7}" type="slidenum">
               <a:rPr lang="en-GB" smtClean="0"/>
-              <a:t>‹N›</a:t>
+              <a:t>‹#›</a:t>
             </a:fld>
             <a:endParaRPr lang="en-GB"/>
           </a:p>
@@ -3070,7 +3069,7 @@
           <a:p>
             <a:fld id="{053125B1-4250-40AD-8036-A38D44547BC7}" type="slidenum">
               <a:rPr lang="en-GB" smtClean="0"/>
-              <a:t>‹N›</a:t>
+              <a:t>‹#›</a:t>
             </a:fld>
             <a:endParaRPr lang="en-GB"/>
           </a:p>
@@ -3389,7 +3388,7 @@
           <a:p>
             <a:fld id="{053125B1-4250-40AD-8036-A38D44547BC7}" type="slidenum">
               <a:rPr lang="en-GB" smtClean="0"/>
-              <a:t>‹N›</a:t>
+              <a:t>‹#›</a:t>
             </a:fld>
             <a:endParaRPr lang="en-GB"/>
           </a:p>
@@ -8367,29 +8366,504 @@
             <p:ph type="title"/>
           </p:nvPr>
         </p:nvSpPr>
-        <p:spPr/>
+        <p:spPr>
+          <a:xfrm>
+            <a:off x="1097280" y="286603"/>
+            <a:ext cx="10058400" cy="1450757"/>
+          </a:xfrm>
+        </p:spPr>
         <p:txBody>
-          <a:bodyPr/>
+          <a:bodyPr vert="horz" lIns="91440" tIns="45720" rIns="91440" bIns="45720" rtlCol="0" anchor="b">
+            <a:normAutofit/>
+          </a:bodyPr>
           <a:lstStyle/>
           <a:p>
             <a:r>
-              <a:rPr lang="it-IT" dirty="0"/>
-              <a:t>SqLite3 database </a:t>
-            </a:r>
-            <a:r>
-              <a:rPr lang="it-IT" dirty="0" err="1"/>
-              <a:t>structure</a:t>
-            </a:r>
-            <a:endParaRPr lang="en-GB" dirty="0"/>
+              <a:rPr lang="en-US" dirty="0"/>
+              <a:t>SqLite3 database structure</a:t>
+            </a:r>
+          </a:p>
+        </p:txBody>
+      </p:sp>
+      <p:sp>
+        <p:nvSpPr>
+          <p:cNvPr id="6" name="TextBox 5">
+            <a:extLst>
+              <a:ext uri="{FF2B5EF4-FFF2-40B4-BE49-F238E27FC236}">
+                <a16:creationId xmlns:a16="http://schemas.microsoft.com/office/drawing/2014/main" id="{91D065EC-2922-7928-2099-298CEF6CC736}"/>
+              </a:ext>
+            </a:extLst>
+          </p:cNvPr>
+          <p:cNvSpPr txBox="1"/>
+          <p:nvPr/>
+        </p:nvSpPr>
+        <p:spPr>
+          <a:xfrm>
+            <a:off x="1097279" y="1845734"/>
+            <a:ext cx="10282927" cy="2128737"/>
+          </a:xfrm>
+          <a:prstGeom prst="rect">
+            <a:avLst/>
+          </a:prstGeom>
+        </p:spPr>
+        <p:txBody>
+          <a:bodyPr vert="horz" lIns="0" tIns="45720" rIns="0" bIns="45720" rtlCol="0">
+            <a:normAutofit/>
+          </a:bodyPr>
+          <a:lstStyle/>
+          <a:p>
+            <a:pPr defTabSz="914400">
+              <a:lnSpc>
+                <a:spcPct val="90000"/>
+              </a:lnSpc>
+              <a:spcAft>
+                <a:spcPts val="600"/>
+              </a:spcAft>
+              <a:buClr>
+                <a:schemeClr val="accent1"/>
+              </a:buClr>
+              <a:buFont typeface="Calibri" panose="020F0502020204030204" pitchFamily="34" charset="0"/>
+            </a:pPr>
+            <a:r>
+              <a:rPr lang="en-US" sz="1500" dirty="0">
+                <a:solidFill>
+                  <a:schemeClr val="tx1">
+                    <a:lumMod val="75000"/>
+                    <a:lumOff val="25000"/>
+                  </a:schemeClr>
+                </a:solidFill>
+              </a:rPr>
+              <a:t>The database is automatically managed by Django using the model part of the MVC approach: we define a python class for each DB table and Django creates the respective relational DB. The 4 classes are described below:</a:t>
+            </a:r>
+          </a:p>
+          <a:p>
+            <a:pPr marL="285750" indent="-285750" defTabSz="914400">
+              <a:lnSpc>
+                <a:spcPct val="90000"/>
+              </a:lnSpc>
+              <a:spcAft>
+                <a:spcPts val="600"/>
+              </a:spcAft>
+              <a:buClr>
+                <a:schemeClr val="accent1"/>
+              </a:buClr>
+              <a:buFont typeface="Calibri" panose="020F0502020204030204" pitchFamily="34" charset="0"/>
+              <a:buChar char="•"/>
+            </a:pPr>
+            <a:r>
+              <a:rPr lang="en-US" sz="1500" b="1" dirty="0" err="1">
+                <a:solidFill>
+                  <a:schemeClr val="tx1">
+                    <a:lumMod val="75000"/>
+                    <a:lumOff val="25000"/>
+                  </a:schemeClr>
+                </a:solidFill>
+              </a:rPr>
+              <a:t>ChatTelegram</a:t>
+            </a:r>
+            <a:r>
+              <a:rPr lang="en-US" sz="1500" b="1" dirty="0">
+                <a:solidFill>
+                  <a:schemeClr val="tx1">
+                    <a:lumMod val="75000"/>
+                    <a:lumOff val="25000"/>
+                  </a:schemeClr>
+                </a:solidFill>
+              </a:rPr>
+              <a:t>:</a:t>
+            </a:r>
+            <a:r>
+              <a:rPr lang="en-US" sz="1500" dirty="0">
+                <a:solidFill>
+                  <a:schemeClr val="tx1">
+                    <a:lumMod val="75000"/>
+                    <a:lumOff val="25000"/>
+                  </a:schemeClr>
+                </a:solidFill>
+              </a:rPr>
+              <a:t> it represents a Telegram chat identified by the </a:t>
+            </a:r>
+            <a:r>
+              <a:rPr lang="en-US" sz="1500" i="1" dirty="0" err="1">
+                <a:solidFill>
+                  <a:schemeClr val="tx1">
+                    <a:lumMod val="75000"/>
+                    <a:lumOff val="25000"/>
+                  </a:schemeClr>
+                </a:solidFill>
+              </a:rPr>
+              <a:t>chat_id</a:t>
+            </a:r>
+            <a:r>
+              <a:rPr lang="en-US" sz="1500" dirty="0">
+                <a:solidFill>
+                  <a:schemeClr val="tx1">
+                    <a:lumMod val="75000"/>
+                    <a:lumOff val="25000"/>
+                  </a:schemeClr>
+                </a:solidFill>
+              </a:rPr>
+              <a:t>;</a:t>
+            </a:r>
+          </a:p>
+          <a:p>
+            <a:pPr marL="285750" indent="-285750" defTabSz="914400">
+              <a:lnSpc>
+                <a:spcPct val="90000"/>
+              </a:lnSpc>
+              <a:spcAft>
+                <a:spcPts val="600"/>
+              </a:spcAft>
+              <a:buClr>
+                <a:schemeClr val="accent1"/>
+              </a:buClr>
+              <a:buFont typeface="Calibri" panose="020F0502020204030204" pitchFamily="34" charset="0"/>
+              <a:buChar char="•"/>
+            </a:pPr>
+            <a:r>
+              <a:rPr lang="en-US" sz="1500" b="1" dirty="0">
+                <a:solidFill>
+                  <a:schemeClr val="tx1">
+                    <a:lumMod val="75000"/>
+                    <a:lumOff val="25000"/>
+                  </a:schemeClr>
+                </a:solidFill>
+              </a:rPr>
+              <a:t>User:</a:t>
+            </a:r>
+            <a:r>
+              <a:rPr lang="en-US" sz="1500" dirty="0">
+                <a:solidFill>
+                  <a:schemeClr val="tx1">
+                    <a:lumMod val="75000"/>
+                    <a:lumOff val="25000"/>
+                  </a:schemeClr>
+                </a:solidFill>
+              </a:rPr>
+              <a:t> it represents a user and is managed automatically by Django authentication system. It has a unique </a:t>
+            </a:r>
+            <a:r>
+              <a:rPr lang="en-US" sz="1500" i="1" dirty="0">
+                <a:solidFill>
+                  <a:schemeClr val="tx1">
+                    <a:lumMod val="75000"/>
+                    <a:lumOff val="25000"/>
+                  </a:schemeClr>
+                </a:solidFill>
+              </a:rPr>
+              <a:t>email </a:t>
+            </a:r>
+            <a:r>
+              <a:rPr lang="en-US" sz="1500" dirty="0">
+                <a:solidFill>
+                  <a:schemeClr val="tx1">
+                    <a:lumMod val="75000"/>
+                    <a:lumOff val="25000"/>
+                  </a:schemeClr>
+                </a:solidFill>
+              </a:rPr>
+              <a:t>and a </a:t>
+            </a:r>
+            <a:r>
+              <a:rPr lang="en-US" sz="1500" i="1" dirty="0">
+                <a:solidFill>
+                  <a:schemeClr val="tx1">
+                    <a:lumMod val="75000"/>
+                    <a:lumOff val="25000"/>
+                  </a:schemeClr>
+                </a:solidFill>
+              </a:rPr>
+              <a:t>password</a:t>
+            </a:r>
+            <a:r>
+              <a:rPr lang="en-US" sz="1500" dirty="0">
+                <a:solidFill>
+                  <a:schemeClr val="tx1">
+                    <a:lumMod val="75000"/>
+                    <a:lumOff val="25000"/>
+                  </a:schemeClr>
+                </a:solidFill>
+              </a:rPr>
+              <a:t>;</a:t>
+            </a:r>
+          </a:p>
+          <a:p>
+            <a:pPr marL="285750" indent="-285750" defTabSz="914400">
+              <a:lnSpc>
+                <a:spcPct val="90000"/>
+              </a:lnSpc>
+              <a:spcAft>
+                <a:spcPts val="600"/>
+              </a:spcAft>
+              <a:buClr>
+                <a:schemeClr val="accent1"/>
+              </a:buClr>
+              <a:buFont typeface="Calibri" panose="020F0502020204030204" pitchFamily="34" charset="0"/>
+              <a:buChar char="•"/>
+            </a:pPr>
+            <a:r>
+              <a:rPr lang="en-US" sz="1500" b="1" dirty="0">
+                <a:solidFill>
+                  <a:schemeClr val="tx1">
+                    <a:lumMod val="75000"/>
+                    <a:lumOff val="25000"/>
+                  </a:schemeClr>
+                </a:solidFill>
+              </a:rPr>
+              <a:t>House:</a:t>
+            </a:r>
+            <a:r>
+              <a:rPr lang="en-US" sz="1500" dirty="0">
+                <a:solidFill>
+                  <a:schemeClr val="tx1">
+                    <a:lumMod val="75000"/>
+                    <a:lumOff val="25000"/>
+                  </a:schemeClr>
+                </a:solidFill>
+              </a:rPr>
+              <a:t> it models an house where the system is installed. It’s described by the </a:t>
+            </a:r>
+            <a:r>
+              <a:rPr lang="en-US" sz="1500" i="1" dirty="0">
+                <a:solidFill>
+                  <a:schemeClr val="tx1">
+                    <a:lumMod val="75000"/>
+                    <a:lumOff val="25000"/>
+                  </a:schemeClr>
+                </a:solidFill>
+              </a:rPr>
+              <a:t>address </a:t>
+            </a:r>
+            <a:r>
+              <a:rPr lang="en-US" sz="1500" dirty="0">
+                <a:solidFill>
+                  <a:schemeClr val="tx1">
+                    <a:lumMod val="75000"/>
+                    <a:lumOff val="25000"/>
+                  </a:schemeClr>
+                </a:solidFill>
+              </a:rPr>
+              <a:t>and the </a:t>
+            </a:r>
+            <a:r>
+              <a:rPr lang="en-US" sz="1500" i="1" dirty="0">
+                <a:solidFill>
+                  <a:schemeClr val="tx1">
+                    <a:lumMod val="75000"/>
+                    <a:lumOff val="25000"/>
+                  </a:schemeClr>
+                </a:solidFill>
+              </a:rPr>
+              <a:t>street number </a:t>
+            </a:r>
+            <a:r>
+              <a:rPr lang="en-US" sz="1500" dirty="0">
+                <a:solidFill>
+                  <a:schemeClr val="tx1">
+                    <a:lumMod val="75000"/>
+                    <a:lumOff val="25000"/>
+                  </a:schemeClr>
+                </a:solidFill>
+              </a:rPr>
+              <a:t>and it is associated with a User object which represents the owner of the house;</a:t>
+            </a:r>
+          </a:p>
+          <a:p>
+            <a:pPr marL="285750" indent="-285750" defTabSz="914400">
+              <a:lnSpc>
+                <a:spcPct val="90000"/>
+              </a:lnSpc>
+              <a:spcAft>
+                <a:spcPts val="600"/>
+              </a:spcAft>
+              <a:buClr>
+                <a:schemeClr val="accent1"/>
+              </a:buClr>
+              <a:buFont typeface="Calibri" panose="020F0502020204030204" pitchFamily="34" charset="0"/>
+              <a:buChar char="•"/>
+            </a:pPr>
+            <a:r>
+              <a:rPr lang="en-US" sz="1500" b="1" dirty="0">
+                <a:solidFill>
+                  <a:schemeClr val="tx1">
+                    <a:lumMod val="75000"/>
+                    <a:lumOff val="25000"/>
+                  </a:schemeClr>
+                </a:solidFill>
+              </a:rPr>
+              <a:t>Window: </a:t>
+            </a:r>
+            <a:r>
+              <a:rPr lang="en-US" sz="1500" dirty="0">
+                <a:solidFill>
+                  <a:schemeClr val="tx1">
+                    <a:lumMod val="75000"/>
+                    <a:lumOff val="25000"/>
+                  </a:schemeClr>
+                </a:solidFill>
+              </a:rPr>
+              <a:t>it is a generic window object, each one is associated with a house and has a current </a:t>
+            </a:r>
+            <a:r>
+              <a:rPr lang="en-US" sz="1500" i="1" dirty="0">
+                <a:solidFill>
+                  <a:schemeClr val="tx1">
+                    <a:lumMod val="75000"/>
+                    <a:lumOff val="25000"/>
+                  </a:schemeClr>
+                </a:solidFill>
+              </a:rPr>
+              <a:t>state </a:t>
+            </a:r>
+            <a:r>
+              <a:rPr lang="en-US" sz="1500" dirty="0">
+                <a:solidFill>
+                  <a:schemeClr val="tx1">
+                    <a:lumMod val="75000"/>
+                    <a:lumOff val="25000"/>
+                  </a:schemeClr>
+                </a:solidFill>
+              </a:rPr>
+              <a:t>(closed or open), a text </a:t>
+            </a:r>
+            <a:r>
+              <a:rPr lang="en-US" sz="1500" i="1" dirty="0">
+                <a:solidFill>
+                  <a:schemeClr val="tx1">
+                    <a:lumMod val="75000"/>
+                    <a:lumOff val="25000"/>
+                  </a:schemeClr>
+                </a:solidFill>
+              </a:rPr>
+              <a:t>description, </a:t>
+            </a:r>
+            <a:r>
+              <a:rPr lang="en-US" sz="1500" dirty="0">
+                <a:solidFill>
+                  <a:schemeClr val="tx1">
+                    <a:lumMod val="75000"/>
+                    <a:lumOff val="25000"/>
+                  </a:schemeClr>
+                </a:solidFill>
+              </a:rPr>
+              <a:t>a </a:t>
+            </a:r>
+            <a:r>
+              <a:rPr lang="en-US" sz="1500" i="1" dirty="0">
+                <a:solidFill>
+                  <a:schemeClr val="tx1">
+                    <a:lumMod val="75000"/>
+                    <a:lumOff val="25000"/>
+                  </a:schemeClr>
+                </a:solidFill>
+              </a:rPr>
+              <a:t>device name</a:t>
+            </a:r>
+            <a:r>
+              <a:rPr lang="en-US" sz="1500" dirty="0">
+                <a:solidFill>
+                  <a:schemeClr val="tx1">
+                    <a:lumMod val="75000"/>
+                    <a:lumOff val="25000"/>
+                  </a:schemeClr>
+                </a:solidFill>
+              </a:rPr>
+              <a:t> and a </a:t>
+            </a:r>
+            <a:r>
+              <a:rPr lang="en-US" sz="1500" i="1" dirty="0">
+                <a:solidFill>
+                  <a:schemeClr val="tx1">
+                    <a:lumMod val="75000"/>
+                    <a:lumOff val="25000"/>
+                  </a:schemeClr>
+                </a:solidFill>
+              </a:rPr>
+              <a:t>pin</a:t>
+            </a:r>
+            <a:r>
+              <a:rPr lang="en-US" sz="1500" dirty="0">
+                <a:solidFill>
+                  <a:schemeClr val="tx1">
+                    <a:lumMod val="75000"/>
+                    <a:lumOff val="25000"/>
+                  </a:schemeClr>
+                </a:solidFill>
+              </a:rPr>
+              <a:t>, a </a:t>
+            </a:r>
+            <a:r>
+              <a:rPr lang="en-US" sz="1500" i="1" dirty="0">
+                <a:solidFill>
+                  <a:schemeClr val="tx1">
+                    <a:lumMod val="75000"/>
+                    <a:lumOff val="25000"/>
+                  </a:schemeClr>
+                </a:solidFill>
+              </a:rPr>
+              <a:t>timeout</a:t>
+            </a:r>
+            <a:r>
+              <a:rPr lang="en-US" sz="1500" dirty="0">
+                <a:solidFill>
+                  <a:schemeClr val="tx1">
+                    <a:lumMod val="75000"/>
+                    <a:lumOff val="25000"/>
+                  </a:schemeClr>
+                </a:solidFill>
+              </a:rPr>
+              <a:t> and finally a date which represents the </a:t>
+            </a:r>
+            <a:r>
+              <a:rPr lang="en-US" sz="1500" i="1" dirty="0" err="1">
+                <a:solidFill>
+                  <a:schemeClr val="tx1">
+                    <a:lumMod val="75000"/>
+                    <a:lumOff val="25000"/>
+                  </a:schemeClr>
+                </a:solidFill>
+              </a:rPr>
+              <a:t>last_change</a:t>
+            </a:r>
+            <a:r>
+              <a:rPr lang="en-US" sz="1500" i="1" dirty="0">
+                <a:solidFill>
+                  <a:schemeClr val="tx1">
+                    <a:lumMod val="75000"/>
+                    <a:lumOff val="25000"/>
+                  </a:schemeClr>
+                </a:solidFill>
+              </a:rPr>
+              <a:t> </a:t>
+            </a:r>
+            <a:r>
+              <a:rPr lang="en-US" sz="1500" dirty="0">
+                <a:solidFill>
+                  <a:schemeClr val="tx1">
+                    <a:lumMod val="75000"/>
+                    <a:lumOff val="25000"/>
+                  </a:schemeClr>
+                </a:solidFill>
+              </a:rPr>
+              <a:t>timestamp.</a:t>
+            </a:r>
+            <a:endParaRPr lang="en-US" sz="1500" b="1" dirty="0">
+              <a:solidFill>
+                <a:schemeClr val="tx1">
+                  <a:lumMod val="75000"/>
+                  <a:lumOff val="25000"/>
+                </a:schemeClr>
+              </a:solidFill>
+            </a:endParaRPr>
           </a:p>
         </p:txBody>
       </p:sp>
       <p:pic>
         <p:nvPicPr>
-          <p:cNvPr id="5" name="Picture 4">
+          <p:cNvPr id="16" name="Picture 15">
             <a:extLst>
               <a:ext uri="{FF2B5EF4-FFF2-40B4-BE49-F238E27FC236}">
-                <a16:creationId xmlns:a16="http://schemas.microsoft.com/office/drawing/2014/main" id="{3969D7CF-9C48-0FAE-BE13-77B663A33820}"/>
+                <a16:creationId xmlns:a16="http://schemas.microsoft.com/office/drawing/2014/main" id="{866E382F-E845-8620-7D92-74B39C8B1B1E}"/>
               </a:ext>
             </a:extLst>
           </p:cNvPr>
@@ -8412,8 +8886,8 @@
         </p:blipFill>
         <p:spPr>
           <a:xfrm>
-            <a:off x="1097280" y="1776834"/>
-            <a:ext cx="10058399" cy="4560077"/>
+            <a:off x="3458876" y="3869338"/>
+            <a:ext cx="5274247" cy="2391133"/>
           </a:xfrm>
           <a:prstGeom prst="rect">
             <a:avLst/>
@@ -8423,7 +8897,7 @@
     </p:spTree>
     <p:extLst>
       <p:ext uri="{BB962C8B-B14F-4D97-AF65-F5344CB8AC3E}">
-        <p14:creationId xmlns:p14="http://schemas.microsoft.com/office/powerpoint/2010/main" val="1194308269"/>
+        <p14:creationId xmlns:p14="http://schemas.microsoft.com/office/powerpoint/2010/main" val="4024369862"/>
       </p:ext>
     </p:extLst>
   </p:cSld>
@@ -8434,512 +8908,6 @@
 </file>
 
 <file path=ppt/slides/slide22.xml><?xml version="1.0" encoding="utf-8"?>
-<p:sld xmlns:a="http://schemas.openxmlformats.org/drawingml/2006/main" xmlns:r="http://schemas.openxmlformats.org/officeDocument/2006/relationships" xmlns:p="http://schemas.openxmlformats.org/presentationml/2006/main">
-  <p:cSld>
-    <p:spTree>
-      <p:nvGrpSpPr>
-        <p:cNvPr id="1" name=""/>
-        <p:cNvGrpSpPr/>
-        <p:nvPr/>
-      </p:nvGrpSpPr>
-      <p:grpSpPr>
-        <a:xfrm>
-          <a:off x="0" y="0"/>
-          <a:ext cx="0" cy="0"/>
-          <a:chOff x="0" y="0"/>
-          <a:chExt cx="0" cy="0"/>
-        </a:xfrm>
-      </p:grpSpPr>
-      <p:sp>
-        <p:nvSpPr>
-          <p:cNvPr id="2" name="Titolo 1">
-            <a:extLst>
-              <a:ext uri="{FF2B5EF4-FFF2-40B4-BE49-F238E27FC236}">
-                <a16:creationId xmlns:a16="http://schemas.microsoft.com/office/drawing/2014/main" id="{CD615654-B50B-4C0E-A230-FEABB50A2831}"/>
-              </a:ext>
-            </a:extLst>
-          </p:cNvPr>
-          <p:cNvSpPr>
-            <a:spLocks noGrp="1"/>
-          </p:cNvSpPr>
-          <p:nvPr>
-            <p:ph type="title"/>
-          </p:nvPr>
-        </p:nvSpPr>
-        <p:spPr/>
-        <p:txBody>
-          <a:bodyPr/>
-          <a:lstStyle/>
-          <a:p>
-            <a:r>
-              <a:rPr lang="it-IT" dirty="0"/>
-              <a:t>SqLite3 database </a:t>
-            </a:r>
-            <a:r>
-              <a:rPr lang="it-IT" dirty="0" err="1"/>
-              <a:t>structure</a:t>
-            </a:r>
-            <a:r>
-              <a:rPr lang="it-IT" dirty="0"/>
-              <a:t> (1)</a:t>
-            </a:r>
-            <a:endParaRPr lang="en-GB" dirty="0"/>
-          </a:p>
-        </p:txBody>
-      </p:sp>
-      <p:sp>
-        <p:nvSpPr>
-          <p:cNvPr id="6" name="TextBox 5">
-            <a:extLst>
-              <a:ext uri="{FF2B5EF4-FFF2-40B4-BE49-F238E27FC236}">
-                <a16:creationId xmlns:a16="http://schemas.microsoft.com/office/drawing/2014/main" id="{91D065EC-2922-7928-2099-298CEF6CC736}"/>
-              </a:ext>
-            </a:extLst>
-          </p:cNvPr>
-          <p:cNvSpPr txBox="1"/>
-          <p:nvPr/>
-        </p:nvSpPr>
-        <p:spPr>
-          <a:xfrm>
-            <a:off x="1137567" y="1804684"/>
-            <a:ext cx="10299059" cy="4401205"/>
-          </a:xfrm>
-          <a:prstGeom prst="rect">
-            <a:avLst/>
-          </a:prstGeom>
-          <a:noFill/>
-        </p:spPr>
-        <p:txBody>
-          <a:bodyPr wrap="square" rtlCol="0">
-            <a:spAutoFit/>
-          </a:bodyPr>
-          <a:lstStyle/>
-          <a:p>
-            <a:r>
-              <a:rPr lang="en-IT" sz="2000" dirty="0"/>
-              <a:t>The database is automatically managed by Django using the model part of the MVC approach: we define a python class for each </a:t>
-            </a:r>
-            <a:r>
-              <a:rPr lang="it-IT" sz="2000" dirty="0"/>
-              <a:t>DB </a:t>
-            </a:r>
-            <a:r>
-              <a:rPr lang="en-IT" sz="2000" dirty="0"/>
-              <a:t>table and Django creates the respective relational </a:t>
-            </a:r>
-            <a:r>
-              <a:rPr lang="it-IT" sz="2000" dirty="0"/>
-              <a:t>DB</a:t>
-            </a:r>
-            <a:r>
-              <a:rPr lang="en-IT" sz="2000" dirty="0"/>
-              <a:t>. The 4 classes are described below:</a:t>
-            </a:r>
-          </a:p>
-          <a:p>
-            <a:pPr marL="285750" indent="-285750">
-              <a:buClr>
-                <a:schemeClr val="accent1"/>
-              </a:buClr>
-              <a:buFont typeface="Arial" panose="020B0604020202020204" pitchFamily="34" charset="0"/>
-              <a:buChar char="•"/>
-            </a:pPr>
-            <a:r>
-              <a:rPr lang="en-IT" sz="2000" b="1" dirty="0"/>
-              <a:t>ChatTelegram:</a:t>
-            </a:r>
-            <a:r>
-              <a:rPr lang="en-IT" sz="2000" dirty="0"/>
-              <a:t> </a:t>
-            </a:r>
-            <a:r>
-              <a:rPr lang="it-IT" sz="2000" dirty="0" err="1"/>
-              <a:t>it</a:t>
-            </a:r>
-            <a:r>
-              <a:rPr lang="it-IT" sz="2000" dirty="0"/>
-              <a:t> </a:t>
-            </a:r>
-            <a:r>
-              <a:rPr lang="en-IT" sz="2000" dirty="0"/>
-              <a:t>represents a </a:t>
-            </a:r>
-            <a:r>
-              <a:rPr lang="it-IT" sz="2000" dirty="0"/>
-              <a:t>T</a:t>
-            </a:r>
-            <a:r>
-              <a:rPr lang="en-IT" sz="2000" dirty="0"/>
-              <a:t>elegram </a:t>
-            </a:r>
-            <a:r>
-              <a:rPr lang="it-IT" sz="2000" dirty="0"/>
-              <a:t>chat </a:t>
-            </a:r>
-            <a:r>
-              <a:rPr lang="en-IT" sz="2000" dirty="0"/>
-              <a:t>identified by the </a:t>
-            </a:r>
-            <a:r>
-              <a:rPr lang="en-IT" sz="2000" i="1" dirty="0"/>
-              <a:t>chat_id</a:t>
-            </a:r>
-            <a:r>
-              <a:rPr lang="en-IT" sz="2000" dirty="0"/>
-              <a:t>;</a:t>
-            </a:r>
-            <a:endParaRPr lang="it-IT" sz="2000" dirty="0"/>
-          </a:p>
-          <a:p>
-            <a:pPr marL="285750" indent="-285750">
-              <a:buClr>
-                <a:schemeClr val="accent1"/>
-              </a:buClr>
-              <a:buFont typeface="Arial" panose="020B0604020202020204" pitchFamily="34" charset="0"/>
-              <a:buChar char="•"/>
-            </a:pPr>
-            <a:r>
-              <a:rPr lang="en-IT" sz="2000" b="1" dirty="0"/>
-              <a:t>User:</a:t>
-            </a:r>
-            <a:r>
-              <a:rPr lang="en-IT" sz="2000" dirty="0"/>
-              <a:t> </a:t>
-            </a:r>
-            <a:r>
-              <a:rPr lang="it-IT" sz="2000" dirty="0" err="1"/>
-              <a:t>it</a:t>
-            </a:r>
-            <a:r>
-              <a:rPr lang="it-IT" sz="2000" dirty="0"/>
-              <a:t> </a:t>
-            </a:r>
-            <a:r>
-              <a:rPr lang="en-IT" sz="2000" dirty="0"/>
-              <a:t>represent</a:t>
-            </a:r>
-            <a:r>
-              <a:rPr lang="it-IT" sz="2000" dirty="0"/>
-              <a:t>s</a:t>
-            </a:r>
-            <a:r>
-              <a:rPr lang="en-IT" sz="2000" dirty="0"/>
-              <a:t> a user </a:t>
-            </a:r>
-            <a:r>
-              <a:rPr lang="it-IT" sz="2000" dirty="0"/>
-              <a:t>and </a:t>
-            </a:r>
-            <a:r>
-              <a:rPr lang="it-IT" sz="2000" dirty="0" err="1"/>
-              <a:t>is</a:t>
-            </a:r>
-            <a:r>
-              <a:rPr lang="it-IT" sz="2000" dirty="0"/>
-              <a:t> </a:t>
-            </a:r>
-            <a:r>
-              <a:rPr lang="en-IT" sz="2000" dirty="0"/>
-              <a:t>managed automatically by Django authentication system</a:t>
-            </a:r>
-            <a:r>
-              <a:rPr lang="it-IT" sz="2000" dirty="0"/>
-              <a:t>. I</a:t>
-            </a:r>
-            <a:r>
-              <a:rPr lang="en-IT" sz="2000" dirty="0"/>
-              <a:t>t has a unique </a:t>
-            </a:r>
-            <a:r>
-              <a:rPr lang="en-IT" sz="2000" i="1" dirty="0"/>
-              <a:t>email </a:t>
-            </a:r>
-            <a:r>
-              <a:rPr lang="en-IT" sz="2000" dirty="0"/>
-              <a:t>and </a:t>
-            </a:r>
-            <a:r>
-              <a:rPr lang="it-IT" sz="2000" dirty="0"/>
-              <a:t>a </a:t>
-            </a:r>
-            <a:r>
-              <a:rPr lang="en-IT" sz="2000" i="1" dirty="0"/>
-              <a:t>password</a:t>
-            </a:r>
-            <a:r>
-              <a:rPr lang="en-IT" sz="2000" dirty="0"/>
-              <a:t>;</a:t>
-            </a:r>
-            <a:endParaRPr lang="it-IT" sz="2000" dirty="0"/>
-          </a:p>
-          <a:p>
-            <a:pPr marL="285750" indent="-285750">
-              <a:buClr>
-                <a:schemeClr val="accent1"/>
-              </a:buClr>
-              <a:buFont typeface="Arial" panose="020B0604020202020204" pitchFamily="34" charset="0"/>
-              <a:buChar char="•"/>
-            </a:pPr>
-            <a:r>
-              <a:rPr lang="en-IT" sz="2000" b="1" dirty="0"/>
-              <a:t>House:</a:t>
-            </a:r>
-            <a:r>
-              <a:rPr lang="en-IT" sz="2000" dirty="0"/>
-              <a:t> </a:t>
-            </a:r>
-            <a:r>
-              <a:rPr lang="it-IT" sz="2000" dirty="0" err="1"/>
-              <a:t>it</a:t>
-            </a:r>
-            <a:r>
-              <a:rPr lang="it-IT" sz="2000" dirty="0"/>
-              <a:t> </a:t>
-            </a:r>
-            <a:r>
-              <a:rPr lang="en-IT" sz="2000" dirty="0"/>
-              <a:t>models an house where the system</a:t>
-            </a:r>
-            <a:r>
-              <a:rPr lang="it-IT" sz="2000" dirty="0"/>
-              <a:t> </a:t>
-            </a:r>
-            <a:r>
-              <a:rPr lang="it-IT" sz="2000" dirty="0" err="1"/>
-              <a:t>is</a:t>
-            </a:r>
-            <a:r>
-              <a:rPr lang="it-IT" sz="2000" dirty="0"/>
-              <a:t> </a:t>
-            </a:r>
-            <a:r>
-              <a:rPr lang="it-IT" sz="2000" dirty="0" err="1"/>
-              <a:t>installed</a:t>
-            </a:r>
-            <a:r>
-              <a:rPr lang="it-IT" sz="2000" dirty="0"/>
-              <a:t>. I</a:t>
-            </a:r>
-            <a:r>
-              <a:rPr lang="en-IT" sz="2000" dirty="0"/>
-              <a:t>t’s described by the </a:t>
-            </a:r>
-            <a:r>
-              <a:rPr lang="en-IT" sz="2000" i="1" dirty="0"/>
-              <a:t>address </a:t>
-            </a:r>
-            <a:r>
-              <a:rPr lang="en-IT" sz="2000" dirty="0"/>
-              <a:t>and the </a:t>
-            </a:r>
-            <a:r>
-              <a:rPr lang="en-IT" sz="2000" i="1" dirty="0"/>
-              <a:t>street number </a:t>
-            </a:r>
-            <a:r>
-              <a:rPr lang="en-IT" sz="2000" dirty="0"/>
-              <a:t>and</a:t>
-            </a:r>
-            <a:r>
-              <a:rPr lang="it-IT" sz="2000" dirty="0"/>
-              <a:t> </a:t>
-            </a:r>
-            <a:r>
-              <a:rPr lang="it-IT" sz="2000" dirty="0" err="1"/>
-              <a:t>it</a:t>
-            </a:r>
-            <a:r>
-              <a:rPr lang="en-IT" sz="2000" dirty="0"/>
-              <a:t> </a:t>
-            </a:r>
-            <a:r>
-              <a:rPr lang="it-IT" sz="2000" dirty="0" err="1"/>
-              <a:t>is</a:t>
-            </a:r>
-            <a:r>
-              <a:rPr lang="it-IT" sz="2000" dirty="0"/>
-              <a:t> </a:t>
-            </a:r>
-            <a:r>
-              <a:rPr lang="it-IT" sz="2000" dirty="0" err="1"/>
-              <a:t>associated</a:t>
-            </a:r>
-            <a:r>
-              <a:rPr lang="it-IT" sz="2000" dirty="0"/>
-              <a:t> with</a:t>
-            </a:r>
-            <a:r>
-              <a:rPr lang="en-IT" sz="2000" dirty="0"/>
-              <a:t> a User object which represent</a:t>
-            </a:r>
-            <a:r>
-              <a:rPr lang="it-IT" sz="2000" dirty="0"/>
-              <a:t>s</a:t>
-            </a:r>
-            <a:r>
-              <a:rPr lang="en-IT" sz="2000" dirty="0"/>
-              <a:t> the owner of the house;</a:t>
-            </a:r>
-            <a:endParaRPr lang="it-IT" sz="2000" dirty="0"/>
-          </a:p>
-          <a:p>
-            <a:pPr marL="285750" indent="-285750">
-              <a:buClr>
-                <a:schemeClr val="accent1"/>
-              </a:buClr>
-              <a:buFont typeface="Arial" panose="020B0604020202020204" pitchFamily="34" charset="0"/>
-              <a:buChar char="•"/>
-            </a:pPr>
-            <a:r>
-              <a:rPr lang="en-IT" sz="2000" b="1" dirty="0"/>
-              <a:t>Window: </a:t>
-            </a:r>
-            <a:r>
-              <a:rPr lang="en-IT" sz="2000" dirty="0"/>
-              <a:t>it is a generic window object, each one </a:t>
-            </a:r>
-            <a:r>
-              <a:rPr lang="it-IT" sz="2000" dirty="0" err="1"/>
-              <a:t>is</a:t>
-            </a:r>
-            <a:r>
-              <a:rPr lang="it-IT" sz="2000" dirty="0"/>
-              <a:t> </a:t>
-            </a:r>
-            <a:r>
-              <a:rPr lang="en-IT" sz="2000" dirty="0"/>
-              <a:t>assoc</a:t>
-            </a:r>
-            <a:r>
-              <a:rPr lang="it-IT" sz="2000" dirty="0"/>
-              <a:t>i</a:t>
-            </a:r>
-            <a:r>
-              <a:rPr lang="en-IT" sz="2000" dirty="0"/>
-              <a:t>ated </a:t>
-            </a:r>
-            <a:r>
-              <a:rPr lang="it-IT" sz="2000" dirty="0"/>
-              <a:t>with</a:t>
-            </a:r>
-            <a:r>
-              <a:rPr lang="en-IT" sz="2000" dirty="0"/>
-              <a:t> a house and has a current </a:t>
-            </a:r>
-            <a:r>
-              <a:rPr lang="en-IT" sz="2000" i="1" dirty="0"/>
-              <a:t>state </a:t>
-            </a:r>
-            <a:r>
-              <a:rPr lang="en-IT" sz="2000" dirty="0"/>
-              <a:t>(closed or open), a text </a:t>
-            </a:r>
-            <a:r>
-              <a:rPr lang="en-IT" sz="2000" i="1" dirty="0"/>
-              <a:t>description, </a:t>
-            </a:r>
-            <a:r>
-              <a:rPr lang="en-IT" sz="2000" dirty="0"/>
-              <a:t>a </a:t>
-            </a:r>
-            <a:r>
-              <a:rPr lang="en-IT" sz="2000" i="1" dirty="0"/>
-              <a:t>device name </a:t>
-            </a:r>
-            <a:r>
-              <a:rPr lang="en-IT" sz="2000" dirty="0"/>
-              <a:t>(identifier </a:t>
-            </a:r>
-            <a:r>
-              <a:rPr lang="it-IT" sz="2000" dirty="0"/>
-              <a:t>for the A</a:t>
-            </a:r>
-            <a:r>
-              <a:rPr lang="en-IT" sz="2000" dirty="0"/>
-              <a:t>rduino that manages this specific window) and a </a:t>
-            </a:r>
-            <a:r>
-              <a:rPr lang="en-IT" sz="2000" i="1" dirty="0"/>
-              <a:t>pin</a:t>
-            </a:r>
-            <a:r>
-              <a:rPr lang="en-IT" sz="2000" dirty="0"/>
-              <a:t> (</a:t>
-            </a:r>
-            <a:r>
-              <a:rPr lang="it-IT" sz="2000" dirty="0"/>
-              <a:t>the </a:t>
-            </a:r>
-            <a:r>
-              <a:rPr lang="en-IT" sz="2000" dirty="0"/>
-              <a:t>pin </a:t>
-            </a:r>
-            <a:r>
-              <a:rPr lang="it-IT" sz="2000" dirty="0" err="1"/>
-              <a:t>number</a:t>
-            </a:r>
-            <a:r>
-              <a:rPr lang="it-IT" sz="2000" dirty="0"/>
-              <a:t> </a:t>
-            </a:r>
-            <a:r>
-              <a:rPr lang="en-IT" sz="2000" dirty="0"/>
-              <a:t>connected to the actuator in the </a:t>
-            </a:r>
-            <a:r>
-              <a:rPr lang="it-IT" sz="2000" dirty="0"/>
-              <a:t>A</a:t>
-            </a:r>
-            <a:r>
-              <a:rPr lang="en-IT" sz="2000" dirty="0"/>
-              <a:t>rduino board), a </a:t>
-            </a:r>
-            <a:r>
-              <a:rPr lang="en-IT" sz="2000" i="1" dirty="0"/>
-              <a:t>timeout </a:t>
-            </a:r>
-            <a:r>
-              <a:rPr lang="it-IT" sz="2000" dirty="0"/>
-              <a:t>(</a:t>
-            </a:r>
-            <a:r>
-              <a:rPr lang="en-IT" sz="2000" dirty="0"/>
-              <a:t>a boolean field which says if the window can be moved autonomously by the system or not</a:t>
-            </a:r>
-            <a:r>
-              <a:rPr lang="it-IT" sz="2000" dirty="0"/>
-              <a:t>)</a:t>
-            </a:r>
-            <a:r>
-              <a:rPr lang="en-IT" sz="2000" dirty="0"/>
-              <a:t> and finally a date which represents the </a:t>
-            </a:r>
-            <a:r>
-              <a:rPr lang="en-IT" sz="2000" i="1" dirty="0"/>
-              <a:t>last_change </a:t>
-            </a:r>
-            <a:r>
-              <a:rPr lang="en-IT" sz="2000" dirty="0"/>
-              <a:t>timestamp.</a:t>
-            </a:r>
-            <a:endParaRPr lang="en-IT" sz="2000" b="1" dirty="0"/>
-          </a:p>
-        </p:txBody>
-      </p:sp>
-    </p:spTree>
-    <p:extLst>
-      <p:ext uri="{BB962C8B-B14F-4D97-AF65-F5344CB8AC3E}">
-        <p14:creationId xmlns:p14="http://schemas.microsoft.com/office/powerpoint/2010/main" val="4176419909"/>
-      </p:ext>
-    </p:extLst>
-  </p:cSld>
-  <p:clrMapOvr>
-    <a:masterClrMapping/>
-  </p:clrMapOvr>
-</p:sld>
-</file>
-
-<file path=ppt/slides/slide23.xml><?xml version="1.0" encoding="utf-8"?>
 <p:sld xmlns:a="http://schemas.openxmlformats.org/drawingml/2006/main" xmlns:r="http://schemas.openxmlformats.org/officeDocument/2006/relationships" xmlns:p="http://schemas.openxmlformats.org/presentationml/2006/main">
   <p:cSld>
     <p:spTree>
@@ -9235,7 +9203,7 @@
 </p:sld>
 </file>
 
-<file path=ppt/slides/slide24.xml><?xml version="1.0" encoding="utf-8"?>
+<file path=ppt/slides/slide23.xml><?xml version="1.0" encoding="utf-8"?>
 <p:sld xmlns:a="http://schemas.openxmlformats.org/drawingml/2006/main" xmlns:r="http://schemas.openxmlformats.org/officeDocument/2006/relationships" xmlns:p="http://schemas.openxmlformats.org/presentationml/2006/main">
   <p:cSld>
     <p:spTree>
@@ -9451,7 +9419,7 @@
 </p:sld>
 </file>
 
-<file path=ppt/slides/slide25.xml><?xml version="1.0" encoding="utf-8"?>
+<file path=ppt/slides/slide24.xml><?xml version="1.0" encoding="utf-8"?>
 <p:sld xmlns:a="http://schemas.openxmlformats.org/drawingml/2006/main" xmlns:r="http://schemas.openxmlformats.org/officeDocument/2006/relationships" xmlns:p="http://schemas.openxmlformats.org/presentationml/2006/main">
   <p:cSld>
     <p:spTree>
@@ -9606,7 +9574,7 @@
 </p:sld>
 </file>
 
-<file path=ppt/slides/slide26.xml><?xml version="1.0" encoding="utf-8"?>
+<file path=ppt/slides/slide25.xml><?xml version="1.0" encoding="utf-8"?>
 <p:sld xmlns:a="http://schemas.openxmlformats.org/drawingml/2006/main" xmlns:r="http://schemas.openxmlformats.org/officeDocument/2006/relationships" xmlns:p="http://schemas.openxmlformats.org/presentationml/2006/main">
   <p:cSld>
     <p:spTree>
@@ -9679,7 +9647,7 @@
 </p:sld>
 </file>
 
-<file path=ppt/slides/slide27.xml><?xml version="1.0" encoding="utf-8"?>
+<file path=ppt/slides/slide26.xml><?xml version="1.0" encoding="utf-8"?>
 <p:sld xmlns:a="http://schemas.openxmlformats.org/drawingml/2006/main" xmlns:r="http://schemas.openxmlformats.org/officeDocument/2006/relationships" xmlns:p="http://schemas.openxmlformats.org/presentationml/2006/main">
   <p:cSld>
     <p:spTree>
@@ -9951,7 +9919,7 @@
 </p:sld>
 </file>
 
-<file path=ppt/slides/slide28.xml><?xml version="1.0" encoding="utf-8"?>
+<file path=ppt/slides/slide27.xml><?xml version="1.0" encoding="utf-8"?>
 <p:sld xmlns:a="http://schemas.openxmlformats.org/drawingml/2006/main" xmlns:r="http://schemas.openxmlformats.org/officeDocument/2006/relationships" xmlns:p="http://schemas.openxmlformats.org/presentationml/2006/main">
   <p:cSld>
     <p:spTree>
@@ -10330,7 +10298,7 @@
 </p:sld>
 </file>
 
-<file path=ppt/slides/slide29.xml><?xml version="1.0" encoding="utf-8"?>
+<file path=ppt/slides/slide28.xml><?xml version="1.0" encoding="utf-8"?>
 <p:sld xmlns:a="http://schemas.openxmlformats.org/drawingml/2006/main" xmlns:r="http://schemas.openxmlformats.org/officeDocument/2006/relationships" xmlns:p="http://schemas.openxmlformats.org/presentationml/2006/main" show="0">
   <p:cSld>
     <p:spTree>
@@ -10606,6 +10574,555 @@
     <p:extLst>
       <p:ext uri="{BB962C8B-B14F-4D97-AF65-F5344CB8AC3E}">
         <p14:creationId xmlns:p14="http://schemas.microsoft.com/office/powerpoint/2010/main" val="331323417"/>
+      </p:ext>
+    </p:extLst>
+  </p:cSld>
+  <p:clrMapOvr>
+    <a:masterClrMapping/>
+  </p:clrMapOvr>
+</p:sld>
+</file>
+
+<file path=ppt/slides/slide29.xml><?xml version="1.0" encoding="utf-8"?>
+<p:sld xmlns:a="http://schemas.openxmlformats.org/drawingml/2006/main" xmlns:r="http://schemas.openxmlformats.org/officeDocument/2006/relationships" xmlns:p="http://schemas.openxmlformats.org/presentationml/2006/main">
+  <p:cSld>
+    <p:spTree>
+      <p:nvGrpSpPr>
+        <p:cNvPr id="1" name=""/>
+        <p:cNvGrpSpPr/>
+        <p:nvPr/>
+      </p:nvGrpSpPr>
+      <p:grpSpPr>
+        <a:xfrm>
+          <a:off x="0" y="0"/>
+          <a:ext cx="0" cy="0"/>
+          <a:chOff x="0" y="0"/>
+          <a:chExt cx="0" cy="0"/>
+        </a:xfrm>
+      </p:grpSpPr>
+      <p:sp>
+        <p:nvSpPr>
+          <p:cNvPr id="2" name="Titolo 1">
+            <a:extLst>
+              <a:ext uri="{FF2B5EF4-FFF2-40B4-BE49-F238E27FC236}">
+                <a16:creationId xmlns:a16="http://schemas.microsoft.com/office/drawing/2014/main" id="{515C0763-9A01-4954-8180-5830C3D02180}"/>
+              </a:ext>
+            </a:extLst>
+          </p:cNvPr>
+          <p:cNvSpPr>
+            <a:spLocks noGrp="1"/>
+          </p:cNvSpPr>
+          <p:nvPr>
+            <p:ph type="title"/>
+          </p:nvPr>
+        </p:nvSpPr>
+        <p:spPr/>
+        <p:txBody>
+          <a:bodyPr/>
+          <a:lstStyle/>
+          <a:p>
+            <a:r>
+              <a:rPr lang="it-IT" dirty="0"/>
+              <a:t>DQN </a:t>
+            </a:r>
+            <a:r>
+              <a:rPr lang="it-IT" dirty="0" err="1"/>
+              <a:t>implementation</a:t>
+            </a:r>
+            <a:r>
+              <a:rPr lang="it-IT" dirty="0"/>
+              <a:t> </a:t>
+            </a:r>
+            <a:r>
+              <a:rPr lang="it-IT" dirty="0" err="1"/>
+              <a:t>ideas</a:t>
+            </a:r>
+            <a:endParaRPr lang="en-GB" dirty="0"/>
+          </a:p>
+        </p:txBody>
+      </p:sp>
+      <p:sp>
+        <p:nvSpPr>
+          <p:cNvPr id="3" name="Segnaposto contenuto 2">
+            <a:extLst>
+              <a:ext uri="{FF2B5EF4-FFF2-40B4-BE49-F238E27FC236}">
+                <a16:creationId xmlns:a16="http://schemas.microsoft.com/office/drawing/2014/main" id="{24E3CFBB-34E7-49B2-8D23-45EAC831B604}"/>
+              </a:ext>
+            </a:extLst>
+          </p:cNvPr>
+          <p:cNvSpPr>
+            <a:spLocks noGrp="1"/>
+          </p:cNvSpPr>
+          <p:nvPr>
+            <p:ph idx="1"/>
+          </p:nvPr>
+        </p:nvSpPr>
+        <p:spPr>
+          <a:xfrm>
+            <a:off x="1097279" y="1845733"/>
+            <a:ext cx="10233329" cy="4435797"/>
+          </a:xfrm>
+        </p:spPr>
+        <p:txBody>
+          <a:bodyPr>
+            <a:normAutofit/>
+          </a:bodyPr>
+          <a:lstStyle/>
+          <a:p>
+            <a:pPr marL="0" indent="0">
+              <a:buNone/>
+            </a:pPr>
+            <a:r>
+              <a:rPr lang="it-IT" dirty="0"/>
+              <a:t>In </a:t>
+            </a:r>
+            <a:r>
+              <a:rPr lang="it-IT" dirty="0" err="1"/>
+              <a:t>our</a:t>
+            </a:r>
+            <a:r>
+              <a:rPr lang="it-IT" dirty="0"/>
+              <a:t> system, </a:t>
+            </a:r>
+            <a:r>
+              <a:rPr lang="it-IT" b="1" dirty="0"/>
+              <a:t>a state S </a:t>
+            </a:r>
+            <a:r>
+              <a:rPr lang="it-IT" b="1" dirty="0" err="1"/>
+              <a:t>is</a:t>
+            </a:r>
+            <a:r>
+              <a:rPr lang="it-IT" b="1" dirty="0"/>
+              <a:t> </a:t>
+            </a:r>
+            <a:r>
+              <a:rPr lang="it-IT" b="1" dirty="0" err="1"/>
+              <a:t>defined</a:t>
+            </a:r>
+            <a:r>
+              <a:rPr lang="it-IT" b="1" dirty="0"/>
+              <a:t> by a </a:t>
+            </a:r>
+            <a:r>
+              <a:rPr lang="it-IT" b="1" dirty="0" err="1"/>
+              <a:t>particular</a:t>
+            </a:r>
+            <a:r>
+              <a:rPr lang="it-IT" b="1" dirty="0"/>
+              <a:t> </a:t>
+            </a:r>
+            <a:r>
+              <a:rPr lang="it-IT" b="1" dirty="0" err="1"/>
+              <a:t>combination</a:t>
+            </a:r>
+            <a:r>
+              <a:rPr lang="it-IT" b="1" dirty="0"/>
+              <a:t> of the 4 </a:t>
+            </a:r>
+            <a:r>
+              <a:rPr lang="it-IT" b="1" dirty="0" err="1"/>
+              <a:t>parameters</a:t>
+            </a:r>
+            <a:r>
+              <a:rPr lang="it-IT" b="1" dirty="0"/>
+              <a:t> </a:t>
+            </a:r>
+            <a:r>
+              <a:rPr lang="it-IT" b="1" dirty="0" err="1"/>
+              <a:t>values</a:t>
+            </a:r>
+            <a:r>
+              <a:rPr lang="it-IT" dirty="0"/>
+              <a:t>.</a:t>
+            </a:r>
+          </a:p>
+          <a:p>
+            <a:pPr>
+              <a:buFont typeface="Arial" panose="020B0604020202020204" pitchFamily="34" charset="0"/>
+              <a:buChar char="•"/>
+            </a:pPr>
+            <a:r>
+              <a:rPr lang="it-IT" dirty="0"/>
+              <a:t> The temperature </a:t>
+            </a:r>
+            <a:r>
+              <a:rPr lang="it-IT" dirty="0" err="1"/>
+              <a:t>parameter</a:t>
+            </a:r>
+            <a:r>
+              <a:rPr lang="it-IT" dirty="0"/>
+              <a:t> can assume </a:t>
+            </a:r>
+            <a:r>
+              <a:rPr lang="it-IT" dirty="0" err="1"/>
+              <a:t>values</a:t>
+            </a:r>
+            <a:r>
+              <a:rPr lang="it-IT" dirty="0"/>
+              <a:t> in the </a:t>
+            </a:r>
+            <a:r>
+              <a:rPr lang="it-IT" dirty="0" err="1"/>
+              <a:t>continuous</a:t>
+            </a:r>
+            <a:r>
+              <a:rPr lang="it-IT" dirty="0"/>
+              <a:t> domain (infinite </a:t>
+            </a:r>
+            <a:r>
+              <a:rPr lang="it-IT" dirty="0" err="1"/>
+              <a:t>values</a:t>
+            </a:r>
+            <a:r>
+              <a:rPr lang="it-IT" dirty="0"/>
+              <a:t>)</a:t>
+            </a:r>
+          </a:p>
+          <a:p>
+            <a:pPr>
+              <a:buFont typeface="Arial" panose="020B0604020202020204" pitchFamily="34" charset="0"/>
+              <a:buChar char="•"/>
+            </a:pPr>
+            <a:r>
+              <a:rPr lang="it-IT" dirty="0"/>
+              <a:t> The light </a:t>
+            </a:r>
+            <a:r>
+              <a:rPr lang="it-IT" dirty="0" err="1"/>
+              <a:t>parameter</a:t>
+            </a:r>
+            <a:r>
+              <a:rPr lang="it-IT" dirty="0"/>
+              <a:t> can assume discrete </a:t>
+            </a:r>
+            <a:r>
+              <a:rPr lang="it-IT" dirty="0" err="1"/>
+              <a:t>values</a:t>
+            </a:r>
+            <a:r>
+              <a:rPr lang="it-IT" dirty="0"/>
+              <a:t> </a:t>
+            </a:r>
+            <a:r>
+              <a:rPr lang="it-IT" dirty="0" err="1"/>
+              <a:t>between</a:t>
+            </a:r>
+            <a:r>
+              <a:rPr lang="it-IT" dirty="0"/>
+              <a:t> 0 and 253</a:t>
+            </a:r>
+          </a:p>
+          <a:p>
+            <a:pPr>
+              <a:buFont typeface="Arial" panose="020B0604020202020204" pitchFamily="34" charset="0"/>
+              <a:buChar char="•"/>
+            </a:pPr>
+            <a:r>
+              <a:rPr lang="it-IT" dirty="0"/>
+              <a:t> The wind </a:t>
+            </a:r>
+            <a:r>
+              <a:rPr lang="it-IT" dirty="0" err="1"/>
+              <a:t>parameter</a:t>
+            </a:r>
+            <a:r>
+              <a:rPr lang="it-IT" dirty="0"/>
+              <a:t> can assume discrete </a:t>
+            </a:r>
+            <a:r>
+              <a:rPr lang="it-IT" dirty="0" err="1"/>
+              <a:t>values</a:t>
+            </a:r>
+            <a:r>
+              <a:rPr lang="it-IT" dirty="0"/>
+              <a:t> </a:t>
+            </a:r>
+            <a:r>
+              <a:rPr lang="it-IT" dirty="0" err="1"/>
+              <a:t>between</a:t>
+            </a:r>
+            <a:r>
+              <a:rPr lang="it-IT" dirty="0"/>
+              <a:t> 0 and 253</a:t>
+            </a:r>
+          </a:p>
+          <a:p>
+            <a:pPr>
+              <a:buFont typeface="Arial" panose="020B0604020202020204" pitchFamily="34" charset="0"/>
+              <a:buChar char="•"/>
+            </a:pPr>
+            <a:r>
+              <a:rPr lang="it-IT" dirty="0"/>
+              <a:t> The </a:t>
+            </a:r>
+            <a:r>
+              <a:rPr lang="it-IT" dirty="0" err="1"/>
+              <a:t>OpenWeather</a:t>
+            </a:r>
+            <a:r>
+              <a:rPr lang="it-IT" dirty="0"/>
+              <a:t> </a:t>
+            </a:r>
+            <a:r>
+              <a:rPr lang="it-IT" dirty="0" err="1"/>
+              <a:t>codes</a:t>
+            </a:r>
+            <a:r>
+              <a:rPr lang="it-IT" dirty="0"/>
+              <a:t> assume discrete </a:t>
+            </a:r>
+            <a:r>
+              <a:rPr lang="it-IT" dirty="0" err="1"/>
+              <a:t>values</a:t>
+            </a:r>
+            <a:r>
+              <a:rPr lang="it-IT" dirty="0"/>
+              <a:t> (</a:t>
+            </a:r>
+            <a:r>
+              <a:rPr lang="it-IT" dirty="0" err="1"/>
+              <a:t>they</a:t>
+            </a:r>
+            <a:r>
+              <a:rPr lang="it-IT" dirty="0"/>
+              <a:t> are </a:t>
+            </a:r>
+            <a:r>
+              <a:rPr lang="it-IT" dirty="0" err="1"/>
+              <a:t>hundreds</a:t>
+            </a:r>
+            <a:r>
+              <a:rPr lang="it-IT" dirty="0"/>
+              <a:t>)</a:t>
+            </a:r>
+          </a:p>
+          <a:p>
+            <a:pPr>
+              <a:buFont typeface="Arial" panose="020B0604020202020204" pitchFamily="34" charset="0"/>
+              <a:buChar char="•"/>
+            </a:pPr>
+            <a:endParaRPr lang="it-IT" dirty="0"/>
+          </a:p>
+          <a:p>
+            <a:pPr>
+              <a:buFont typeface="Wingdings" panose="05000000000000000000" pitchFamily="2" charset="2"/>
+              <a:buChar char="à"/>
+            </a:pPr>
+            <a:r>
+              <a:rPr lang="it-IT" dirty="0">
+                <a:sym typeface="Wingdings" panose="05000000000000000000" pitchFamily="2" charset="2"/>
+              </a:rPr>
+              <a:t> The </a:t>
+            </a:r>
+            <a:r>
+              <a:rPr lang="it-IT" b="1" dirty="0" err="1">
+                <a:sym typeface="Wingdings" panose="05000000000000000000" pitchFamily="2" charset="2"/>
+              </a:rPr>
+              <a:t>number</a:t>
+            </a:r>
+            <a:r>
+              <a:rPr lang="it-IT" b="1" dirty="0">
+                <a:sym typeface="Wingdings" panose="05000000000000000000" pitchFamily="2" charset="2"/>
+              </a:rPr>
+              <a:t> of </a:t>
+            </a:r>
+            <a:r>
+              <a:rPr lang="it-IT" b="1" dirty="0" err="1">
+                <a:sym typeface="Wingdings" panose="05000000000000000000" pitchFamily="2" charset="2"/>
+              </a:rPr>
+              <a:t>possible</a:t>
+            </a:r>
+            <a:r>
+              <a:rPr lang="it-IT" b="1" dirty="0">
+                <a:sym typeface="Wingdings" panose="05000000000000000000" pitchFamily="2" charset="2"/>
+              </a:rPr>
+              <a:t> </a:t>
+            </a:r>
+            <a:r>
+              <a:rPr lang="it-IT" b="1" dirty="0" err="1">
+                <a:sym typeface="Wingdings" panose="05000000000000000000" pitchFamily="2" charset="2"/>
+              </a:rPr>
+              <a:t>combinations</a:t>
+            </a:r>
+            <a:r>
+              <a:rPr lang="it-IT" b="1" dirty="0">
+                <a:sym typeface="Wingdings" panose="05000000000000000000" pitchFamily="2" charset="2"/>
+              </a:rPr>
+              <a:t> (</a:t>
+            </a:r>
+            <a:r>
+              <a:rPr lang="it-IT" b="1" dirty="0" err="1">
+                <a:sym typeface="Wingdings" panose="05000000000000000000" pitchFamily="2" charset="2"/>
+              </a:rPr>
+              <a:t>states</a:t>
+            </a:r>
+            <a:r>
+              <a:rPr lang="it-IT" b="1" dirty="0">
+                <a:sym typeface="Wingdings" panose="05000000000000000000" pitchFamily="2" charset="2"/>
+              </a:rPr>
+              <a:t>) </a:t>
+            </a:r>
+            <a:r>
+              <a:rPr lang="it-IT" b="1" dirty="0" err="1">
+                <a:sym typeface="Wingdings" panose="05000000000000000000" pitchFamily="2" charset="2"/>
+              </a:rPr>
+              <a:t>is</a:t>
+            </a:r>
+            <a:r>
+              <a:rPr lang="it-IT" b="1" dirty="0">
+                <a:sym typeface="Wingdings" panose="05000000000000000000" pitchFamily="2" charset="2"/>
+              </a:rPr>
+              <a:t> </a:t>
+            </a:r>
+            <a:r>
+              <a:rPr lang="it-IT" b="1" dirty="0" err="1">
+                <a:sym typeface="Wingdings" panose="05000000000000000000" pitchFamily="2" charset="2"/>
+              </a:rPr>
+              <a:t>huge</a:t>
+            </a:r>
+            <a:r>
+              <a:rPr lang="it-IT" b="1" dirty="0">
+                <a:sym typeface="Wingdings" panose="05000000000000000000" pitchFamily="2" charset="2"/>
+              </a:rPr>
+              <a:t>: </a:t>
+            </a:r>
+            <a:r>
+              <a:rPr lang="it-IT" dirty="0">
+                <a:sym typeface="Wingdings" panose="05000000000000000000" pitchFamily="2" charset="2"/>
+              </a:rPr>
+              <a:t>deep </a:t>
+            </a:r>
+            <a:r>
+              <a:rPr lang="it-IT" dirty="0" err="1">
+                <a:sym typeface="Wingdings" panose="05000000000000000000" pitchFamily="2" charset="2"/>
+              </a:rPr>
+              <a:t>reinforcement</a:t>
+            </a:r>
+            <a:r>
+              <a:rPr lang="it-IT" dirty="0">
+                <a:sym typeface="Wingdings" panose="05000000000000000000" pitchFamily="2" charset="2"/>
+              </a:rPr>
+              <a:t> learning </a:t>
+            </a:r>
+            <a:r>
+              <a:rPr lang="it-IT" dirty="0" err="1">
+                <a:sym typeface="Wingdings" panose="05000000000000000000" pitchFamily="2" charset="2"/>
+              </a:rPr>
+              <a:t>is</a:t>
+            </a:r>
+            <a:r>
+              <a:rPr lang="it-IT" dirty="0">
+                <a:sym typeface="Wingdings" panose="05000000000000000000" pitchFamily="2" charset="2"/>
+              </a:rPr>
+              <a:t> </a:t>
+            </a:r>
+            <a:r>
+              <a:rPr lang="it-IT" dirty="0" err="1">
+                <a:sym typeface="Wingdings" panose="05000000000000000000" pitchFamily="2" charset="2"/>
+              </a:rPr>
+              <a:t>needed</a:t>
+            </a:r>
+            <a:endParaRPr lang="it-IT" dirty="0">
+              <a:sym typeface="Wingdings" panose="05000000000000000000" pitchFamily="2" charset="2"/>
+            </a:endParaRPr>
+          </a:p>
+          <a:p>
+            <a:pPr>
+              <a:buFont typeface="Wingdings" panose="05000000000000000000" pitchFamily="2" charset="2"/>
+              <a:buChar char="à"/>
+            </a:pPr>
+            <a:r>
+              <a:rPr lang="it-IT" dirty="0"/>
+              <a:t> </a:t>
+            </a:r>
+            <a:r>
+              <a:rPr lang="it-IT" dirty="0" err="1"/>
+              <a:t>We</a:t>
+            </a:r>
+            <a:r>
+              <a:rPr lang="it-IT" dirty="0"/>
+              <a:t> </a:t>
+            </a:r>
+            <a:r>
+              <a:rPr lang="it-IT" dirty="0" err="1"/>
+              <a:t>suggest</a:t>
+            </a:r>
+            <a:r>
+              <a:rPr lang="it-IT" dirty="0"/>
+              <a:t> </a:t>
+            </a:r>
+            <a:r>
+              <a:rPr lang="it-IT" dirty="0" err="1"/>
+              <a:t>using</a:t>
+            </a:r>
+            <a:r>
+              <a:rPr lang="it-IT" dirty="0"/>
+              <a:t> </a:t>
+            </a:r>
+            <a:r>
+              <a:rPr lang="it-IT" b="1" dirty="0"/>
+              <a:t>a DQN for </a:t>
+            </a:r>
+            <a:r>
+              <a:rPr lang="it-IT" b="1" dirty="0" err="1"/>
+              <a:t>each</a:t>
+            </a:r>
+            <a:r>
+              <a:rPr lang="it-IT" b="1" dirty="0"/>
+              <a:t> house</a:t>
+            </a:r>
+            <a:r>
+              <a:rPr lang="it-IT" dirty="0"/>
+              <a:t>, </a:t>
+            </a:r>
+            <a:r>
+              <a:rPr lang="it-IT" dirty="0" err="1"/>
+              <a:t>which</a:t>
+            </a:r>
+            <a:r>
+              <a:rPr lang="it-IT" dirty="0"/>
+              <a:t> </a:t>
+            </a:r>
+            <a:r>
+              <a:rPr lang="it-IT" dirty="0" err="1"/>
+              <a:t>gives</a:t>
+            </a:r>
+            <a:r>
+              <a:rPr lang="it-IT" dirty="0"/>
+              <a:t> in output, for a </a:t>
+            </a:r>
+            <a:r>
+              <a:rPr lang="it-IT" dirty="0" err="1"/>
+              <a:t>particular</a:t>
+            </a:r>
+            <a:r>
+              <a:rPr lang="it-IT" dirty="0"/>
+              <a:t> state, the action to be </a:t>
+            </a:r>
+            <a:r>
+              <a:rPr lang="it-IT" dirty="0" err="1"/>
+              <a:t>performed</a:t>
+            </a:r>
+            <a:r>
+              <a:rPr lang="it-IT" dirty="0"/>
+              <a:t> for </a:t>
+            </a:r>
+            <a:r>
+              <a:rPr lang="it-IT" dirty="0" err="1"/>
+              <a:t>all</a:t>
+            </a:r>
+            <a:r>
+              <a:rPr lang="it-IT" dirty="0"/>
+              <a:t> the windows of the house.</a:t>
+            </a:r>
+          </a:p>
+        </p:txBody>
+      </p:sp>
+    </p:spTree>
+    <p:extLst>
+      <p:ext uri="{BB962C8B-B14F-4D97-AF65-F5344CB8AC3E}">
+        <p14:creationId xmlns:p14="http://schemas.microsoft.com/office/powerpoint/2010/main" val="785582574"/>
       </p:ext>
     </p:extLst>
   </p:cSld>
@@ -10679,555 +11196,6 @@
 </file>
 
 <file path=ppt/slides/slide30.xml><?xml version="1.0" encoding="utf-8"?>
-<p:sld xmlns:a="http://schemas.openxmlformats.org/drawingml/2006/main" xmlns:r="http://schemas.openxmlformats.org/officeDocument/2006/relationships" xmlns:p="http://schemas.openxmlformats.org/presentationml/2006/main">
-  <p:cSld>
-    <p:spTree>
-      <p:nvGrpSpPr>
-        <p:cNvPr id="1" name=""/>
-        <p:cNvGrpSpPr/>
-        <p:nvPr/>
-      </p:nvGrpSpPr>
-      <p:grpSpPr>
-        <a:xfrm>
-          <a:off x="0" y="0"/>
-          <a:ext cx="0" cy="0"/>
-          <a:chOff x="0" y="0"/>
-          <a:chExt cx="0" cy="0"/>
-        </a:xfrm>
-      </p:grpSpPr>
-      <p:sp>
-        <p:nvSpPr>
-          <p:cNvPr id="2" name="Titolo 1">
-            <a:extLst>
-              <a:ext uri="{FF2B5EF4-FFF2-40B4-BE49-F238E27FC236}">
-                <a16:creationId xmlns:a16="http://schemas.microsoft.com/office/drawing/2014/main" id="{515C0763-9A01-4954-8180-5830C3D02180}"/>
-              </a:ext>
-            </a:extLst>
-          </p:cNvPr>
-          <p:cNvSpPr>
-            <a:spLocks noGrp="1"/>
-          </p:cNvSpPr>
-          <p:nvPr>
-            <p:ph type="title"/>
-          </p:nvPr>
-        </p:nvSpPr>
-        <p:spPr/>
-        <p:txBody>
-          <a:bodyPr/>
-          <a:lstStyle/>
-          <a:p>
-            <a:r>
-              <a:rPr lang="it-IT" dirty="0"/>
-              <a:t>DQN </a:t>
-            </a:r>
-            <a:r>
-              <a:rPr lang="it-IT" dirty="0" err="1"/>
-              <a:t>implementation</a:t>
-            </a:r>
-            <a:r>
-              <a:rPr lang="it-IT" dirty="0"/>
-              <a:t> </a:t>
-            </a:r>
-            <a:r>
-              <a:rPr lang="it-IT" dirty="0" err="1"/>
-              <a:t>ideas</a:t>
-            </a:r>
-            <a:endParaRPr lang="en-GB" dirty="0"/>
-          </a:p>
-        </p:txBody>
-      </p:sp>
-      <p:sp>
-        <p:nvSpPr>
-          <p:cNvPr id="3" name="Segnaposto contenuto 2">
-            <a:extLst>
-              <a:ext uri="{FF2B5EF4-FFF2-40B4-BE49-F238E27FC236}">
-                <a16:creationId xmlns:a16="http://schemas.microsoft.com/office/drawing/2014/main" id="{24E3CFBB-34E7-49B2-8D23-45EAC831B604}"/>
-              </a:ext>
-            </a:extLst>
-          </p:cNvPr>
-          <p:cNvSpPr>
-            <a:spLocks noGrp="1"/>
-          </p:cNvSpPr>
-          <p:nvPr>
-            <p:ph idx="1"/>
-          </p:nvPr>
-        </p:nvSpPr>
-        <p:spPr>
-          <a:xfrm>
-            <a:off x="1097279" y="1845733"/>
-            <a:ext cx="10233329" cy="4435797"/>
-          </a:xfrm>
-        </p:spPr>
-        <p:txBody>
-          <a:bodyPr>
-            <a:normAutofit/>
-          </a:bodyPr>
-          <a:lstStyle/>
-          <a:p>
-            <a:pPr marL="0" indent="0">
-              <a:buNone/>
-            </a:pPr>
-            <a:r>
-              <a:rPr lang="it-IT" dirty="0"/>
-              <a:t>In </a:t>
-            </a:r>
-            <a:r>
-              <a:rPr lang="it-IT" dirty="0" err="1"/>
-              <a:t>our</a:t>
-            </a:r>
-            <a:r>
-              <a:rPr lang="it-IT" dirty="0"/>
-              <a:t> system, </a:t>
-            </a:r>
-            <a:r>
-              <a:rPr lang="it-IT" b="1" dirty="0"/>
-              <a:t>a state S </a:t>
-            </a:r>
-            <a:r>
-              <a:rPr lang="it-IT" b="1" dirty="0" err="1"/>
-              <a:t>is</a:t>
-            </a:r>
-            <a:r>
-              <a:rPr lang="it-IT" b="1" dirty="0"/>
-              <a:t> </a:t>
-            </a:r>
-            <a:r>
-              <a:rPr lang="it-IT" b="1" dirty="0" err="1"/>
-              <a:t>defined</a:t>
-            </a:r>
-            <a:r>
-              <a:rPr lang="it-IT" b="1" dirty="0"/>
-              <a:t> by a </a:t>
-            </a:r>
-            <a:r>
-              <a:rPr lang="it-IT" b="1" dirty="0" err="1"/>
-              <a:t>particular</a:t>
-            </a:r>
-            <a:r>
-              <a:rPr lang="it-IT" b="1" dirty="0"/>
-              <a:t> </a:t>
-            </a:r>
-            <a:r>
-              <a:rPr lang="it-IT" b="1" dirty="0" err="1"/>
-              <a:t>combination</a:t>
-            </a:r>
-            <a:r>
-              <a:rPr lang="it-IT" b="1" dirty="0"/>
-              <a:t> of the 4 </a:t>
-            </a:r>
-            <a:r>
-              <a:rPr lang="it-IT" b="1" dirty="0" err="1"/>
-              <a:t>parameters</a:t>
-            </a:r>
-            <a:r>
-              <a:rPr lang="it-IT" b="1" dirty="0"/>
-              <a:t> </a:t>
-            </a:r>
-            <a:r>
-              <a:rPr lang="it-IT" b="1" dirty="0" err="1"/>
-              <a:t>values</a:t>
-            </a:r>
-            <a:r>
-              <a:rPr lang="it-IT" dirty="0"/>
-              <a:t>.</a:t>
-            </a:r>
-          </a:p>
-          <a:p>
-            <a:pPr>
-              <a:buFont typeface="Arial" panose="020B0604020202020204" pitchFamily="34" charset="0"/>
-              <a:buChar char="•"/>
-            </a:pPr>
-            <a:r>
-              <a:rPr lang="it-IT" dirty="0"/>
-              <a:t> The temperature </a:t>
-            </a:r>
-            <a:r>
-              <a:rPr lang="it-IT" dirty="0" err="1"/>
-              <a:t>parameter</a:t>
-            </a:r>
-            <a:r>
-              <a:rPr lang="it-IT" dirty="0"/>
-              <a:t> can assume </a:t>
-            </a:r>
-            <a:r>
-              <a:rPr lang="it-IT" dirty="0" err="1"/>
-              <a:t>values</a:t>
-            </a:r>
-            <a:r>
-              <a:rPr lang="it-IT" dirty="0"/>
-              <a:t> in the </a:t>
-            </a:r>
-            <a:r>
-              <a:rPr lang="it-IT" dirty="0" err="1"/>
-              <a:t>continuous</a:t>
-            </a:r>
-            <a:r>
-              <a:rPr lang="it-IT" dirty="0"/>
-              <a:t> domain (infinite </a:t>
-            </a:r>
-            <a:r>
-              <a:rPr lang="it-IT" dirty="0" err="1"/>
-              <a:t>values</a:t>
-            </a:r>
-            <a:r>
-              <a:rPr lang="it-IT" dirty="0"/>
-              <a:t>)</a:t>
-            </a:r>
-          </a:p>
-          <a:p>
-            <a:pPr>
-              <a:buFont typeface="Arial" panose="020B0604020202020204" pitchFamily="34" charset="0"/>
-              <a:buChar char="•"/>
-            </a:pPr>
-            <a:r>
-              <a:rPr lang="it-IT" dirty="0"/>
-              <a:t> The light </a:t>
-            </a:r>
-            <a:r>
-              <a:rPr lang="it-IT" dirty="0" err="1"/>
-              <a:t>parameter</a:t>
-            </a:r>
-            <a:r>
-              <a:rPr lang="it-IT" dirty="0"/>
-              <a:t> can assume discrete </a:t>
-            </a:r>
-            <a:r>
-              <a:rPr lang="it-IT" dirty="0" err="1"/>
-              <a:t>values</a:t>
-            </a:r>
-            <a:r>
-              <a:rPr lang="it-IT" dirty="0"/>
-              <a:t> </a:t>
-            </a:r>
-            <a:r>
-              <a:rPr lang="it-IT" dirty="0" err="1"/>
-              <a:t>between</a:t>
-            </a:r>
-            <a:r>
-              <a:rPr lang="it-IT" dirty="0"/>
-              <a:t> 0 and 253</a:t>
-            </a:r>
-          </a:p>
-          <a:p>
-            <a:pPr>
-              <a:buFont typeface="Arial" panose="020B0604020202020204" pitchFamily="34" charset="0"/>
-              <a:buChar char="•"/>
-            </a:pPr>
-            <a:r>
-              <a:rPr lang="it-IT" dirty="0"/>
-              <a:t> The wind </a:t>
-            </a:r>
-            <a:r>
-              <a:rPr lang="it-IT" dirty="0" err="1"/>
-              <a:t>parameter</a:t>
-            </a:r>
-            <a:r>
-              <a:rPr lang="it-IT" dirty="0"/>
-              <a:t> can assume discrete </a:t>
-            </a:r>
-            <a:r>
-              <a:rPr lang="it-IT" dirty="0" err="1"/>
-              <a:t>values</a:t>
-            </a:r>
-            <a:r>
-              <a:rPr lang="it-IT" dirty="0"/>
-              <a:t> </a:t>
-            </a:r>
-            <a:r>
-              <a:rPr lang="it-IT" dirty="0" err="1"/>
-              <a:t>between</a:t>
-            </a:r>
-            <a:r>
-              <a:rPr lang="it-IT" dirty="0"/>
-              <a:t> 0 and 253</a:t>
-            </a:r>
-          </a:p>
-          <a:p>
-            <a:pPr>
-              <a:buFont typeface="Arial" panose="020B0604020202020204" pitchFamily="34" charset="0"/>
-              <a:buChar char="•"/>
-            </a:pPr>
-            <a:r>
-              <a:rPr lang="it-IT" dirty="0"/>
-              <a:t> The </a:t>
-            </a:r>
-            <a:r>
-              <a:rPr lang="it-IT" dirty="0" err="1"/>
-              <a:t>OpenWeather</a:t>
-            </a:r>
-            <a:r>
-              <a:rPr lang="it-IT" dirty="0"/>
-              <a:t> </a:t>
-            </a:r>
-            <a:r>
-              <a:rPr lang="it-IT" dirty="0" err="1"/>
-              <a:t>codes</a:t>
-            </a:r>
-            <a:r>
-              <a:rPr lang="it-IT" dirty="0"/>
-              <a:t> assume discrete </a:t>
-            </a:r>
-            <a:r>
-              <a:rPr lang="it-IT" dirty="0" err="1"/>
-              <a:t>values</a:t>
-            </a:r>
-            <a:r>
-              <a:rPr lang="it-IT" dirty="0"/>
-              <a:t> (</a:t>
-            </a:r>
-            <a:r>
-              <a:rPr lang="it-IT" dirty="0" err="1"/>
-              <a:t>they</a:t>
-            </a:r>
-            <a:r>
-              <a:rPr lang="it-IT" dirty="0"/>
-              <a:t> are </a:t>
-            </a:r>
-            <a:r>
-              <a:rPr lang="it-IT" dirty="0" err="1"/>
-              <a:t>hundreds</a:t>
-            </a:r>
-            <a:r>
-              <a:rPr lang="it-IT" dirty="0"/>
-              <a:t>)</a:t>
-            </a:r>
-          </a:p>
-          <a:p>
-            <a:pPr>
-              <a:buFont typeface="Arial" panose="020B0604020202020204" pitchFamily="34" charset="0"/>
-              <a:buChar char="•"/>
-            </a:pPr>
-            <a:endParaRPr lang="it-IT" dirty="0"/>
-          </a:p>
-          <a:p>
-            <a:pPr>
-              <a:buFont typeface="Wingdings" panose="05000000000000000000" pitchFamily="2" charset="2"/>
-              <a:buChar char="à"/>
-            </a:pPr>
-            <a:r>
-              <a:rPr lang="it-IT" dirty="0">
-                <a:sym typeface="Wingdings" panose="05000000000000000000" pitchFamily="2" charset="2"/>
-              </a:rPr>
-              <a:t> The </a:t>
-            </a:r>
-            <a:r>
-              <a:rPr lang="it-IT" b="1" dirty="0" err="1">
-                <a:sym typeface="Wingdings" panose="05000000000000000000" pitchFamily="2" charset="2"/>
-              </a:rPr>
-              <a:t>number</a:t>
-            </a:r>
-            <a:r>
-              <a:rPr lang="it-IT" b="1" dirty="0">
-                <a:sym typeface="Wingdings" panose="05000000000000000000" pitchFamily="2" charset="2"/>
-              </a:rPr>
-              <a:t> of </a:t>
-            </a:r>
-            <a:r>
-              <a:rPr lang="it-IT" b="1" dirty="0" err="1">
-                <a:sym typeface="Wingdings" panose="05000000000000000000" pitchFamily="2" charset="2"/>
-              </a:rPr>
-              <a:t>possible</a:t>
-            </a:r>
-            <a:r>
-              <a:rPr lang="it-IT" b="1" dirty="0">
-                <a:sym typeface="Wingdings" panose="05000000000000000000" pitchFamily="2" charset="2"/>
-              </a:rPr>
-              <a:t> </a:t>
-            </a:r>
-            <a:r>
-              <a:rPr lang="it-IT" b="1" dirty="0" err="1">
-                <a:sym typeface="Wingdings" panose="05000000000000000000" pitchFamily="2" charset="2"/>
-              </a:rPr>
-              <a:t>combinations</a:t>
-            </a:r>
-            <a:r>
-              <a:rPr lang="it-IT" b="1" dirty="0">
-                <a:sym typeface="Wingdings" panose="05000000000000000000" pitchFamily="2" charset="2"/>
-              </a:rPr>
-              <a:t> (</a:t>
-            </a:r>
-            <a:r>
-              <a:rPr lang="it-IT" b="1" dirty="0" err="1">
-                <a:sym typeface="Wingdings" panose="05000000000000000000" pitchFamily="2" charset="2"/>
-              </a:rPr>
-              <a:t>states</a:t>
-            </a:r>
-            <a:r>
-              <a:rPr lang="it-IT" b="1" dirty="0">
-                <a:sym typeface="Wingdings" panose="05000000000000000000" pitchFamily="2" charset="2"/>
-              </a:rPr>
-              <a:t>) </a:t>
-            </a:r>
-            <a:r>
-              <a:rPr lang="it-IT" b="1" dirty="0" err="1">
-                <a:sym typeface="Wingdings" panose="05000000000000000000" pitchFamily="2" charset="2"/>
-              </a:rPr>
-              <a:t>is</a:t>
-            </a:r>
-            <a:r>
-              <a:rPr lang="it-IT" b="1" dirty="0">
-                <a:sym typeface="Wingdings" panose="05000000000000000000" pitchFamily="2" charset="2"/>
-              </a:rPr>
-              <a:t> </a:t>
-            </a:r>
-            <a:r>
-              <a:rPr lang="it-IT" b="1" dirty="0" err="1">
-                <a:sym typeface="Wingdings" panose="05000000000000000000" pitchFamily="2" charset="2"/>
-              </a:rPr>
-              <a:t>huge</a:t>
-            </a:r>
-            <a:r>
-              <a:rPr lang="it-IT" b="1" dirty="0">
-                <a:sym typeface="Wingdings" panose="05000000000000000000" pitchFamily="2" charset="2"/>
-              </a:rPr>
-              <a:t>: </a:t>
-            </a:r>
-            <a:r>
-              <a:rPr lang="it-IT" dirty="0">
-                <a:sym typeface="Wingdings" panose="05000000000000000000" pitchFamily="2" charset="2"/>
-              </a:rPr>
-              <a:t>deep </a:t>
-            </a:r>
-            <a:r>
-              <a:rPr lang="it-IT" dirty="0" err="1">
-                <a:sym typeface="Wingdings" panose="05000000000000000000" pitchFamily="2" charset="2"/>
-              </a:rPr>
-              <a:t>reinforcement</a:t>
-            </a:r>
-            <a:r>
-              <a:rPr lang="it-IT" dirty="0">
-                <a:sym typeface="Wingdings" panose="05000000000000000000" pitchFamily="2" charset="2"/>
-              </a:rPr>
-              <a:t> learning </a:t>
-            </a:r>
-            <a:r>
-              <a:rPr lang="it-IT" dirty="0" err="1">
-                <a:sym typeface="Wingdings" panose="05000000000000000000" pitchFamily="2" charset="2"/>
-              </a:rPr>
-              <a:t>is</a:t>
-            </a:r>
-            <a:r>
-              <a:rPr lang="it-IT" dirty="0">
-                <a:sym typeface="Wingdings" panose="05000000000000000000" pitchFamily="2" charset="2"/>
-              </a:rPr>
-              <a:t> </a:t>
-            </a:r>
-            <a:r>
-              <a:rPr lang="it-IT" dirty="0" err="1">
-                <a:sym typeface="Wingdings" panose="05000000000000000000" pitchFamily="2" charset="2"/>
-              </a:rPr>
-              <a:t>needed</a:t>
-            </a:r>
-            <a:endParaRPr lang="it-IT" dirty="0">
-              <a:sym typeface="Wingdings" panose="05000000000000000000" pitchFamily="2" charset="2"/>
-            </a:endParaRPr>
-          </a:p>
-          <a:p>
-            <a:pPr>
-              <a:buFont typeface="Wingdings" panose="05000000000000000000" pitchFamily="2" charset="2"/>
-              <a:buChar char="à"/>
-            </a:pPr>
-            <a:r>
-              <a:rPr lang="it-IT" dirty="0"/>
-              <a:t> </a:t>
-            </a:r>
-            <a:r>
-              <a:rPr lang="it-IT" dirty="0" err="1"/>
-              <a:t>We</a:t>
-            </a:r>
-            <a:r>
-              <a:rPr lang="it-IT" dirty="0"/>
-              <a:t> </a:t>
-            </a:r>
-            <a:r>
-              <a:rPr lang="it-IT" dirty="0" err="1"/>
-              <a:t>suggest</a:t>
-            </a:r>
-            <a:r>
-              <a:rPr lang="it-IT" dirty="0"/>
-              <a:t> </a:t>
-            </a:r>
-            <a:r>
-              <a:rPr lang="it-IT" dirty="0" err="1"/>
-              <a:t>using</a:t>
-            </a:r>
-            <a:r>
-              <a:rPr lang="it-IT" dirty="0"/>
-              <a:t> </a:t>
-            </a:r>
-            <a:r>
-              <a:rPr lang="it-IT" b="1" dirty="0"/>
-              <a:t>a DQN for </a:t>
-            </a:r>
-            <a:r>
-              <a:rPr lang="it-IT" b="1" dirty="0" err="1"/>
-              <a:t>each</a:t>
-            </a:r>
-            <a:r>
-              <a:rPr lang="it-IT" b="1" dirty="0"/>
-              <a:t> house</a:t>
-            </a:r>
-            <a:r>
-              <a:rPr lang="it-IT" dirty="0"/>
-              <a:t>, </a:t>
-            </a:r>
-            <a:r>
-              <a:rPr lang="it-IT" dirty="0" err="1"/>
-              <a:t>which</a:t>
-            </a:r>
-            <a:r>
-              <a:rPr lang="it-IT" dirty="0"/>
-              <a:t> </a:t>
-            </a:r>
-            <a:r>
-              <a:rPr lang="it-IT" dirty="0" err="1"/>
-              <a:t>gives</a:t>
-            </a:r>
-            <a:r>
-              <a:rPr lang="it-IT" dirty="0"/>
-              <a:t> in output, for a </a:t>
-            </a:r>
-            <a:r>
-              <a:rPr lang="it-IT" dirty="0" err="1"/>
-              <a:t>particular</a:t>
-            </a:r>
-            <a:r>
-              <a:rPr lang="it-IT" dirty="0"/>
-              <a:t> state, the action to be </a:t>
-            </a:r>
-            <a:r>
-              <a:rPr lang="it-IT" dirty="0" err="1"/>
-              <a:t>performed</a:t>
-            </a:r>
-            <a:r>
-              <a:rPr lang="it-IT" dirty="0"/>
-              <a:t> for </a:t>
-            </a:r>
-            <a:r>
-              <a:rPr lang="it-IT" dirty="0" err="1"/>
-              <a:t>all</a:t>
-            </a:r>
-            <a:r>
-              <a:rPr lang="it-IT" dirty="0"/>
-              <a:t> the windows of the house.</a:t>
-            </a:r>
-          </a:p>
-        </p:txBody>
-      </p:sp>
-    </p:spTree>
-    <p:extLst>
-      <p:ext uri="{BB962C8B-B14F-4D97-AF65-F5344CB8AC3E}">
-        <p14:creationId xmlns:p14="http://schemas.microsoft.com/office/powerpoint/2010/main" val="785582574"/>
-      </p:ext>
-    </p:extLst>
-  </p:cSld>
-  <p:clrMapOvr>
-    <a:masterClrMapping/>
-  </p:clrMapOvr>
-</p:sld>
-</file>
-
-<file path=ppt/slides/slide31.xml><?xml version="1.0" encoding="utf-8"?>
 <p:sld xmlns:a="http://schemas.openxmlformats.org/drawingml/2006/main" xmlns:r="http://schemas.openxmlformats.org/officeDocument/2006/relationships" xmlns:p="http://schemas.openxmlformats.org/presentationml/2006/main">
   <p:cSld>
     <p:spTree>

--- a/Smart Neighborhood.pptx
+++ b/Smart Neighborhood.pptx
@@ -367,7 +367,7 @@
           <a:p>
             <a:fld id="{8BE6B674-AADE-49EF-9780-6CBE5B9EDB57}" type="datetimeFigureOut">
               <a:rPr lang="en-GB" smtClean="0"/>
-              <a:t>24/05/2022</a:t>
+              <a:t>26/05/2022</a:t>
             </a:fld>
             <a:endParaRPr lang="en-GB"/>
           </a:p>
@@ -575,7 +575,7 @@
           <a:p>
             <a:fld id="{8BE6B674-AADE-49EF-9780-6CBE5B9EDB57}" type="datetimeFigureOut">
               <a:rPr lang="en-GB" smtClean="0"/>
-              <a:t>24/05/2022</a:t>
+              <a:t>26/05/2022</a:t>
             </a:fld>
             <a:endParaRPr lang="en-GB"/>
           </a:p>
@@ -831,7 +831,7 @@
           <a:p>
             <a:fld id="{8BE6B674-AADE-49EF-9780-6CBE5B9EDB57}" type="datetimeFigureOut">
               <a:rPr lang="en-GB" smtClean="0"/>
-              <a:t>24/05/2022</a:t>
+              <a:t>26/05/2022</a:t>
             </a:fld>
             <a:endParaRPr lang="en-GB"/>
           </a:p>
@@ -1005,7 +1005,7 @@
           <a:p>
             <a:fld id="{8BE6B674-AADE-49EF-9780-6CBE5B9EDB57}" type="datetimeFigureOut">
               <a:rPr lang="en-GB" smtClean="0"/>
-              <a:t>24/05/2022</a:t>
+              <a:t>26/05/2022</a:t>
             </a:fld>
             <a:endParaRPr lang="en-GB"/>
           </a:p>
@@ -1348,7 +1348,7 @@
           <a:p>
             <a:fld id="{8BE6B674-AADE-49EF-9780-6CBE5B9EDB57}" type="datetimeFigureOut">
               <a:rPr lang="en-GB" smtClean="0"/>
-              <a:t>24/05/2022</a:t>
+              <a:t>26/05/2022</a:t>
             </a:fld>
             <a:endParaRPr lang="en-GB"/>
           </a:p>
@@ -1623,7 +1623,7 @@
           <a:p>
             <a:fld id="{8BE6B674-AADE-49EF-9780-6CBE5B9EDB57}" type="datetimeFigureOut">
               <a:rPr lang="en-GB" smtClean="0"/>
-              <a:t>24/05/2022</a:t>
+              <a:t>26/05/2022</a:t>
             </a:fld>
             <a:endParaRPr lang="en-GB"/>
           </a:p>
@@ -2002,7 +2002,7 @@
           <a:p>
             <a:fld id="{8BE6B674-AADE-49EF-9780-6CBE5B9EDB57}" type="datetimeFigureOut">
               <a:rPr lang="en-GB" smtClean="0"/>
-              <a:t>24/05/2022</a:t>
+              <a:t>26/05/2022</a:t>
             </a:fld>
             <a:endParaRPr lang="en-GB"/>
           </a:p>
@@ -2120,7 +2120,7 @@
           <a:p>
             <a:fld id="{8BE6B674-AADE-49EF-9780-6CBE5B9EDB57}" type="datetimeFigureOut">
               <a:rPr lang="en-GB" smtClean="0"/>
-              <a:t>24/05/2022</a:t>
+              <a:t>26/05/2022</a:t>
             </a:fld>
             <a:endParaRPr lang="en-GB"/>
           </a:p>
@@ -2291,7 +2291,7 @@
           <a:p>
             <a:fld id="{8BE6B674-AADE-49EF-9780-6CBE5B9EDB57}" type="datetimeFigureOut">
               <a:rPr lang="en-GB" smtClean="0"/>
-              <a:t>24/05/2022</a:t>
+              <a:t>26/05/2022</a:t>
             </a:fld>
             <a:endParaRPr lang="en-GB"/>
           </a:p>
@@ -2645,7 +2645,7 @@
           <a:p>
             <a:fld id="{8BE6B674-AADE-49EF-9780-6CBE5B9EDB57}" type="datetimeFigureOut">
               <a:rPr lang="en-GB" smtClean="0"/>
-              <a:t>24/05/2022</a:t>
+              <a:t>26/05/2022</a:t>
             </a:fld>
             <a:endParaRPr lang="en-GB"/>
           </a:p>
@@ -3027,7 +3027,7 @@
           <a:p>
             <a:fld id="{8BE6B674-AADE-49EF-9780-6CBE5B9EDB57}" type="datetimeFigureOut">
               <a:rPr lang="en-GB" smtClean="0"/>
-              <a:t>24/05/2022</a:t>
+              <a:t>26/05/2022</a:t>
             </a:fld>
             <a:endParaRPr lang="en-GB"/>
           </a:p>
@@ -3314,7 +3314,7 @@
           <a:p>
             <a:fld id="{8BE6B674-AADE-49EF-9780-6CBE5B9EDB57}" type="datetimeFigureOut">
               <a:rPr lang="en-GB" smtClean="0"/>
-              <a:t>24/05/2022</a:t>
+              <a:t>26/05/2022</a:t>
             </a:fld>
             <a:endParaRPr lang="en-GB"/>
           </a:p>
@@ -4229,14 +4229,14 @@
             <p:ph idx="1"/>
             <p:extLst>
               <p:ext uri="{D42A27DB-BD31-4B8C-83A1-F6EECF244321}">
-                <p14:modId xmlns:p14="http://schemas.microsoft.com/office/powerpoint/2010/main" val="474839836"/>
+                <p14:modId xmlns:p14="http://schemas.microsoft.com/office/powerpoint/2010/main" val="2784963852"/>
               </p:ext>
             </p:extLst>
           </p:nvPr>
         </p:nvGraphicFramePr>
         <p:xfrm>
           <a:off x="1097280" y="1819760"/>
-          <a:ext cx="10264140" cy="4495120"/>
+          <a:ext cx="10264140" cy="4129360"/>
         </p:xfrm>
         <a:graphic>
           <a:graphicData uri="http://schemas.openxmlformats.org/drawingml/2006/table">
@@ -4585,53 +4585,6 @@
                 <a:extLst>
                   <a:ext uri="{0D108BD9-81ED-4DB2-BD59-A6C34878D82A}">
                     <a16:rowId xmlns:a16="http://schemas.microsoft.com/office/drawing/2014/main" val="690430229"/>
-                  </a:ext>
-                </a:extLst>
-              </a:tr>
-              <a:tr h="334818">
-                <a:tc>
-                  <a:txBody>
-                    <a:bodyPr/>
-                    <a:lstStyle/>
-                    <a:p>
-                      <a:r>
-                        <a:rPr lang="it-IT" dirty="0" err="1"/>
-                        <a:t>Prettier</a:t>
-                      </a:r>
-                      <a:r>
-                        <a:rPr lang="it-IT" dirty="0"/>
-                        <a:t> </a:t>
-                      </a:r>
-                      <a:r>
-                        <a:rPr lang="it-IT" dirty="0" err="1"/>
-                        <a:t>buttons</a:t>
-                      </a:r>
-                      <a:endParaRPr lang="en-GB" dirty="0"/>
-                    </a:p>
-                  </a:txBody>
-                  <a:tcPr/>
-                </a:tc>
-                <a:tc>
-                  <a:txBody>
-                    <a:bodyPr/>
-                    <a:lstStyle/>
-                    <a:p>
-                      <a:r>
-                        <a:rPr lang="it-IT" dirty="0"/>
-                        <a:t>Push </a:t>
-                      </a:r>
-                      <a:r>
-                        <a:rPr lang="it-IT" dirty="0" err="1"/>
-                        <a:t>buttons</a:t>
-                      </a:r>
-                      <a:endParaRPr lang="en-GB" dirty="0"/>
-                    </a:p>
-                  </a:txBody>
-                  <a:tcPr/>
-                </a:tc>
-                <a:extLst>
-                  <a:ext uri="{0D108BD9-81ED-4DB2-BD59-A6C34878D82A}">
-                    <a16:rowId xmlns:a16="http://schemas.microsoft.com/office/drawing/2014/main" val="1728114885"/>
                   </a:ext>
                 </a:extLst>
               </a:tr>

--- a/Smart Neighborhood.pptx
+++ b/Smart Neighborhood.pptx
@@ -12490,10 +12490,7 @@
               <a:rPr lang="it-IT" sz="2400" b="1" dirty="0"/>
               <a:t>/modular</a:t>
             </a:r>
-            <a:r>
-              <a:rPr lang="it-IT" sz="2400" dirty="0"/>
-              <a:t>: </a:t>
-            </a:r>
+            <a:endParaRPr lang="it-IT" sz="2400" dirty="0"/>
           </a:p>
           <a:p>
             <a:pPr>
